--- a/Presentation/Project_Presentation.pptx
+++ b/Presentation/Project_Presentation.pptx
@@ -16,6 +16,9 @@
     <p:sldId id="264" r:id="rId10"/>
     <p:sldId id="265" r:id="rId11"/>
     <p:sldId id="266" r:id="rId12"/>
+    <p:sldId id="267" r:id="rId13"/>
+    <p:sldId id="268" r:id="rId14"/>
+    <p:sldId id="269" r:id="rId15"/>
   </p:sldIdLst>
   <p:sldSz cx="9144000" cy="6858000" type="screen4x3"/>
   <p:notesSz cx="6858000" cy="9144000"/>
@@ -298,6 +301,7 @@
           <a:p>
             <a:fld id="{22278AEF-C5F7-4B66-AA02-1B9777B8FF83}" type="datetimeFigureOut">
               <a:rPr lang="en-US" smtClean="0"/>
+              <a:pPr/>
               <a:t>03-Oct-20</a:t>
             </a:fld>
             <a:endParaRPr lang="en-US"/>
@@ -340,6 +344,7 @@
           <a:p>
             <a:fld id="{FAF84F99-15C9-424C-8C40-4FD4E37FE306}" type="slidenum">
               <a:rPr lang="en-US" smtClean="0"/>
+              <a:pPr/>
               <a:t>‹#›</a:t>
             </a:fld>
             <a:endParaRPr lang="en-US"/>
@@ -463,6 +468,7 @@
           <a:p>
             <a:fld id="{22278AEF-C5F7-4B66-AA02-1B9777B8FF83}" type="datetimeFigureOut">
               <a:rPr lang="en-US" smtClean="0"/>
+              <a:pPr/>
               <a:t>03-Oct-20</a:t>
             </a:fld>
             <a:endParaRPr lang="en-US"/>
@@ -505,6 +511,7 @@
           <a:p>
             <a:fld id="{FAF84F99-15C9-424C-8C40-4FD4E37FE306}" type="slidenum">
               <a:rPr lang="en-US" smtClean="0"/>
+              <a:pPr/>
               <a:t>‹#›</a:t>
             </a:fld>
             <a:endParaRPr lang="en-US"/>
@@ -638,6 +645,7 @@
           <a:p>
             <a:fld id="{22278AEF-C5F7-4B66-AA02-1B9777B8FF83}" type="datetimeFigureOut">
               <a:rPr lang="en-US" smtClean="0"/>
+              <a:pPr/>
               <a:t>03-Oct-20</a:t>
             </a:fld>
             <a:endParaRPr lang="en-US"/>
@@ -680,6 +688,7 @@
           <a:p>
             <a:fld id="{FAF84F99-15C9-424C-8C40-4FD4E37FE306}" type="slidenum">
               <a:rPr lang="en-US" smtClean="0"/>
+              <a:pPr/>
               <a:t>‹#›</a:t>
             </a:fld>
             <a:endParaRPr lang="en-US"/>
@@ -803,6 +812,7 @@
           <a:p>
             <a:fld id="{22278AEF-C5F7-4B66-AA02-1B9777B8FF83}" type="datetimeFigureOut">
               <a:rPr lang="en-US" smtClean="0"/>
+              <a:pPr/>
               <a:t>03-Oct-20</a:t>
             </a:fld>
             <a:endParaRPr lang="en-US"/>
@@ -845,6 +855,7 @@
           <a:p>
             <a:fld id="{FAF84F99-15C9-424C-8C40-4FD4E37FE306}" type="slidenum">
               <a:rPr lang="en-US" smtClean="0"/>
+              <a:pPr/>
               <a:t>‹#›</a:t>
             </a:fld>
             <a:endParaRPr lang="en-US"/>
@@ -1044,6 +1055,7 @@
           <a:p>
             <a:fld id="{22278AEF-C5F7-4B66-AA02-1B9777B8FF83}" type="datetimeFigureOut">
               <a:rPr lang="en-US" smtClean="0"/>
+              <a:pPr/>
               <a:t>03-Oct-20</a:t>
             </a:fld>
             <a:endParaRPr lang="en-US"/>
@@ -1086,6 +1098,7 @@
           <a:p>
             <a:fld id="{FAF84F99-15C9-424C-8C40-4FD4E37FE306}" type="slidenum">
               <a:rPr lang="en-US" smtClean="0"/>
+              <a:pPr/>
               <a:t>‹#›</a:t>
             </a:fld>
             <a:endParaRPr lang="en-US"/>
@@ -1327,6 +1340,7 @@
           <a:p>
             <a:fld id="{22278AEF-C5F7-4B66-AA02-1B9777B8FF83}" type="datetimeFigureOut">
               <a:rPr lang="en-US" smtClean="0"/>
+              <a:pPr/>
               <a:t>03-Oct-20</a:t>
             </a:fld>
             <a:endParaRPr lang="en-US"/>
@@ -1369,6 +1383,7 @@
           <a:p>
             <a:fld id="{FAF84F99-15C9-424C-8C40-4FD4E37FE306}" type="slidenum">
               <a:rPr lang="en-US" smtClean="0"/>
+              <a:pPr/>
               <a:t>‹#›</a:t>
             </a:fld>
             <a:endParaRPr lang="en-US"/>
@@ -1744,6 +1759,7 @@
           <a:p>
             <a:fld id="{22278AEF-C5F7-4B66-AA02-1B9777B8FF83}" type="datetimeFigureOut">
               <a:rPr lang="en-US" smtClean="0"/>
+              <a:pPr/>
               <a:t>03-Oct-20</a:t>
             </a:fld>
             <a:endParaRPr lang="en-US"/>
@@ -1786,6 +1802,7 @@
           <a:p>
             <a:fld id="{FAF84F99-15C9-424C-8C40-4FD4E37FE306}" type="slidenum">
               <a:rPr lang="en-US" smtClean="0"/>
+              <a:pPr/>
               <a:t>‹#›</a:t>
             </a:fld>
             <a:endParaRPr lang="en-US"/>
@@ -1857,6 +1874,7 @@
           <a:p>
             <a:fld id="{22278AEF-C5F7-4B66-AA02-1B9777B8FF83}" type="datetimeFigureOut">
               <a:rPr lang="en-US" smtClean="0"/>
+              <a:pPr/>
               <a:t>03-Oct-20</a:t>
             </a:fld>
             <a:endParaRPr lang="en-US"/>
@@ -1899,6 +1917,7 @@
           <a:p>
             <a:fld id="{FAF84F99-15C9-424C-8C40-4FD4E37FE306}" type="slidenum">
               <a:rPr lang="en-US" smtClean="0"/>
+              <a:pPr/>
               <a:t>‹#›</a:t>
             </a:fld>
             <a:endParaRPr lang="en-US"/>
@@ -1947,6 +1966,7 @@
           <a:p>
             <a:fld id="{22278AEF-C5F7-4B66-AA02-1B9777B8FF83}" type="datetimeFigureOut">
               <a:rPr lang="en-US" smtClean="0"/>
+              <a:pPr/>
               <a:t>03-Oct-20</a:t>
             </a:fld>
             <a:endParaRPr lang="en-US"/>
@@ -1989,6 +2009,7 @@
           <a:p>
             <a:fld id="{FAF84F99-15C9-424C-8C40-4FD4E37FE306}" type="slidenum">
               <a:rPr lang="en-US" smtClean="0"/>
+              <a:pPr/>
               <a:t>‹#›</a:t>
             </a:fld>
             <a:endParaRPr lang="en-US"/>
@@ -2219,6 +2240,7 @@
           <a:p>
             <a:fld id="{22278AEF-C5F7-4B66-AA02-1B9777B8FF83}" type="datetimeFigureOut">
               <a:rPr lang="en-US" smtClean="0"/>
+              <a:pPr/>
               <a:t>03-Oct-20</a:t>
             </a:fld>
             <a:endParaRPr lang="en-US"/>
@@ -2261,6 +2283,7 @@
           <a:p>
             <a:fld id="{FAF84F99-15C9-424C-8C40-4FD4E37FE306}" type="slidenum">
               <a:rPr lang="en-US" smtClean="0"/>
+              <a:pPr/>
               <a:t>‹#›</a:t>
             </a:fld>
             <a:endParaRPr lang="en-US"/>
@@ -2467,6 +2490,7 @@
           <a:p>
             <a:fld id="{22278AEF-C5F7-4B66-AA02-1B9777B8FF83}" type="datetimeFigureOut">
               <a:rPr lang="en-US" smtClean="0"/>
+              <a:pPr/>
               <a:t>03-Oct-20</a:t>
             </a:fld>
             <a:endParaRPr lang="en-US"/>
@@ -2509,6 +2533,7 @@
           <a:p>
             <a:fld id="{FAF84F99-15C9-424C-8C40-4FD4E37FE306}" type="slidenum">
               <a:rPr lang="en-US" smtClean="0"/>
+              <a:pPr/>
               <a:t>‹#›</a:t>
             </a:fld>
             <a:endParaRPr lang="en-US"/>
@@ -2675,6 +2700,7 @@
           <a:p>
             <a:fld id="{22278AEF-C5F7-4B66-AA02-1B9777B8FF83}" type="datetimeFigureOut">
               <a:rPr lang="en-US" smtClean="0"/>
+              <a:pPr/>
               <a:t>03-Oct-20</a:t>
             </a:fld>
             <a:endParaRPr lang="en-US"/>
@@ -2753,6 +2779,7 @@
           <a:p>
             <a:fld id="{FAF84F99-15C9-424C-8C40-4FD4E37FE306}" type="slidenum">
               <a:rPr lang="en-US" smtClean="0"/>
+              <a:pPr/>
               <a:t>‹#›</a:t>
             </a:fld>
             <a:endParaRPr lang="en-US"/>
@@ -3139,19 +3166,7 @@
           <a:p>
             <a:r>
               <a:rPr lang="en-US" dirty="0" smtClean="0"/>
-              <a:t>Our app </a:t>
-            </a:r>
-            <a:r>
-              <a:rPr lang="en-US" dirty="0" smtClean="0"/>
-              <a:t>will be supportable in </a:t>
-            </a:r>
-            <a:r>
-              <a:rPr lang="en-US" dirty="0" smtClean="0"/>
-              <a:t>every android </a:t>
-            </a:r>
-            <a:r>
-              <a:rPr lang="en-US" dirty="0" smtClean="0"/>
-              <a:t>mobiles.</a:t>
+              <a:t>Our app will be supportable in every android mobiles.</a:t>
             </a:r>
           </a:p>
           <a:p>
@@ -3413,6 +3428,169 @@
           </a:p>
         </p:txBody>
       </p:sp>
+    </p:spTree>
+  </p:cSld>
+  <p:clrMapOvr>
+    <a:masterClrMapping/>
+  </p:clrMapOvr>
+</p:sld>
+</file>
+
+<file path=ppt/slides/slide12.xml><?xml version="1.0" encoding="utf-8"?>
+<p:sld xmlns:a="http://schemas.openxmlformats.org/drawingml/2006/main" xmlns:r="http://schemas.openxmlformats.org/officeDocument/2006/relationships" xmlns:p="http://schemas.openxmlformats.org/presentationml/2006/main">
+  <p:cSld>
+    <p:spTree>
+      <p:nvGrpSpPr>
+        <p:cNvPr id="1" name=""/>
+        <p:cNvGrpSpPr/>
+        <p:nvPr/>
+      </p:nvGrpSpPr>
+      <p:grpSpPr>
+        <a:xfrm>
+          <a:off x="0" y="0"/>
+          <a:ext cx="0" cy="0"/>
+          <a:chOff x="0" y="0"/>
+          <a:chExt cx="0" cy="0"/>
+        </a:xfrm>
+      </p:grpSpPr>
+      <p:pic>
+        <p:nvPicPr>
+          <p:cNvPr id="1026" name="Picture 2"/>
+          <p:cNvPicPr>
+            <a:picLocks noGrp="1" noChangeAspect="1" noChangeArrowheads="1"/>
+          </p:cNvPicPr>
+          <p:nvPr>
+            <p:ph idx="1"/>
+          </p:nvPr>
+        </p:nvPicPr>
+        <p:blipFill>
+          <a:blip r:embed="rId2" cstate="print"/>
+          <a:srcRect/>
+          <a:stretch>
+            <a:fillRect/>
+          </a:stretch>
+        </p:blipFill>
+        <p:spPr bwMode="auto">
+          <a:xfrm>
+            <a:off x="0" y="76200"/>
+            <a:ext cx="9144000" cy="6858000"/>
+          </a:xfrm>
+          <a:prstGeom prst="rect">
+            <a:avLst/>
+          </a:prstGeom>
+          <a:noFill/>
+          <a:ln w="9525">
+            <a:noFill/>
+            <a:miter lim="800000"/>
+            <a:headEnd/>
+            <a:tailEnd/>
+          </a:ln>
+          <a:effectLst/>
+        </p:spPr>
+      </p:pic>
+    </p:spTree>
+  </p:cSld>
+  <p:clrMapOvr>
+    <a:masterClrMapping/>
+  </p:clrMapOvr>
+</p:sld>
+</file>
+
+<file path=ppt/slides/slide13.xml><?xml version="1.0" encoding="utf-8"?>
+<p:sld xmlns:a="http://schemas.openxmlformats.org/drawingml/2006/main" xmlns:r="http://schemas.openxmlformats.org/officeDocument/2006/relationships" xmlns:p="http://schemas.openxmlformats.org/presentationml/2006/main">
+  <p:cSld>
+    <p:spTree>
+      <p:nvGrpSpPr>
+        <p:cNvPr id="1" name=""/>
+        <p:cNvGrpSpPr/>
+        <p:nvPr/>
+      </p:nvGrpSpPr>
+      <p:grpSpPr>
+        <a:xfrm>
+          <a:off x="0" y="0"/>
+          <a:ext cx="0" cy="0"/>
+          <a:chOff x="0" y="0"/>
+          <a:chExt cx="0" cy="0"/>
+        </a:xfrm>
+      </p:grpSpPr>
+      <p:graphicFrame>
+        <p:nvGraphicFramePr>
+          <p:cNvPr id="2050" name="Object 2"/>
+          <p:cNvGraphicFramePr>
+            <a:graphicFrameLocks noChangeAspect="1"/>
+          </p:cNvGraphicFramePr>
+          <p:nvPr/>
+        </p:nvGraphicFramePr>
+        <p:xfrm>
+          <a:off x="-370194" y="228601"/>
+          <a:ext cx="8752194" cy="6476999"/>
+        </p:xfrm>
+        <a:graphic>
+          <a:graphicData uri="http://schemas.openxmlformats.org/presentationml/2006/ole">
+            <p:oleObj spid="_x0000_s2050" name="Visio" r:id="rId3" imgW="6486663" imgH="7257885" progId="Visio.Drawing.15">
+              <p:embed/>
+            </p:oleObj>
+          </a:graphicData>
+        </a:graphic>
+      </p:graphicFrame>
+    </p:spTree>
+  </p:cSld>
+  <p:clrMapOvr>
+    <a:masterClrMapping/>
+  </p:clrMapOvr>
+</p:sld>
+</file>
+
+<file path=ppt/slides/slide14.xml><?xml version="1.0" encoding="utf-8"?>
+<p:sld xmlns:a="http://schemas.openxmlformats.org/drawingml/2006/main" xmlns:r="http://schemas.openxmlformats.org/officeDocument/2006/relationships" xmlns:p="http://schemas.openxmlformats.org/presentationml/2006/main">
+  <p:cSld>
+    <p:spTree>
+      <p:nvGrpSpPr>
+        <p:cNvPr id="1" name=""/>
+        <p:cNvGrpSpPr/>
+        <p:nvPr/>
+      </p:nvGrpSpPr>
+      <p:grpSpPr>
+        <a:xfrm>
+          <a:off x="0" y="0"/>
+          <a:ext cx="0" cy="0"/>
+          <a:chOff x="0" y="0"/>
+          <a:chExt cx="0" cy="0"/>
+        </a:xfrm>
+      </p:grpSpPr>
+      <p:pic>
+        <p:nvPicPr>
+          <p:cNvPr id="3074" name="Picture 2"/>
+          <p:cNvPicPr>
+            <a:picLocks noChangeAspect="1" noChangeArrowheads="1"/>
+          </p:cNvPicPr>
+          <p:nvPr/>
+        </p:nvPicPr>
+        <p:blipFill>
+          <a:blip r:embed="rId2"/>
+          <a:srcRect/>
+          <a:stretch>
+            <a:fillRect/>
+          </a:stretch>
+        </p:blipFill>
+        <p:spPr bwMode="auto">
+          <a:xfrm>
+            <a:off x="0" y="152400"/>
+            <a:ext cx="9143999" cy="6705600"/>
+          </a:xfrm>
+          <a:prstGeom prst="rect">
+            <a:avLst/>
+          </a:prstGeom>
+          <a:noFill/>
+          <a:ln w="9525">
+            <a:noFill/>
+            <a:miter lim="800000"/>
+            <a:headEnd/>
+            <a:tailEnd/>
+          </a:ln>
+          <a:effectLst/>
+        </p:spPr>
+      </p:pic>
     </p:spTree>
   </p:cSld>
   <p:clrMapOvr>

--- a/Presentation/Project_Presentation.pptx
+++ b/Presentation/Project_Presentation.pptx
@@ -16,9 +16,31 @@
     <p:sldId id="264" r:id="rId10"/>
     <p:sldId id="265" r:id="rId11"/>
     <p:sldId id="266" r:id="rId12"/>
-    <p:sldId id="267" r:id="rId13"/>
-    <p:sldId id="268" r:id="rId14"/>
-    <p:sldId id="269" r:id="rId15"/>
+    <p:sldId id="293" r:id="rId13"/>
+    <p:sldId id="294" r:id="rId14"/>
+    <p:sldId id="295" r:id="rId15"/>
+    <p:sldId id="270" r:id="rId16"/>
+    <p:sldId id="271" r:id="rId17"/>
+    <p:sldId id="272" r:id="rId18"/>
+    <p:sldId id="273" r:id="rId19"/>
+    <p:sldId id="267" r:id="rId20"/>
+    <p:sldId id="268" r:id="rId21"/>
+    <p:sldId id="269" r:id="rId22"/>
+    <p:sldId id="275" r:id="rId23"/>
+    <p:sldId id="276" r:id="rId24"/>
+    <p:sldId id="277" r:id="rId25"/>
+    <p:sldId id="278" r:id="rId26"/>
+    <p:sldId id="279" r:id="rId27"/>
+    <p:sldId id="280" r:id="rId28"/>
+    <p:sldId id="281" r:id="rId29"/>
+    <p:sldId id="282" r:id="rId30"/>
+    <p:sldId id="283" r:id="rId31"/>
+    <p:sldId id="284" r:id="rId32"/>
+    <p:sldId id="285" r:id="rId33"/>
+    <p:sldId id="287" r:id="rId34"/>
+    <p:sldId id="288" r:id="rId35"/>
+    <p:sldId id="289" r:id="rId36"/>
+    <p:sldId id="290" r:id="rId37"/>
   </p:sldIdLst>
   <p:sldSz cx="9144000" cy="6858000" type="screen4x3"/>
   <p:notesSz cx="6858000" cy="9144000"/>
@@ -302,7 +324,7 @@
             <a:fld id="{22278AEF-C5F7-4B66-AA02-1B9777B8FF83}" type="datetimeFigureOut">
               <a:rPr lang="en-US" smtClean="0"/>
               <a:pPr/>
-              <a:t>03-Oct-20</a:t>
+              <a:t>10/4/2020</a:t>
             </a:fld>
             <a:endParaRPr lang="en-US"/>
           </a:p>
@@ -469,7 +491,7 @@
             <a:fld id="{22278AEF-C5F7-4B66-AA02-1B9777B8FF83}" type="datetimeFigureOut">
               <a:rPr lang="en-US" smtClean="0"/>
               <a:pPr/>
-              <a:t>03-Oct-20</a:t>
+              <a:t>10/4/2020</a:t>
             </a:fld>
             <a:endParaRPr lang="en-US"/>
           </a:p>
@@ -646,7 +668,7 @@
             <a:fld id="{22278AEF-C5F7-4B66-AA02-1B9777B8FF83}" type="datetimeFigureOut">
               <a:rPr lang="en-US" smtClean="0"/>
               <a:pPr/>
-              <a:t>03-Oct-20</a:t>
+              <a:t>10/4/2020</a:t>
             </a:fld>
             <a:endParaRPr lang="en-US"/>
           </a:p>
@@ -813,7 +835,7 @@
             <a:fld id="{22278AEF-C5F7-4B66-AA02-1B9777B8FF83}" type="datetimeFigureOut">
               <a:rPr lang="en-US" smtClean="0"/>
               <a:pPr/>
-              <a:t>03-Oct-20</a:t>
+              <a:t>10/4/2020</a:t>
             </a:fld>
             <a:endParaRPr lang="en-US"/>
           </a:p>
@@ -1056,7 +1078,7 @@
             <a:fld id="{22278AEF-C5F7-4B66-AA02-1B9777B8FF83}" type="datetimeFigureOut">
               <a:rPr lang="en-US" smtClean="0"/>
               <a:pPr/>
-              <a:t>03-Oct-20</a:t>
+              <a:t>10/4/2020</a:t>
             </a:fld>
             <a:endParaRPr lang="en-US"/>
           </a:p>
@@ -1341,7 +1363,7 @@
             <a:fld id="{22278AEF-C5F7-4B66-AA02-1B9777B8FF83}" type="datetimeFigureOut">
               <a:rPr lang="en-US" smtClean="0"/>
               <a:pPr/>
-              <a:t>03-Oct-20</a:t>
+              <a:t>10/4/2020</a:t>
             </a:fld>
             <a:endParaRPr lang="en-US"/>
           </a:p>
@@ -1760,7 +1782,7 @@
             <a:fld id="{22278AEF-C5F7-4B66-AA02-1B9777B8FF83}" type="datetimeFigureOut">
               <a:rPr lang="en-US" smtClean="0"/>
               <a:pPr/>
-              <a:t>03-Oct-20</a:t>
+              <a:t>10/4/2020</a:t>
             </a:fld>
             <a:endParaRPr lang="en-US"/>
           </a:p>
@@ -1875,7 +1897,7 @@
             <a:fld id="{22278AEF-C5F7-4B66-AA02-1B9777B8FF83}" type="datetimeFigureOut">
               <a:rPr lang="en-US" smtClean="0"/>
               <a:pPr/>
-              <a:t>03-Oct-20</a:t>
+              <a:t>10/4/2020</a:t>
             </a:fld>
             <a:endParaRPr lang="en-US"/>
           </a:p>
@@ -1967,7 +1989,7 @@
             <a:fld id="{22278AEF-C5F7-4B66-AA02-1B9777B8FF83}" type="datetimeFigureOut">
               <a:rPr lang="en-US" smtClean="0"/>
               <a:pPr/>
-              <a:t>03-Oct-20</a:t>
+              <a:t>10/4/2020</a:t>
             </a:fld>
             <a:endParaRPr lang="en-US"/>
           </a:p>
@@ -2241,7 +2263,7 @@
             <a:fld id="{22278AEF-C5F7-4B66-AA02-1B9777B8FF83}" type="datetimeFigureOut">
               <a:rPr lang="en-US" smtClean="0"/>
               <a:pPr/>
-              <a:t>03-Oct-20</a:t>
+              <a:t>10/4/2020</a:t>
             </a:fld>
             <a:endParaRPr lang="en-US"/>
           </a:p>
@@ -2491,7 +2513,7 @@
             <a:fld id="{22278AEF-C5F7-4B66-AA02-1B9777B8FF83}" type="datetimeFigureOut">
               <a:rPr lang="en-US" smtClean="0"/>
               <a:pPr/>
-              <a:t>03-Oct-20</a:t>
+              <a:t>10/4/2020</a:t>
             </a:fld>
             <a:endParaRPr lang="en-US"/>
           </a:p>
@@ -2701,7 +2723,7 @@
             <a:fld id="{22278AEF-C5F7-4B66-AA02-1B9777B8FF83}" type="datetimeFigureOut">
               <a:rPr lang="en-US" smtClean="0"/>
               <a:pPr/>
-              <a:t>03-Oct-20</a:t>
+              <a:t>10/4/2020</a:t>
             </a:fld>
             <a:endParaRPr lang="en-US"/>
           </a:p>
@@ -3453,6 +3475,596 @@
           <a:chExt cx="0" cy="0"/>
         </a:xfrm>
       </p:grpSpPr>
+      <p:sp>
+        <p:nvSpPr>
+          <p:cNvPr id="2" name="Title 1"/>
+          <p:cNvSpPr>
+            <a:spLocks noGrp="1"/>
+          </p:cNvSpPr>
+          <p:nvPr>
+            <p:ph type="title"/>
+          </p:nvPr>
+        </p:nvSpPr>
+        <p:spPr/>
+        <p:txBody>
+          <a:bodyPr/>
+          <a:lstStyle/>
+          <a:p>
+            <a:r>
+              <a:rPr lang="en-US" dirty="0" smtClean="0"/>
+              <a:t>Feasibility Study</a:t>
+            </a:r>
+            <a:endParaRPr lang="en-US" dirty="0"/>
+          </a:p>
+        </p:txBody>
+      </p:sp>
+      <p:sp>
+        <p:nvSpPr>
+          <p:cNvPr id="3" name="Content Placeholder 2"/>
+          <p:cNvSpPr>
+            <a:spLocks noGrp="1"/>
+          </p:cNvSpPr>
+          <p:nvPr>
+            <p:ph idx="1"/>
+          </p:nvPr>
+        </p:nvSpPr>
+        <p:spPr/>
+        <p:txBody>
+          <a:bodyPr/>
+          <a:lstStyle/>
+          <a:p>
+            <a:endParaRPr lang="en-US" dirty="0"/>
+          </a:p>
+        </p:txBody>
+      </p:sp>
+    </p:spTree>
+    <p:extLst>
+      <p:ext uri="{BB962C8B-B14F-4D97-AF65-F5344CB8AC3E}">
+        <p14:creationId xmlns:p14="http://schemas.microsoft.com/office/powerpoint/2010/main" val="2317455889"/>
+      </p:ext>
+    </p:extLst>
+  </p:cSld>
+  <p:clrMapOvr>
+    <a:masterClrMapping/>
+  </p:clrMapOvr>
+</p:sld>
+</file>
+
+<file path=ppt/slides/slide13.xml><?xml version="1.0" encoding="utf-8"?>
+<p:sld xmlns:a="http://schemas.openxmlformats.org/drawingml/2006/main" xmlns:r="http://schemas.openxmlformats.org/officeDocument/2006/relationships" xmlns:p="http://schemas.openxmlformats.org/presentationml/2006/main">
+  <p:cSld>
+    <p:spTree>
+      <p:nvGrpSpPr>
+        <p:cNvPr id="1" name=""/>
+        <p:cNvGrpSpPr/>
+        <p:nvPr/>
+      </p:nvGrpSpPr>
+      <p:grpSpPr>
+        <a:xfrm>
+          <a:off x="0" y="0"/>
+          <a:ext cx="0" cy="0"/>
+          <a:chOff x="0" y="0"/>
+          <a:chExt cx="0" cy="0"/>
+        </a:xfrm>
+      </p:grpSpPr>
+      <p:sp>
+        <p:nvSpPr>
+          <p:cNvPr id="2" name="Title 1"/>
+          <p:cNvSpPr>
+            <a:spLocks noGrp="1"/>
+          </p:cNvSpPr>
+          <p:nvPr>
+            <p:ph type="title"/>
+          </p:nvPr>
+        </p:nvSpPr>
+        <p:spPr>
+          <a:xfrm>
+            <a:off x="457200" y="228600"/>
+            <a:ext cx="8229600" cy="808038"/>
+          </a:xfrm>
+        </p:spPr>
+        <p:txBody>
+          <a:bodyPr/>
+          <a:lstStyle/>
+          <a:p>
+            <a:r>
+              <a:rPr lang="en-US" dirty="0" smtClean="0"/>
+              <a:t>Time Feasibility</a:t>
+            </a:r>
+            <a:endParaRPr lang="en-US" dirty="0"/>
+          </a:p>
+        </p:txBody>
+      </p:sp>
+      <p:pic>
+        <p:nvPicPr>
+          <p:cNvPr id="4" name="Content Placeholder 3"/>
+          <p:cNvPicPr>
+            <a:picLocks noGrp="1" noChangeAspect="1"/>
+          </p:cNvPicPr>
+          <p:nvPr>
+            <p:ph idx="1"/>
+          </p:nvPr>
+        </p:nvPicPr>
+        <p:blipFill>
+          <a:blip r:embed="rId2">
+            <a:extLst>
+              <a:ext uri="{28A0092B-C50C-407E-A947-70E740481C1C}">
+                <a14:useLocalDpi xmlns:a14="http://schemas.microsoft.com/office/drawing/2010/main" val="0"/>
+              </a:ext>
+            </a:extLst>
+          </a:blip>
+          <a:stretch>
+            <a:fillRect/>
+          </a:stretch>
+        </p:blipFill>
+        <p:spPr>
+          <a:xfrm>
+            <a:off x="228600" y="990600"/>
+            <a:ext cx="8534400" cy="5638800"/>
+          </a:xfrm>
+        </p:spPr>
+      </p:pic>
+    </p:spTree>
+    <p:extLst>
+      <p:ext uri="{BB962C8B-B14F-4D97-AF65-F5344CB8AC3E}">
+        <p14:creationId xmlns:p14="http://schemas.microsoft.com/office/powerpoint/2010/main" val="2788546383"/>
+      </p:ext>
+    </p:extLst>
+  </p:cSld>
+  <p:clrMapOvr>
+    <a:masterClrMapping/>
+  </p:clrMapOvr>
+</p:sld>
+</file>
+
+<file path=ppt/slides/slide14.xml><?xml version="1.0" encoding="utf-8"?>
+<p:sld xmlns:a="http://schemas.openxmlformats.org/drawingml/2006/main" xmlns:r="http://schemas.openxmlformats.org/officeDocument/2006/relationships" xmlns:p="http://schemas.openxmlformats.org/presentationml/2006/main">
+  <p:cSld>
+    <p:spTree>
+      <p:nvGrpSpPr>
+        <p:cNvPr id="1" name=""/>
+        <p:cNvGrpSpPr/>
+        <p:nvPr/>
+      </p:nvGrpSpPr>
+      <p:grpSpPr>
+        <a:xfrm>
+          <a:off x="0" y="0"/>
+          <a:ext cx="0" cy="0"/>
+          <a:chOff x="0" y="0"/>
+          <a:chExt cx="0" cy="0"/>
+        </a:xfrm>
+      </p:grpSpPr>
+      <p:pic>
+        <p:nvPicPr>
+          <p:cNvPr id="4" name="Content Placeholder 3"/>
+          <p:cNvPicPr>
+            <a:picLocks noGrp="1" noChangeAspect="1"/>
+          </p:cNvPicPr>
+          <p:nvPr>
+            <p:ph idx="1"/>
+          </p:nvPr>
+        </p:nvPicPr>
+        <p:blipFill>
+          <a:blip r:embed="rId2">
+            <a:extLst>
+              <a:ext uri="{28A0092B-C50C-407E-A947-70E740481C1C}">
+                <a14:useLocalDpi xmlns:a14="http://schemas.microsoft.com/office/drawing/2010/main" val="0"/>
+              </a:ext>
+            </a:extLst>
+          </a:blip>
+          <a:stretch>
+            <a:fillRect/>
+          </a:stretch>
+        </p:blipFill>
+        <p:spPr>
+          <a:xfrm>
+            <a:off x="609600" y="304800"/>
+            <a:ext cx="7848600" cy="5821363"/>
+          </a:xfrm>
+        </p:spPr>
+      </p:pic>
+    </p:spTree>
+    <p:extLst>
+      <p:ext uri="{BB962C8B-B14F-4D97-AF65-F5344CB8AC3E}">
+        <p14:creationId xmlns:p14="http://schemas.microsoft.com/office/powerpoint/2010/main" val="3229023877"/>
+      </p:ext>
+    </p:extLst>
+  </p:cSld>
+  <p:clrMapOvr>
+    <a:masterClrMapping/>
+  </p:clrMapOvr>
+</p:sld>
+</file>
+
+<file path=ppt/slides/slide15.xml><?xml version="1.0" encoding="utf-8"?>
+<p:sld xmlns:a="http://schemas.openxmlformats.org/drawingml/2006/main" xmlns:r="http://schemas.openxmlformats.org/officeDocument/2006/relationships" xmlns:p="http://schemas.openxmlformats.org/presentationml/2006/main">
+  <p:cSld>
+    <p:spTree>
+      <p:nvGrpSpPr>
+        <p:cNvPr id="1" name=""/>
+        <p:cNvGrpSpPr/>
+        <p:nvPr/>
+      </p:nvGrpSpPr>
+      <p:grpSpPr>
+        <a:xfrm>
+          <a:off x="0" y="0"/>
+          <a:ext cx="0" cy="0"/>
+          <a:chOff x="0" y="0"/>
+          <a:chExt cx="0" cy="0"/>
+        </a:xfrm>
+      </p:grpSpPr>
+      <p:sp>
+        <p:nvSpPr>
+          <p:cNvPr id="2" name="Title 1"/>
+          <p:cNvSpPr>
+            <a:spLocks noGrp="1"/>
+          </p:cNvSpPr>
+          <p:nvPr>
+            <p:ph type="title"/>
+          </p:nvPr>
+        </p:nvSpPr>
+        <p:spPr/>
+        <p:txBody>
+          <a:bodyPr/>
+          <a:lstStyle/>
+          <a:p>
+            <a:r>
+              <a:rPr lang="en-US" dirty="0" smtClean="0"/>
+              <a:t>System Design</a:t>
+            </a:r>
+            <a:endParaRPr lang="en-US" dirty="0"/>
+          </a:p>
+        </p:txBody>
+      </p:sp>
+      <p:sp>
+        <p:nvSpPr>
+          <p:cNvPr id="3" name="Content Placeholder 2"/>
+          <p:cNvSpPr>
+            <a:spLocks noGrp="1"/>
+          </p:cNvSpPr>
+          <p:nvPr>
+            <p:ph idx="1"/>
+          </p:nvPr>
+        </p:nvSpPr>
+        <p:spPr/>
+        <p:txBody>
+          <a:bodyPr/>
+          <a:lstStyle/>
+          <a:p>
+            <a:endParaRPr lang="en-US"/>
+          </a:p>
+        </p:txBody>
+      </p:sp>
+    </p:spTree>
+    <p:extLst>
+      <p:ext uri="{BB962C8B-B14F-4D97-AF65-F5344CB8AC3E}">
+        <p14:creationId xmlns:p14="http://schemas.microsoft.com/office/powerpoint/2010/main" val="2096360137"/>
+      </p:ext>
+    </p:extLst>
+  </p:cSld>
+  <p:clrMapOvr>
+    <a:masterClrMapping/>
+  </p:clrMapOvr>
+</p:sld>
+</file>
+
+<file path=ppt/slides/slide16.xml><?xml version="1.0" encoding="utf-8"?>
+<p:sld xmlns:a="http://schemas.openxmlformats.org/drawingml/2006/main" xmlns:r="http://schemas.openxmlformats.org/officeDocument/2006/relationships" xmlns:p="http://schemas.openxmlformats.org/presentationml/2006/main">
+  <p:cSld>
+    <p:spTree>
+      <p:nvGrpSpPr>
+        <p:cNvPr id="1" name=""/>
+        <p:cNvGrpSpPr/>
+        <p:nvPr/>
+      </p:nvGrpSpPr>
+      <p:grpSpPr>
+        <a:xfrm>
+          <a:off x="0" y="0"/>
+          <a:ext cx="0" cy="0"/>
+          <a:chOff x="0" y="0"/>
+          <a:chExt cx="0" cy="0"/>
+        </a:xfrm>
+      </p:grpSpPr>
+      <p:sp>
+        <p:nvSpPr>
+          <p:cNvPr id="2" name="Title 1"/>
+          <p:cNvSpPr>
+            <a:spLocks noGrp="1"/>
+          </p:cNvSpPr>
+          <p:nvPr>
+            <p:ph type="title"/>
+          </p:nvPr>
+        </p:nvSpPr>
+        <p:spPr/>
+        <p:txBody>
+          <a:bodyPr/>
+          <a:lstStyle/>
+          <a:p>
+            <a:r>
+              <a:rPr lang="en-US" dirty="0" smtClean="0"/>
+              <a:t>System Model</a:t>
+            </a:r>
+            <a:endParaRPr lang="en-US" dirty="0"/>
+          </a:p>
+        </p:txBody>
+      </p:sp>
+      <p:sp>
+        <p:nvSpPr>
+          <p:cNvPr id="3" name="Content Placeholder 2"/>
+          <p:cNvSpPr>
+            <a:spLocks noGrp="1"/>
+          </p:cNvSpPr>
+          <p:nvPr>
+            <p:ph idx="1"/>
+          </p:nvPr>
+        </p:nvSpPr>
+        <p:spPr/>
+        <p:txBody>
+          <a:bodyPr/>
+          <a:lstStyle/>
+          <a:p>
+            <a:endParaRPr lang="en-US"/>
+          </a:p>
+        </p:txBody>
+      </p:sp>
+    </p:spTree>
+    <p:extLst>
+      <p:ext uri="{BB962C8B-B14F-4D97-AF65-F5344CB8AC3E}">
+        <p14:creationId xmlns:p14="http://schemas.microsoft.com/office/powerpoint/2010/main" val="4027632993"/>
+      </p:ext>
+    </p:extLst>
+  </p:cSld>
+  <p:clrMapOvr>
+    <a:masterClrMapping/>
+  </p:clrMapOvr>
+</p:sld>
+</file>
+
+<file path=ppt/slides/slide17.xml><?xml version="1.0" encoding="utf-8"?>
+<p:sld xmlns:a="http://schemas.openxmlformats.org/drawingml/2006/main" xmlns:r="http://schemas.openxmlformats.org/officeDocument/2006/relationships" xmlns:p="http://schemas.openxmlformats.org/presentationml/2006/main">
+  <p:cSld>
+    <p:spTree>
+      <p:nvGrpSpPr>
+        <p:cNvPr id="1" name=""/>
+        <p:cNvGrpSpPr/>
+        <p:nvPr/>
+      </p:nvGrpSpPr>
+      <p:grpSpPr>
+        <a:xfrm>
+          <a:off x="0" y="0"/>
+          <a:ext cx="0" cy="0"/>
+          <a:chOff x="0" y="0"/>
+          <a:chExt cx="0" cy="0"/>
+        </a:xfrm>
+      </p:grpSpPr>
+      <p:sp>
+        <p:nvSpPr>
+          <p:cNvPr id="2" name="Title 1"/>
+          <p:cNvSpPr>
+            <a:spLocks noGrp="1"/>
+          </p:cNvSpPr>
+          <p:nvPr>
+            <p:ph type="title"/>
+          </p:nvPr>
+        </p:nvSpPr>
+        <p:spPr/>
+        <p:txBody>
+          <a:bodyPr/>
+          <a:lstStyle/>
+          <a:p>
+            <a:r>
+              <a:rPr lang="en-US" dirty="0" smtClean="0"/>
+              <a:t>System </a:t>
+            </a:r>
+            <a:r>
+              <a:rPr lang="en-US" dirty="0" err="1" smtClean="0"/>
+              <a:t>Architechture</a:t>
+            </a:r>
+            <a:endParaRPr lang="en-US" dirty="0"/>
+          </a:p>
+        </p:txBody>
+      </p:sp>
+      <p:sp>
+        <p:nvSpPr>
+          <p:cNvPr id="3" name="Content Placeholder 2"/>
+          <p:cNvSpPr>
+            <a:spLocks noGrp="1"/>
+          </p:cNvSpPr>
+          <p:nvPr>
+            <p:ph idx="1"/>
+          </p:nvPr>
+        </p:nvSpPr>
+        <p:spPr/>
+        <p:txBody>
+          <a:bodyPr/>
+          <a:lstStyle/>
+          <a:p>
+            <a:endParaRPr lang="en-US"/>
+          </a:p>
+        </p:txBody>
+      </p:sp>
+    </p:spTree>
+    <p:extLst>
+      <p:ext uri="{BB962C8B-B14F-4D97-AF65-F5344CB8AC3E}">
+        <p14:creationId xmlns:p14="http://schemas.microsoft.com/office/powerpoint/2010/main" val="250142504"/>
+      </p:ext>
+    </p:extLst>
+  </p:cSld>
+  <p:clrMapOvr>
+    <a:masterClrMapping/>
+  </p:clrMapOvr>
+</p:sld>
+</file>
+
+<file path=ppt/slides/slide18.xml><?xml version="1.0" encoding="utf-8"?>
+<p:sld xmlns:a="http://schemas.openxmlformats.org/drawingml/2006/main" xmlns:r="http://schemas.openxmlformats.org/officeDocument/2006/relationships" xmlns:p="http://schemas.openxmlformats.org/presentationml/2006/main">
+  <p:cSld>
+    <p:spTree>
+      <p:nvGrpSpPr>
+        <p:cNvPr id="1" name=""/>
+        <p:cNvGrpSpPr/>
+        <p:nvPr/>
+      </p:nvGrpSpPr>
+      <p:grpSpPr>
+        <a:xfrm>
+          <a:off x="0" y="0"/>
+          <a:ext cx="0" cy="0"/>
+          <a:chOff x="0" y="0"/>
+          <a:chExt cx="0" cy="0"/>
+        </a:xfrm>
+      </p:grpSpPr>
+      <p:sp>
+        <p:nvSpPr>
+          <p:cNvPr id="2" name="Title 1"/>
+          <p:cNvSpPr>
+            <a:spLocks noGrp="1"/>
+          </p:cNvSpPr>
+          <p:nvPr>
+            <p:ph type="title"/>
+          </p:nvPr>
+        </p:nvSpPr>
+        <p:spPr/>
+        <p:txBody>
+          <a:bodyPr/>
+          <a:lstStyle/>
+          <a:p>
+            <a:r>
+              <a:rPr lang="en-US" dirty="0" smtClean="0"/>
+              <a:t>System Diagrams</a:t>
+            </a:r>
+            <a:endParaRPr lang="en-US" dirty="0"/>
+          </a:p>
+        </p:txBody>
+      </p:sp>
+      <p:sp>
+        <p:nvSpPr>
+          <p:cNvPr id="3" name="Content Placeholder 2"/>
+          <p:cNvSpPr>
+            <a:spLocks noGrp="1"/>
+          </p:cNvSpPr>
+          <p:nvPr>
+            <p:ph idx="1"/>
+          </p:nvPr>
+        </p:nvSpPr>
+        <p:spPr/>
+        <p:txBody>
+          <a:bodyPr>
+            <a:normAutofit lnSpcReduction="10000"/>
+          </a:bodyPr>
+          <a:lstStyle/>
+          <a:p>
+            <a:r>
+              <a:rPr lang="en-US" dirty="0" smtClean="0"/>
+              <a:t>We have made variety of diagrams based on our project and they are :</a:t>
+            </a:r>
+          </a:p>
+          <a:p>
+            <a:pPr marL="514350" indent="-514350">
+              <a:buFont typeface="+mj-lt"/>
+              <a:buAutoNum type="arabicPeriod"/>
+            </a:pPr>
+            <a:r>
+              <a:rPr lang="en-US" dirty="0" err="1" smtClean="0"/>
+              <a:t>Usecase</a:t>
+            </a:r>
+            <a:r>
+              <a:rPr lang="en-US" dirty="0" smtClean="0"/>
+              <a:t> diagrams</a:t>
+            </a:r>
+          </a:p>
+          <a:p>
+            <a:pPr marL="514350" indent="-514350">
+              <a:buFont typeface="+mj-lt"/>
+              <a:buAutoNum type="arabicPeriod"/>
+            </a:pPr>
+            <a:r>
+              <a:rPr lang="en-US" dirty="0" smtClean="0"/>
+              <a:t>Activity Diagrams</a:t>
+            </a:r>
+          </a:p>
+          <a:p>
+            <a:pPr marL="514350" indent="-514350">
+              <a:buFont typeface="+mj-lt"/>
+              <a:buAutoNum type="arabicPeriod"/>
+            </a:pPr>
+            <a:r>
+              <a:rPr lang="en-US" dirty="0" smtClean="0"/>
+              <a:t>E-R Diagram </a:t>
+            </a:r>
+          </a:p>
+          <a:p>
+            <a:pPr marL="514350" indent="-514350">
+              <a:buFont typeface="+mj-lt"/>
+              <a:buAutoNum type="arabicPeriod"/>
+            </a:pPr>
+            <a:r>
+              <a:rPr lang="en-US" dirty="0" smtClean="0"/>
+              <a:t>Sequence Diagrams</a:t>
+            </a:r>
+          </a:p>
+          <a:p>
+            <a:pPr marL="514350" indent="-514350">
+              <a:buFont typeface="+mj-lt"/>
+              <a:buAutoNum type="arabicPeriod"/>
+            </a:pPr>
+            <a:r>
+              <a:rPr lang="en-US" smtClean="0"/>
+              <a:t>Class Diagram</a:t>
+            </a:r>
+            <a:endParaRPr lang="en-US" dirty="0" smtClean="0"/>
+          </a:p>
+          <a:p>
+            <a:r>
+              <a:rPr lang="en-US" dirty="0" smtClean="0"/>
+              <a:t>First of all, let’s see </a:t>
+            </a:r>
+            <a:r>
+              <a:rPr lang="en-US" dirty="0" err="1" smtClean="0"/>
+              <a:t>Usecase</a:t>
+            </a:r>
+            <a:r>
+              <a:rPr lang="en-US" dirty="0" smtClean="0"/>
+              <a:t> diagrams.</a:t>
+            </a:r>
+          </a:p>
+          <a:p>
+            <a:pPr marL="0" indent="0">
+              <a:buNone/>
+            </a:pPr>
+            <a:endParaRPr lang="en-US" dirty="0"/>
+          </a:p>
+        </p:txBody>
+      </p:sp>
+    </p:spTree>
+    <p:extLst>
+      <p:ext uri="{BB962C8B-B14F-4D97-AF65-F5344CB8AC3E}">
+        <p14:creationId xmlns:p14="http://schemas.microsoft.com/office/powerpoint/2010/main" val="379717333"/>
+      </p:ext>
+    </p:extLst>
+  </p:cSld>
+  <p:clrMapOvr>
+    <a:masterClrMapping/>
+  </p:clrMapOvr>
+</p:sld>
+</file>
+
+<file path=ppt/slides/slide19.xml><?xml version="1.0" encoding="utf-8"?>
+<p:sld xmlns:a="http://schemas.openxmlformats.org/drawingml/2006/main" xmlns:r="http://schemas.openxmlformats.org/officeDocument/2006/relationships" xmlns:p="http://schemas.openxmlformats.org/presentationml/2006/main">
+  <p:cSld>
+    <p:spTree>
+      <p:nvGrpSpPr>
+        <p:cNvPr id="1" name=""/>
+        <p:cNvGrpSpPr/>
+        <p:nvPr/>
+      </p:nvGrpSpPr>
+      <p:grpSpPr>
+        <a:xfrm>
+          <a:off x="0" y="0"/>
+          <a:ext cx="0" cy="0"/>
+          <a:chOff x="0" y="0"/>
+          <a:chExt cx="0" cy="0"/>
+        </a:xfrm>
+      </p:grpSpPr>
       <p:pic>
         <p:nvPicPr>
           <p:cNvPr id="1026" name="Picture 2"/>
@@ -3496,7 +4108,103 @@
 </p:sld>
 </file>
 
-<file path=ppt/slides/slide13.xml><?xml version="1.0" encoding="utf-8"?>
+<file path=ppt/slides/slide2.xml><?xml version="1.0" encoding="utf-8"?>
+<p:sld xmlns:a="http://schemas.openxmlformats.org/drawingml/2006/main" xmlns:r="http://schemas.openxmlformats.org/officeDocument/2006/relationships" xmlns:p="http://schemas.openxmlformats.org/presentationml/2006/main">
+  <p:cSld>
+    <p:spTree>
+      <p:nvGrpSpPr>
+        <p:cNvPr id="1" name=""/>
+        <p:cNvGrpSpPr/>
+        <p:nvPr/>
+      </p:nvGrpSpPr>
+      <p:grpSpPr>
+        <a:xfrm>
+          <a:off x="0" y="0"/>
+          <a:ext cx="0" cy="0"/>
+          <a:chOff x="0" y="0"/>
+          <a:chExt cx="0" cy="0"/>
+        </a:xfrm>
+      </p:grpSpPr>
+      <p:sp>
+        <p:nvSpPr>
+          <p:cNvPr id="2" name="Title 1"/>
+          <p:cNvSpPr>
+            <a:spLocks noGrp="1"/>
+          </p:cNvSpPr>
+          <p:nvPr>
+            <p:ph type="title"/>
+          </p:nvPr>
+        </p:nvSpPr>
+        <p:spPr/>
+        <p:txBody>
+          <a:bodyPr/>
+          <a:lstStyle/>
+          <a:p>
+            <a:r>
+              <a:rPr lang="en-US" dirty="0" smtClean="0"/>
+              <a:t>SODH YATRA</a:t>
+            </a:r>
+            <a:endParaRPr lang="en-US" dirty="0"/>
+          </a:p>
+        </p:txBody>
+      </p:sp>
+      <p:sp>
+        <p:nvSpPr>
+          <p:cNvPr id="3" name="Content Placeholder 2"/>
+          <p:cNvSpPr>
+            <a:spLocks noGrp="1"/>
+          </p:cNvSpPr>
+          <p:nvPr>
+            <p:ph idx="1"/>
+          </p:nvPr>
+        </p:nvSpPr>
+        <p:spPr/>
+        <p:txBody>
+          <a:bodyPr/>
+          <a:lstStyle/>
+          <a:p>
+            <a:pPr>
+              <a:buNone/>
+            </a:pPr>
+            <a:r>
+              <a:rPr lang="en-US" dirty="0" smtClean="0"/>
+              <a:t>1) How do we find our definition on project?</a:t>
+            </a:r>
+          </a:p>
+          <a:p>
+            <a:pPr lvl="1"/>
+            <a:r>
+              <a:rPr lang="en-US" dirty="0" smtClean="0"/>
+              <a:t>By discussing amongst ourselves and with friends and relatives , we get to know the real time problem faced by people regarding the restaurant long waiting especially on occasions and functions. </a:t>
+            </a:r>
+          </a:p>
+          <a:p>
+            <a:pPr lvl="1"/>
+            <a:r>
+              <a:rPr lang="en-US" dirty="0" smtClean="0">
+                <a:solidFill>
+                  <a:srgbClr val="FF0000"/>
+                </a:solidFill>
+              </a:rPr>
+              <a:t>Thus we selected this definition.</a:t>
+            </a:r>
+            <a:endParaRPr lang="en-US" dirty="0">
+              <a:solidFill>
+                <a:srgbClr val="FF0000"/>
+              </a:solidFill>
+            </a:endParaRPr>
+          </a:p>
+        </p:txBody>
+      </p:sp>
+    </p:spTree>
+  </p:cSld>
+  <p:clrMapOvr>
+    <a:masterClrMapping/>
+  </p:clrMapOvr>
+</p:sld>
+</file>
+
+<file path=ppt/slides/slide20.xml><?xml version="1.0" encoding="utf-8"?>
 <p:sld xmlns:a="http://schemas.openxmlformats.org/drawingml/2006/main" xmlns:r="http://schemas.openxmlformats.org/officeDocument/2006/relationships" xmlns:p="http://schemas.openxmlformats.org/presentationml/2006/main">
   <p:cSld>
     <p:spTree>
@@ -3519,17 +4227,96 @@
           <p:cNvGraphicFramePr>
             <a:graphicFrameLocks noChangeAspect="1"/>
           </p:cNvGraphicFramePr>
-          <p:nvPr/>
+          <p:nvPr>
+            <p:extLst>
+              <p:ext uri="{D42A27DB-BD31-4B8C-83A1-F6EECF244321}">
+                <p14:modId xmlns:p14="http://schemas.microsoft.com/office/powerpoint/2010/main" val="1796255159"/>
+              </p:ext>
+            </p:extLst>
+          </p:nvPr>
         </p:nvGraphicFramePr>
         <p:xfrm>
-          <a:off x="-370194" y="228601"/>
+          <a:off x="20782" y="228600"/>
           <a:ext cx="8752194" cy="6476999"/>
         </p:xfrm>
         <a:graphic>
           <a:graphicData uri="http://schemas.openxmlformats.org/presentationml/2006/ole">
-            <p:oleObj spid="_x0000_s2050" name="Visio" r:id="rId3" imgW="6486663" imgH="7257885" progId="Visio.Drawing.15">
-              <p:embed/>
-            </p:oleObj>
+            <mc:AlternateContent xmlns:mc="http://schemas.openxmlformats.org/markup-compatibility/2006">
+              <mc:Choice xmlns:v="urn:schemas-microsoft-com:vml" Requires="v">
+                <p:oleObj spid="_x0000_s2067" name="Visio" r:id="rId3" imgW="6486663" imgH="7257885" progId="Visio.Drawing.15">
+                  <p:embed/>
+                </p:oleObj>
+              </mc:Choice>
+              <mc:Fallback>
+                <p:oleObj name="Visio" r:id="rId3" imgW="6486663" imgH="7257885" progId="Visio.Drawing.15">
+                  <p:embed/>
+                  <p:pic>
+                    <p:nvPicPr>
+                      <p:cNvPr id="0" name="Picture 2"/>
+                      <p:cNvPicPr>
+                        <a:picLocks noChangeAspect="1" noChangeArrowheads="1"/>
+                      </p:cNvPicPr>
+                      <p:nvPr/>
+                    </p:nvPicPr>
+                    <p:blipFill>
+                      <a:blip r:embed="rId4">
+                        <a:extLst>
+                          <a:ext uri="{28A0092B-C50C-407E-A947-70E740481C1C}">
+                            <a14:useLocalDpi xmlns:a14="http://schemas.microsoft.com/office/drawing/2010/main" val="0"/>
+                          </a:ext>
+                        </a:extLst>
+                      </a:blip>
+                      <a:srcRect/>
+                      <a:stretch>
+                        <a:fillRect/>
+                      </a:stretch>
+                    </p:blipFill>
+                    <p:spPr bwMode="auto">
+                      <a:xfrm>
+                        <a:off x="20782" y="228600"/>
+                        <a:ext cx="8752194" cy="6476999"/>
+                      </a:xfrm>
+                      <a:prstGeom prst="rect">
+                        <a:avLst/>
+                      </a:prstGeom>
+                      <a:noFill/>
+                      <a:ln>
+                        <a:noFill/>
+                      </a:ln>
+                      <a:effectLst/>
+                      <a:extLst>
+                        <a:ext uri="{909E8E84-426E-40DD-AFC4-6F175D3DCCD1}">
+                          <a14:hiddenFill xmlns:a14="http://schemas.microsoft.com/office/drawing/2010/main">
+                            <a:solidFill>
+                              <a:schemeClr val="accent1"/>
+                            </a:solidFill>
+                          </a14:hiddenFill>
+                        </a:ext>
+                        <a:ext uri="{91240B29-F687-4F45-9708-019B960494DF}">
+                          <a14:hiddenLine xmlns:a14="http://schemas.microsoft.com/office/drawing/2010/main" w="9525">
+                            <a:solidFill>
+                              <a:schemeClr val="tx1"/>
+                            </a:solidFill>
+                            <a:miter lim="800000"/>
+                            <a:headEnd/>
+                            <a:tailEnd/>
+                          </a14:hiddenLine>
+                        </a:ext>
+                        <a:ext uri="{AF507438-7753-43E0-B8FC-AC1667EBCBE1}">
+                          <a14:hiddenEffects xmlns:a14="http://schemas.microsoft.com/office/drawing/2010/main">
+                            <a:effectLst>
+                              <a:outerShdw dist="35921" dir="2700000" algn="ctr" rotWithShape="0">
+                                <a:schemeClr val="bg2"/>
+                              </a:outerShdw>
+                            </a:effectLst>
+                          </a14:hiddenEffects>
+                        </a:ext>
+                      </a:extLst>
+                    </p:spPr>
+                  </p:pic>
+                </p:oleObj>
+              </mc:Fallback>
+            </mc:AlternateContent>
           </a:graphicData>
         </a:graphic>
       </p:graphicFrame>
@@ -3541,7 +4328,7 @@
 </p:sld>
 </file>
 
-<file path=ppt/slides/slide14.xml><?xml version="1.0" encoding="utf-8"?>
+<file path=ppt/slides/slide21.xml><?xml version="1.0" encoding="utf-8"?>
 <p:sld xmlns:a="http://schemas.openxmlformats.org/drawingml/2006/main" xmlns:r="http://schemas.openxmlformats.org/officeDocument/2006/relationships" xmlns:p="http://schemas.openxmlformats.org/presentationml/2006/main">
   <p:cSld>
     <p:spTree>
@@ -3596,10 +4383,17 @@
   <p:clrMapOvr>
     <a:masterClrMapping/>
   </p:clrMapOvr>
+  <p:timing>
+    <p:tnLst>
+      <p:par>
+        <p:cTn id="1" dur="indefinite" restart="never" nodeType="tmRoot"/>
+      </p:par>
+    </p:tnLst>
+  </p:timing>
 </p:sld>
 </file>
 
-<file path=ppt/slides/slide2.xml><?xml version="1.0" encoding="utf-8"?>
+<file path=ppt/slides/slide22.xml><?xml version="1.0" encoding="utf-8"?>
 <p:sld xmlns:a="http://schemas.openxmlformats.org/drawingml/2006/main" xmlns:r="http://schemas.openxmlformats.org/officeDocument/2006/relationships" xmlns:p="http://schemas.openxmlformats.org/presentationml/2006/main">
   <p:cSld>
     <p:spTree>
@@ -3626,72 +4420,490 @@
             <p:ph type="title"/>
           </p:nvPr>
         </p:nvSpPr>
-        <p:spPr/>
+        <p:spPr>
+          <a:xfrm>
+            <a:off x="762000" y="152400"/>
+            <a:ext cx="8001000" cy="960438"/>
+          </a:xfrm>
+        </p:spPr>
         <p:txBody>
           <a:bodyPr/>
           <a:lstStyle/>
           <a:p>
             <a:r>
               <a:rPr lang="en-US" dirty="0" smtClean="0"/>
-              <a:t>SODH YATRA</a:t>
+              <a:t>Activity Diagrams</a:t>
             </a:r>
             <a:endParaRPr lang="en-US" dirty="0"/>
           </a:p>
         </p:txBody>
       </p:sp>
-      <p:sp>
-        <p:nvSpPr>
-          <p:cNvPr id="3" name="Content Placeholder 2"/>
-          <p:cNvSpPr>
-            <a:spLocks noGrp="1"/>
-          </p:cNvSpPr>
+      <p:pic>
+        <p:nvPicPr>
+          <p:cNvPr id="4" name="Content Placeholder 3"/>
+          <p:cNvPicPr>
+            <a:picLocks noGrp="1" noChangeAspect="1"/>
+          </p:cNvPicPr>
           <p:nvPr>
             <p:ph idx="1"/>
           </p:nvPr>
-        </p:nvSpPr>
-        <p:spPr/>
-        <p:txBody>
-          <a:bodyPr/>
-          <a:lstStyle/>
-          <a:p>
-            <a:pPr>
-              <a:buNone/>
-            </a:pPr>
-            <a:r>
-              <a:rPr lang="en-US" dirty="0" smtClean="0"/>
-              <a:t>1) How do we find our definition on project?</a:t>
-            </a:r>
-          </a:p>
-          <a:p>
-            <a:pPr lvl="1"/>
-            <a:r>
-              <a:rPr lang="en-US" dirty="0" smtClean="0"/>
-              <a:t>By discussing amongst ourselves and with friends and relatives , we get to know the real time problem faced by people regarding the restaurant long waiting especially on occasions and functions. </a:t>
-            </a:r>
-          </a:p>
-          <a:p>
-            <a:pPr lvl="1"/>
-            <a:r>
-              <a:rPr lang="en-US" dirty="0" smtClean="0">
-                <a:solidFill>
-                  <a:srgbClr val="FF0000"/>
-                </a:solidFill>
-              </a:rPr>
-              <a:t>Thus we selected this definition.</a:t>
-            </a:r>
-            <a:endParaRPr lang="en-US" dirty="0">
-              <a:solidFill>
-                <a:srgbClr val="FF0000"/>
-              </a:solidFill>
-            </a:endParaRPr>
-          </a:p>
-        </p:txBody>
-      </p:sp>
+        </p:nvPicPr>
+        <p:blipFill>
+          <a:blip r:embed="rId2">
+            <a:extLst>
+              <a:ext uri="{28A0092B-C50C-407E-A947-70E740481C1C}">
+                <a14:useLocalDpi xmlns:a14="http://schemas.microsoft.com/office/drawing/2010/main" val="0"/>
+              </a:ext>
+            </a:extLst>
+          </a:blip>
+          <a:stretch>
+            <a:fillRect/>
+          </a:stretch>
+        </p:blipFill>
+        <p:spPr>
+          <a:xfrm>
+            <a:off x="304800" y="1219200"/>
+            <a:ext cx="8610600" cy="5486400"/>
+          </a:xfrm>
+        </p:spPr>
+      </p:pic>
     </p:spTree>
+    <p:extLst>
+      <p:ext uri="{BB962C8B-B14F-4D97-AF65-F5344CB8AC3E}">
+        <p14:creationId xmlns:p14="http://schemas.microsoft.com/office/powerpoint/2010/main" val="2167648878"/>
+      </p:ext>
+    </p:extLst>
   </p:cSld>
   <p:clrMapOvr>
     <a:masterClrMapping/>
   </p:clrMapOvr>
+  <p:timing>
+    <p:tnLst>
+      <p:par>
+        <p:cTn id="1" dur="indefinite" restart="never" nodeType="tmRoot"/>
+      </p:par>
+    </p:tnLst>
+  </p:timing>
+</p:sld>
+</file>
+
+<file path=ppt/slides/slide23.xml><?xml version="1.0" encoding="utf-8"?>
+<p:sld xmlns:a="http://schemas.openxmlformats.org/drawingml/2006/main" xmlns:r="http://schemas.openxmlformats.org/officeDocument/2006/relationships" xmlns:p="http://schemas.openxmlformats.org/presentationml/2006/main">
+  <p:cSld>
+    <p:spTree>
+      <p:nvGrpSpPr>
+        <p:cNvPr id="1" name=""/>
+        <p:cNvGrpSpPr/>
+        <p:nvPr/>
+      </p:nvGrpSpPr>
+      <p:grpSpPr>
+        <a:xfrm>
+          <a:off x="0" y="0"/>
+          <a:ext cx="0" cy="0"/>
+          <a:chOff x="0" y="0"/>
+          <a:chExt cx="0" cy="0"/>
+        </a:xfrm>
+      </p:grpSpPr>
+      <p:pic>
+        <p:nvPicPr>
+          <p:cNvPr id="4" name="Content Placeholder 3"/>
+          <p:cNvPicPr>
+            <a:picLocks noGrp="1" noChangeAspect="1"/>
+          </p:cNvPicPr>
+          <p:nvPr>
+            <p:ph idx="1"/>
+          </p:nvPr>
+        </p:nvPicPr>
+        <p:blipFill>
+          <a:blip r:embed="rId2">
+            <a:extLst>
+              <a:ext uri="{28A0092B-C50C-407E-A947-70E740481C1C}">
+                <a14:useLocalDpi xmlns:a14="http://schemas.microsoft.com/office/drawing/2010/main" val="0"/>
+              </a:ext>
+            </a:extLst>
+          </a:blip>
+          <a:stretch>
+            <a:fillRect/>
+          </a:stretch>
+        </p:blipFill>
+        <p:spPr>
+          <a:xfrm>
+            <a:off x="1295400" y="0"/>
+            <a:ext cx="6324600" cy="6858000"/>
+          </a:xfrm>
+        </p:spPr>
+      </p:pic>
+    </p:spTree>
+    <p:extLst>
+      <p:ext uri="{BB962C8B-B14F-4D97-AF65-F5344CB8AC3E}">
+        <p14:creationId xmlns:p14="http://schemas.microsoft.com/office/powerpoint/2010/main" val="1148764044"/>
+      </p:ext>
+    </p:extLst>
+  </p:cSld>
+  <p:clrMapOvr>
+    <a:masterClrMapping/>
+  </p:clrMapOvr>
+</p:sld>
+</file>
+
+<file path=ppt/slides/slide24.xml><?xml version="1.0" encoding="utf-8"?>
+<p:sld xmlns:a="http://schemas.openxmlformats.org/drawingml/2006/main" xmlns:r="http://schemas.openxmlformats.org/officeDocument/2006/relationships" xmlns:p="http://schemas.openxmlformats.org/presentationml/2006/main">
+  <p:cSld>
+    <p:spTree>
+      <p:nvGrpSpPr>
+        <p:cNvPr id="1" name=""/>
+        <p:cNvGrpSpPr/>
+        <p:nvPr/>
+      </p:nvGrpSpPr>
+      <p:grpSpPr>
+        <a:xfrm>
+          <a:off x="0" y="0"/>
+          <a:ext cx="0" cy="0"/>
+          <a:chOff x="0" y="0"/>
+          <a:chExt cx="0" cy="0"/>
+        </a:xfrm>
+      </p:grpSpPr>
+      <p:pic>
+        <p:nvPicPr>
+          <p:cNvPr id="4" name="Content Placeholder 3"/>
+          <p:cNvPicPr>
+            <a:picLocks noGrp="1" noChangeAspect="1"/>
+          </p:cNvPicPr>
+          <p:nvPr>
+            <p:ph idx="1"/>
+          </p:nvPr>
+        </p:nvPicPr>
+        <p:blipFill>
+          <a:blip r:embed="rId2">
+            <a:extLst>
+              <a:ext uri="{28A0092B-C50C-407E-A947-70E740481C1C}">
+                <a14:useLocalDpi xmlns:a14="http://schemas.microsoft.com/office/drawing/2010/main" val="0"/>
+              </a:ext>
+            </a:extLst>
+          </a:blip>
+          <a:stretch>
+            <a:fillRect/>
+          </a:stretch>
+        </p:blipFill>
+        <p:spPr>
+          <a:xfrm>
+            <a:off x="990600" y="0"/>
+            <a:ext cx="6781799" cy="6781800"/>
+          </a:xfrm>
+        </p:spPr>
+      </p:pic>
+    </p:spTree>
+    <p:extLst>
+      <p:ext uri="{BB962C8B-B14F-4D97-AF65-F5344CB8AC3E}">
+        <p14:creationId xmlns:p14="http://schemas.microsoft.com/office/powerpoint/2010/main" val="978103575"/>
+      </p:ext>
+    </p:extLst>
+  </p:cSld>
+  <p:clrMapOvr>
+    <a:masterClrMapping/>
+  </p:clrMapOvr>
+</p:sld>
+</file>
+
+<file path=ppt/slides/slide25.xml><?xml version="1.0" encoding="utf-8"?>
+<p:sld xmlns:a="http://schemas.openxmlformats.org/drawingml/2006/main" xmlns:r="http://schemas.openxmlformats.org/officeDocument/2006/relationships" xmlns:p="http://schemas.openxmlformats.org/presentationml/2006/main">
+  <p:cSld>
+    <p:spTree>
+      <p:nvGrpSpPr>
+        <p:cNvPr id="1" name=""/>
+        <p:cNvGrpSpPr/>
+        <p:nvPr/>
+      </p:nvGrpSpPr>
+      <p:grpSpPr>
+        <a:xfrm>
+          <a:off x="0" y="0"/>
+          <a:ext cx="0" cy="0"/>
+          <a:chOff x="0" y="0"/>
+          <a:chExt cx="0" cy="0"/>
+        </a:xfrm>
+      </p:grpSpPr>
+      <p:pic>
+        <p:nvPicPr>
+          <p:cNvPr id="4" name="Content Placeholder 3"/>
+          <p:cNvPicPr>
+            <a:picLocks noGrp="1" noChangeAspect="1"/>
+          </p:cNvPicPr>
+          <p:nvPr>
+            <p:ph idx="1"/>
+          </p:nvPr>
+        </p:nvPicPr>
+        <p:blipFill>
+          <a:blip r:embed="rId2" cstate="print">
+            <a:extLst>
+              <a:ext uri="{28A0092B-C50C-407E-A947-70E740481C1C}">
+                <a14:useLocalDpi xmlns:a14="http://schemas.microsoft.com/office/drawing/2010/main" val="0"/>
+              </a:ext>
+            </a:extLst>
+          </a:blip>
+          <a:stretch>
+            <a:fillRect/>
+          </a:stretch>
+        </p:blipFill>
+        <p:spPr>
+          <a:xfrm>
+            <a:off x="1524000" y="76200"/>
+            <a:ext cx="6172199" cy="6629400"/>
+          </a:xfrm>
+        </p:spPr>
+      </p:pic>
+    </p:spTree>
+    <p:extLst>
+      <p:ext uri="{BB962C8B-B14F-4D97-AF65-F5344CB8AC3E}">
+        <p14:creationId xmlns:p14="http://schemas.microsoft.com/office/powerpoint/2010/main" val="2912635289"/>
+      </p:ext>
+    </p:extLst>
+  </p:cSld>
+  <p:clrMapOvr>
+    <a:masterClrMapping/>
+  </p:clrMapOvr>
+</p:sld>
+</file>
+
+<file path=ppt/slides/slide26.xml><?xml version="1.0" encoding="utf-8"?>
+<p:sld xmlns:a="http://schemas.openxmlformats.org/drawingml/2006/main" xmlns:r="http://schemas.openxmlformats.org/officeDocument/2006/relationships" xmlns:p="http://schemas.openxmlformats.org/presentationml/2006/main">
+  <p:cSld>
+    <p:spTree>
+      <p:nvGrpSpPr>
+        <p:cNvPr id="1" name=""/>
+        <p:cNvGrpSpPr/>
+        <p:nvPr/>
+      </p:nvGrpSpPr>
+      <p:grpSpPr>
+        <a:xfrm>
+          <a:off x="0" y="0"/>
+          <a:ext cx="0" cy="0"/>
+          <a:chOff x="0" y="0"/>
+          <a:chExt cx="0" cy="0"/>
+        </a:xfrm>
+      </p:grpSpPr>
+      <p:pic>
+        <p:nvPicPr>
+          <p:cNvPr id="4" name="Content Placeholder 3"/>
+          <p:cNvPicPr>
+            <a:picLocks noGrp="1" noChangeAspect="1"/>
+          </p:cNvPicPr>
+          <p:nvPr>
+            <p:ph idx="1"/>
+          </p:nvPr>
+        </p:nvPicPr>
+        <p:blipFill>
+          <a:blip r:embed="rId2">
+            <a:extLst>
+              <a:ext uri="{28A0092B-C50C-407E-A947-70E740481C1C}">
+                <a14:useLocalDpi xmlns:a14="http://schemas.microsoft.com/office/drawing/2010/main" val="0"/>
+              </a:ext>
+            </a:extLst>
+          </a:blip>
+          <a:stretch>
+            <a:fillRect/>
+          </a:stretch>
+        </p:blipFill>
+        <p:spPr>
+          <a:xfrm>
+            <a:off x="1295400" y="76200"/>
+            <a:ext cx="6476999" cy="6477000"/>
+          </a:xfrm>
+        </p:spPr>
+      </p:pic>
+    </p:spTree>
+    <p:extLst>
+      <p:ext uri="{BB962C8B-B14F-4D97-AF65-F5344CB8AC3E}">
+        <p14:creationId xmlns:p14="http://schemas.microsoft.com/office/powerpoint/2010/main" val="3890424206"/>
+      </p:ext>
+    </p:extLst>
+  </p:cSld>
+  <p:clrMapOvr>
+    <a:masterClrMapping/>
+  </p:clrMapOvr>
+</p:sld>
+</file>
+
+<file path=ppt/slides/slide27.xml><?xml version="1.0" encoding="utf-8"?>
+<p:sld xmlns:a="http://schemas.openxmlformats.org/drawingml/2006/main" xmlns:r="http://schemas.openxmlformats.org/officeDocument/2006/relationships" xmlns:p="http://schemas.openxmlformats.org/presentationml/2006/main">
+  <p:cSld>
+    <p:spTree>
+      <p:nvGrpSpPr>
+        <p:cNvPr id="1" name=""/>
+        <p:cNvGrpSpPr/>
+        <p:nvPr/>
+      </p:nvGrpSpPr>
+      <p:grpSpPr>
+        <a:xfrm>
+          <a:off x="0" y="0"/>
+          <a:ext cx="0" cy="0"/>
+          <a:chOff x="0" y="0"/>
+          <a:chExt cx="0" cy="0"/>
+        </a:xfrm>
+      </p:grpSpPr>
+      <p:pic>
+        <p:nvPicPr>
+          <p:cNvPr id="4" name="Content Placeholder 3"/>
+          <p:cNvPicPr>
+            <a:picLocks noGrp="1" noChangeAspect="1"/>
+          </p:cNvPicPr>
+          <p:nvPr>
+            <p:ph idx="1"/>
+          </p:nvPr>
+        </p:nvPicPr>
+        <p:blipFill>
+          <a:blip r:embed="rId2">
+            <a:extLst>
+              <a:ext uri="{28A0092B-C50C-407E-A947-70E740481C1C}">
+                <a14:useLocalDpi xmlns:a14="http://schemas.microsoft.com/office/drawing/2010/main" val="0"/>
+              </a:ext>
+            </a:extLst>
+          </a:blip>
+          <a:stretch>
+            <a:fillRect/>
+          </a:stretch>
+        </p:blipFill>
+        <p:spPr>
+          <a:xfrm>
+            <a:off x="1219200" y="0"/>
+            <a:ext cx="6781799" cy="6858000"/>
+          </a:xfrm>
+        </p:spPr>
+      </p:pic>
+    </p:spTree>
+    <p:extLst>
+      <p:ext uri="{BB962C8B-B14F-4D97-AF65-F5344CB8AC3E}">
+        <p14:creationId xmlns:p14="http://schemas.microsoft.com/office/powerpoint/2010/main" val="3728015448"/>
+      </p:ext>
+    </p:extLst>
+  </p:cSld>
+  <p:clrMapOvr>
+    <a:masterClrMapping/>
+  </p:clrMapOvr>
+</p:sld>
+</file>
+
+<file path=ppt/slides/slide28.xml><?xml version="1.0" encoding="utf-8"?>
+<p:sld xmlns:a="http://schemas.openxmlformats.org/drawingml/2006/main" xmlns:r="http://schemas.openxmlformats.org/officeDocument/2006/relationships" xmlns:p="http://schemas.openxmlformats.org/presentationml/2006/main">
+  <p:cSld>
+    <p:spTree>
+      <p:nvGrpSpPr>
+        <p:cNvPr id="1" name=""/>
+        <p:cNvGrpSpPr/>
+        <p:nvPr/>
+      </p:nvGrpSpPr>
+      <p:grpSpPr>
+        <a:xfrm>
+          <a:off x="0" y="0"/>
+          <a:ext cx="0" cy="0"/>
+          <a:chOff x="0" y="0"/>
+          <a:chExt cx="0" cy="0"/>
+        </a:xfrm>
+      </p:grpSpPr>
+      <p:pic>
+        <p:nvPicPr>
+          <p:cNvPr id="4" name="Content Placeholder 3"/>
+          <p:cNvPicPr>
+            <a:picLocks noGrp="1" noChangeAspect="1"/>
+          </p:cNvPicPr>
+          <p:nvPr>
+            <p:ph idx="1"/>
+          </p:nvPr>
+        </p:nvPicPr>
+        <p:blipFill>
+          <a:blip r:embed="rId2">
+            <a:extLst>
+              <a:ext uri="{28A0092B-C50C-407E-A947-70E740481C1C}">
+                <a14:useLocalDpi xmlns:a14="http://schemas.microsoft.com/office/drawing/2010/main" val="0"/>
+              </a:ext>
+            </a:extLst>
+          </a:blip>
+          <a:stretch>
+            <a:fillRect/>
+          </a:stretch>
+        </p:blipFill>
+        <p:spPr>
+          <a:xfrm>
+            <a:off x="1219200" y="76200"/>
+            <a:ext cx="6629399" cy="6629400"/>
+          </a:xfrm>
+        </p:spPr>
+      </p:pic>
+    </p:spTree>
+    <p:extLst>
+      <p:ext uri="{BB962C8B-B14F-4D97-AF65-F5344CB8AC3E}">
+        <p14:creationId xmlns:p14="http://schemas.microsoft.com/office/powerpoint/2010/main" val="2957337095"/>
+      </p:ext>
+    </p:extLst>
+  </p:cSld>
+  <p:clrMapOvr>
+    <a:masterClrMapping/>
+  </p:clrMapOvr>
+</p:sld>
+</file>
+
+<file path=ppt/slides/slide29.xml><?xml version="1.0" encoding="utf-8"?>
+<p:sld xmlns:a="http://schemas.openxmlformats.org/drawingml/2006/main" xmlns:r="http://schemas.openxmlformats.org/officeDocument/2006/relationships" xmlns:p="http://schemas.openxmlformats.org/presentationml/2006/main">
+  <p:cSld>
+    <p:spTree>
+      <p:nvGrpSpPr>
+        <p:cNvPr id="1" name=""/>
+        <p:cNvGrpSpPr/>
+        <p:nvPr/>
+      </p:nvGrpSpPr>
+      <p:grpSpPr>
+        <a:xfrm>
+          <a:off x="0" y="0"/>
+          <a:ext cx="0" cy="0"/>
+          <a:chOff x="0" y="0"/>
+          <a:chExt cx="0" cy="0"/>
+        </a:xfrm>
+      </p:grpSpPr>
+      <p:pic>
+        <p:nvPicPr>
+          <p:cNvPr id="4" name="Content Placeholder 3"/>
+          <p:cNvPicPr>
+            <a:picLocks noGrp="1" noChangeAspect="1"/>
+          </p:cNvPicPr>
+          <p:nvPr>
+            <p:ph idx="1"/>
+          </p:nvPr>
+        </p:nvPicPr>
+        <p:blipFill>
+          <a:blip r:embed="rId2">
+            <a:extLst>
+              <a:ext uri="{28A0092B-C50C-407E-A947-70E740481C1C}">
+                <a14:useLocalDpi xmlns:a14="http://schemas.microsoft.com/office/drawing/2010/main" val="0"/>
+              </a:ext>
+            </a:extLst>
+          </a:blip>
+          <a:stretch>
+            <a:fillRect/>
+          </a:stretch>
+        </p:blipFill>
+        <p:spPr>
+          <a:xfrm>
+            <a:off x="1447800" y="228600"/>
+            <a:ext cx="5943599" cy="5897563"/>
+          </a:xfrm>
+        </p:spPr>
+      </p:pic>
+    </p:spTree>
+    <p:extLst>
+      <p:ext uri="{BB962C8B-B14F-4D97-AF65-F5344CB8AC3E}">
+        <p14:creationId xmlns:p14="http://schemas.microsoft.com/office/powerpoint/2010/main" val="1386107120"/>
+      </p:ext>
+    </p:extLst>
+  </p:cSld>
+  <p:clrMapOvr>
+    <a:masterClrMapping/>
+  </p:clrMapOvr>
+  <p:timing>
+    <p:tnLst>
+      <p:par>
+        <p:cTn id="1" dur="indefinite" restart="never" nodeType="tmRoot"/>
+      </p:par>
+    </p:tnLst>
+  </p:timing>
 </p:sld>
 </file>
 
@@ -3831,6 +5043,520 @@
   <p:clrMapOvr>
     <a:masterClrMapping/>
   </p:clrMapOvr>
+</p:sld>
+</file>
+
+<file path=ppt/slides/slide30.xml><?xml version="1.0" encoding="utf-8"?>
+<p:sld xmlns:a="http://schemas.openxmlformats.org/drawingml/2006/main" xmlns:r="http://schemas.openxmlformats.org/officeDocument/2006/relationships" xmlns:p="http://schemas.openxmlformats.org/presentationml/2006/main">
+  <p:cSld>
+    <p:spTree>
+      <p:nvGrpSpPr>
+        <p:cNvPr id="1" name=""/>
+        <p:cNvGrpSpPr/>
+        <p:nvPr/>
+      </p:nvGrpSpPr>
+      <p:grpSpPr>
+        <a:xfrm>
+          <a:off x="0" y="0"/>
+          <a:ext cx="0" cy="0"/>
+          <a:chOff x="0" y="0"/>
+          <a:chExt cx="0" cy="0"/>
+        </a:xfrm>
+      </p:grpSpPr>
+      <p:sp>
+        <p:nvSpPr>
+          <p:cNvPr id="2" name="Title 1"/>
+          <p:cNvSpPr>
+            <a:spLocks noGrp="1"/>
+          </p:cNvSpPr>
+          <p:nvPr>
+            <p:ph type="title"/>
+          </p:nvPr>
+        </p:nvSpPr>
+        <p:spPr>
+          <a:xfrm>
+            <a:off x="457200" y="0"/>
+            <a:ext cx="8229600" cy="884238"/>
+          </a:xfrm>
+        </p:spPr>
+        <p:txBody>
+          <a:bodyPr/>
+          <a:lstStyle/>
+          <a:p>
+            <a:r>
+              <a:rPr lang="en-US" dirty="0" smtClean="0"/>
+              <a:t>E-R Diagram</a:t>
+            </a:r>
+            <a:endParaRPr lang="en-US" dirty="0"/>
+          </a:p>
+        </p:txBody>
+      </p:sp>
+      <p:pic>
+        <p:nvPicPr>
+          <p:cNvPr id="4" name="Content Placeholder 3"/>
+          <p:cNvPicPr>
+            <a:picLocks noGrp="1" noChangeAspect="1"/>
+          </p:cNvPicPr>
+          <p:nvPr>
+            <p:ph idx="1"/>
+          </p:nvPr>
+        </p:nvPicPr>
+        <p:blipFill>
+          <a:blip r:embed="rId2" cstate="print">
+            <a:extLst>
+              <a:ext uri="{28A0092B-C50C-407E-A947-70E740481C1C}">
+                <a14:useLocalDpi xmlns:a14="http://schemas.microsoft.com/office/drawing/2010/main" val="0"/>
+              </a:ext>
+            </a:extLst>
+          </a:blip>
+          <a:stretch>
+            <a:fillRect/>
+          </a:stretch>
+        </p:blipFill>
+        <p:spPr>
+          <a:xfrm>
+            <a:off x="152400" y="838200"/>
+            <a:ext cx="8915400" cy="6019800"/>
+          </a:xfrm>
+        </p:spPr>
+      </p:pic>
+    </p:spTree>
+    <p:extLst>
+      <p:ext uri="{BB962C8B-B14F-4D97-AF65-F5344CB8AC3E}">
+        <p14:creationId xmlns:p14="http://schemas.microsoft.com/office/powerpoint/2010/main" val="539227829"/>
+      </p:ext>
+    </p:extLst>
+  </p:cSld>
+  <p:clrMapOvr>
+    <a:masterClrMapping/>
+  </p:clrMapOvr>
+  <p:timing>
+    <p:tnLst>
+      <p:par>
+        <p:cTn id="1" dur="indefinite" restart="never" nodeType="tmRoot"/>
+      </p:par>
+    </p:tnLst>
+  </p:timing>
+</p:sld>
+</file>
+
+<file path=ppt/slides/slide31.xml><?xml version="1.0" encoding="utf-8"?>
+<p:sld xmlns:a="http://schemas.openxmlformats.org/drawingml/2006/main" xmlns:r="http://schemas.openxmlformats.org/officeDocument/2006/relationships" xmlns:p="http://schemas.openxmlformats.org/presentationml/2006/main">
+  <p:cSld>
+    <p:bg>
+      <p:bgPr>
+        <a:blipFill dpi="0" rotWithShape="1">
+          <a:blip r:embed="rId2">
+            <a:lum/>
+          </a:blip>
+          <a:srcRect/>
+          <a:stretch>
+            <a:fillRect/>
+          </a:stretch>
+        </a:blipFill>
+        <a:effectLst/>
+      </p:bgPr>
+    </p:bg>
+    <p:spTree>
+      <p:nvGrpSpPr>
+        <p:cNvPr id="1" name=""/>
+        <p:cNvGrpSpPr/>
+        <p:nvPr/>
+      </p:nvGrpSpPr>
+      <p:grpSpPr>
+        <a:xfrm>
+          <a:off x="0" y="0"/>
+          <a:ext cx="0" cy="0"/>
+          <a:chOff x="0" y="0"/>
+          <a:chExt cx="0" cy="0"/>
+        </a:xfrm>
+      </p:grpSpPr>
+    </p:spTree>
+    <p:extLst>
+      <p:ext uri="{BB962C8B-B14F-4D97-AF65-F5344CB8AC3E}">
+        <p14:creationId xmlns:p14="http://schemas.microsoft.com/office/powerpoint/2010/main" val="227491703"/>
+      </p:ext>
+    </p:extLst>
+  </p:cSld>
+  <p:clrMapOvr>
+    <a:masterClrMapping/>
+  </p:clrMapOvr>
+  <p:timing>
+    <p:tnLst>
+      <p:par>
+        <p:cTn id="1" dur="indefinite" restart="never" nodeType="tmRoot"/>
+      </p:par>
+    </p:tnLst>
+  </p:timing>
+</p:sld>
+</file>
+
+<file path=ppt/slides/slide32.xml><?xml version="1.0" encoding="utf-8"?>
+<p:sld xmlns:a="http://schemas.openxmlformats.org/drawingml/2006/main" xmlns:r="http://schemas.openxmlformats.org/officeDocument/2006/relationships" xmlns:p="http://schemas.openxmlformats.org/presentationml/2006/main">
+  <p:cSld>
+    <p:spTree>
+      <p:nvGrpSpPr>
+        <p:cNvPr id="1" name=""/>
+        <p:cNvGrpSpPr/>
+        <p:nvPr/>
+      </p:nvGrpSpPr>
+      <p:grpSpPr>
+        <a:xfrm>
+          <a:off x="0" y="0"/>
+          <a:ext cx="0" cy="0"/>
+          <a:chOff x="0" y="0"/>
+          <a:chExt cx="0" cy="0"/>
+        </a:xfrm>
+      </p:grpSpPr>
+      <p:sp>
+        <p:nvSpPr>
+          <p:cNvPr id="2" name="Title 1"/>
+          <p:cNvSpPr>
+            <a:spLocks noGrp="1"/>
+          </p:cNvSpPr>
+          <p:nvPr>
+            <p:ph type="title"/>
+          </p:nvPr>
+        </p:nvSpPr>
+        <p:spPr>
+          <a:xfrm>
+            <a:off x="457200" y="76200"/>
+            <a:ext cx="8229600" cy="731838"/>
+          </a:xfrm>
+        </p:spPr>
+        <p:txBody>
+          <a:bodyPr>
+            <a:normAutofit fontScale="90000"/>
+          </a:bodyPr>
+          <a:lstStyle/>
+          <a:p>
+            <a:r>
+              <a:rPr lang="en-US" dirty="0" smtClean="0"/>
+              <a:t>Sequence Diagrams</a:t>
+            </a:r>
+            <a:endParaRPr lang="en-US" dirty="0"/>
+          </a:p>
+        </p:txBody>
+      </p:sp>
+      <p:pic>
+        <p:nvPicPr>
+          <p:cNvPr id="4" name="Content Placeholder 3"/>
+          <p:cNvPicPr>
+            <a:picLocks noGrp="1" noChangeAspect="1"/>
+          </p:cNvPicPr>
+          <p:nvPr>
+            <p:ph idx="1"/>
+          </p:nvPr>
+        </p:nvPicPr>
+        <p:blipFill>
+          <a:blip r:embed="rId2" cstate="print">
+            <a:extLst>
+              <a:ext uri="{28A0092B-C50C-407E-A947-70E740481C1C}">
+                <a14:useLocalDpi xmlns:a14="http://schemas.microsoft.com/office/drawing/2010/main" val="0"/>
+              </a:ext>
+            </a:extLst>
+          </a:blip>
+          <a:stretch>
+            <a:fillRect/>
+          </a:stretch>
+        </p:blipFill>
+        <p:spPr>
+          <a:xfrm>
+            <a:off x="228600" y="838200"/>
+            <a:ext cx="8458200" cy="5867400"/>
+          </a:xfrm>
+        </p:spPr>
+      </p:pic>
+    </p:spTree>
+    <p:extLst>
+      <p:ext uri="{BB962C8B-B14F-4D97-AF65-F5344CB8AC3E}">
+        <p14:creationId xmlns:p14="http://schemas.microsoft.com/office/powerpoint/2010/main" val="136745214"/>
+      </p:ext>
+    </p:extLst>
+  </p:cSld>
+  <p:clrMapOvr>
+    <a:masterClrMapping/>
+  </p:clrMapOvr>
+</p:sld>
+</file>
+
+<file path=ppt/slides/slide33.xml><?xml version="1.0" encoding="utf-8"?>
+<p:sld xmlns:a="http://schemas.openxmlformats.org/drawingml/2006/main" xmlns:r="http://schemas.openxmlformats.org/officeDocument/2006/relationships" xmlns:p="http://schemas.openxmlformats.org/presentationml/2006/main">
+  <p:cSld>
+    <p:spTree>
+      <p:nvGrpSpPr>
+        <p:cNvPr id="1" name=""/>
+        <p:cNvGrpSpPr/>
+        <p:nvPr/>
+      </p:nvGrpSpPr>
+      <p:grpSpPr>
+        <a:xfrm>
+          <a:off x="0" y="0"/>
+          <a:ext cx="0" cy="0"/>
+          <a:chOff x="0" y="0"/>
+          <a:chExt cx="0" cy="0"/>
+        </a:xfrm>
+      </p:grpSpPr>
+      <p:pic>
+        <p:nvPicPr>
+          <p:cNvPr id="4" name="Content Placeholder 3"/>
+          <p:cNvPicPr>
+            <a:picLocks noGrp="1" noChangeAspect="1"/>
+          </p:cNvPicPr>
+          <p:nvPr>
+            <p:ph idx="1"/>
+          </p:nvPr>
+        </p:nvPicPr>
+        <p:blipFill>
+          <a:blip r:embed="rId2">
+            <a:extLst>
+              <a:ext uri="{28A0092B-C50C-407E-A947-70E740481C1C}">
+                <a14:useLocalDpi xmlns:a14="http://schemas.microsoft.com/office/drawing/2010/main" val="0"/>
+              </a:ext>
+            </a:extLst>
+          </a:blip>
+          <a:stretch>
+            <a:fillRect/>
+          </a:stretch>
+        </p:blipFill>
+        <p:spPr>
+          <a:xfrm>
+            <a:off x="304800" y="228600"/>
+            <a:ext cx="8458200" cy="6400800"/>
+          </a:xfrm>
+        </p:spPr>
+      </p:pic>
+    </p:spTree>
+    <p:extLst>
+      <p:ext uri="{BB962C8B-B14F-4D97-AF65-F5344CB8AC3E}">
+        <p14:creationId xmlns:p14="http://schemas.microsoft.com/office/powerpoint/2010/main" val="459305706"/>
+      </p:ext>
+    </p:extLst>
+  </p:cSld>
+  <p:clrMapOvr>
+    <a:masterClrMapping/>
+  </p:clrMapOvr>
+</p:sld>
+</file>
+
+<file path=ppt/slides/slide34.xml><?xml version="1.0" encoding="utf-8"?>
+<p:sld xmlns:a="http://schemas.openxmlformats.org/drawingml/2006/main" xmlns:r="http://schemas.openxmlformats.org/officeDocument/2006/relationships" xmlns:p="http://schemas.openxmlformats.org/presentationml/2006/main">
+  <p:cSld>
+    <p:spTree>
+      <p:nvGrpSpPr>
+        <p:cNvPr id="1" name=""/>
+        <p:cNvGrpSpPr/>
+        <p:nvPr/>
+      </p:nvGrpSpPr>
+      <p:grpSpPr>
+        <a:xfrm>
+          <a:off x="0" y="0"/>
+          <a:ext cx="0" cy="0"/>
+          <a:chOff x="0" y="0"/>
+          <a:chExt cx="0" cy="0"/>
+        </a:xfrm>
+      </p:grpSpPr>
+      <p:pic>
+        <p:nvPicPr>
+          <p:cNvPr id="4" name="Content Placeholder 3"/>
+          <p:cNvPicPr>
+            <a:picLocks noGrp="1" noChangeAspect="1"/>
+          </p:cNvPicPr>
+          <p:nvPr>
+            <p:ph idx="1"/>
+          </p:nvPr>
+        </p:nvPicPr>
+        <p:blipFill>
+          <a:blip r:embed="rId2">
+            <a:extLst>
+              <a:ext uri="{28A0092B-C50C-407E-A947-70E740481C1C}">
+                <a14:useLocalDpi xmlns:a14="http://schemas.microsoft.com/office/drawing/2010/main" val="0"/>
+              </a:ext>
+            </a:extLst>
+          </a:blip>
+          <a:stretch>
+            <a:fillRect/>
+          </a:stretch>
+        </p:blipFill>
+        <p:spPr>
+          <a:xfrm>
+            <a:off x="228600" y="304800"/>
+            <a:ext cx="8686800" cy="6324600"/>
+          </a:xfrm>
+        </p:spPr>
+      </p:pic>
+    </p:spTree>
+    <p:extLst>
+      <p:ext uri="{BB962C8B-B14F-4D97-AF65-F5344CB8AC3E}">
+        <p14:creationId xmlns:p14="http://schemas.microsoft.com/office/powerpoint/2010/main" val="3541366415"/>
+      </p:ext>
+    </p:extLst>
+  </p:cSld>
+  <p:clrMapOvr>
+    <a:masterClrMapping/>
+  </p:clrMapOvr>
+</p:sld>
+</file>
+
+<file path=ppt/slides/slide35.xml><?xml version="1.0" encoding="utf-8"?>
+<p:sld xmlns:a="http://schemas.openxmlformats.org/drawingml/2006/main" xmlns:r="http://schemas.openxmlformats.org/officeDocument/2006/relationships" xmlns:p="http://schemas.openxmlformats.org/presentationml/2006/main">
+  <p:cSld>
+    <p:spTree>
+      <p:nvGrpSpPr>
+        <p:cNvPr id="1" name=""/>
+        <p:cNvGrpSpPr/>
+        <p:nvPr/>
+      </p:nvGrpSpPr>
+      <p:grpSpPr>
+        <a:xfrm>
+          <a:off x="0" y="0"/>
+          <a:ext cx="0" cy="0"/>
+          <a:chOff x="0" y="0"/>
+          <a:chExt cx="0" cy="0"/>
+        </a:xfrm>
+      </p:grpSpPr>
+      <p:pic>
+        <p:nvPicPr>
+          <p:cNvPr id="4" name="Content Placeholder 3"/>
+          <p:cNvPicPr>
+            <a:picLocks noGrp="1" noChangeAspect="1"/>
+          </p:cNvPicPr>
+          <p:nvPr>
+            <p:ph idx="1"/>
+          </p:nvPr>
+        </p:nvPicPr>
+        <p:blipFill>
+          <a:blip r:embed="rId2">
+            <a:extLst>
+              <a:ext uri="{28A0092B-C50C-407E-A947-70E740481C1C}">
+                <a14:useLocalDpi xmlns:a14="http://schemas.microsoft.com/office/drawing/2010/main" val="0"/>
+              </a:ext>
+            </a:extLst>
+          </a:blip>
+          <a:stretch>
+            <a:fillRect/>
+          </a:stretch>
+        </p:blipFill>
+        <p:spPr>
+          <a:xfrm>
+            <a:off x="381000" y="381000"/>
+            <a:ext cx="8458200" cy="6172200"/>
+          </a:xfrm>
+        </p:spPr>
+      </p:pic>
+    </p:spTree>
+    <p:extLst>
+      <p:ext uri="{BB962C8B-B14F-4D97-AF65-F5344CB8AC3E}">
+        <p14:creationId xmlns:p14="http://schemas.microsoft.com/office/powerpoint/2010/main" val="3608397868"/>
+      </p:ext>
+    </p:extLst>
+  </p:cSld>
+  <p:clrMapOvr>
+    <a:masterClrMapping/>
+  </p:clrMapOvr>
+  <p:timing>
+    <p:tnLst>
+      <p:par>
+        <p:cTn id="1" dur="indefinite" restart="never" nodeType="tmRoot"/>
+      </p:par>
+    </p:tnLst>
+  </p:timing>
+</p:sld>
+</file>
+
+<file path=ppt/slides/slide36.xml><?xml version="1.0" encoding="utf-8"?>
+<p:sld xmlns:a="http://schemas.openxmlformats.org/drawingml/2006/main" xmlns:r="http://schemas.openxmlformats.org/officeDocument/2006/relationships" xmlns:p="http://schemas.openxmlformats.org/presentationml/2006/main">
+  <p:cSld>
+    <p:spTree>
+      <p:nvGrpSpPr>
+        <p:cNvPr id="1" name=""/>
+        <p:cNvGrpSpPr/>
+        <p:nvPr/>
+      </p:nvGrpSpPr>
+      <p:grpSpPr>
+        <a:xfrm>
+          <a:off x="0" y="0"/>
+          <a:ext cx="0" cy="0"/>
+          <a:chOff x="0" y="0"/>
+          <a:chExt cx="0" cy="0"/>
+        </a:xfrm>
+      </p:grpSpPr>
+      <p:sp>
+        <p:nvSpPr>
+          <p:cNvPr id="2" name="Title 1"/>
+          <p:cNvSpPr>
+            <a:spLocks noGrp="1"/>
+          </p:cNvSpPr>
+          <p:nvPr>
+            <p:ph type="title"/>
+          </p:nvPr>
+        </p:nvSpPr>
+        <p:spPr>
+          <a:xfrm>
+            <a:off x="533400" y="20782"/>
+            <a:ext cx="8229600" cy="731838"/>
+          </a:xfrm>
+        </p:spPr>
+        <p:txBody>
+          <a:bodyPr>
+            <a:normAutofit fontScale="90000"/>
+          </a:bodyPr>
+          <a:lstStyle/>
+          <a:p>
+            <a:r>
+              <a:rPr lang="en-US" dirty="0" smtClean="0"/>
+              <a:t>Class Diagram</a:t>
+            </a:r>
+            <a:endParaRPr lang="en-US" dirty="0"/>
+          </a:p>
+        </p:txBody>
+      </p:sp>
+      <p:pic>
+        <p:nvPicPr>
+          <p:cNvPr id="4" name="Content Placeholder 3"/>
+          <p:cNvPicPr>
+            <a:picLocks noGrp="1" noChangeAspect="1"/>
+          </p:cNvPicPr>
+          <p:nvPr>
+            <p:ph idx="1"/>
+          </p:nvPr>
+        </p:nvPicPr>
+        <p:blipFill>
+          <a:blip r:embed="rId2" cstate="print">
+            <a:extLst>
+              <a:ext uri="{28A0092B-C50C-407E-A947-70E740481C1C}">
+                <a14:useLocalDpi xmlns:a14="http://schemas.microsoft.com/office/drawing/2010/main" val="0"/>
+              </a:ext>
+            </a:extLst>
+          </a:blip>
+          <a:stretch>
+            <a:fillRect/>
+          </a:stretch>
+        </p:blipFill>
+        <p:spPr>
+          <a:xfrm>
+            <a:off x="0" y="838200"/>
+            <a:ext cx="9144000" cy="5943600"/>
+          </a:xfrm>
+        </p:spPr>
+      </p:pic>
+    </p:spTree>
+    <p:extLst>
+      <p:ext uri="{BB962C8B-B14F-4D97-AF65-F5344CB8AC3E}">
+        <p14:creationId xmlns:p14="http://schemas.microsoft.com/office/powerpoint/2010/main" val="2635315847"/>
+      </p:ext>
+    </p:extLst>
+  </p:cSld>
+  <p:clrMapOvr>
+    <a:masterClrMapping/>
+  </p:clrMapOvr>
+  <p:timing>
+    <p:tnLst>
+      <p:par>
+        <p:cTn id="1" dur="indefinite" restart="never" nodeType="tmRoot"/>
+      </p:par>
+    </p:tnLst>
+  </p:timing>
 </p:sld>
 </file>
 

--- a/Presentation/Project_Presentation.pptx
+++ b/Presentation/Project_Presentation.pptx
@@ -139,6 +139,22 @@
       </a:defRPr>
     </a:lvl9pPr>
   </p:defaultTextStyle>
+  <p:extLst>
+    <p:ext uri="{EFAFB233-063F-42B5-8137-9DF3F51BA10A}">
+      <p15:sldGuideLst xmlns:p15="http://schemas.microsoft.com/office/powerpoint/2012/main">
+        <p15:guide id="1" orient="horz" pos="2160">
+          <p15:clr>
+            <a:srgbClr val="A4A3A4"/>
+          </p15:clr>
+        </p15:guide>
+        <p15:guide id="2" pos="2880">
+          <p15:clr>
+            <a:srgbClr val="A4A3A4"/>
+          </p15:clr>
+        </p15:guide>
+      </p15:sldGuideLst>
+    </p:ext>
+  </p:extLst>
 </p:presentation>
 </file>
 
@@ -180,10 +196,9 @@
           <a:lstStyle/>
           <a:p>
             <a:r>
-              <a:rPr lang="en-US" smtClean="0"/>
+              <a:rPr lang="en-US"/>
               <a:t>Click to edit Master title style</a:t>
             </a:r>
-            <a:endParaRPr lang="en-US"/>
           </a:p>
         </p:txBody>
       </p:sp>
@@ -299,10 +314,9 @@
           </a:lstStyle>
           <a:p>
             <a:r>
-              <a:rPr lang="en-US" smtClean="0"/>
+              <a:rPr lang="en-US"/>
               <a:t>Click to edit Master subtitle style</a:t>
             </a:r>
-            <a:endParaRPr lang="en-US"/>
           </a:p>
         </p:txBody>
       </p:sp>
@@ -324,7 +338,7 @@
             <a:fld id="{22278AEF-C5F7-4B66-AA02-1B9777B8FF83}" type="datetimeFigureOut">
               <a:rPr lang="en-US" smtClean="0"/>
               <a:pPr/>
-              <a:t>10/4/2020</a:t>
+              <a:t>10/14/2020</a:t>
             </a:fld>
             <a:endParaRPr lang="en-US"/>
           </a:p>
@@ -414,10 +428,9 @@
           <a:lstStyle/>
           <a:p>
             <a:r>
-              <a:rPr lang="en-US" smtClean="0"/>
+              <a:rPr lang="en-US"/>
               <a:t>Click to edit Master title style</a:t>
             </a:r>
-            <a:endParaRPr lang="en-US"/>
           </a:p>
         </p:txBody>
       </p:sp>
@@ -438,38 +451,37 @@
           <a:p>
             <a:pPr lvl="0"/>
             <a:r>
-              <a:rPr lang="en-US" smtClean="0"/>
+              <a:rPr lang="en-US"/>
               <a:t>Click to edit Master text styles</a:t>
             </a:r>
           </a:p>
           <a:p>
             <a:pPr lvl="1"/>
             <a:r>
-              <a:rPr lang="en-US" smtClean="0"/>
+              <a:rPr lang="en-US"/>
               <a:t>Second level</a:t>
             </a:r>
           </a:p>
           <a:p>
             <a:pPr lvl="2"/>
             <a:r>
-              <a:rPr lang="en-US" smtClean="0"/>
+              <a:rPr lang="en-US"/>
               <a:t>Third level</a:t>
             </a:r>
           </a:p>
           <a:p>
             <a:pPr lvl="3"/>
             <a:r>
-              <a:rPr lang="en-US" smtClean="0"/>
+              <a:rPr lang="en-US"/>
               <a:t>Fourth level</a:t>
             </a:r>
           </a:p>
           <a:p>
             <a:pPr lvl="4"/>
             <a:r>
-              <a:rPr lang="en-US" smtClean="0"/>
+              <a:rPr lang="en-US"/>
               <a:t>Fifth level</a:t>
             </a:r>
-            <a:endParaRPr lang="en-US"/>
           </a:p>
         </p:txBody>
       </p:sp>
@@ -491,7 +503,7 @@
             <a:fld id="{22278AEF-C5F7-4B66-AA02-1B9777B8FF83}" type="datetimeFigureOut">
               <a:rPr lang="en-US" smtClean="0"/>
               <a:pPr/>
-              <a:t>10/4/2020</a:t>
+              <a:t>10/14/2020</a:t>
             </a:fld>
             <a:endParaRPr lang="en-US"/>
           </a:p>
@@ -586,10 +598,9 @@
           <a:lstStyle/>
           <a:p>
             <a:r>
-              <a:rPr lang="en-US" smtClean="0"/>
+              <a:rPr lang="en-US"/>
               <a:t>Click to edit Master title style</a:t>
             </a:r>
-            <a:endParaRPr lang="en-US"/>
           </a:p>
         </p:txBody>
       </p:sp>
@@ -615,38 +626,37 @@
           <a:p>
             <a:pPr lvl="0"/>
             <a:r>
-              <a:rPr lang="en-US" smtClean="0"/>
+              <a:rPr lang="en-US"/>
               <a:t>Click to edit Master text styles</a:t>
             </a:r>
           </a:p>
           <a:p>
             <a:pPr lvl="1"/>
             <a:r>
-              <a:rPr lang="en-US" smtClean="0"/>
+              <a:rPr lang="en-US"/>
               <a:t>Second level</a:t>
             </a:r>
           </a:p>
           <a:p>
             <a:pPr lvl="2"/>
             <a:r>
-              <a:rPr lang="en-US" smtClean="0"/>
+              <a:rPr lang="en-US"/>
               <a:t>Third level</a:t>
             </a:r>
           </a:p>
           <a:p>
             <a:pPr lvl="3"/>
             <a:r>
-              <a:rPr lang="en-US" smtClean="0"/>
+              <a:rPr lang="en-US"/>
               <a:t>Fourth level</a:t>
             </a:r>
           </a:p>
           <a:p>
             <a:pPr lvl="4"/>
             <a:r>
-              <a:rPr lang="en-US" smtClean="0"/>
+              <a:rPr lang="en-US"/>
               <a:t>Fifth level</a:t>
             </a:r>
-            <a:endParaRPr lang="en-US"/>
           </a:p>
         </p:txBody>
       </p:sp>
@@ -668,7 +678,7 @@
             <a:fld id="{22278AEF-C5F7-4B66-AA02-1B9777B8FF83}" type="datetimeFigureOut">
               <a:rPr lang="en-US" smtClean="0"/>
               <a:pPr/>
-              <a:t>10/4/2020</a:t>
+              <a:t>10/14/2020</a:t>
             </a:fld>
             <a:endParaRPr lang="en-US"/>
           </a:p>
@@ -758,10 +768,9 @@
           <a:lstStyle/>
           <a:p>
             <a:r>
-              <a:rPr lang="en-US" smtClean="0"/>
+              <a:rPr lang="en-US"/>
               <a:t>Click to edit Master title style</a:t>
             </a:r>
-            <a:endParaRPr lang="en-US"/>
           </a:p>
         </p:txBody>
       </p:sp>
@@ -782,38 +791,37 @@
           <a:p>
             <a:pPr lvl="0"/>
             <a:r>
-              <a:rPr lang="en-US" smtClean="0"/>
+              <a:rPr lang="en-US"/>
               <a:t>Click to edit Master text styles</a:t>
             </a:r>
           </a:p>
           <a:p>
             <a:pPr lvl="1"/>
             <a:r>
-              <a:rPr lang="en-US" smtClean="0"/>
+              <a:rPr lang="en-US"/>
               <a:t>Second level</a:t>
             </a:r>
           </a:p>
           <a:p>
             <a:pPr lvl="2"/>
             <a:r>
-              <a:rPr lang="en-US" smtClean="0"/>
+              <a:rPr lang="en-US"/>
               <a:t>Third level</a:t>
             </a:r>
           </a:p>
           <a:p>
             <a:pPr lvl="3"/>
             <a:r>
-              <a:rPr lang="en-US" smtClean="0"/>
+              <a:rPr lang="en-US"/>
               <a:t>Fourth level</a:t>
             </a:r>
           </a:p>
           <a:p>
             <a:pPr lvl="4"/>
             <a:r>
-              <a:rPr lang="en-US" smtClean="0"/>
+              <a:rPr lang="en-US"/>
               <a:t>Fifth level</a:t>
             </a:r>
-            <a:endParaRPr lang="en-US"/>
           </a:p>
         </p:txBody>
       </p:sp>
@@ -835,7 +843,7 @@
             <a:fld id="{22278AEF-C5F7-4B66-AA02-1B9777B8FF83}" type="datetimeFigureOut">
               <a:rPr lang="en-US" smtClean="0"/>
               <a:pPr/>
-              <a:t>10/4/2020</a:t>
+              <a:t>10/14/2020</a:t>
             </a:fld>
             <a:endParaRPr lang="en-US"/>
           </a:p>
@@ -934,10 +942,9 @@
           </a:lstStyle>
           <a:p>
             <a:r>
-              <a:rPr lang="en-US" smtClean="0"/>
+              <a:rPr lang="en-US"/>
               <a:t>Click to edit Master title style</a:t>
             </a:r>
-            <a:endParaRPr lang="en-US"/>
           </a:p>
         </p:txBody>
       </p:sp>
@@ -1054,7 +1061,7 @@
           <a:p>
             <a:pPr lvl="0"/>
             <a:r>
-              <a:rPr lang="en-US" smtClean="0"/>
+              <a:rPr lang="en-US"/>
               <a:t>Click to edit Master text styles</a:t>
             </a:r>
           </a:p>
@@ -1078,7 +1085,7 @@
             <a:fld id="{22278AEF-C5F7-4B66-AA02-1B9777B8FF83}" type="datetimeFigureOut">
               <a:rPr lang="en-US" smtClean="0"/>
               <a:pPr/>
-              <a:t>10/4/2020</a:t>
+              <a:t>10/14/2020</a:t>
             </a:fld>
             <a:endParaRPr lang="en-US"/>
           </a:p>
@@ -1168,10 +1175,9 @@
           <a:lstStyle/>
           <a:p>
             <a:r>
-              <a:rPr lang="en-US" smtClean="0"/>
+              <a:rPr lang="en-US"/>
               <a:t>Click to edit Master title style</a:t>
             </a:r>
-            <a:endParaRPr lang="en-US"/>
           </a:p>
         </p:txBody>
       </p:sp>
@@ -1225,38 +1231,37 @@
           <a:p>
             <a:pPr lvl="0"/>
             <a:r>
-              <a:rPr lang="en-US" smtClean="0"/>
+              <a:rPr lang="en-US"/>
               <a:t>Click to edit Master text styles</a:t>
             </a:r>
           </a:p>
           <a:p>
             <a:pPr lvl="1"/>
             <a:r>
-              <a:rPr lang="en-US" smtClean="0"/>
+              <a:rPr lang="en-US"/>
               <a:t>Second level</a:t>
             </a:r>
           </a:p>
           <a:p>
             <a:pPr lvl="2"/>
             <a:r>
-              <a:rPr lang="en-US" smtClean="0"/>
+              <a:rPr lang="en-US"/>
               <a:t>Third level</a:t>
             </a:r>
           </a:p>
           <a:p>
             <a:pPr lvl="3"/>
             <a:r>
-              <a:rPr lang="en-US" smtClean="0"/>
+              <a:rPr lang="en-US"/>
               <a:t>Fourth level</a:t>
             </a:r>
           </a:p>
           <a:p>
             <a:pPr lvl="4"/>
             <a:r>
-              <a:rPr lang="en-US" smtClean="0"/>
+              <a:rPr lang="en-US"/>
               <a:t>Fifth level</a:t>
             </a:r>
-            <a:endParaRPr lang="en-US"/>
           </a:p>
         </p:txBody>
       </p:sp>
@@ -1310,38 +1315,37 @@
           <a:p>
             <a:pPr lvl="0"/>
             <a:r>
-              <a:rPr lang="en-US" smtClean="0"/>
+              <a:rPr lang="en-US"/>
               <a:t>Click to edit Master text styles</a:t>
             </a:r>
           </a:p>
           <a:p>
             <a:pPr lvl="1"/>
             <a:r>
-              <a:rPr lang="en-US" smtClean="0"/>
+              <a:rPr lang="en-US"/>
               <a:t>Second level</a:t>
             </a:r>
           </a:p>
           <a:p>
             <a:pPr lvl="2"/>
             <a:r>
-              <a:rPr lang="en-US" smtClean="0"/>
+              <a:rPr lang="en-US"/>
               <a:t>Third level</a:t>
             </a:r>
           </a:p>
           <a:p>
             <a:pPr lvl="3"/>
             <a:r>
-              <a:rPr lang="en-US" smtClean="0"/>
+              <a:rPr lang="en-US"/>
               <a:t>Fourth level</a:t>
             </a:r>
           </a:p>
           <a:p>
             <a:pPr lvl="4"/>
             <a:r>
-              <a:rPr lang="en-US" smtClean="0"/>
+              <a:rPr lang="en-US"/>
               <a:t>Fifth level</a:t>
             </a:r>
-            <a:endParaRPr lang="en-US"/>
           </a:p>
         </p:txBody>
       </p:sp>
@@ -1363,7 +1367,7 @@
             <a:fld id="{22278AEF-C5F7-4B66-AA02-1B9777B8FF83}" type="datetimeFigureOut">
               <a:rPr lang="en-US" smtClean="0"/>
               <a:pPr/>
-              <a:t>10/4/2020</a:t>
+              <a:t>10/14/2020</a:t>
             </a:fld>
             <a:endParaRPr lang="en-US"/>
           </a:p>
@@ -1457,10 +1461,9 @@
           </a:lstStyle>
           <a:p>
             <a:r>
-              <a:rPr lang="en-US" smtClean="0"/>
+              <a:rPr lang="en-US"/>
               <a:t>Click to edit Master title style</a:t>
             </a:r>
-            <a:endParaRPr lang="en-US"/>
           </a:p>
         </p:txBody>
       </p:sp>
@@ -1523,7 +1526,7 @@
           <a:p>
             <a:pPr lvl="0"/>
             <a:r>
-              <a:rPr lang="en-US" smtClean="0"/>
+              <a:rPr lang="en-US"/>
               <a:t>Click to edit Master text styles</a:t>
             </a:r>
           </a:p>
@@ -1579,38 +1582,37 @@
           <a:p>
             <a:pPr lvl="0"/>
             <a:r>
-              <a:rPr lang="en-US" smtClean="0"/>
+              <a:rPr lang="en-US"/>
               <a:t>Click to edit Master text styles</a:t>
             </a:r>
           </a:p>
           <a:p>
             <a:pPr lvl="1"/>
             <a:r>
-              <a:rPr lang="en-US" smtClean="0"/>
+              <a:rPr lang="en-US"/>
               <a:t>Second level</a:t>
             </a:r>
           </a:p>
           <a:p>
             <a:pPr lvl="2"/>
             <a:r>
-              <a:rPr lang="en-US" smtClean="0"/>
+              <a:rPr lang="en-US"/>
               <a:t>Third level</a:t>
             </a:r>
           </a:p>
           <a:p>
             <a:pPr lvl="3"/>
             <a:r>
-              <a:rPr lang="en-US" smtClean="0"/>
+              <a:rPr lang="en-US"/>
               <a:t>Fourth level</a:t>
             </a:r>
           </a:p>
           <a:p>
             <a:pPr lvl="4"/>
             <a:r>
-              <a:rPr lang="en-US" smtClean="0"/>
+              <a:rPr lang="en-US"/>
               <a:t>Fifth level</a:t>
             </a:r>
-            <a:endParaRPr lang="en-US"/>
           </a:p>
         </p:txBody>
       </p:sp>
@@ -1673,7 +1675,7 @@
           <a:p>
             <a:pPr lvl="0"/>
             <a:r>
-              <a:rPr lang="en-US" smtClean="0"/>
+              <a:rPr lang="en-US"/>
               <a:t>Click to edit Master text styles</a:t>
             </a:r>
           </a:p>
@@ -1729,38 +1731,37 @@
           <a:p>
             <a:pPr lvl="0"/>
             <a:r>
-              <a:rPr lang="en-US" smtClean="0"/>
+              <a:rPr lang="en-US"/>
               <a:t>Click to edit Master text styles</a:t>
             </a:r>
           </a:p>
           <a:p>
             <a:pPr lvl="1"/>
             <a:r>
-              <a:rPr lang="en-US" smtClean="0"/>
+              <a:rPr lang="en-US"/>
               <a:t>Second level</a:t>
             </a:r>
           </a:p>
           <a:p>
             <a:pPr lvl="2"/>
             <a:r>
-              <a:rPr lang="en-US" smtClean="0"/>
+              <a:rPr lang="en-US"/>
               <a:t>Third level</a:t>
             </a:r>
           </a:p>
           <a:p>
             <a:pPr lvl="3"/>
             <a:r>
-              <a:rPr lang="en-US" smtClean="0"/>
+              <a:rPr lang="en-US"/>
               <a:t>Fourth level</a:t>
             </a:r>
           </a:p>
           <a:p>
             <a:pPr lvl="4"/>
             <a:r>
-              <a:rPr lang="en-US" smtClean="0"/>
+              <a:rPr lang="en-US"/>
               <a:t>Fifth level</a:t>
             </a:r>
-            <a:endParaRPr lang="en-US"/>
           </a:p>
         </p:txBody>
       </p:sp>
@@ -1782,7 +1783,7 @@
             <a:fld id="{22278AEF-C5F7-4B66-AA02-1B9777B8FF83}" type="datetimeFigureOut">
               <a:rPr lang="en-US" smtClean="0"/>
               <a:pPr/>
-              <a:t>10/4/2020</a:t>
+              <a:t>10/14/2020</a:t>
             </a:fld>
             <a:endParaRPr lang="en-US"/>
           </a:p>
@@ -1872,10 +1873,9 @@
           <a:lstStyle/>
           <a:p>
             <a:r>
-              <a:rPr lang="en-US" smtClean="0"/>
+              <a:rPr lang="en-US"/>
               <a:t>Click to edit Master title style</a:t>
             </a:r>
-            <a:endParaRPr lang="en-US"/>
           </a:p>
         </p:txBody>
       </p:sp>
@@ -1897,7 +1897,7 @@
             <a:fld id="{22278AEF-C5F7-4B66-AA02-1B9777B8FF83}" type="datetimeFigureOut">
               <a:rPr lang="en-US" smtClean="0"/>
               <a:pPr/>
-              <a:t>10/4/2020</a:t>
+              <a:t>10/14/2020</a:t>
             </a:fld>
             <a:endParaRPr lang="en-US"/>
           </a:p>
@@ -1989,7 +1989,7 @@
             <a:fld id="{22278AEF-C5F7-4B66-AA02-1B9777B8FF83}" type="datetimeFigureOut">
               <a:rPr lang="en-US" smtClean="0"/>
               <a:pPr/>
-              <a:t>10/4/2020</a:t>
+              <a:t>10/14/2020</a:t>
             </a:fld>
             <a:endParaRPr lang="en-US"/>
           </a:p>
@@ -2088,10 +2088,9 @@
           </a:lstStyle>
           <a:p>
             <a:r>
-              <a:rPr lang="en-US" smtClean="0"/>
+              <a:rPr lang="en-US"/>
               <a:t>Click to edit Master title style</a:t>
             </a:r>
-            <a:endParaRPr lang="en-US"/>
           </a:p>
         </p:txBody>
       </p:sp>
@@ -2145,38 +2144,37 @@
           <a:p>
             <a:pPr lvl="0"/>
             <a:r>
-              <a:rPr lang="en-US" smtClean="0"/>
+              <a:rPr lang="en-US"/>
               <a:t>Click to edit Master text styles</a:t>
             </a:r>
           </a:p>
           <a:p>
             <a:pPr lvl="1"/>
             <a:r>
-              <a:rPr lang="en-US" smtClean="0"/>
+              <a:rPr lang="en-US"/>
               <a:t>Second level</a:t>
             </a:r>
           </a:p>
           <a:p>
             <a:pPr lvl="2"/>
             <a:r>
-              <a:rPr lang="en-US" smtClean="0"/>
+              <a:rPr lang="en-US"/>
               <a:t>Third level</a:t>
             </a:r>
           </a:p>
           <a:p>
             <a:pPr lvl="3"/>
             <a:r>
-              <a:rPr lang="en-US" smtClean="0"/>
+              <a:rPr lang="en-US"/>
               <a:t>Fourth level</a:t>
             </a:r>
           </a:p>
           <a:p>
             <a:pPr lvl="4"/>
             <a:r>
-              <a:rPr lang="en-US" smtClean="0"/>
+              <a:rPr lang="en-US"/>
               <a:t>Fifth level</a:t>
             </a:r>
-            <a:endParaRPr lang="en-US"/>
           </a:p>
         </p:txBody>
       </p:sp>
@@ -2239,7 +2237,7 @@
           <a:p>
             <a:pPr lvl="0"/>
             <a:r>
-              <a:rPr lang="en-US" smtClean="0"/>
+              <a:rPr lang="en-US"/>
               <a:t>Click to edit Master text styles</a:t>
             </a:r>
           </a:p>
@@ -2263,7 +2261,7 @@
             <a:fld id="{22278AEF-C5F7-4B66-AA02-1B9777B8FF83}" type="datetimeFigureOut">
               <a:rPr lang="en-US" smtClean="0"/>
               <a:pPr/>
-              <a:t>10/4/2020</a:t>
+              <a:t>10/14/2020</a:t>
             </a:fld>
             <a:endParaRPr lang="en-US"/>
           </a:p>
@@ -2362,10 +2360,9 @@
           </a:lstStyle>
           <a:p>
             <a:r>
-              <a:rPr lang="en-US" smtClean="0"/>
+              <a:rPr lang="en-US"/>
               <a:t>Click to edit Master title style</a:t>
             </a:r>
-            <a:endParaRPr lang="en-US"/>
           </a:p>
         </p:txBody>
       </p:sp>
@@ -2489,7 +2486,7 @@
           <a:p>
             <a:pPr lvl="0"/>
             <a:r>
-              <a:rPr lang="en-US" smtClean="0"/>
+              <a:rPr lang="en-US"/>
               <a:t>Click to edit Master text styles</a:t>
             </a:r>
           </a:p>
@@ -2513,7 +2510,7 @@
             <a:fld id="{22278AEF-C5F7-4B66-AA02-1B9777B8FF83}" type="datetimeFigureOut">
               <a:rPr lang="en-US" smtClean="0"/>
               <a:pPr/>
-              <a:t>10/4/2020</a:t>
+              <a:t>10/14/2020</a:t>
             </a:fld>
             <a:endParaRPr lang="en-US"/>
           </a:p>
@@ -2618,10 +2615,9 @@
           <a:lstStyle/>
           <a:p>
             <a:r>
-              <a:rPr lang="en-US" smtClean="0"/>
+              <a:rPr lang="en-US"/>
               <a:t>Click to edit Master title style</a:t>
             </a:r>
-            <a:endParaRPr lang="en-US"/>
           </a:p>
         </p:txBody>
       </p:sp>
@@ -2652,38 +2648,37 @@
           <a:p>
             <a:pPr lvl="0"/>
             <a:r>
-              <a:rPr lang="en-US" smtClean="0"/>
+              <a:rPr lang="en-US"/>
               <a:t>Click to edit Master text styles</a:t>
             </a:r>
           </a:p>
           <a:p>
             <a:pPr lvl="1"/>
             <a:r>
-              <a:rPr lang="en-US" smtClean="0"/>
+              <a:rPr lang="en-US"/>
               <a:t>Second level</a:t>
             </a:r>
           </a:p>
           <a:p>
             <a:pPr lvl="2"/>
             <a:r>
-              <a:rPr lang="en-US" smtClean="0"/>
+              <a:rPr lang="en-US"/>
               <a:t>Third level</a:t>
             </a:r>
           </a:p>
           <a:p>
             <a:pPr lvl="3"/>
             <a:r>
-              <a:rPr lang="en-US" smtClean="0"/>
+              <a:rPr lang="en-US"/>
               <a:t>Fourth level</a:t>
             </a:r>
           </a:p>
           <a:p>
             <a:pPr lvl="4"/>
             <a:r>
-              <a:rPr lang="en-US" smtClean="0"/>
+              <a:rPr lang="en-US"/>
               <a:t>Fifth level</a:t>
             </a:r>
-            <a:endParaRPr lang="en-US"/>
           </a:p>
         </p:txBody>
       </p:sp>
@@ -2723,7 +2718,7 @@
             <a:fld id="{22278AEF-C5F7-4B66-AA02-1B9777B8FF83}" type="datetimeFigureOut">
               <a:rPr lang="en-US" smtClean="0"/>
               <a:pPr/>
-              <a:t>10/4/2020</a:t>
+              <a:t>10/14/2020</a:t>
             </a:fld>
             <a:endParaRPr lang="en-US"/>
           </a:p>
@@ -3180,40 +3175,40 @@
           <a:lstStyle/>
           <a:p>
             <a:r>
-              <a:rPr lang="en-US" b="1" dirty="0" smtClean="0"/>
+              <a:rPr lang="en-US" b="1" dirty="0"/>
               <a:t>Supportability</a:t>
             </a:r>
-            <a:endParaRPr lang="en-US" dirty="0" smtClean="0"/>
-          </a:p>
-          <a:p>
-            <a:r>
-              <a:rPr lang="en-US" dirty="0" smtClean="0"/>
+            <a:endParaRPr lang="en-US" dirty="0"/>
+          </a:p>
+          <a:p>
+            <a:r>
+              <a:rPr lang="en-US" dirty="0"/>
               <a:t>Our app will be supportable in every android mobiles.</a:t>
             </a:r>
           </a:p>
           <a:p>
             <a:r>
-              <a:rPr lang="en-US" b="1" dirty="0" smtClean="0"/>
+              <a:rPr lang="en-US" b="1" dirty="0"/>
               <a:t>Safety Requirement</a:t>
             </a:r>
-            <a:endParaRPr lang="en-US" dirty="0" smtClean="0"/>
-          </a:p>
-          <a:p>
-            <a:r>
-              <a:rPr lang="en-US" dirty="0" smtClean="0"/>
+            <a:endParaRPr lang="en-US" dirty="0"/>
+          </a:p>
+          <a:p>
+            <a:r>
+              <a:rPr lang="en-US" dirty="0"/>
               <a:t>The database may get crashed at any certain time due to viruses or operating system failures. Therefore, it is required to take the database backup.</a:t>
             </a:r>
           </a:p>
           <a:p>
             <a:r>
-              <a:rPr lang="en-US" b="1" dirty="0" smtClean="0"/>
+              <a:rPr lang="en-US" b="1" dirty="0"/>
               <a:t>Interface</a:t>
             </a:r>
-            <a:endParaRPr lang="en-US" dirty="0" smtClean="0"/>
-          </a:p>
-          <a:p>
-            <a:r>
-              <a:rPr lang="en-US" dirty="0" smtClean="0"/>
+            <a:endParaRPr lang="en-US" dirty="0"/>
+          </a:p>
+          <a:p>
+            <a:r>
+              <a:rPr lang="en-US" dirty="0"/>
               <a:t>Our application will accessible through any android mobile.</a:t>
             </a:r>
           </a:p>
@@ -3221,7 +3216,7 @@
             <a:pPr>
               <a:buNone/>
             </a:pPr>
-            <a:endParaRPr lang="en-US" dirty="0" smtClean="0"/>
+            <a:endParaRPr lang="en-US" dirty="0"/>
           </a:p>
           <a:p>
             <a:endParaRPr lang="en-US" dirty="0"/>
@@ -3279,18 +3274,14 @@
               <a:buNone/>
             </a:pPr>
             <a:r>
-              <a:rPr lang="en-US" b="1" dirty="0" smtClean="0"/>
+              <a:rPr lang="en-US" b="1" dirty="0"/>
               <a:t>3)HARDWARE REQUIREMENTS:</a:t>
             </a:r>
           </a:p>
           <a:p>
             <a:r>
-              <a:rPr lang="en-US" b="1" dirty="0" smtClean="0"/>
-              <a:t>Smart </a:t>
-            </a:r>
-            <a:r>
               <a:rPr lang="en-US" b="1" dirty="0"/>
-              <a:t>phone/tablet</a:t>
+              <a:t>Smart phone/tablet</a:t>
             </a:r>
             <a:endParaRPr lang="en-US" dirty="0"/>
           </a:p>
@@ -3299,16 +3290,8 @@
               <a:buNone/>
             </a:pPr>
             <a:r>
-              <a:rPr lang="en-US" dirty="0" smtClean="0"/>
-              <a:t>	Secondary </a:t>
-            </a:r>
-            <a:r>
               <a:rPr lang="en-US" dirty="0"/>
-              <a:t>Storage: 4 GB (</a:t>
-            </a:r>
-            <a:r>
-              <a:rPr lang="en-US" dirty="0" smtClean="0"/>
-              <a:t>Minimum)</a:t>
+              <a:t>	Secondary Storage: 4 GB (Minimum)</a:t>
             </a:r>
           </a:p>
           <a:p>
@@ -3317,21 +3300,22 @@
             </a:pPr>
             <a:r>
               <a:rPr lang="en-US" dirty="0"/>
-              <a:t>	</a:t>
-            </a:r>
-            <a:r>
-              <a:rPr lang="en-US" dirty="0" smtClean="0"/>
-              <a:t>RAM </a:t>
-            </a:r>
+              <a:t>	RAM : 2 GB(Minimum)</a:t>
+            </a:r>
+          </a:p>
+          <a:p>
+            <a:r>
+              <a:rPr lang="en-US" b="1" dirty="0"/>
+              <a:t>Computer/laptop</a:t>
+            </a:r>
+          </a:p>
+          <a:p>
+            <a:pPr>
+              <a:buNone/>
+            </a:pPr>
             <a:r>
               <a:rPr lang="en-US" dirty="0"/>
-              <a:t>: 2 GB(Minimum)</a:t>
-            </a:r>
-          </a:p>
-          <a:p>
-            <a:r>
-              <a:rPr lang="en-US" b="1" dirty="0" smtClean="0"/>
-              <a:t>Computer/laptop</a:t>
+              <a:t>	Secondary Storage: 100 GB</a:t>
             </a:r>
           </a:p>
           <a:p>
@@ -3339,12 +3323,8 @@
               <a:buNone/>
             </a:pPr>
             <a:r>
-              <a:rPr lang="en-US" dirty="0" smtClean="0"/>
-              <a:t>	Secondary </a:t>
-            </a:r>
-            <a:r>
               <a:rPr lang="en-US" dirty="0"/>
-              <a:t>Storage: 100 GB</a:t>
+              <a:t>	RAM : 2 GB(Minimum)</a:t>
             </a:r>
           </a:p>
           <a:p>
@@ -3352,88 +3332,43 @@
               <a:buNone/>
             </a:pPr>
             <a:r>
-              <a:rPr lang="en-US" dirty="0" smtClean="0"/>
-              <a:t>	RAM </a:t>
-            </a:r>
+              <a:rPr lang="en-US" sz="3300" b="1" dirty="0"/>
+              <a:t>4) SOFTWARE REQUIREMENTS:</a:t>
+            </a:r>
+            <a:endParaRPr lang="en-US" sz="3800" b="1" dirty="0"/>
+          </a:p>
+          <a:p>
             <a:r>
               <a:rPr lang="en-US" dirty="0"/>
-              <a:t>: 2 GB(Minimum</a:t>
-            </a:r>
-            <a:r>
-              <a:rPr lang="en-US" dirty="0" smtClean="0"/>
-              <a:t>)</a:t>
-            </a:r>
-          </a:p>
-          <a:p>
-            <a:pPr>
-              <a:buNone/>
-            </a:pPr>
-            <a:r>
-              <a:rPr lang="en-US" sz="3300" b="1" dirty="0" smtClean="0"/>
-              <a:t>4)</a:t>
-            </a:r>
-            <a:r>
-              <a:rPr lang="en-US" sz="3300" b="1" dirty="0"/>
-              <a:t> </a:t>
-            </a:r>
-            <a:r>
-              <a:rPr lang="en-US" sz="3300" b="1" dirty="0" smtClean="0"/>
-              <a:t>SOFTWARE REQUIREMENTS:</a:t>
-            </a:r>
-            <a:endParaRPr lang="en-US" sz="3800" b="1" dirty="0"/>
-          </a:p>
-          <a:p>
-            <a:r>
-              <a:rPr lang="en-US" dirty="0" smtClean="0"/>
-              <a:t>Android </a:t>
+              <a:t>Android Studio 3.0.1</a:t>
+            </a:r>
+          </a:p>
+          <a:p>
+            <a:r>
+              <a:rPr lang="en-US" dirty="0" err="1"/>
+              <a:t>MySQL</a:t>
             </a:r>
             <a:r>
               <a:rPr lang="en-US" dirty="0"/>
-              <a:t>Studio 3.0.1</a:t>
-            </a:r>
-          </a:p>
-          <a:p>
-            <a:r>
-              <a:rPr lang="en-US" dirty="0" err="1" smtClean="0"/>
-              <a:t>MySQL</a:t>
-            </a:r>
-            <a:r>
-              <a:rPr lang="en-US" dirty="0" smtClean="0"/>
-              <a:t> </a:t>
-            </a:r>
+              <a:t> 5.6.12</a:t>
+            </a:r>
+          </a:p>
+          <a:p>
             <a:r>
               <a:rPr lang="en-US" dirty="0"/>
-              <a:t>5.6.12</a:t>
-            </a:r>
-          </a:p>
-          <a:p>
-            <a:r>
-              <a:rPr lang="en-US" dirty="0" smtClean="0"/>
-              <a:t>PHP </a:t>
-            </a:r>
+              <a:t>PHP 5.4.16</a:t>
+            </a:r>
+          </a:p>
+          <a:p>
             <a:r>
               <a:rPr lang="en-US" dirty="0"/>
-              <a:t>5.4.16</a:t>
-            </a:r>
-          </a:p>
-          <a:p>
-            <a:r>
-              <a:rPr lang="en-US" dirty="0" smtClean="0"/>
-              <a:t>Sublime </a:t>
-            </a:r>
+              <a:t>Sublime Text</a:t>
+            </a:r>
+          </a:p>
+          <a:p>
             <a:r>
               <a:rPr lang="en-US" dirty="0"/>
-              <a:t>Text</a:t>
-            </a:r>
-          </a:p>
-          <a:p>
-            <a:r>
-              <a:rPr lang="en-US" dirty="0" smtClean="0"/>
-              <a:t>XAMPP</a:t>
-            </a:r>
-            <a:r>
-              <a:rPr lang="en-US" dirty="0"/>
-              <a:t> Server</a:t>
+              <a:t>XAMPP Server</a:t>
             </a:r>
           </a:p>
           <a:p>
@@ -3491,10 +3426,9 @@
           <a:lstStyle/>
           <a:p>
             <a:r>
-              <a:rPr lang="en-US" dirty="0" smtClean="0"/>
+              <a:rPr lang="en-US" dirty="0"/>
               <a:t>Feasibility Study</a:t>
             </a:r>
-            <a:endParaRPr lang="en-US" dirty="0"/>
           </a:p>
         </p:txBody>
       </p:sp>
@@ -3568,10 +3502,9 @@
           <a:lstStyle/>
           <a:p>
             <a:r>
-              <a:rPr lang="en-US" dirty="0" smtClean="0"/>
+              <a:rPr lang="en-US" dirty="0"/>
               <a:t>Time Feasibility</a:t>
             </a:r>
-            <a:endParaRPr lang="en-US" dirty="0"/>
           </a:p>
         </p:txBody>
       </p:sp>
@@ -3709,10 +3642,9 @@
           <a:lstStyle/>
           <a:p>
             <a:r>
-              <a:rPr lang="en-US" dirty="0" smtClean="0"/>
+              <a:rPr lang="en-US" dirty="0"/>
               <a:t>System Design</a:t>
             </a:r>
-            <a:endParaRPr lang="en-US" dirty="0"/>
           </a:p>
         </p:txBody>
       </p:sp>
@@ -3781,10 +3713,9 @@
           <a:lstStyle/>
           <a:p>
             <a:r>
-              <a:rPr lang="en-US" dirty="0" smtClean="0"/>
+              <a:rPr lang="en-US" dirty="0"/>
               <a:t>System Model</a:t>
             </a:r>
-            <a:endParaRPr lang="en-US" dirty="0"/>
           </a:p>
         </p:txBody>
       </p:sp>
@@ -3853,14 +3784,9 @@
           <a:lstStyle/>
           <a:p>
             <a:r>
-              <a:rPr lang="en-US" dirty="0" smtClean="0"/>
-              <a:t>System </a:t>
-            </a:r>
-            <a:r>
-              <a:rPr lang="en-US" dirty="0" err="1" smtClean="0"/>
-              <a:t>Architechture</a:t>
-            </a:r>
-            <a:endParaRPr lang="en-US" dirty="0"/>
+              <a:rPr lang="en-US" dirty="0"/>
+              <a:t>System Architecture</a:t>
+            </a:r>
           </a:p>
         </p:txBody>
       </p:sp>
@@ -3929,10 +3855,9 @@
           <a:lstStyle/>
           <a:p>
             <a:r>
-              <a:rPr lang="en-US" dirty="0" smtClean="0"/>
+              <a:rPr lang="en-US" dirty="0"/>
               <a:t>System Diagrams</a:t>
             </a:r>
-            <a:endParaRPr lang="en-US" dirty="0"/>
           </a:p>
         </p:txBody>
       </p:sp>
@@ -3954,7 +3879,7 @@
           <a:lstStyle/>
           <a:p>
             <a:r>
-              <a:rPr lang="en-US" dirty="0" smtClean="0"/>
+              <a:rPr lang="en-US" dirty="0"/>
               <a:t>We have made variety of diagrams based on our project and they are :</a:t>
             </a:r>
           </a:p>
@@ -3964,12 +3889,8 @@
               <a:buAutoNum type="arabicPeriod"/>
             </a:pPr>
             <a:r>
-              <a:rPr lang="en-US" dirty="0" err="1" smtClean="0"/>
-              <a:t>Usecase</a:t>
-            </a:r>
-            <a:r>
-              <a:rPr lang="en-US" dirty="0" smtClean="0"/>
-              <a:t> diagrams</a:t>
+              <a:rPr lang="en-US" dirty="0"/>
+              <a:t>Use Case diagrams</a:t>
             </a:r>
           </a:p>
           <a:p>
@@ -3978,7 +3899,7 @@
               <a:buAutoNum type="arabicPeriod"/>
             </a:pPr>
             <a:r>
-              <a:rPr lang="en-US" dirty="0" smtClean="0"/>
+              <a:rPr lang="en-US" dirty="0"/>
               <a:t>Activity Diagrams</a:t>
             </a:r>
           </a:p>
@@ -3988,7 +3909,7 @@
               <a:buAutoNum type="arabicPeriod"/>
             </a:pPr>
             <a:r>
-              <a:rPr lang="en-US" dirty="0" smtClean="0"/>
+              <a:rPr lang="en-US" dirty="0"/>
               <a:t>E-R Diagram </a:t>
             </a:r>
           </a:p>
@@ -3998,7 +3919,7 @@
               <a:buAutoNum type="arabicPeriod"/>
             </a:pPr>
             <a:r>
-              <a:rPr lang="en-US" dirty="0" smtClean="0"/>
+              <a:rPr lang="en-US" dirty="0"/>
               <a:t>Sequence Diagrams</a:t>
             </a:r>
           </a:p>
@@ -4008,23 +3929,14 @@
               <a:buAutoNum type="arabicPeriod"/>
             </a:pPr>
             <a:r>
-              <a:rPr lang="en-US" smtClean="0"/>
+              <a:rPr lang="en-US" dirty="0"/>
               <a:t>Class Diagram</a:t>
             </a:r>
-            <a:endParaRPr lang="en-US" dirty="0" smtClean="0"/>
-          </a:p>
-          <a:p>
-            <a:r>
-              <a:rPr lang="en-US" dirty="0" smtClean="0"/>
-              <a:t>First of all, let’s see </a:t>
-            </a:r>
-            <a:r>
-              <a:rPr lang="en-US" dirty="0" err="1" smtClean="0"/>
-              <a:t>Usecase</a:t>
-            </a:r>
-            <a:r>
-              <a:rPr lang="en-US" dirty="0" smtClean="0"/>
-              <a:t> diagrams.</a:t>
+          </a:p>
+          <a:p>
+            <a:r>
+              <a:rPr lang="en-US" dirty="0"/>
+              <a:t>First of all, let’s see Use case diagrams.</a:t>
             </a:r>
           </a:p>
           <a:p>
@@ -4141,10 +4053,9 @@
           <a:lstStyle/>
           <a:p>
             <a:r>
-              <a:rPr lang="en-US" dirty="0" smtClean="0"/>
+              <a:rPr lang="en-US" dirty="0"/>
               <a:t>SODH YATRA</a:t>
             </a:r>
-            <a:endParaRPr lang="en-US" dirty="0"/>
           </a:p>
         </p:txBody>
       </p:sp>
@@ -4167,32 +4078,27 @@
               <a:buNone/>
             </a:pPr>
             <a:r>
-              <a:rPr lang="en-US" dirty="0" smtClean="0"/>
+              <a:rPr lang="en-US" dirty="0"/>
               <a:t>1) How do we find our definition on project?</a:t>
             </a:r>
           </a:p>
           <a:p>
             <a:pPr lvl="1"/>
             <a:r>
-              <a:rPr lang="en-US" dirty="0" smtClean="0"/>
+              <a:rPr lang="en-US" dirty="0"/>
               <a:t>By discussing amongst ourselves and with friends and relatives , we get to know the real time problem faced by people regarding the restaurant long waiting especially on occasions and functions. </a:t>
             </a:r>
           </a:p>
           <a:p>
             <a:pPr lvl="1"/>
             <a:r>
-              <a:rPr lang="en-US" dirty="0" smtClean="0">
+              <a:rPr lang="en-US" dirty="0">
                 <a:solidFill>
                   <a:srgbClr val="FF0000"/>
                 </a:solidFill>
               </a:rPr>
               <a:t>Thus we selected this definition.</a:t>
             </a:r>
-            <a:endParaRPr lang="en-US" dirty="0">
-              <a:solidFill>
-                <a:srgbClr val="FF0000"/>
-              </a:solidFill>
-            </a:endParaRPr>
           </a:p>
         </p:txBody>
       </p:sp>
@@ -4243,7 +4149,7 @@
           <a:graphicData uri="http://schemas.openxmlformats.org/presentationml/2006/ole">
             <mc:AlternateContent xmlns:mc="http://schemas.openxmlformats.org/markup-compatibility/2006">
               <mc:Choice xmlns:v="urn:schemas-microsoft-com:vml" Requires="v">
-                <p:oleObj spid="_x0000_s2067" name="Visio" r:id="rId3" imgW="6486663" imgH="7257885" progId="Visio.Drawing.15">
+                <p:oleObj spid="_x0000_s2069" name="Visio" r:id="rId3" imgW="6486663" imgH="7257885" progId="Visio.Drawing.15">
                   <p:embed/>
                 </p:oleObj>
               </mc:Choice>
@@ -4383,13 +4289,6 @@
   <p:clrMapOvr>
     <a:masterClrMapping/>
   </p:clrMapOvr>
-  <p:timing>
-    <p:tnLst>
-      <p:par>
-        <p:cTn id="1" dur="indefinite" restart="never" nodeType="tmRoot"/>
-      </p:par>
-    </p:tnLst>
-  </p:timing>
 </p:sld>
 </file>
 
@@ -4431,10 +4330,9 @@
           <a:lstStyle/>
           <a:p>
             <a:r>
-              <a:rPr lang="en-US" dirty="0" smtClean="0"/>
+              <a:rPr lang="en-US" dirty="0"/>
               <a:t>Activity Diagrams</a:t>
             </a:r>
-            <a:endParaRPr lang="en-US" dirty="0"/>
           </a:p>
         </p:txBody>
       </p:sp>
@@ -4477,13 +4375,6 @@
   <p:clrMapOvr>
     <a:masterClrMapping/>
   </p:clrMapOvr>
-  <p:timing>
-    <p:tnLst>
-      <p:par>
-        <p:cTn id="1" dur="indefinite" restart="never" nodeType="tmRoot"/>
-      </p:par>
-    </p:tnLst>
-  </p:timing>
 </p:sld>
 </file>
 
@@ -4897,13 +4788,6 @@
   <p:clrMapOvr>
     <a:masterClrMapping/>
   </p:clrMapOvr>
-  <p:timing>
-    <p:tnLst>
-      <p:par>
-        <p:cTn id="1" dur="indefinite" restart="never" nodeType="tmRoot"/>
-      </p:par>
-    </p:tnLst>
-  </p:timing>
 </p:sld>
 </file>
 
@@ -4950,7 +4834,7 @@
               <a:buNone/>
             </a:pPr>
             <a:r>
-              <a:rPr lang="en-US" dirty="0" smtClean="0"/>
+              <a:rPr lang="en-US" dirty="0"/>
               <a:t>2) To whom we contacted for project definition?</a:t>
             </a:r>
           </a:p>
@@ -4959,9 +4843,40 @@
               <a:buNone/>
             </a:pPr>
             <a:r>
-              <a:rPr lang="en-US" dirty="0" smtClean="0"/>
+              <a:rPr lang="en-US" dirty="0"/>
               <a:t>-&gt;We talked with few Restaurant Managers of different restaurants and we opted the project by knowing the problems faced by their customers and their staff as well and we will try to resolve them all.</a:t>
             </a:r>
+          </a:p>
+          <a:p>
+            <a:pPr>
+              <a:buNone/>
+            </a:pPr>
+            <a:r>
+              <a:rPr lang="en-US" dirty="0"/>
+              <a:t>3) What are the data or information we collected ?</a:t>
+            </a:r>
+          </a:p>
+          <a:p>
+            <a:pPr>
+              <a:buNone/>
+            </a:pPr>
+            <a:r>
+              <a:rPr lang="en-US" dirty="0"/>
+              <a:t>	-&gt; </a:t>
+            </a:r>
+            <a:r>
+              <a:rPr lang="en-US" sz="2800" dirty="0"/>
+              <a:t>Both the customers and restaurants told us about the issues of waiting queue for table reservation and managing the queue respectively. </a:t>
+            </a:r>
+          </a:p>
+          <a:p>
+            <a:pPr>
+              <a:buNone/>
+            </a:pPr>
+            <a:r>
+              <a:rPr lang="en-US" sz="2800" dirty="0"/>
+              <a:t>	-&gt; Due  to long waiting, social distancing is not being followed so customers avoid going much in restaurants and so the restaurants are also at loss.</a:t>
+            </a:r>
             <a:endParaRPr lang="en-US" dirty="0"/>
           </a:p>
           <a:p>
@@ -4969,8 +4884,8 @@
               <a:buNone/>
             </a:pPr>
             <a:r>
-              <a:rPr lang="en-US" dirty="0" smtClean="0"/>
-              <a:t>3) What are the data or information we collected ?</a:t>
+              <a:rPr lang="en-US" dirty="0"/>
+              <a:t>		</a:t>
             </a:r>
           </a:p>
           <a:p>
@@ -4978,63 +4893,18 @@
               <a:buNone/>
             </a:pPr>
             <a:r>
-              <a:rPr lang="en-US" dirty="0" smtClean="0"/>
-              <a:t>	-&gt; </a:t>
-            </a:r>
-            <a:r>
-              <a:rPr lang="en-US" sz="2800" dirty="0" smtClean="0"/>
-              <a:t>Both the customers and restaurants told us about the issues of waiting queue for table reservation and managing the queue respectively. </a:t>
-            </a:r>
-          </a:p>
-          <a:p>
-            <a:pPr>
-              <a:buNone/>
-            </a:pPr>
-            <a:r>
-              <a:rPr lang="en-US" sz="2800" dirty="0"/>
-              <a:t>	</a:t>
-            </a:r>
-            <a:r>
-              <a:rPr lang="en-US" sz="2800" dirty="0" smtClean="0"/>
-              <a:t>-&gt; Due  to long waiting, social distancing is not being followed so customers avoid going much in restaurants and so the restaurants are also at loss.</a:t>
-            </a:r>
-            <a:endParaRPr lang="en-US" dirty="0" smtClean="0"/>
-          </a:p>
-          <a:p>
-            <a:pPr>
+              <a:rPr lang="en-US" dirty="0"/>
+              <a:t>		</a:t>
+            </a:r>
+          </a:p>
+          <a:p>
+            <a:pPr lvl="1">
               <a:buNone/>
             </a:pPr>
             <a:r>
               <a:rPr lang="en-US" dirty="0"/>
               <a:t>	</a:t>
             </a:r>
-            <a:r>
-              <a:rPr lang="en-US" dirty="0" smtClean="0"/>
-              <a:t>	</a:t>
-            </a:r>
-          </a:p>
-          <a:p>
-            <a:pPr>
-              <a:buNone/>
-            </a:pPr>
-            <a:r>
-              <a:rPr lang="en-US" dirty="0"/>
-              <a:t>	</a:t>
-            </a:r>
-            <a:r>
-              <a:rPr lang="en-US" dirty="0" smtClean="0"/>
-              <a:t>	</a:t>
-            </a:r>
-          </a:p>
-          <a:p>
-            <a:pPr lvl="1">
-              <a:buNone/>
-            </a:pPr>
-            <a:r>
-              <a:rPr lang="en-US" dirty="0"/>
-              <a:t>	</a:t>
-            </a:r>
-            <a:endParaRPr lang="en-US" dirty="0" smtClean="0"/>
           </a:p>
         </p:txBody>
       </p:sp>
@@ -5084,10 +4954,9 @@
           <a:lstStyle/>
           <a:p>
             <a:r>
-              <a:rPr lang="en-US" dirty="0" smtClean="0"/>
+              <a:rPr lang="en-US" dirty="0"/>
               <a:t>E-R Diagram</a:t>
             </a:r>
-            <a:endParaRPr lang="en-US" dirty="0"/>
           </a:p>
         </p:txBody>
       </p:sp>
@@ -5130,13 +4999,6 @@
   <p:clrMapOvr>
     <a:masterClrMapping/>
   </p:clrMapOvr>
-  <p:timing>
-    <p:tnLst>
-      <p:par>
-        <p:cTn id="1" dur="indefinite" restart="never" nodeType="tmRoot"/>
-      </p:par>
-    </p:tnLst>
-  </p:timing>
 </p:sld>
 </file>
 
@@ -5181,13 +5043,6 @@
   <p:clrMapOvr>
     <a:masterClrMapping/>
   </p:clrMapOvr>
-  <p:timing>
-    <p:tnLst>
-      <p:par>
-        <p:cTn id="1" dur="indefinite" restart="never" nodeType="tmRoot"/>
-      </p:par>
-    </p:tnLst>
-  </p:timing>
 </p:sld>
 </file>
 
@@ -5231,10 +5086,9 @@
           <a:lstStyle/>
           <a:p>
             <a:r>
-              <a:rPr lang="en-US" dirty="0" smtClean="0"/>
+              <a:rPr lang="en-US" dirty="0"/>
               <a:t>Sequence Diagrams</a:t>
             </a:r>
-            <a:endParaRPr lang="en-US" dirty="0"/>
           </a:p>
         </p:txBody>
       </p:sp>
@@ -5454,13 +5308,6 @@
   <p:clrMapOvr>
     <a:masterClrMapping/>
   </p:clrMapOvr>
-  <p:timing>
-    <p:tnLst>
-      <p:par>
-        <p:cTn id="1" dur="indefinite" restart="never" nodeType="tmRoot"/>
-      </p:par>
-    </p:tnLst>
-  </p:timing>
 </p:sld>
 </file>
 
@@ -5504,10 +5351,9 @@
           <a:lstStyle/>
           <a:p>
             <a:r>
-              <a:rPr lang="en-US" dirty="0" smtClean="0"/>
+              <a:rPr lang="en-US" dirty="0"/>
               <a:t>Class Diagram</a:t>
             </a:r>
-            <a:endParaRPr lang="en-US" dirty="0"/>
           </a:p>
         </p:txBody>
       </p:sp>
@@ -5550,13 +5396,6 @@
   <p:clrMapOvr>
     <a:masterClrMapping/>
   </p:clrMapOvr>
-  <p:timing>
-    <p:tnLst>
-      <p:par>
-        <p:cTn id="1" dur="indefinite" restart="never" nodeType="tmRoot"/>
-      </p:par>
-    </p:tnLst>
-  </p:timing>
 </p:sld>
 </file>
 
@@ -5603,7 +5442,7 @@
               <a:buNone/>
             </a:pPr>
             <a:r>
-              <a:rPr lang="en-US" dirty="0" smtClean="0"/>
+              <a:rPr lang="en-US" dirty="0"/>
               <a:t>4) What are the problems people(customers) are facing?</a:t>
             </a:r>
           </a:p>
@@ -5613,32 +5452,16 @@
             </a:pPr>
             <a:r>
               <a:rPr lang="en-US" dirty="0"/>
-              <a:t>	</a:t>
-            </a:r>
-            <a:r>
-              <a:rPr lang="en-US" dirty="0" smtClean="0"/>
-              <a:t>-&gt;As there is increasing demand for restaurant food but there is a big queue and customers have to wait for table to be vacant and </a:t>
-            </a:r>
+              <a:t>	-&gt;As there is increasing demand for restaurant food but there is a big queue and customers have to wait for table to be vacant and even after acquiring the table they have to wait for the  food to be served at their table so this results into their time waste.</a:t>
+            </a:r>
+          </a:p>
+          <a:p>
+            <a:pPr>
+              <a:buNone/>
+            </a:pPr>
             <a:r>
               <a:rPr lang="en-US" dirty="0"/>
-              <a:t>e</a:t>
-            </a:r>
-            <a:r>
-              <a:rPr lang="en-US" dirty="0" smtClean="0"/>
-              <a:t>ven after acquiring the table they have to wait for the  food to be served at their table so this results into their time waste.</a:t>
-            </a:r>
-          </a:p>
-          <a:p>
-            <a:pPr>
-              <a:buNone/>
-            </a:pPr>
-            <a:r>
-              <a:rPr lang="en-US" dirty="0"/>
-              <a:t>	</a:t>
-            </a:r>
-            <a:r>
-              <a:rPr lang="en-US" dirty="0" smtClean="0"/>
-              <a:t>-&gt;As far as the current situation of COVID-19 is concerned , people are not able to follow “social distancing” due to rush at restaurants. So it is also a big problem nowadays for both customers and restaurants.</a:t>
+              <a:t>	-&gt;As far as the current situation of COVID-19 is concerned , people are not able to follow “social distancing” due to rush at restaurants. So it is also a big problem nowadays for both customers and restaurants.</a:t>
             </a:r>
           </a:p>
           <a:p>
@@ -5700,7 +5523,7 @@
               <a:buNone/>
             </a:pPr>
             <a:r>
-              <a:rPr lang="en-US" dirty="0" smtClean="0"/>
+              <a:rPr lang="en-US" dirty="0"/>
               <a:t>5) What are the solutions be provided by our project to overcome the problems faced by people?</a:t>
             </a:r>
           </a:p>
@@ -5713,16 +5536,8 @@
               <a:t>	</a:t>
             </a:r>
             <a:r>
-              <a:rPr lang="en-US" sz="2800" dirty="0" smtClean="0"/>
-              <a:t>(</a:t>
-            </a:r>
-            <a:r>
               <a:rPr lang="en-US" sz="2800" dirty="0"/>
-              <a:t>Main motto: TIME </a:t>
-            </a:r>
-            <a:r>
-              <a:rPr lang="en-US" sz="2800" dirty="0" smtClean="0"/>
-              <a:t>SAVING)</a:t>
+              <a:t>(Main motto: TIME SAVING)</a:t>
             </a:r>
           </a:p>
           <a:p>
@@ -5731,11 +5546,7 @@
             </a:pPr>
             <a:r>
               <a:rPr lang="en-US" sz="2800" dirty="0"/>
-              <a:t>	</a:t>
-            </a:r>
-            <a:r>
-              <a:rPr lang="en-US" sz="2800" dirty="0" smtClean="0"/>
-              <a:t>-&gt;Advance Restaurant and Table Booking</a:t>
+              <a:t>	-&gt;Advance Restaurant and Table Booking</a:t>
             </a:r>
           </a:p>
           <a:p>
@@ -5744,11 +5555,7 @@
             </a:pPr>
             <a:r>
               <a:rPr lang="en-US" sz="2800" dirty="0"/>
-              <a:t>	</a:t>
-            </a:r>
-            <a:r>
-              <a:rPr lang="en-US" sz="2800" dirty="0" smtClean="0"/>
-              <a:t>-&gt;Prior Menu Ordering</a:t>
+              <a:t>	-&gt;Prior Menu Ordering</a:t>
             </a:r>
           </a:p>
         </p:txBody>
@@ -5794,10 +5601,9 @@
           <a:lstStyle/>
           <a:p>
             <a:r>
-              <a:rPr lang="en-US" dirty="0" smtClean="0"/>
+              <a:rPr lang="en-US" dirty="0"/>
               <a:t>Abstract</a:t>
             </a:r>
-            <a:endParaRPr lang="en-US" dirty="0"/>
           </a:p>
         </p:txBody>
       </p:sp>
@@ -5826,15 +5632,7 @@
           <a:p>
             <a:r>
               <a:rPr lang="en-US" dirty="0"/>
-              <a:t>Our goal is to save our customers’ time and also to maintain social distancing by not having rush of people at </a:t>
-            </a:r>
-            <a:r>
-              <a:rPr lang="en-US" dirty="0" smtClean="0"/>
-              <a:t>restaurant . We </a:t>
-            </a:r>
-            <a:r>
-              <a:rPr lang="en-US" dirty="0"/>
-              <a:t>will also display the top most pick items in the restaurant being selected by the user.</a:t>
+              <a:t>Our goal is to save our customers’ time and also to maintain social distancing by not having rush of people at restaurant . We will also display the top most pick items in the restaurant being selected by the user.</a:t>
             </a:r>
           </a:p>
           <a:p>
@@ -5883,10 +5681,9 @@
           <a:lstStyle/>
           <a:p>
             <a:r>
-              <a:rPr lang="en-US" dirty="0" smtClean="0"/>
+              <a:rPr lang="en-US" dirty="0"/>
               <a:t>Introduction</a:t>
             </a:r>
-            <a:endParaRPr lang="en-US" dirty="0"/>
           </a:p>
         </p:txBody>
       </p:sp>
@@ -5911,41 +5708,23 @@
               <a:rPr lang="en-US" dirty="0"/>
               <a:t>As nowadays demand for restaurant food is increasing. The youngsters and elders love to go to restaurants and enjoy the food .But as we know that there is a long waiting (especially during special occasions) to acquire a table in restaurant and having the food at our table. </a:t>
             </a:r>
-            <a:endParaRPr lang="en-US" dirty="0" smtClean="0"/>
-          </a:p>
-          <a:p>
-            <a:r>
-              <a:rPr lang="en-US" dirty="0" smtClean="0"/>
-              <a:t>So</a:t>
-            </a:r>
+          </a:p>
+          <a:p>
             <a:r>
               <a:rPr lang="en-US" dirty="0"/>
-              <a:t>, here our aim is to resolve these problems through our system or application by booking a table in any restaurant from anywhere and can also order their meal in advance. (Main motto: TIME SAVING). Also an alert message facility is provided if vacant table available before booked timings. </a:t>
-            </a:r>
-            <a:endParaRPr lang="en-US" dirty="0" smtClean="0"/>
-          </a:p>
-          <a:p>
-            <a:r>
-              <a:rPr lang="en-US" dirty="0" smtClean="0"/>
-              <a:t>We </a:t>
-            </a:r>
+              <a:t>So, here our aim is to resolve these problems through our system or application by booking a table in any restaurant from anywhere and can also order their meal in advance. (Main motto: TIME SAVING). Also an alert message facility is provided if vacant table available before booked timings. </a:t>
+            </a:r>
+          </a:p>
+          <a:p>
             <a:r>
               <a:rPr lang="en-US" dirty="0"/>
-              <a:t>will use ML concepts for recommendation of top picks through the analysis of customer’s liking history. We will also provide the view of tables so people can book tables according to their likings and privacy</a:t>
-            </a:r>
-            <a:r>
-              <a:rPr lang="en-US" dirty="0" smtClean="0"/>
-              <a:t>.</a:t>
-            </a:r>
-          </a:p>
-          <a:p>
-            <a:r>
-              <a:rPr lang="en-US" dirty="0" smtClean="0"/>
-              <a:t> </a:t>
-            </a:r>
+              <a:t>We will use ML concepts for recommendation of top picks through the analysis of customer’s liking history. We will also provide the view of tables so people can book tables according to their likings and privacy.</a:t>
+            </a:r>
+          </a:p>
+          <a:p>
             <a:r>
               <a:rPr lang="en-US" dirty="0"/>
-              <a:t>Our product is very beneficial in this COVID-19 pandemic as there won’t be waiting and rush to acquire a table in restaurant and so social distancing is followed. </a:t>
+              <a:t> Our product is very beneficial in this COVID-19 pandemic as there won’t be waiting and rush to acquire a table in restaurant and so social distancing is followed. </a:t>
             </a:r>
           </a:p>
           <a:p>
@@ -5994,10 +5773,9 @@
           <a:lstStyle/>
           <a:p>
             <a:r>
-              <a:rPr lang="en-US" dirty="0" smtClean="0"/>
+              <a:rPr lang="en-US" dirty="0"/>
               <a:t>Requirement Gathering</a:t>
             </a:r>
-            <a:endParaRPr lang="en-US" dirty="0"/>
           </a:p>
         </p:txBody>
       </p:sp>
@@ -6022,88 +5800,43 @@
               <a:buAutoNum type="arabicParenR"/>
             </a:pPr>
             <a:r>
-              <a:rPr lang="en-US" b="1" dirty="0" smtClean="0"/>
+              <a:rPr lang="en-US" b="1" dirty="0"/>
               <a:t>FUNCTIONAL REQUIREMENTS:</a:t>
             </a:r>
           </a:p>
           <a:p>
             <a:r>
-              <a:rPr lang="en-US" sz="2800" dirty="0" smtClean="0"/>
-              <a:t>Registration/Login </a:t>
-            </a:r>
-            <a:r>
               <a:rPr lang="en-US" sz="2800" dirty="0"/>
-              <a:t>and </a:t>
-            </a:r>
-            <a:r>
-              <a:rPr lang="en-US" sz="2800" dirty="0" smtClean="0"/>
-              <a:t>Profile: View Profile, Edit Profile , View Order History</a:t>
-            </a:r>
-          </a:p>
-          <a:p>
-            <a:r>
-              <a:rPr lang="en-US" sz="2800" dirty="0" smtClean="0"/>
-              <a:t>Table </a:t>
-            </a:r>
+              <a:t>Registration/Login and Profile: View Profile, Edit Profile , View Order History</a:t>
+            </a:r>
+          </a:p>
+          <a:p>
             <a:r>
               <a:rPr lang="en-US" sz="2800" dirty="0"/>
-              <a:t>Booking and Menu </a:t>
-            </a:r>
-            <a:r>
-              <a:rPr lang="en-US" sz="2800" dirty="0" smtClean="0"/>
-              <a:t>Ordering: View Table Layout and book table according to their convenience . View menu and place order in advance </a:t>
-            </a:r>
-          </a:p>
-          <a:p>
-            <a:r>
-              <a:rPr lang="en-US" sz="2800" dirty="0" smtClean="0"/>
+              <a:t>Table Booking and Menu Ordering: View Table Layout and book table according to their convenience . View menu and place order in advance </a:t>
+            </a:r>
+          </a:p>
+          <a:p>
+            <a:r>
+              <a:rPr lang="en-US" sz="2800" dirty="0"/>
               <a:t>Take away: Order status</a:t>
             </a:r>
           </a:p>
           <a:p>
             <a:r>
-              <a:rPr lang="en-US" sz="2800" dirty="0" smtClean="0"/>
+              <a:rPr lang="en-US" sz="2800" dirty="0"/>
               <a:t>Payment</a:t>
             </a:r>
           </a:p>
           <a:p>
             <a:r>
-              <a:rPr lang="en-US" sz="2800" dirty="0" smtClean="0"/>
-              <a:t>Management System: </a:t>
-            </a:r>
-            <a:r>
               <a:rPr lang="en-US" sz="2800" dirty="0"/>
-              <a:t> </a:t>
-            </a:r>
-            <a:r>
-              <a:rPr lang="en-US" sz="2800" dirty="0" smtClean="0"/>
-              <a:t>Admin will manage </a:t>
-            </a:r>
+              <a:t>Management System:  Admin will manage customers and restaurant account. Also provide help regarding our app working issues if needed.</a:t>
+            </a:r>
+          </a:p>
+          <a:p>
             <a:r>
               <a:rPr lang="en-US" sz="2800" dirty="0"/>
-              <a:t>customers and </a:t>
-            </a:r>
-            <a:r>
-              <a:rPr lang="en-US" sz="2800" dirty="0" smtClean="0"/>
-              <a:t>restaurant account</a:t>
-            </a:r>
-            <a:r>
-              <a:rPr lang="en-US" sz="2800" dirty="0"/>
-              <a:t>. Also </a:t>
-            </a:r>
-            <a:r>
-              <a:rPr lang="en-US" sz="2800" dirty="0" smtClean="0"/>
-              <a:t>provide </a:t>
-            </a:r>
-            <a:r>
-              <a:rPr lang="en-US" sz="2800" dirty="0"/>
-              <a:t>help regarding our app working issues if needed.</a:t>
-            </a:r>
-            <a:endParaRPr lang="en-US" sz="2800" dirty="0" smtClean="0"/>
-          </a:p>
-          <a:p>
-            <a:r>
-              <a:rPr lang="en-US" sz="2800" dirty="0" smtClean="0"/>
               <a:t>Reviews and Ratings</a:t>
             </a:r>
           </a:p>
@@ -6163,53 +5896,32 @@
               <a:buNone/>
             </a:pPr>
             <a:r>
-              <a:rPr lang="en-US" b="1" dirty="0" smtClean="0"/>
+              <a:rPr lang="en-US" b="1" dirty="0"/>
               <a:t>2) NON-FUNCTIONAL REQUIREMENTS:</a:t>
             </a:r>
           </a:p>
           <a:p>
             <a:r>
-              <a:rPr lang="en-US" sz="2400" b="1" dirty="0" smtClean="0"/>
+              <a:rPr lang="en-US" sz="2400" b="1" dirty="0"/>
               <a:t>Security</a:t>
             </a:r>
           </a:p>
           <a:p>
             <a:r>
-              <a:rPr lang="en-US" sz="2400" dirty="0" smtClean="0"/>
+              <a:rPr lang="en-US" sz="2400" dirty="0"/>
               <a:t>Admin has highest authority to manage customers and restaurants.</a:t>
             </a:r>
-            <a:endParaRPr lang="en-US" sz="2400" dirty="0"/>
-          </a:p>
-          <a:p>
-            <a:r>
-              <a:rPr lang="en-US" sz="2400" dirty="0" smtClean="0"/>
-              <a:t>Restaurant  has </a:t>
-            </a:r>
+          </a:p>
+          <a:p>
             <a:r>
               <a:rPr lang="en-US" sz="2400" dirty="0"/>
-              <a:t>the </a:t>
-            </a:r>
-            <a:r>
-              <a:rPr lang="en-US" sz="2400" dirty="0" smtClean="0"/>
-              <a:t> authority </a:t>
-            </a:r>
+              <a:t>Restaurant  has the  authority for managing the orders.</a:t>
+            </a:r>
+          </a:p>
+          <a:p>
             <a:r>
               <a:rPr lang="en-US" sz="2400" dirty="0"/>
-              <a:t>for managing the </a:t>
-            </a:r>
-            <a:r>
-              <a:rPr lang="en-US" sz="2400" dirty="0" smtClean="0"/>
-              <a:t>orders.</a:t>
-            </a:r>
-          </a:p>
-          <a:p>
-            <a:r>
-              <a:rPr lang="en-US" sz="2400" dirty="0" smtClean="0"/>
-              <a:t>Users </a:t>
-            </a:r>
-            <a:r>
-              <a:rPr lang="en-US" sz="2400" dirty="0"/>
-              <a:t>can view booked order detail and take a report of that.</a:t>
+              <a:t>Users can view booked order detail and take a report of that.</a:t>
             </a:r>
           </a:p>
           <a:p>
@@ -6227,10 +5939,9 @@
           </a:p>
           <a:p>
             <a:r>
-              <a:rPr lang="en-US" sz="2400" dirty="0" smtClean="0"/>
+              <a:rPr lang="en-US" sz="2400" dirty="0"/>
               <a:t>The navigation in the app will be user-friendly  i.e. table layout , menus and each and every detail will be presented in a simple way.</a:t>
             </a:r>
-            <a:endParaRPr lang="en-US" sz="2400" dirty="0"/>
           </a:p>
           <a:p>
             <a:r>
@@ -6241,28 +5952,8 @@
           </a:p>
           <a:p>
             <a:r>
-              <a:rPr lang="en-US" sz="2400" dirty="0" smtClean="0"/>
-              <a:t>Our app will </a:t>
-            </a:r>
-            <a:r>
               <a:rPr lang="en-US" sz="2400" dirty="0"/>
-              <a:t>be available for users but in some maintenance days, it will not </a:t>
-            </a:r>
-            <a:r>
-              <a:rPr lang="en-US" sz="2400" dirty="0" smtClean="0"/>
-              <a:t>be available</a:t>
-            </a:r>
-            <a:r>
-              <a:rPr lang="en-US" sz="2400" dirty="0"/>
-              <a:t>. Data validation and verification need to be done </a:t>
-            </a:r>
-            <a:r>
-              <a:rPr lang="en-US" sz="2400" dirty="0" smtClean="0"/>
-              <a:t>whenever required at any </a:t>
-            </a:r>
-            <a:r>
-              <a:rPr lang="en-US" sz="2400" dirty="0"/>
-              <a:t>stage of activity.</a:t>
+              <a:t>Our app will be available for users but in some maintenance days, it will not be available. Data validation and verification need to be done whenever required at any stage of activity.</a:t>
             </a:r>
           </a:p>
           <a:p>
@@ -6280,24 +5971,8 @@
           </a:p>
           <a:p>
             <a:r>
-              <a:rPr lang="en-US" sz="2400" dirty="0" smtClean="0"/>
-              <a:t>Our app </a:t>
-            </a:r>
-            <a:r>
               <a:rPr lang="en-US" sz="2400" dirty="0"/>
-              <a:t>will not take longer than 10 seconds to respond to </a:t>
-            </a:r>
-            <a:r>
-              <a:rPr lang="en-US" sz="2400" dirty="0" smtClean="0"/>
-              <a:t>a request</a:t>
-            </a:r>
-            <a:r>
-              <a:rPr lang="en-US" sz="2400" dirty="0"/>
-              <a:t>, when using 3G or 4G Internet connection</a:t>
-            </a:r>
-            <a:r>
-              <a:rPr lang="en-US" sz="2400" dirty="0" smtClean="0"/>
-              <a:t>.</a:t>
+              <a:t>Our app will not take longer than 10 seconds to respond to a request, when using 3G or 4G Internet connection.</a:t>
             </a:r>
             <a:r>
               <a:rPr lang="en-US" sz="2400" b="1" dirty="0"/>

--- a/Presentation/Project_Presentation.pptx
+++ b/Presentation/Project_Presentation.pptx
@@ -2,7 +2,7 @@
 <file path=ppt/presentation.xml><?xml version="1.0" encoding="utf-8"?>
 <p:presentation xmlns:a="http://schemas.openxmlformats.org/drawingml/2006/main" xmlns:r="http://schemas.openxmlformats.org/officeDocument/2006/relationships" xmlns:p="http://schemas.openxmlformats.org/presentationml/2006/main" saveSubsetFonts="1">
   <p:sldMasterIdLst>
-    <p:sldMasterId id="2147483648" r:id="rId1"/>
+    <p:sldMasterId id="2147483677" r:id="rId1"/>
   </p:sldMasterIdLst>
   <p:sldIdLst>
     <p:sldId id="256" r:id="rId2"/>
@@ -16,35 +16,38 @@
     <p:sldId id="264" r:id="rId10"/>
     <p:sldId id="265" r:id="rId11"/>
     <p:sldId id="266" r:id="rId12"/>
-    <p:sldId id="297" r:id="rId13"/>
+    <p:sldId id="300" r:id="rId13"/>
     <p:sldId id="293" r:id="rId14"/>
-    <p:sldId id="294" r:id="rId15"/>
-    <p:sldId id="295" r:id="rId16"/>
-    <p:sldId id="296" r:id="rId17"/>
-    <p:sldId id="270" r:id="rId18"/>
-    <p:sldId id="271" r:id="rId19"/>
-    <p:sldId id="298" r:id="rId20"/>
-    <p:sldId id="299" r:id="rId21"/>
-    <p:sldId id="272" r:id="rId22"/>
-    <p:sldId id="273" r:id="rId23"/>
-    <p:sldId id="267" r:id="rId24"/>
-    <p:sldId id="268" r:id="rId25"/>
-    <p:sldId id="269" r:id="rId26"/>
-    <p:sldId id="275" r:id="rId27"/>
-    <p:sldId id="276" r:id="rId28"/>
-    <p:sldId id="277" r:id="rId29"/>
-    <p:sldId id="278" r:id="rId30"/>
-    <p:sldId id="279" r:id="rId31"/>
-    <p:sldId id="280" r:id="rId32"/>
-    <p:sldId id="281" r:id="rId33"/>
-    <p:sldId id="282" r:id="rId34"/>
-    <p:sldId id="283" r:id="rId35"/>
-    <p:sldId id="284" r:id="rId36"/>
-    <p:sldId id="285" r:id="rId37"/>
-    <p:sldId id="287" r:id="rId38"/>
-    <p:sldId id="288" r:id="rId39"/>
-    <p:sldId id="289" r:id="rId40"/>
-    <p:sldId id="290" r:id="rId41"/>
+    <p:sldId id="297" r:id="rId15"/>
+    <p:sldId id="294" r:id="rId16"/>
+    <p:sldId id="295" r:id="rId17"/>
+    <p:sldId id="296" r:id="rId18"/>
+    <p:sldId id="270" r:id="rId19"/>
+    <p:sldId id="271" r:id="rId20"/>
+    <p:sldId id="298" r:id="rId21"/>
+    <p:sldId id="299" r:id="rId22"/>
+    <p:sldId id="272" r:id="rId23"/>
+    <p:sldId id="273" r:id="rId24"/>
+    <p:sldId id="301" r:id="rId25"/>
+    <p:sldId id="267" r:id="rId26"/>
+    <p:sldId id="268" r:id="rId27"/>
+    <p:sldId id="269" r:id="rId28"/>
+    <p:sldId id="275" r:id="rId29"/>
+    <p:sldId id="276" r:id="rId30"/>
+    <p:sldId id="277" r:id="rId31"/>
+    <p:sldId id="278" r:id="rId32"/>
+    <p:sldId id="279" r:id="rId33"/>
+    <p:sldId id="280" r:id="rId34"/>
+    <p:sldId id="281" r:id="rId35"/>
+    <p:sldId id="282" r:id="rId36"/>
+    <p:sldId id="283" r:id="rId37"/>
+    <p:sldId id="284" r:id="rId38"/>
+    <p:sldId id="285" r:id="rId39"/>
+    <p:sldId id="287" r:id="rId40"/>
+    <p:sldId id="288" r:id="rId41"/>
+    <p:sldId id="289" r:id="rId42"/>
+    <p:sldId id="290" r:id="rId43"/>
+    <p:sldId id="302" r:id="rId44"/>
   </p:sldIdLst>
   <p:sldSz cx="9144000" cy="6858000" type="screen4x3"/>
   <p:notesSz cx="6858000" cy="9144000"/>
@@ -52,7 +55,7 @@
     <a:defPPr>
       <a:defRPr lang="en-US"/>
     </a:defPPr>
-    <a:lvl1pPr marL="0" algn="l" defTabSz="914400" rtl="0" eaLnBrk="1" latinLnBrk="0" hangingPunct="1">
+    <a:lvl1pPr marL="0" algn="l" defTabSz="457200" rtl="0" eaLnBrk="1" latinLnBrk="0" hangingPunct="1">
       <a:defRPr sz="1800" kern="1200">
         <a:solidFill>
           <a:schemeClr val="tx1"/>
@@ -62,7 +65,7 @@
         <a:cs typeface="+mn-cs"/>
       </a:defRPr>
     </a:lvl1pPr>
-    <a:lvl2pPr marL="457200" algn="l" defTabSz="914400" rtl="0" eaLnBrk="1" latinLnBrk="0" hangingPunct="1">
+    <a:lvl2pPr marL="457200" algn="l" defTabSz="457200" rtl="0" eaLnBrk="1" latinLnBrk="0" hangingPunct="1">
       <a:defRPr sz="1800" kern="1200">
         <a:solidFill>
           <a:schemeClr val="tx1"/>
@@ -72,7 +75,7 @@
         <a:cs typeface="+mn-cs"/>
       </a:defRPr>
     </a:lvl2pPr>
-    <a:lvl3pPr marL="914400" algn="l" defTabSz="914400" rtl="0" eaLnBrk="1" latinLnBrk="0" hangingPunct="1">
+    <a:lvl3pPr marL="914400" algn="l" defTabSz="457200" rtl="0" eaLnBrk="1" latinLnBrk="0" hangingPunct="1">
       <a:defRPr sz="1800" kern="1200">
         <a:solidFill>
           <a:schemeClr val="tx1"/>
@@ -82,7 +85,7 @@
         <a:cs typeface="+mn-cs"/>
       </a:defRPr>
     </a:lvl3pPr>
-    <a:lvl4pPr marL="1371600" algn="l" defTabSz="914400" rtl="0" eaLnBrk="1" latinLnBrk="0" hangingPunct="1">
+    <a:lvl4pPr marL="1371600" algn="l" defTabSz="457200" rtl="0" eaLnBrk="1" latinLnBrk="0" hangingPunct="1">
       <a:defRPr sz="1800" kern="1200">
         <a:solidFill>
           <a:schemeClr val="tx1"/>
@@ -92,7 +95,7 @@
         <a:cs typeface="+mn-cs"/>
       </a:defRPr>
     </a:lvl4pPr>
-    <a:lvl5pPr marL="1828800" algn="l" defTabSz="914400" rtl="0" eaLnBrk="1" latinLnBrk="0" hangingPunct="1">
+    <a:lvl5pPr marL="1828800" algn="l" defTabSz="457200" rtl="0" eaLnBrk="1" latinLnBrk="0" hangingPunct="1">
       <a:defRPr sz="1800" kern="1200">
         <a:solidFill>
           <a:schemeClr val="tx1"/>
@@ -102,7 +105,7 @@
         <a:cs typeface="+mn-cs"/>
       </a:defRPr>
     </a:lvl5pPr>
-    <a:lvl6pPr marL="2286000" algn="l" defTabSz="914400" rtl="0" eaLnBrk="1" latinLnBrk="0" hangingPunct="1">
+    <a:lvl6pPr marL="2286000" algn="l" defTabSz="457200" rtl="0" eaLnBrk="1" latinLnBrk="0" hangingPunct="1">
       <a:defRPr sz="1800" kern="1200">
         <a:solidFill>
           <a:schemeClr val="tx1"/>
@@ -112,7 +115,7 @@
         <a:cs typeface="+mn-cs"/>
       </a:defRPr>
     </a:lvl6pPr>
-    <a:lvl7pPr marL="2743200" algn="l" defTabSz="914400" rtl="0" eaLnBrk="1" latinLnBrk="0" hangingPunct="1">
+    <a:lvl7pPr marL="2743200" algn="l" defTabSz="457200" rtl="0" eaLnBrk="1" latinLnBrk="0" hangingPunct="1">
       <a:defRPr sz="1800" kern="1200">
         <a:solidFill>
           <a:schemeClr val="tx1"/>
@@ -122,7 +125,7 @@
         <a:cs typeface="+mn-cs"/>
       </a:defRPr>
     </a:lvl7pPr>
-    <a:lvl8pPr marL="3200400" algn="l" defTabSz="914400" rtl="0" eaLnBrk="1" latinLnBrk="0" hangingPunct="1">
+    <a:lvl8pPr marL="3200400" algn="l" defTabSz="457200" rtl="0" eaLnBrk="1" latinLnBrk="0" hangingPunct="1">
       <a:defRPr sz="1800" kern="1200">
         <a:solidFill>
           <a:schemeClr val="tx1"/>
@@ -132,7 +135,7 @@
         <a:cs typeface="+mn-cs"/>
       </a:defRPr>
     </a:lvl8pPr>
-    <a:lvl9pPr marL="3657600" algn="l" defTabSz="914400" rtl="0" eaLnBrk="1" latinLnBrk="0" hangingPunct="1">
+    <a:lvl9pPr marL="3657600" algn="l" defTabSz="457200" rtl="0" eaLnBrk="1" latinLnBrk="0" hangingPunct="1">
       <a:defRPr sz="1800" kern="1200">
         <a:solidFill>
           <a:schemeClr val="tx1"/>
@@ -145,7 +148,7 @@
   </p:defaultTextStyle>
   <p:extLst>
     <p:ext uri="{EFAFB233-063F-42B5-8137-9DF3F51BA10A}">
-      <p15:sldGuideLst xmlns:p15="http://schemas.microsoft.com/office/powerpoint/2012/main" xmlns="">
+      <p15:sldGuideLst xmlns:p15="http://schemas.microsoft.com/office/powerpoint/2012/main">
         <p15:guide id="1" orient="horz" pos="2160">
           <p15:clr>
             <a:srgbClr val="A4A3A4"/>
@@ -163,7 +166,7 @@
 </file>
 
 <file path=ppt/slideLayouts/slideLayout1.xml><?xml version="1.0" encoding="utf-8"?>
-<p:sldLayout xmlns:a="http://schemas.openxmlformats.org/drawingml/2006/main" xmlns:r="http://schemas.openxmlformats.org/officeDocument/2006/relationships" xmlns:p="http://schemas.openxmlformats.org/presentationml/2006/main" type="title" preserve="1">
+<p:sldLayout xmlns:a="http://schemas.openxmlformats.org/drawingml/2006/main" xmlns:r="http://schemas.openxmlformats.org/officeDocument/2006/relationships" xmlns:p="http://schemas.openxmlformats.org/presentationml/2006/main" showMasterSp="0" type="title" preserve="1">
   <p:cSld name="Title Slide">
     <p:spTree>
       <p:nvGrpSpPr>
@@ -179,6 +182,610 @@
           <a:chExt cx="0" cy="0"/>
         </a:xfrm>
       </p:grpSpPr>
+      <p:grpSp>
+        <p:nvGrpSpPr>
+          <p:cNvPr id="7" name="Group 6"/>
+          <p:cNvGrpSpPr/>
+          <p:nvPr/>
+        </p:nvGrpSpPr>
+        <p:grpSpPr>
+          <a:xfrm>
+            <a:off x="-8466" y="-8468"/>
+            <a:ext cx="9171316" cy="6874935"/>
+            <a:chOff x="-8466" y="-8468"/>
+            <a:chExt cx="9171316" cy="6874935"/>
+          </a:xfrm>
+        </p:grpSpPr>
+        <p:cxnSp>
+          <p:nvCxnSpPr>
+            <p:cNvPr id="28" name="Straight Connector 27"/>
+            <p:cNvCxnSpPr/>
+            <p:nvPr/>
+          </p:nvCxnSpPr>
+          <p:spPr>
+            <a:xfrm flipV="1">
+              <a:off x="5130830" y="4175605"/>
+              <a:ext cx="4022475" cy="2682396"/>
+            </a:xfrm>
+            <a:prstGeom prst="line">
+              <a:avLst/>
+            </a:prstGeom>
+            <a:ln w="9525">
+              <a:solidFill>
+                <a:schemeClr val="accent1">
+                  <a:alpha val="70000"/>
+                </a:schemeClr>
+              </a:solidFill>
+            </a:ln>
+          </p:spPr>
+          <p:style>
+            <a:lnRef idx="2">
+              <a:schemeClr val="accent1"/>
+            </a:lnRef>
+            <a:fillRef idx="0">
+              <a:schemeClr val="accent1"/>
+            </a:fillRef>
+            <a:effectRef idx="1">
+              <a:schemeClr val="accent1"/>
+            </a:effectRef>
+            <a:fontRef idx="minor">
+              <a:schemeClr val="tx1"/>
+            </a:fontRef>
+          </p:style>
+        </p:cxnSp>
+        <p:cxnSp>
+          <p:nvCxnSpPr>
+            <p:cNvPr id="29" name="Straight Connector 28"/>
+            <p:cNvCxnSpPr/>
+            <p:nvPr/>
+          </p:nvCxnSpPr>
+          <p:spPr>
+            <a:xfrm>
+              <a:off x="7042707" y="0"/>
+              <a:ext cx="1219200" cy="6858000"/>
+            </a:xfrm>
+            <a:prstGeom prst="line">
+              <a:avLst/>
+            </a:prstGeom>
+            <a:ln w="9525">
+              <a:solidFill>
+                <a:schemeClr val="accent1">
+                  <a:alpha val="70000"/>
+                </a:schemeClr>
+              </a:solidFill>
+            </a:ln>
+          </p:spPr>
+          <p:style>
+            <a:lnRef idx="2">
+              <a:schemeClr val="accent1"/>
+            </a:lnRef>
+            <a:fillRef idx="0">
+              <a:schemeClr val="accent1"/>
+            </a:fillRef>
+            <a:effectRef idx="1">
+              <a:schemeClr val="accent1"/>
+            </a:effectRef>
+            <a:fontRef idx="minor">
+              <a:schemeClr val="tx1"/>
+            </a:fontRef>
+          </p:style>
+        </p:cxnSp>
+        <p:sp>
+          <p:nvSpPr>
+            <p:cNvPr id="30" name="Freeform 29"/>
+            <p:cNvSpPr/>
+            <p:nvPr/>
+          </p:nvSpPr>
+          <p:spPr>
+            <a:xfrm>
+              <a:off x="6891896" y="1"/>
+              <a:ext cx="2269442" cy="6866466"/>
+            </a:xfrm>
+            <a:custGeom>
+              <a:avLst/>
+              <a:gdLst/>
+              <a:ahLst/>
+              <a:cxnLst/>
+              <a:rect l="l" t="t" r="r" b="b"/>
+              <a:pathLst>
+                <a:path w="2269442" h="6866466">
+                  <a:moveTo>
+                    <a:pt x="2023534" y="0"/>
+                  </a:moveTo>
+                  <a:lnTo>
+                    <a:pt x="0" y="6858000"/>
+                  </a:lnTo>
+                  <a:lnTo>
+                    <a:pt x="2269067" y="6866466"/>
+                  </a:lnTo>
+                  <a:cubicBezTo>
+                    <a:pt x="2271889" y="4580466"/>
+                    <a:pt x="2257778" y="2294466"/>
+                    <a:pt x="2260600" y="8466"/>
+                  </a:cubicBezTo>
+                  <a:lnTo>
+                    <a:pt x="2023534" y="0"/>
+                  </a:lnTo>
+                  <a:close/>
+                </a:path>
+              </a:pathLst>
+            </a:custGeom>
+            <a:solidFill>
+              <a:schemeClr val="accent1">
+                <a:alpha val="36000"/>
+              </a:schemeClr>
+            </a:solidFill>
+            <a:ln>
+              <a:noFill/>
+            </a:ln>
+            <a:effectLst/>
+          </p:spPr>
+          <p:style>
+            <a:lnRef idx="1">
+              <a:schemeClr val="accent1"/>
+            </a:lnRef>
+            <a:fillRef idx="3">
+              <a:schemeClr val="accent1"/>
+            </a:fillRef>
+            <a:effectRef idx="2">
+              <a:schemeClr val="accent1"/>
+            </a:effectRef>
+            <a:fontRef idx="minor">
+              <a:schemeClr val="lt1"/>
+            </a:fontRef>
+          </p:style>
+        </p:sp>
+        <p:sp>
+          <p:nvSpPr>
+            <p:cNvPr id="31" name="Freeform 30"/>
+            <p:cNvSpPr/>
+            <p:nvPr/>
+          </p:nvSpPr>
+          <p:spPr>
+            <a:xfrm>
+              <a:off x="7205158" y="-8467"/>
+              <a:ext cx="1948147" cy="6866467"/>
+            </a:xfrm>
+            <a:custGeom>
+              <a:avLst/>
+              <a:gdLst/>
+              <a:ahLst/>
+              <a:cxnLst/>
+              <a:rect l="l" t="t" r="r" b="b"/>
+              <a:pathLst>
+                <a:path w="1948147" h="6866467">
+                  <a:moveTo>
+                    <a:pt x="0" y="0"/>
+                  </a:moveTo>
+                  <a:lnTo>
+                    <a:pt x="1202267" y="6866467"/>
+                  </a:lnTo>
+                  <a:lnTo>
+                    <a:pt x="1947333" y="6866467"/>
+                  </a:lnTo>
+                  <a:cubicBezTo>
+                    <a:pt x="1944511" y="4577645"/>
+                    <a:pt x="1950155" y="2288822"/>
+                    <a:pt x="1947333" y="0"/>
+                  </a:cubicBezTo>
+                  <a:lnTo>
+                    <a:pt x="0" y="0"/>
+                  </a:lnTo>
+                  <a:close/>
+                </a:path>
+              </a:pathLst>
+            </a:custGeom>
+            <a:solidFill>
+              <a:schemeClr val="accent1">
+                <a:alpha val="20000"/>
+              </a:schemeClr>
+            </a:solidFill>
+            <a:ln>
+              <a:noFill/>
+            </a:ln>
+            <a:effectLst/>
+          </p:spPr>
+          <p:style>
+            <a:lnRef idx="1">
+              <a:schemeClr val="accent1"/>
+            </a:lnRef>
+            <a:fillRef idx="3">
+              <a:schemeClr val="accent1"/>
+            </a:fillRef>
+            <a:effectRef idx="2">
+              <a:schemeClr val="accent1"/>
+            </a:effectRef>
+            <a:fontRef idx="minor">
+              <a:schemeClr val="lt1"/>
+            </a:fontRef>
+          </p:style>
+        </p:sp>
+        <p:sp>
+          <p:nvSpPr>
+            <p:cNvPr id="32" name="Freeform 31"/>
+            <p:cNvSpPr/>
+            <p:nvPr/>
+          </p:nvSpPr>
+          <p:spPr>
+            <a:xfrm>
+              <a:off x="6637896" y="3920066"/>
+              <a:ext cx="2513565" cy="2937933"/>
+            </a:xfrm>
+            <a:custGeom>
+              <a:avLst/>
+              <a:gdLst/>
+              <a:ahLst/>
+              <a:cxnLst/>
+              <a:rect l="l" t="t" r="r" b="b"/>
+              <a:pathLst>
+                <a:path w="3259667" h="3810000">
+                  <a:moveTo>
+                    <a:pt x="0" y="3810000"/>
+                  </a:moveTo>
+                  <a:lnTo>
+                    <a:pt x="3251200" y="0"/>
+                  </a:lnTo>
+                  <a:cubicBezTo>
+                    <a:pt x="3254022" y="1270000"/>
+                    <a:pt x="3256845" y="2540000"/>
+                    <a:pt x="3259667" y="3810000"/>
+                  </a:cubicBezTo>
+                  <a:lnTo>
+                    <a:pt x="0" y="3810000"/>
+                  </a:lnTo>
+                  <a:close/>
+                </a:path>
+              </a:pathLst>
+            </a:custGeom>
+            <a:solidFill>
+              <a:schemeClr val="accent1">
+                <a:alpha val="72000"/>
+              </a:schemeClr>
+            </a:solidFill>
+            <a:ln>
+              <a:noFill/>
+            </a:ln>
+            <a:effectLst/>
+          </p:spPr>
+          <p:style>
+            <a:lnRef idx="1">
+              <a:schemeClr val="accent1"/>
+            </a:lnRef>
+            <a:fillRef idx="3">
+              <a:schemeClr val="accent1"/>
+            </a:fillRef>
+            <a:effectRef idx="2">
+              <a:schemeClr val="accent1"/>
+            </a:effectRef>
+            <a:fontRef idx="minor">
+              <a:schemeClr val="lt1"/>
+            </a:fontRef>
+          </p:style>
+        </p:sp>
+        <p:sp>
+          <p:nvSpPr>
+            <p:cNvPr id="33" name="Freeform 32"/>
+            <p:cNvSpPr/>
+            <p:nvPr/>
+          </p:nvSpPr>
+          <p:spPr>
+            <a:xfrm>
+              <a:off x="7010429" y="-8467"/>
+              <a:ext cx="2142876" cy="6866467"/>
+            </a:xfrm>
+            <a:custGeom>
+              <a:avLst/>
+              <a:gdLst/>
+              <a:ahLst/>
+              <a:cxnLst/>
+              <a:rect l="l" t="t" r="r" b="b"/>
+              <a:pathLst>
+                <a:path w="2853267" h="6866467">
+                  <a:moveTo>
+                    <a:pt x="0" y="0"/>
+                  </a:moveTo>
+                  <a:lnTo>
+                    <a:pt x="2472267" y="6866467"/>
+                  </a:lnTo>
+                  <a:lnTo>
+                    <a:pt x="2853267" y="6858000"/>
+                  </a:lnTo>
+                  <a:lnTo>
+                    <a:pt x="2853267" y="0"/>
+                  </a:lnTo>
+                  <a:lnTo>
+                    <a:pt x="0" y="0"/>
+                  </a:lnTo>
+                  <a:close/>
+                </a:path>
+              </a:pathLst>
+            </a:custGeom>
+            <a:solidFill>
+              <a:schemeClr val="accent1">
+                <a:lumMod val="75000"/>
+                <a:alpha val="50000"/>
+              </a:schemeClr>
+            </a:solidFill>
+            <a:ln>
+              <a:noFill/>
+            </a:ln>
+            <a:effectLst/>
+          </p:spPr>
+          <p:style>
+            <a:lnRef idx="1">
+              <a:schemeClr val="accent1"/>
+            </a:lnRef>
+            <a:fillRef idx="3">
+              <a:schemeClr val="accent1"/>
+            </a:fillRef>
+            <a:effectRef idx="2">
+              <a:schemeClr val="accent1"/>
+            </a:effectRef>
+            <a:fontRef idx="minor">
+              <a:schemeClr val="lt1"/>
+            </a:fontRef>
+          </p:style>
+        </p:sp>
+        <p:sp>
+          <p:nvSpPr>
+            <p:cNvPr id="34" name="Freeform 33"/>
+            <p:cNvSpPr/>
+            <p:nvPr/>
+          </p:nvSpPr>
+          <p:spPr>
+            <a:xfrm>
+              <a:off x="8295776" y="-8467"/>
+              <a:ext cx="857530" cy="6866467"/>
+            </a:xfrm>
+            <a:custGeom>
+              <a:avLst/>
+              <a:gdLst/>
+              <a:ahLst/>
+              <a:cxnLst/>
+              <a:rect l="l" t="t" r="r" b="b"/>
+              <a:pathLst>
+                <a:path w="1286933" h="6866467">
+                  <a:moveTo>
+                    <a:pt x="1016000" y="0"/>
+                  </a:moveTo>
+                  <a:lnTo>
+                    <a:pt x="0" y="6866467"/>
+                  </a:lnTo>
+                  <a:lnTo>
+                    <a:pt x="1286933" y="6866467"/>
+                  </a:lnTo>
+                  <a:cubicBezTo>
+                    <a:pt x="1284111" y="4577645"/>
+                    <a:pt x="1281288" y="2288822"/>
+                    <a:pt x="1278466" y="0"/>
+                  </a:cubicBezTo>
+                  <a:lnTo>
+                    <a:pt x="1016000" y="0"/>
+                  </a:lnTo>
+                  <a:close/>
+                </a:path>
+              </a:pathLst>
+            </a:custGeom>
+            <a:solidFill>
+              <a:schemeClr val="accent1">
+                <a:lumMod val="75000"/>
+                <a:alpha val="66000"/>
+              </a:schemeClr>
+            </a:solidFill>
+            <a:ln>
+              <a:noFill/>
+            </a:ln>
+            <a:effectLst/>
+          </p:spPr>
+          <p:style>
+            <a:lnRef idx="1">
+              <a:schemeClr val="accent1"/>
+            </a:lnRef>
+            <a:fillRef idx="3">
+              <a:schemeClr val="accent1"/>
+            </a:fillRef>
+            <a:effectRef idx="2">
+              <a:schemeClr val="accent1"/>
+            </a:effectRef>
+            <a:fontRef idx="minor">
+              <a:schemeClr val="lt1"/>
+            </a:fontRef>
+          </p:style>
+        </p:sp>
+        <p:sp>
+          <p:nvSpPr>
+            <p:cNvPr id="35" name="Freeform 34"/>
+            <p:cNvSpPr/>
+            <p:nvPr/>
+          </p:nvSpPr>
+          <p:spPr>
+            <a:xfrm>
+              <a:off x="8094165" y="-8468"/>
+              <a:ext cx="1066770" cy="6866467"/>
+            </a:xfrm>
+            <a:custGeom>
+              <a:avLst/>
+              <a:gdLst/>
+              <a:ahLst/>
+              <a:cxnLst/>
+              <a:rect l="l" t="t" r="r" b="b"/>
+              <a:pathLst>
+                <a:path w="1270244" h="6866467">
+                  <a:moveTo>
+                    <a:pt x="0" y="0"/>
+                  </a:moveTo>
+                  <a:lnTo>
+                    <a:pt x="1117600" y="6866467"/>
+                  </a:lnTo>
+                  <a:lnTo>
+                    <a:pt x="1270000" y="6866467"/>
+                  </a:lnTo>
+                  <a:cubicBezTo>
+                    <a:pt x="1272822" y="4574822"/>
+                    <a:pt x="1250245" y="2291645"/>
+                    <a:pt x="1253067" y="0"/>
+                  </a:cubicBezTo>
+                  <a:lnTo>
+                    <a:pt x="0" y="0"/>
+                  </a:lnTo>
+                  <a:close/>
+                </a:path>
+              </a:pathLst>
+            </a:custGeom>
+            <a:solidFill>
+              <a:schemeClr val="accent1">
+                <a:lumMod val="50000"/>
+                <a:alpha val="80000"/>
+              </a:schemeClr>
+            </a:solidFill>
+            <a:ln>
+              <a:noFill/>
+            </a:ln>
+            <a:effectLst/>
+          </p:spPr>
+          <p:style>
+            <a:lnRef idx="1">
+              <a:schemeClr val="accent1"/>
+            </a:lnRef>
+            <a:fillRef idx="3">
+              <a:schemeClr val="accent1"/>
+            </a:fillRef>
+            <a:effectRef idx="2">
+              <a:schemeClr val="accent1"/>
+            </a:effectRef>
+            <a:fontRef idx="minor">
+              <a:schemeClr val="lt1"/>
+            </a:fontRef>
+          </p:style>
+        </p:sp>
+        <p:sp>
+          <p:nvSpPr>
+            <p:cNvPr id="36" name="Freeform 35"/>
+            <p:cNvSpPr/>
+            <p:nvPr/>
+          </p:nvSpPr>
+          <p:spPr>
+            <a:xfrm>
+              <a:off x="8068764" y="4893733"/>
+              <a:ext cx="1094086" cy="1964267"/>
+            </a:xfrm>
+            <a:custGeom>
+              <a:avLst/>
+              <a:gdLst/>
+              <a:ahLst/>
+              <a:cxnLst/>
+              <a:rect l="l" t="t" r="r" b="b"/>
+              <a:pathLst>
+                <a:path w="1820333" h="3268133">
+                  <a:moveTo>
+                    <a:pt x="0" y="3268133"/>
+                  </a:moveTo>
+                  <a:lnTo>
+                    <a:pt x="1811866" y="0"/>
+                  </a:lnTo>
+                  <a:cubicBezTo>
+                    <a:pt x="1814688" y="1086555"/>
+                    <a:pt x="1817511" y="2173111"/>
+                    <a:pt x="1820333" y="3259666"/>
+                  </a:cubicBezTo>
+                  <a:lnTo>
+                    <a:pt x="0" y="3268133"/>
+                  </a:lnTo>
+                  <a:close/>
+                </a:path>
+              </a:pathLst>
+            </a:custGeom>
+            <a:solidFill>
+              <a:schemeClr val="accent1">
+                <a:lumMod val="50000"/>
+                <a:alpha val="76000"/>
+              </a:schemeClr>
+            </a:solidFill>
+            <a:ln>
+              <a:noFill/>
+            </a:ln>
+            <a:effectLst/>
+          </p:spPr>
+          <p:style>
+            <a:lnRef idx="1">
+              <a:schemeClr val="accent1"/>
+            </a:lnRef>
+            <a:fillRef idx="3">
+              <a:schemeClr val="accent1"/>
+            </a:fillRef>
+            <a:effectRef idx="2">
+              <a:schemeClr val="accent1"/>
+            </a:effectRef>
+            <a:fontRef idx="minor">
+              <a:schemeClr val="lt1"/>
+            </a:fontRef>
+          </p:style>
+        </p:sp>
+        <p:sp>
+          <p:nvSpPr>
+            <p:cNvPr id="18" name="Freeform 17"/>
+            <p:cNvSpPr/>
+            <p:nvPr/>
+          </p:nvSpPr>
+          <p:spPr>
+            <a:xfrm>
+              <a:off x="-8466" y="-8468"/>
+              <a:ext cx="863600" cy="5698067"/>
+            </a:xfrm>
+            <a:custGeom>
+              <a:avLst/>
+              <a:gdLst/>
+              <a:ahLst/>
+              <a:cxnLst/>
+              <a:rect l="l" t="t" r="r" b="b"/>
+              <a:pathLst>
+                <a:path w="863600" h="5698067">
+                  <a:moveTo>
+                    <a:pt x="0" y="8467"/>
+                  </a:moveTo>
+                  <a:lnTo>
+                    <a:pt x="863600" y="0"/>
+                  </a:lnTo>
+                  <a:lnTo>
+                    <a:pt x="863600" y="16934"/>
+                  </a:lnTo>
+                  <a:lnTo>
+                    <a:pt x="0" y="5698067"/>
+                  </a:lnTo>
+                  <a:lnTo>
+                    <a:pt x="0" y="8467"/>
+                  </a:lnTo>
+                  <a:close/>
+                </a:path>
+              </a:pathLst>
+            </a:custGeom>
+            <a:solidFill>
+              <a:schemeClr val="accent1">
+                <a:lumMod val="75000"/>
+                <a:alpha val="85000"/>
+              </a:schemeClr>
+            </a:solidFill>
+            <a:ln>
+              <a:noFill/>
+            </a:ln>
+            <a:effectLst/>
+          </p:spPr>
+          <p:style>
+            <a:lnRef idx="1">
+              <a:schemeClr val="accent1"/>
+            </a:lnRef>
+            <a:fillRef idx="3">
+              <a:schemeClr val="accent1"/>
+            </a:fillRef>
+            <a:effectRef idx="2">
+              <a:schemeClr val="accent1"/>
+            </a:effectRef>
+            <a:fontRef idx="minor">
+              <a:schemeClr val="lt1"/>
+            </a:fontRef>
+          </p:style>
+        </p:sp>
+      </p:grpSp>
       <p:sp>
         <p:nvSpPr>
           <p:cNvPr id="2" name="Title 1"/>
@@ -191,18 +798,31 @@
         </p:nvSpPr>
         <p:spPr>
           <a:xfrm>
-            <a:off x="685800" y="2130425"/>
-            <a:ext cx="7772400" cy="1470025"/>
+            <a:off x="1130595" y="2404534"/>
+            <a:ext cx="5826719" cy="1646302"/>
           </a:xfrm>
         </p:spPr>
         <p:txBody>
-          <a:bodyPr/>
-          <a:lstStyle/>
+          <a:bodyPr anchor="b">
+            <a:noAutofit/>
+          </a:bodyPr>
+          <a:lstStyle>
+            <a:lvl1pPr algn="r">
+              <a:defRPr sz="5400">
+                <a:solidFill>
+                  <a:schemeClr val="accent1">
+                    <a:lumMod val="75000"/>
+                  </a:schemeClr>
+                </a:solidFill>
+              </a:defRPr>
+            </a:lvl1pPr>
+          </a:lstStyle>
           <a:p>
             <a:r>
               <a:rPr lang="en-US"/>
               <a:t>Click to edit Master title style</a:t>
             </a:r>
+            <a:endParaRPr lang="en-US" dirty="0"/>
           </a:p>
         </p:txBody>
       </p:sp>
@@ -218,19 +838,20 @@
         </p:nvSpPr>
         <p:spPr>
           <a:xfrm>
-            <a:off x="1371600" y="3886200"/>
-            <a:ext cx="6400800" cy="1752600"/>
+            <a:off x="1130595" y="4050834"/>
+            <a:ext cx="5826719" cy="1096899"/>
           </a:xfrm>
         </p:spPr>
         <p:txBody>
-          <a:bodyPr/>
+          <a:bodyPr anchor="t"/>
           <a:lstStyle>
-            <a:lvl1pPr marL="0" indent="0" algn="ctr">
+            <a:lvl1pPr marL="0" indent="0" algn="r">
               <a:buNone/>
               <a:defRPr>
                 <a:solidFill>
                   <a:schemeClr val="tx1">
-                    <a:tint val="75000"/>
+                    <a:lumMod val="50000"/>
+                    <a:lumOff val="50000"/>
                   </a:schemeClr>
                 </a:solidFill>
               </a:defRPr>
@@ -321,6 +942,7 @@
               <a:rPr lang="en-US"/>
               <a:t>Click to edit Master subtitle style</a:t>
             </a:r>
+            <a:endParaRPr lang="en-US" dirty="0"/>
           </a:p>
         </p:txBody>
       </p:sp>
@@ -342,7 +964,7 @@
             <a:fld id="{22278AEF-C5F7-4B66-AA02-1B9777B8FF83}" type="datetimeFigureOut">
               <a:rPr lang="en-US" smtClean="0"/>
               <a:pPr/>
-              <a:t>19-Oct-20</a:t>
+              <a:t>10/22/2020</a:t>
             </a:fld>
             <a:endParaRPr lang="en-US"/>
           </a:p>
@@ -392,6 +1014,11 @@
         </p:txBody>
       </p:sp>
     </p:spTree>
+    <p:extLst>
+      <p:ext uri="{BB962C8B-B14F-4D97-AF65-F5344CB8AC3E}">
+        <p14:creationId xmlns:p14="http://schemas.microsoft.com/office/powerpoint/2010/main" val="2544218043"/>
+      </p:ext>
+    </p:extLst>
   </p:cSld>
   <p:clrMapOvr>
     <a:masterClrMapping/>
@@ -400,6 +1027,1609 @@
 </file>
 
 <file path=ppt/slideLayouts/slideLayout10.xml><?xml version="1.0" encoding="utf-8"?>
+<p:sldLayout xmlns:a="http://schemas.openxmlformats.org/drawingml/2006/main" xmlns:r="http://schemas.openxmlformats.org/officeDocument/2006/relationships" xmlns:p="http://schemas.openxmlformats.org/presentationml/2006/main" preserve="1">
+  <p:cSld name="Title and Caption">
+    <p:spTree>
+      <p:nvGrpSpPr>
+        <p:cNvPr id="1" name=""/>
+        <p:cNvGrpSpPr/>
+        <p:nvPr/>
+      </p:nvGrpSpPr>
+      <p:grpSpPr>
+        <a:xfrm>
+          <a:off x="0" y="0"/>
+          <a:ext cx="0" cy="0"/>
+          <a:chOff x="0" y="0"/>
+          <a:chExt cx="0" cy="0"/>
+        </a:xfrm>
+      </p:grpSpPr>
+      <p:sp>
+        <p:nvSpPr>
+          <p:cNvPr id="2" name="Title 1"/>
+          <p:cNvSpPr>
+            <a:spLocks noGrp="1"/>
+          </p:cNvSpPr>
+          <p:nvPr>
+            <p:ph type="title"/>
+          </p:nvPr>
+        </p:nvSpPr>
+        <p:spPr>
+          <a:xfrm>
+            <a:off x="609600" y="609600"/>
+            <a:ext cx="6347714" cy="3403600"/>
+          </a:xfrm>
+        </p:spPr>
+        <p:txBody>
+          <a:bodyPr anchor="ctr">
+            <a:normAutofit/>
+          </a:bodyPr>
+          <a:lstStyle>
+            <a:lvl1pPr algn="l">
+              <a:defRPr sz="4400" b="0" cap="none"/>
+            </a:lvl1pPr>
+          </a:lstStyle>
+          <a:p>
+            <a:r>
+              <a:rPr lang="en-US"/>
+              <a:t>Click to edit Master title style</a:t>
+            </a:r>
+            <a:endParaRPr lang="en-US" dirty="0"/>
+          </a:p>
+        </p:txBody>
+      </p:sp>
+      <p:sp>
+        <p:nvSpPr>
+          <p:cNvPr id="3" name="Text Placeholder 2"/>
+          <p:cNvSpPr>
+            <a:spLocks noGrp="1"/>
+          </p:cNvSpPr>
+          <p:nvPr>
+            <p:ph type="body" idx="1"/>
+          </p:nvPr>
+        </p:nvSpPr>
+        <p:spPr>
+          <a:xfrm>
+            <a:off x="609600" y="4470400"/>
+            <a:ext cx="6347714" cy="1570962"/>
+          </a:xfrm>
+        </p:spPr>
+        <p:txBody>
+          <a:bodyPr anchor="ctr">
+            <a:normAutofit/>
+          </a:bodyPr>
+          <a:lstStyle>
+            <a:lvl1pPr marL="0" indent="0" algn="l">
+              <a:buNone/>
+              <a:defRPr sz="1800">
+                <a:solidFill>
+                  <a:schemeClr val="tx1">
+                    <a:lumMod val="75000"/>
+                    <a:lumOff val="25000"/>
+                  </a:schemeClr>
+                </a:solidFill>
+              </a:defRPr>
+            </a:lvl1pPr>
+            <a:lvl2pPr marL="457200" indent="0">
+              <a:buNone/>
+              <a:defRPr sz="1800">
+                <a:solidFill>
+                  <a:schemeClr val="tx1">
+                    <a:tint val="75000"/>
+                  </a:schemeClr>
+                </a:solidFill>
+              </a:defRPr>
+            </a:lvl2pPr>
+            <a:lvl3pPr marL="914400" indent="0">
+              <a:buNone/>
+              <a:defRPr sz="1600">
+                <a:solidFill>
+                  <a:schemeClr val="tx1">
+                    <a:tint val="75000"/>
+                  </a:schemeClr>
+                </a:solidFill>
+              </a:defRPr>
+            </a:lvl3pPr>
+            <a:lvl4pPr marL="1371600" indent="0">
+              <a:buNone/>
+              <a:defRPr sz="1400">
+                <a:solidFill>
+                  <a:schemeClr val="tx1">
+                    <a:tint val="75000"/>
+                  </a:schemeClr>
+                </a:solidFill>
+              </a:defRPr>
+            </a:lvl4pPr>
+            <a:lvl5pPr marL="1828800" indent="0">
+              <a:buNone/>
+              <a:defRPr sz="1400">
+                <a:solidFill>
+                  <a:schemeClr val="tx1">
+                    <a:tint val="75000"/>
+                  </a:schemeClr>
+                </a:solidFill>
+              </a:defRPr>
+            </a:lvl5pPr>
+            <a:lvl6pPr marL="2286000" indent="0">
+              <a:buNone/>
+              <a:defRPr sz="1400">
+                <a:solidFill>
+                  <a:schemeClr val="tx1">
+                    <a:tint val="75000"/>
+                  </a:schemeClr>
+                </a:solidFill>
+              </a:defRPr>
+            </a:lvl6pPr>
+            <a:lvl7pPr marL="2743200" indent="0">
+              <a:buNone/>
+              <a:defRPr sz="1400">
+                <a:solidFill>
+                  <a:schemeClr val="tx1">
+                    <a:tint val="75000"/>
+                  </a:schemeClr>
+                </a:solidFill>
+              </a:defRPr>
+            </a:lvl7pPr>
+            <a:lvl8pPr marL="3200400" indent="0">
+              <a:buNone/>
+              <a:defRPr sz="1400">
+                <a:solidFill>
+                  <a:schemeClr val="tx1">
+                    <a:tint val="75000"/>
+                  </a:schemeClr>
+                </a:solidFill>
+              </a:defRPr>
+            </a:lvl8pPr>
+            <a:lvl9pPr marL="3657600" indent="0">
+              <a:buNone/>
+              <a:defRPr sz="1400">
+                <a:solidFill>
+                  <a:schemeClr val="tx1">
+                    <a:tint val="75000"/>
+                  </a:schemeClr>
+                </a:solidFill>
+              </a:defRPr>
+            </a:lvl9pPr>
+          </a:lstStyle>
+          <a:p>
+            <a:pPr lvl="0"/>
+            <a:r>
+              <a:rPr lang="en-US"/>
+              <a:t>Click to edit Master text styles</a:t>
+            </a:r>
+          </a:p>
+        </p:txBody>
+      </p:sp>
+      <p:sp>
+        <p:nvSpPr>
+          <p:cNvPr id="4" name="Date Placeholder 3"/>
+          <p:cNvSpPr>
+            <a:spLocks noGrp="1"/>
+          </p:cNvSpPr>
+          <p:nvPr>
+            <p:ph type="dt" sz="half" idx="10"/>
+          </p:nvPr>
+        </p:nvSpPr>
+        <p:spPr/>
+        <p:txBody>
+          <a:bodyPr/>
+          <a:lstStyle/>
+          <a:p>
+            <a:fld id="{22278AEF-C5F7-4B66-AA02-1B9777B8FF83}" type="datetimeFigureOut">
+              <a:rPr lang="en-US" smtClean="0"/>
+              <a:pPr/>
+              <a:t>10/22/2020</a:t>
+            </a:fld>
+            <a:endParaRPr lang="en-US"/>
+          </a:p>
+        </p:txBody>
+      </p:sp>
+      <p:sp>
+        <p:nvSpPr>
+          <p:cNvPr id="5" name="Footer Placeholder 4"/>
+          <p:cNvSpPr>
+            <a:spLocks noGrp="1"/>
+          </p:cNvSpPr>
+          <p:nvPr>
+            <p:ph type="ftr" sz="quarter" idx="11"/>
+          </p:nvPr>
+        </p:nvSpPr>
+        <p:spPr/>
+        <p:txBody>
+          <a:bodyPr/>
+          <a:lstStyle/>
+          <a:p>
+            <a:endParaRPr lang="en-US"/>
+          </a:p>
+        </p:txBody>
+      </p:sp>
+      <p:sp>
+        <p:nvSpPr>
+          <p:cNvPr id="6" name="Slide Number Placeholder 5"/>
+          <p:cNvSpPr>
+            <a:spLocks noGrp="1"/>
+          </p:cNvSpPr>
+          <p:nvPr>
+            <p:ph type="sldNum" sz="quarter" idx="12"/>
+          </p:nvPr>
+        </p:nvSpPr>
+        <p:spPr/>
+        <p:txBody>
+          <a:bodyPr/>
+          <a:lstStyle/>
+          <a:p>
+            <a:fld id="{FAF84F99-15C9-424C-8C40-4FD4E37FE306}" type="slidenum">
+              <a:rPr lang="en-US" smtClean="0"/>
+              <a:pPr/>
+              <a:t>‹#›</a:t>
+            </a:fld>
+            <a:endParaRPr lang="en-US"/>
+          </a:p>
+        </p:txBody>
+      </p:sp>
+    </p:spTree>
+    <p:extLst>
+      <p:ext uri="{BB962C8B-B14F-4D97-AF65-F5344CB8AC3E}">
+        <p14:creationId xmlns:p14="http://schemas.microsoft.com/office/powerpoint/2010/main" val="1901655208"/>
+      </p:ext>
+    </p:extLst>
+  </p:cSld>
+  <p:clrMapOvr>
+    <a:masterClrMapping/>
+  </p:clrMapOvr>
+</p:sldLayout>
+</file>
+
+<file path=ppt/slideLayouts/slideLayout11.xml><?xml version="1.0" encoding="utf-8"?>
+<p:sldLayout xmlns:a="http://schemas.openxmlformats.org/drawingml/2006/main" xmlns:r="http://schemas.openxmlformats.org/officeDocument/2006/relationships" xmlns:p="http://schemas.openxmlformats.org/presentationml/2006/main" preserve="1">
+  <p:cSld name="Quote with Caption">
+    <p:spTree>
+      <p:nvGrpSpPr>
+        <p:cNvPr id="1" name=""/>
+        <p:cNvGrpSpPr/>
+        <p:nvPr/>
+      </p:nvGrpSpPr>
+      <p:grpSpPr>
+        <a:xfrm>
+          <a:off x="0" y="0"/>
+          <a:ext cx="0" cy="0"/>
+          <a:chOff x="0" y="0"/>
+          <a:chExt cx="0" cy="0"/>
+        </a:xfrm>
+      </p:grpSpPr>
+      <p:sp>
+        <p:nvSpPr>
+          <p:cNvPr id="2" name="Title 1"/>
+          <p:cNvSpPr>
+            <a:spLocks noGrp="1"/>
+          </p:cNvSpPr>
+          <p:nvPr>
+            <p:ph type="title"/>
+          </p:nvPr>
+        </p:nvSpPr>
+        <p:spPr>
+          <a:xfrm>
+            <a:off x="774885" y="609600"/>
+            <a:ext cx="6072182" cy="3022600"/>
+          </a:xfrm>
+        </p:spPr>
+        <p:txBody>
+          <a:bodyPr anchor="ctr">
+            <a:normAutofit/>
+          </a:bodyPr>
+          <a:lstStyle>
+            <a:lvl1pPr algn="l">
+              <a:defRPr sz="4400" b="0" cap="none"/>
+            </a:lvl1pPr>
+          </a:lstStyle>
+          <a:p>
+            <a:r>
+              <a:rPr lang="en-US"/>
+              <a:t>Click to edit Master title style</a:t>
+            </a:r>
+            <a:endParaRPr lang="en-US" dirty="0"/>
+          </a:p>
+        </p:txBody>
+      </p:sp>
+      <p:sp>
+        <p:nvSpPr>
+          <p:cNvPr id="23" name="Text Placeholder 9"/>
+          <p:cNvSpPr>
+            <a:spLocks noGrp="1"/>
+          </p:cNvSpPr>
+          <p:nvPr>
+            <p:ph type="body" sz="quarter" idx="13"/>
+          </p:nvPr>
+        </p:nvSpPr>
+        <p:spPr>
+          <a:xfrm>
+            <a:off x="1101074" y="3632200"/>
+            <a:ext cx="5419804" cy="381000"/>
+          </a:xfrm>
+        </p:spPr>
+        <p:txBody>
+          <a:bodyPr anchor="ctr">
+            <a:noAutofit/>
+          </a:bodyPr>
+          <a:lstStyle>
+            <a:lvl1pPr marL="0" indent="0">
+              <a:buFontTx/>
+              <a:buNone/>
+              <a:defRPr sz="1600">
+                <a:solidFill>
+                  <a:schemeClr val="tx1">
+                    <a:lumMod val="50000"/>
+                    <a:lumOff val="50000"/>
+                  </a:schemeClr>
+                </a:solidFill>
+              </a:defRPr>
+            </a:lvl1pPr>
+            <a:lvl2pPr marL="457200" indent="0">
+              <a:buFontTx/>
+              <a:buNone/>
+              <a:defRPr/>
+            </a:lvl2pPr>
+            <a:lvl3pPr marL="914400" indent="0">
+              <a:buFontTx/>
+              <a:buNone/>
+              <a:defRPr/>
+            </a:lvl3pPr>
+            <a:lvl4pPr marL="1371600" indent="0">
+              <a:buFontTx/>
+              <a:buNone/>
+              <a:defRPr/>
+            </a:lvl4pPr>
+            <a:lvl5pPr marL="1828800" indent="0">
+              <a:buFontTx/>
+              <a:buNone/>
+              <a:defRPr/>
+            </a:lvl5pPr>
+          </a:lstStyle>
+          <a:p>
+            <a:pPr lvl="0"/>
+            <a:r>
+              <a:rPr lang="en-US"/>
+              <a:t>Click to edit Master text styles</a:t>
+            </a:r>
+          </a:p>
+        </p:txBody>
+      </p:sp>
+      <p:sp>
+        <p:nvSpPr>
+          <p:cNvPr id="3" name="Text Placeholder 2"/>
+          <p:cNvSpPr>
+            <a:spLocks noGrp="1"/>
+          </p:cNvSpPr>
+          <p:nvPr>
+            <p:ph type="body" idx="1"/>
+          </p:nvPr>
+        </p:nvSpPr>
+        <p:spPr>
+          <a:xfrm>
+            <a:off x="609598" y="4470400"/>
+            <a:ext cx="6347715" cy="1570962"/>
+          </a:xfrm>
+        </p:spPr>
+        <p:txBody>
+          <a:bodyPr anchor="ctr">
+            <a:normAutofit/>
+          </a:bodyPr>
+          <a:lstStyle>
+            <a:lvl1pPr marL="0" indent="0" algn="l">
+              <a:buNone/>
+              <a:defRPr sz="1800">
+                <a:solidFill>
+                  <a:schemeClr val="tx1">
+                    <a:lumMod val="75000"/>
+                    <a:lumOff val="25000"/>
+                  </a:schemeClr>
+                </a:solidFill>
+              </a:defRPr>
+            </a:lvl1pPr>
+            <a:lvl2pPr marL="457200" indent="0">
+              <a:buNone/>
+              <a:defRPr sz="1800">
+                <a:solidFill>
+                  <a:schemeClr val="tx1">
+                    <a:tint val="75000"/>
+                  </a:schemeClr>
+                </a:solidFill>
+              </a:defRPr>
+            </a:lvl2pPr>
+            <a:lvl3pPr marL="914400" indent="0">
+              <a:buNone/>
+              <a:defRPr sz="1600">
+                <a:solidFill>
+                  <a:schemeClr val="tx1">
+                    <a:tint val="75000"/>
+                  </a:schemeClr>
+                </a:solidFill>
+              </a:defRPr>
+            </a:lvl3pPr>
+            <a:lvl4pPr marL="1371600" indent="0">
+              <a:buNone/>
+              <a:defRPr sz="1400">
+                <a:solidFill>
+                  <a:schemeClr val="tx1">
+                    <a:tint val="75000"/>
+                  </a:schemeClr>
+                </a:solidFill>
+              </a:defRPr>
+            </a:lvl4pPr>
+            <a:lvl5pPr marL="1828800" indent="0">
+              <a:buNone/>
+              <a:defRPr sz="1400">
+                <a:solidFill>
+                  <a:schemeClr val="tx1">
+                    <a:tint val="75000"/>
+                  </a:schemeClr>
+                </a:solidFill>
+              </a:defRPr>
+            </a:lvl5pPr>
+            <a:lvl6pPr marL="2286000" indent="0">
+              <a:buNone/>
+              <a:defRPr sz="1400">
+                <a:solidFill>
+                  <a:schemeClr val="tx1">
+                    <a:tint val="75000"/>
+                  </a:schemeClr>
+                </a:solidFill>
+              </a:defRPr>
+            </a:lvl6pPr>
+            <a:lvl7pPr marL="2743200" indent="0">
+              <a:buNone/>
+              <a:defRPr sz="1400">
+                <a:solidFill>
+                  <a:schemeClr val="tx1">
+                    <a:tint val="75000"/>
+                  </a:schemeClr>
+                </a:solidFill>
+              </a:defRPr>
+            </a:lvl7pPr>
+            <a:lvl8pPr marL="3200400" indent="0">
+              <a:buNone/>
+              <a:defRPr sz="1400">
+                <a:solidFill>
+                  <a:schemeClr val="tx1">
+                    <a:tint val="75000"/>
+                  </a:schemeClr>
+                </a:solidFill>
+              </a:defRPr>
+            </a:lvl8pPr>
+            <a:lvl9pPr marL="3657600" indent="0">
+              <a:buNone/>
+              <a:defRPr sz="1400">
+                <a:solidFill>
+                  <a:schemeClr val="tx1">
+                    <a:tint val="75000"/>
+                  </a:schemeClr>
+                </a:solidFill>
+              </a:defRPr>
+            </a:lvl9pPr>
+          </a:lstStyle>
+          <a:p>
+            <a:pPr lvl="0"/>
+            <a:r>
+              <a:rPr lang="en-US"/>
+              <a:t>Click to edit Master text styles</a:t>
+            </a:r>
+          </a:p>
+        </p:txBody>
+      </p:sp>
+      <p:sp>
+        <p:nvSpPr>
+          <p:cNvPr id="4" name="Date Placeholder 3"/>
+          <p:cNvSpPr>
+            <a:spLocks noGrp="1"/>
+          </p:cNvSpPr>
+          <p:nvPr>
+            <p:ph type="dt" sz="half" idx="10"/>
+          </p:nvPr>
+        </p:nvSpPr>
+        <p:spPr/>
+        <p:txBody>
+          <a:bodyPr/>
+          <a:lstStyle/>
+          <a:p>
+            <a:fld id="{22278AEF-C5F7-4B66-AA02-1B9777B8FF83}" type="datetimeFigureOut">
+              <a:rPr lang="en-US" smtClean="0"/>
+              <a:pPr/>
+              <a:t>10/22/2020</a:t>
+            </a:fld>
+            <a:endParaRPr lang="en-US"/>
+          </a:p>
+        </p:txBody>
+      </p:sp>
+      <p:sp>
+        <p:nvSpPr>
+          <p:cNvPr id="5" name="Footer Placeholder 4"/>
+          <p:cNvSpPr>
+            <a:spLocks noGrp="1"/>
+          </p:cNvSpPr>
+          <p:nvPr>
+            <p:ph type="ftr" sz="quarter" idx="11"/>
+          </p:nvPr>
+        </p:nvSpPr>
+        <p:spPr/>
+        <p:txBody>
+          <a:bodyPr/>
+          <a:lstStyle/>
+          <a:p>
+            <a:endParaRPr lang="en-US"/>
+          </a:p>
+        </p:txBody>
+      </p:sp>
+      <p:sp>
+        <p:nvSpPr>
+          <p:cNvPr id="6" name="Slide Number Placeholder 5"/>
+          <p:cNvSpPr>
+            <a:spLocks noGrp="1"/>
+          </p:cNvSpPr>
+          <p:nvPr>
+            <p:ph type="sldNum" sz="quarter" idx="12"/>
+          </p:nvPr>
+        </p:nvSpPr>
+        <p:spPr/>
+        <p:txBody>
+          <a:bodyPr/>
+          <a:lstStyle/>
+          <a:p>
+            <a:fld id="{FAF84F99-15C9-424C-8C40-4FD4E37FE306}" type="slidenum">
+              <a:rPr lang="en-US" smtClean="0"/>
+              <a:pPr/>
+              <a:t>‹#›</a:t>
+            </a:fld>
+            <a:endParaRPr lang="en-US"/>
+          </a:p>
+        </p:txBody>
+      </p:sp>
+      <p:sp>
+        <p:nvSpPr>
+          <p:cNvPr id="24" name="TextBox 23"/>
+          <p:cNvSpPr txBox="1"/>
+          <p:nvPr/>
+        </p:nvSpPr>
+        <p:spPr>
+          <a:xfrm>
+            <a:off x="482711" y="790378"/>
+            <a:ext cx="457319" cy="584776"/>
+          </a:xfrm>
+          <a:prstGeom prst="rect">
+            <a:avLst/>
+          </a:prstGeom>
+        </p:spPr>
+        <p:txBody>
+          <a:bodyPr vert="horz" lIns="91440" tIns="45720" rIns="91440" bIns="45720" rtlCol="0" anchor="ctr">
+            <a:noAutofit/>
+          </a:bodyPr>
+          <a:lstStyle/>
+          <a:p>
+            <a:pPr lvl="0"/>
+            <a:r>
+              <a:rPr lang="en-US" sz="8000" baseline="0" dirty="0">
+                <a:ln w="3175" cmpd="sng">
+                  <a:noFill/>
+                </a:ln>
+                <a:solidFill>
+                  <a:schemeClr val="accent1"/>
+                </a:solidFill>
+                <a:effectLst/>
+                <a:latin typeface="Arial"/>
+              </a:rPr>
+              <a:t>“</a:t>
+            </a:r>
+          </a:p>
+        </p:txBody>
+      </p:sp>
+      <p:sp>
+        <p:nvSpPr>
+          <p:cNvPr id="25" name="TextBox 24"/>
+          <p:cNvSpPr txBox="1"/>
+          <p:nvPr/>
+        </p:nvSpPr>
+        <p:spPr>
+          <a:xfrm>
+            <a:off x="6747699" y="2886556"/>
+            <a:ext cx="457319" cy="584776"/>
+          </a:xfrm>
+          <a:prstGeom prst="rect">
+            <a:avLst/>
+          </a:prstGeom>
+        </p:spPr>
+        <p:txBody>
+          <a:bodyPr vert="horz" lIns="91440" tIns="45720" rIns="91440" bIns="45720" rtlCol="0" anchor="ctr">
+            <a:noAutofit/>
+          </a:bodyPr>
+          <a:lstStyle/>
+          <a:p>
+            <a:pPr lvl="0"/>
+            <a:r>
+              <a:rPr lang="en-US" sz="8000" baseline="0" dirty="0">
+                <a:ln w="3175" cmpd="sng">
+                  <a:noFill/>
+                </a:ln>
+                <a:solidFill>
+                  <a:schemeClr val="accent1"/>
+                </a:solidFill>
+                <a:effectLst/>
+                <a:latin typeface="Arial"/>
+              </a:rPr>
+              <a:t>”</a:t>
+            </a:r>
+          </a:p>
+        </p:txBody>
+      </p:sp>
+    </p:spTree>
+    <p:extLst>
+      <p:ext uri="{BB962C8B-B14F-4D97-AF65-F5344CB8AC3E}">
+        <p14:creationId xmlns:p14="http://schemas.microsoft.com/office/powerpoint/2010/main" val="495521515"/>
+      </p:ext>
+    </p:extLst>
+  </p:cSld>
+  <p:clrMapOvr>
+    <a:masterClrMapping/>
+  </p:clrMapOvr>
+</p:sldLayout>
+</file>
+
+<file path=ppt/slideLayouts/slideLayout12.xml><?xml version="1.0" encoding="utf-8"?>
+<p:sldLayout xmlns:a="http://schemas.openxmlformats.org/drawingml/2006/main" xmlns:r="http://schemas.openxmlformats.org/officeDocument/2006/relationships" xmlns:p="http://schemas.openxmlformats.org/presentationml/2006/main" preserve="1">
+  <p:cSld name="Name Card">
+    <p:spTree>
+      <p:nvGrpSpPr>
+        <p:cNvPr id="1" name=""/>
+        <p:cNvGrpSpPr/>
+        <p:nvPr/>
+      </p:nvGrpSpPr>
+      <p:grpSpPr>
+        <a:xfrm>
+          <a:off x="0" y="0"/>
+          <a:ext cx="0" cy="0"/>
+          <a:chOff x="0" y="0"/>
+          <a:chExt cx="0" cy="0"/>
+        </a:xfrm>
+      </p:grpSpPr>
+      <p:sp>
+        <p:nvSpPr>
+          <p:cNvPr id="2" name="Title 1"/>
+          <p:cNvSpPr>
+            <a:spLocks noGrp="1"/>
+          </p:cNvSpPr>
+          <p:nvPr>
+            <p:ph type="title"/>
+          </p:nvPr>
+        </p:nvSpPr>
+        <p:spPr>
+          <a:xfrm>
+            <a:off x="609598" y="1931988"/>
+            <a:ext cx="6347715" cy="2595460"/>
+          </a:xfrm>
+        </p:spPr>
+        <p:txBody>
+          <a:bodyPr anchor="b">
+            <a:normAutofit/>
+          </a:bodyPr>
+          <a:lstStyle>
+            <a:lvl1pPr algn="l">
+              <a:defRPr sz="4400" b="0" cap="none"/>
+            </a:lvl1pPr>
+          </a:lstStyle>
+          <a:p>
+            <a:r>
+              <a:rPr lang="en-US"/>
+              <a:t>Click to edit Master title style</a:t>
+            </a:r>
+            <a:endParaRPr lang="en-US" dirty="0"/>
+          </a:p>
+        </p:txBody>
+      </p:sp>
+      <p:sp>
+        <p:nvSpPr>
+          <p:cNvPr id="3" name="Text Placeholder 2"/>
+          <p:cNvSpPr>
+            <a:spLocks noGrp="1"/>
+          </p:cNvSpPr>
+          <p:nvPr>
+            <p:ph type="body" idx="1"/>
+          </p:nvPr>
+        </p:nvSpPr>
+        <p:spPr>
+          <a:xfrm>
+            <a:off x="609598" y="4527448"/>
+            <a:ext cx="6347715" cy="1513914"/>
+          </a:xfrm>
+        </p:spPr>
+        <p:txBody>
+          <a:bodyPr anchor="t">
+            <a:normAutofit/>
+          </a:bodyPr>
+          <a:lstStyle>
+            <a:lvl1pPr marL="0" indent="0" algn="l">
+              <a:buNone/>
+              <a:defRPr sz="1800">
+                <a:solidFill>
+                  <a:schemeClr val="tx1">
+                    <a:lumMod val="75000"/>
+                    <a:lumOff val="25000"/>
+                  </a:schemeClr>
+                </a:solidFill>
+              </a:defRPr>
+            </a:lvl1pPr>
+            <a:lvl2pPr marL="457200" indent="0">
+              <a:buNone/>
+              <a:defRPr sz="1800">
+                <a:solidFill>
+                  <a:schemeClr val="tx1">
+                    <a:tint val="75000"/>
+                  </a:schemeClr>
+                </a:solidFill>
+              </a:defRPr>
+            </a:lvl2pPr>
+            <a:lvl3pPr marL="914400" indent="0">
+              <a:buNone/>
+              <a:defRPr sz="1600">
+                <a:solidFill>
+                  <a:schemeClr val="tx1">
+                    <a:tint val="75000"/>
+                  </a:schemeClr>
+                </a:solidFill>
+              </a:defRPr>
+            </a:lvl3pPr>
+            <a:lvl4pPr marL="1371600" indent="0">
+              <a:buNone/>
+              <a:defRPr sz="1400">
+                <a:solidFill>
+                  <a:schemeClr val="tx1">
+                    <a:tint val="75000"/>
+                  </a:schemeClr>
+                </a:solidFill>
+              </a:defRPr>
+            </a:lvl4pPr>
+            <a:lvl5pPr marL="1828800" indent="0">
+              <a:buNone/>
+              <a:defRPr sz="1400">
+                <a:solidFill>
+                  <a:schemeClr val="tx1">
+                    <a:tint val="75000"/>
+                  </a:schemeClr>
+                </a:solidFill>
+              </a:defRPr>
+            </a:lvl5pPr>
+            <a:lvl6pPr marL="2286000" indent="0">
+              <a:buNone/>
+              <a:defRPr sz="1400">
+                <a:solidFill>
+                  <a:schemeClr val="tx1">
+                    <a:tint val="75000"/>
+                  </a:schemeClr>
+                </a:solidFill>
+              </a:defRPr>
+            </a:lvl6pPr>
+            <a:lvl7pPr marL="2743200" indent="0">
+              <a:buNone/>
+              <a:defRPr sz="1400">
+                <a:solidFill>
+                  <a:schemeClr val="tx1">
+                    <a:tint val="75000"/>
+                  </a:schemeClr>
+                </a:solidFill>
+              </a:defRPr>
+            </a:lvl7pPr>
+            <a:lvl8pPr marL="3200400" indent="0">
+              <a:buNone/>
+              <a:defRPr sz="1400">
+                <a:solidFill>
+                  <a:schemeClr val="tx1">
+                    <a:tint val="75000"/>
+                  </a:schemeClr>
+                </a:solidFill>
+              </a:defRPr>
+            </a:lvl8pPr>
+            <a:lvl9pPr marL="3657600" indent="0">
+              <a:buNone/>
+              <a:defRPr sz="1400">
+                <a:solidFill>
+                  <a:schemeClr val="tx1">
+                    <a:tint val="75000"/>
+                  </a:schemeClr>
+                </a:solidFill>
+              </a:defRPr>
+            </a:lvl9pPr>
+          </a:lstStyle>
+          <a:p>
+            <a:pPr lvl="0"/>
+            <a:r>
+              <a:rPr lang="en-US"/>
+              <a:t>Click to edit Master text styles</a:t>
+            </a:r>
+          </a:p>
+        </p:txBody>
+      </p:sp>
+      <p:sp>
+        <p:nvSpPr>
+          <p:cNvPr id="4" name="Date Placeholder 3"/>
+          <p:cNvSpPr>
+            <a:spLocks noGrp="1"/>
+          </p:cNvSpPr>
+          <p:nvPr>
+            <p:ph type="dt" sz="half" idx="10"/>
+          </p:nvPr>
+        </p:nvSpPr>
+        <p:spPr/>
+        <p:txBody>
+          <a:bodyPr/>
+          <a:lstStyle/>
+          <a:p>
+            <a:fld id="{22278AEF-C5F7-4B66-AA02-1B9777B8FF83}" type="datetimeFigureOut">
+              <a:rPr lang="en-US" smtClean="0"/>
+              <a:pPr/>
+              <a:t>10/22/2020</a:t>
+            </a:fld>
+            <a:endParaRPr lang="en-US"/>
+          </a:p>
+        </p:txBody>
+      </p:sp>
+      <p:sp>
+        <p:nvSpPr>
+          <p:cNvPr id="5" name="Footer Placeholder 4"/>
+          <p:cNvSpPr>
+            <a:spLocks noGrp="1"/>
+          </p:cNvSpPr>
+          <p:nvPr>
+            <p:ph type="ftr" sz="quarter" idx="11"/>
+          </p:nvPr>
+        </p:nvSpPr>
+        <p:spPr/>
+        <p:txBody>
+          <a:bodyPr/>
+          <a:lstStyle/>
+          <a:p>
+            <a:endParaRPr lang="en-US"/>
+          </a:p>
+        </p:txBody>
+      </p:sp>
+      <p:sp>
+        <p:nvSpPr>
+          <p:cNvPr id="6" name="Slide Number Placeholder 5"/>
+          <p:cNvSpPr>
+            <a:spLocks noGrp="1"/>
+          </p:cNvSpPr>
+          <p:nvPr>
+            <p:ph type="sldNum" sz="quarter" idx="12"/>
+          </p:nvPr>
+        </p:nvSpPr>
+        <p:spPr/>
+        <p:txBody>
+          <a:bodyPr/>
+          <a:lstStyle/>
+          <a:p>
+            <a:fld id="{FAF84F99-15C9-424C-8C40-4FD4E37FE306}" type="slidenum">
+              <a:rPr lang="en-US" smtClean="0"/>
+              <a:pPr/>
+              <a:t>‹#›</a:t>
+            </a:fld>
+            <a:endParaRPr lang="en-US"/>
+          </a:p>
+        </p:txBody>
+      </p:sp>
+    </p:spTree>
+    <p:extLst>
+      <p:ext uri="{BB962C8B-B14F-4D97-AF65-F5344CB8AC3E}">
+        <p14:creationId xmlns:p14="http://schemas.microsoft.com/office/powerpoint/2010/main" val="1641760256"/>
+      </p:ext>
+    </p:extLst>
+  </p:cSld>
+  <p:clrMapOvr>
+    <a:masterClrMapping/>
+  </p:clrMapOvr>
+</p:sldLayout>
+</file>
+
+<file path=ppt/slideLayouts/slideLayout13.xml><?xml version="1.0" encoding="utf-8"?>
+<p:sldLayout xmlns:a="http://schemas.openxmlformats.org/drawingml/2006/main" xmlns:r="http://schemas.openxmlformats.org/officeDocument/2006/relationships" xmlns:p="http://schemas.openxmlformats.org/presentationml/2006/main" preserve="1">
+  <p:cSld name="Quote Name Card">
+    <p:spTree>
+      <p:nvGrpSpPr>
+        <p:cNvPr id="1" name=""/>
+        <p:cNvGrpSpPr/>
+        <p:nvPr/>
+      </p:nvGrpSpPr>
+      <p:grpSpPr>
+        <a:xfrm>
+          <a:off x="0" y="0"/>
+          <a:ext cx="0" cy="0"/>
+          <a:chOff x="0" y="0"/>
+          <a:chExt cx="0" cy="0"/>
+        </a:xfrm>
+      </p:grpSpPr>
+      <p:sp>
+        <p:nvSpPr>
+          <p:cNvPr id="2" name="Title 1"/>
+          <p:cNvSpPr>
+            <a:spLocks noGrp="1"/>
+          </p:cNvSpPr>
+          <p:nvPr>
+            <p:ph type="title"/>
+          </p:nvPr>
+        </p:nvSpPr>
+        <p:spPr>
+          <a:xfrm>
+            <a:off x="774885" y="609600"/>
+            <a:ext cx="6072182" cy="3022600"/>
+          </a:xfrm>
+        </p:spPr>
+        <p:txBody>
+          <a:bodyPr anchor="ctr">
+            <a:normAutofit/>
+          </a:bodyPr>
+          <a:lstStyle>
+            <a:lvl1pPr algn="l">
+              <a:defRPr sz="4400" b="0" cap="none"/>
+            </a:lvl1pPr>
+          </a:lstStyle>
+          <a:p>
+            <a:r>
+              <a:rPr lang="en-US"/>
+              <a:t>Click to edit Master title style</a:t>
+            </a:r>
+            <a:endParaRPr lang="en-US" dirty="0"/>
+          </a:p>
+        </p:txBody>
+      </p:sp>
+      <p:sp>
+        <p:nvSpPr>
+          <p:cNvPr id="23" name="Text Placeholder 9"/>
+          <p:cNvSpPr>
+            <a:spLocks noGrp="1"/>
+          </p:cNvSpPr>
+          <p:nvPr>
+            <p:ph type="body" sz="quarter" idx="13"/>
+          </p:nvPr>
+        </p:nvSpPr>
+        <p:spPr>
+          <a:xfrm>
+            <a:off x="609597" y="4013200"/>
+            <a:ext cx="6347716" cy="514248"/>
+          </a:xfrm>
+        </p:spPr>
+        <p:txBody>
+          <a:bodyPr anchor="b">
+            <a:noAutofit/>
+          </a:bodyPr>
+          <a:lstStyle>
+            <a:lvl1pPr marL="0" indent="0">
+              <a:buFontTx/>
+              <a:buNone/>
+              <a:defRPr sz="2400">
+                <a:solidFill>
+                  <a:schemeClr val="tx1">
+                    <a:lumMod val="75000"/>
+                    <a:lumOff val="25000"/>
+                  </a:schemeClr>
+                </a:solidFill>
+              </a:defRPr>
+            </a:lvl1pPr>
+            <a:lvl2pPr marL="457200" indent="0">
+              <a:buFontTx/>
+              <a:buNone/>
+              <a:defRPr/>
+            </a:lvl2pPr>
+            <a:lvl3pPr marL="914400" indent="0">
+              <a:buFontTx/>
+              <a:buNone/>
+              <a:defRPr/>
+            </a:lvl3pPr>
+            <a:lvl4pPr marL="1371600" indent="0">
+              <a:buFontTx/>
+              <a:buNone/>
+              <a:defRPr/>
+            </a:lvl4pPr>
+            <a:lvl5pPr marL="1828800" indent="0">
+              <a:buFontTx/>
+              <a:buNone/>
+              <a:defRPr/>
+            </a:lvl5pPr>
+          </a:lstStyle>
+          <a:p>
+            <a:pPr lvl="0"/>
+            <a:r>
+              <a:rPr lang="en-US"/>
+              <a:t>Click to edit Master text styles</a:t>
+            </a:r>
+          </a:p>
+        </p:txBody>
+      </p:sp>
+      <p:sp>
+        <p:nvSpPr>
+          <p:cNvPr id="3" name="Text Placeholder 2"/>
+          <p:cNvSpPr>
+            <a:spLocks noGrp="1"/>
+          </p:cNvSpPr>
+          <p:nvPr>
+            <p:ph type="body" idx="1"/>
+          </p:nvPr>
+        </p:nvSpPr>
+        <p:spPr>
+          <a:xfrm>
+            <a:off x="609598" y="4527448"/>
+            <a:ext cx="6347715" cy="1513914"/>
+          </a:xfrm>
+        </p:spPr>
+        <p:txBody>
+          <a:bodyPr anchor="t">
+            <a:normAutofit/>
+          </a:bodyPr>
+          <a:lstStyle>
+            <a:lvl1pPr marL="0" indent="0" algn="l">
+              <a:buNone/>
+              <a:defRPr sz="1800">
+                <a:solidFill>
+                  <a:schemeClr val="tx1">
+                    <a:lumMod val="50000"/>
+                    <a:lumOff val="50000"/>
+                  </a:schemeClr>
+                </a:solidFill>
+              </a:defRPr>
+            </a:lvl1pPr>
+            <a:lvl2pPr marL="457200" indent="0">
+              <a:buNone/>
+              <a:defRPr sz="1800">
+                <a:solidFill>
+                  <a:schemeClr val="tx1">
+                    <a:tint val="75000"/>
+                  </a:schemeClr>
+                </a:solidFill>
+              </a:defRPr>
+            </a:lvl2pPr>
+            <a:lvl3pPr marL="914400" indent="0">
+              <a:buNone/>
+              <a:defRPr sz="1600">
+                <a:solidFill>
+                  <a:schemeClr val="tx1">
+                    <a:tint val="75000"/>
+                  </a:schemeClr>
+                </a:solidFill>
+              </a:defRPr>
+            </a:lvl3pPr>
+            <a:lvl4pPr marL="1371600" indent="0">
+              <a:buNone/>
+              <a:defRPr sz="1400">
+                <a:solidFill>
+                  <a:schemeClr val="tx1">
+                    <a:tint val="75000"/>
+                  </a:schemeClr>
+                </a:solidFill>
+              </a:defRPr>
+            </a:lvl4pPr>
+            <a:lvl5pPr marL="1828800" indent="0">
+              <a:buNone/>
+              <a:defRPr sz="1400">
+                <a:solidFill>
+                  <a:schemeClr val="tx1">
+                    <a:tint val="75000"/>
+                  </a:schemeClr>
+                </a:solidFill>
+              </a:defRPr>
+            </a:lvl5pPr>
+            <a:lvl6pPr marL="2286000" indent="0">
+              <a:buNone/>
+              <a:defRPr sz="1400">
+                <a:solidFill>
+                  <a:schemeClr val="tx1">
+                    <a:tint val="75000"/>
+                  </a:schemeClr>
+                </a:solidFill>
+              </a:defRPr>
+            </a:lvl6pPr>
+            <a:lvl7pPr marL="2743200" indent="0">
+              <a:buNone/>
+              <a:defRPr sz="1400">
+                <a:solidFill>
+                  <a:schemeClr val="tx1">
+                    <a:tint val="75000"/>
+                  </a:schemeClr>
+                </a:solidFill>
+              </a:defRPr>
+            </a:lvl7pPr>
+            <a:lvl8pPr marL="3200400" indent="0">
+              <a:buNone/>
+              <a:defRPr sz="1400">
+                <a:solidFill>
+                  <a:schemeClr val="tx1">
+                    <a:tint val="75000"/>
+                  </a:schemeClr>
+                </a:solidFill>
+              </a:defRPr>
+            </a:lvl8pPr>
+            <a:lvl9pPr marL="3657600" indent="0">
+              <a:buNone/>
+              <a:defRPr sz="1400">
+                <a:solidFill>
+                  <a:schemeClr val="tx1">
+                    <a:tint val="75000"/>
+                  </a:schemeClr>
+                </a:solidFill>
+              </a:defRPr>
+            </a:lvl9pPr>
+          </a:lstStyle>
+          <a:p>
+            <a:pPr lvl="0"/>
+            <a:r>
+              <a:rPr lang="en-US"/>
+              <a:t>Click to edit Master text styles</a:t>
+            </a:r>
+          </a:p>
+        </p:txBody>
+      </p:sp>
+      <p:sp>
+        <p:nvSpPr>
+          <p:cNvPr id="4" name="Date Placeholder 3"/>
+          <p:cNvSpPr>
+            <a:spLocks noGrp="1"/>
+          </p:cNvSpPr>
+          <p:nvPr>
+            <p:ph type="dt" sz="half" idx="10"/>
+          </p:nvPr>
+        </p:nvSpPr>
+        <p:spPr/>
+        <p:txBody>
+          <a:bodyPr/>
+          <a:lstStyle/>
+          <a:p>
+            <a:fld id="{22278AEF-C5F7-4B66-AA02-1B9777B8FF83}" type="datetimeFigureOut">
+              <a:rPr lang="en-US" smtClean="0"/>
+              <a:pPr/>
+              <a:t>10/22/2020</a:t>
+            </a:fld>
+            <a:endParaRPr lang="en-US"/>
+          </a:p>
+        </p:txBody>
+      </p:sp>
+      <p:sp>
+        <p:nvSpPr>
+          <p:cNvPr id="5" name="Footer Placeholder 4"/>
+          <p:cNvSpPr>
+            <a:spLocks noGrp="1"/>
+          </p:cNvSpPr>
+          <p:nvPr>
+            <p:ph type="ftr" sz="quarter" idx="11"/>
+          </p:nvPr>
+        </p:nvSpPr>
+        <p:spPr/>
+        <p:txBody>
+          <a:bodyPr/>
+          <a:lstStyle/>
+          <a:p>
+            <a:endParaRPr lang="en-US"/>
+          </a:p>
+        </p:txBody>
+      </p:sp>
+      <p:sp>
+        <p:nvSpPr>
+          <p:cNvPr id="6" name="Slide Number Placeholder 5"/>
+          <p:cNvSpPr>
+            <a:spLocks noGrp="1"/>
+          </p:cNvSpPr>
+          <p:nvPr>
+            <p:ph type="sldNum" sz="quarter" idx="12"/>
+          </p:nvPr>
+        </p:nvSpPr>
+        <p:spPr/>
+        <p:txBody>
+          <a:bodyPr/>
+          <a:lstStyle/>
+          <a:p>
+            <a:fld id="{FAF84F99-15C9-424C-8C40-4FD4E37FE306}" type="slidenum">
+              <a:rPr lang="en-US" smtClean="0"/>
+              <a:pPr/>
+              <a:t>‹#›</a:t>
+            </a:fld>
+            <a:endParaRPr lang="en-US"/>
+          </a:p>
+        </p:txBody>
+      </p:sp>
+      <p:sp>
+        <p:nvSpPr>
+          <p:cNvPr id="24" name="TextBox 23"/>
+          <p:cNvSpPr txBox="1"/>
+          <p:nvPr/>
+        </p:nvSpPr>
+        <p:spPr>
+          <a:xfrm>
+            <a:off x="482711" y="790378"/>
+            <a:ext cx="457319" cy="584776"/>
+          </a:xfrm>
+          <a:prstGeom prst="rect">
+            <a:avLst/>
+          </a:prstGeom>
+        </p:spPr>
+        <p:txBody>
+          <a:bodyPr vert="horz" lIns="91440" tIns="45720" rIns="91440" bIns="45720" rtlCol="0" anchor="ctr">
+            <a:noAutofit/>
+          </a:bodyPr>
+          <a:lstStyle/>
+          <a:p>
+            <a:pPr lvl="0"/>
+            <a:r>
+              <a:rPr lang="en-US" sz="8000" baseline="0" dirty="0">
+                <a:ln w="3175" cmpd="sng">
+                  <a:noFill/>
+                </a:ln>
+                <a:solidFill>
+                  <a:schemeClr val="accent1"/>
+                </a:solidFill>
+                <a:effectLst/>
+                <a:latin typeface="Arial"/>
+              </a:rPr>
+              <a:t>“</a:t>
+            </a:r>
+          </a:p>
+        </p:txBody>
+      </p:sp>
+      <p:sp>
+        <p:nvSpPr>
+          <p:cNvPr id="25" name="TextBox 24"/>
+          <p:cNvSpPr txBox="1"/>
+          <p:nvPr/>
+        </p:nvSpPr>
+        <p:spPr>
+          <a:xfrm>
+            <a:off x="6747699" y="2886556"/>
+            <a:ext cx="457319" cy="584776"/>
+          </a:xfrm>
+          <a:prstGeom prst="rect">
+            <a:avLst/>
+          </a:prstGeom>
+        </p:spPr>
+        <p:txBody>
+          <a:bodyPr vert="horz" lIns="91440" tIns="45720" rIns="91440" bIns="45720" rtlCol="0" anchor="ctr">
+            <a:noAutofit/>
+          </a:bodyPr>
+          <a:lstStyle/>
+          <a:p>
+            <a:pPr lvl="0"/>
+            <a:r>
+              <a:rPr lang="en-US" sz="8000" baseline="0" dirty="0">
+                <a:ln w="3175" cmpd="sng">
+                  <a:noFill/>
+                </a:ln>
+                <a:solidFill>
+                  <a:schemeClr val="accent1"/>
+                </a:solidFill>
+                <a:effectLst/>
+                <a:latin typeface="Arial"/>
+              </a:rPr>
+              <a:t>”</a:t>
+            </a:r>
+          </a:p>
+        </p:txBody>
+      </p:sp>
+    </p:spTree>
+    <p:extLst>
+      <p:ext uri="{BB962C8B-B14F-4D97-AF65-F5344CB8AC3E}">
+        <p14:creationId xmlns:p14="http://schemas.microsoft.com/office/powerpoint/2010/main" val="448045157"/>
+      </p:ext>
+    </p:extLst>
+  </p:cSld>
+  <p:clrMapOvr>
+    <a:masterClrMapping/>
+  </p:clrMapOvr>
+</p:sldLayout>
+</file>
+
+<file path=ppt/slideLayouts/slideLayout14.xml><?xml version="1.0" encoding="utf-8"?>
+<p:sldLayout xmlns:a="http://schemas.openxmlformats.org/drawingml/2006/main" xmlns:r="http://schemas.openxmlformats.org/officeDocument/2006/relationships" xmlns:p="http://schemas.openxmlformats.org/presentationml/2006/main" preserve="1">
+  <p:cSld name="True or False">
+    <p:spTree>
+      <p:nvGrpSpPr>
+        <p:cNvPr id="1" name=""/>
+        <p:cNvGrpSpPr/>
+        <p:nvPr/>
+      </p:nvGrpSpPr>
+      <p:grpSpPr>
+        <a:xfrm>
+          <a:off x="0" y="0"/>
+          <a:ext cx="0" cy="0"/>
+          <a:chOff x="0" y="0"/>
+          <a:chExt cx="0" cy="0"/>
+        </a:xfrm>
+      </p:grpSpPr>
+      <p:sp>
+        <p:nvSpPr>
+          <p:cNvPr id="2" name="Title 1"/>
+          <p:cNvSpPr>
+            <a:spLocks noGrp="1"/>
+          </p:cNvSpPr>
+          <p:nvPr>
+            <p:ph type="title"/>
+          </p:nvPr>
+        </p:nvSpPr>
+        <p:spPr>
+          <a:xfrm>
+            <a:off x="615848" y="609600"/>
+            <a:ext cx="6341465" cy="3022600"/>
+          </a:xfrm>
+        </p:spPr>
+        <p:txBody>
+          <a:bodyPr anchor="ctr">
+            <a:normAutofit/>
+          </a:bodyPr>
+          <a:lstStyle>
+            <a:lvl1pPr algn="l">
+              <a:defRPr sz="4400" b="0" cap="none"/>
+            </a:lvl1pPr>
+          </a:lstStyle>
+          <a:p>
+            <a:r>
+              <a:rPr lang="en-US"/>
+              <a:t>Click to edit Master title style</a:t>
+            </a:r>
+            <a:endParaRPr lang="en-US" dirty="0"/>
+          </a:p>
+        </p:txBody>
+      </p:sp>
+      <p:sp>
+        <p:nvSpPr>
+          <p:cNvPr id="23" name="Text Placeholder 9"/>
+          <p:cNvSpPr>
+            <a:spLocks noGrp="1"/>
+          </p:cNvSpPr>
+          <p:nvPr>
+            <p:ph type="body" sz="quarter" idx="13"/>
+          </p:nvPr>
+        </p:nvSpPr>
+        <p:spPr>
+          <a:xfrm>
+            <a:off x="609597" y="4013200"/>
+            <a:ext cx="6347716" cy="514248"/>
+          </a:xfrm>
+        </p:spPr>
+        <p:txBody>
+          <a:bodyPr anchor="b">
+            <a:noAutofit/>
+          </a:bodyPr>
+          <a:lstStyle>
+            <a:lvl1pPr marL="0" indent="0">
+              <a:buFontTx/>
+              <a:buNone/>
+              <a:defRPr sz="2400">
+                <a:solidFill>
+                  <a:schemeClr val="accent1"/>
+                </a:solidFill>
+              </a:defRPr>
+            </a:lvl1pPr>
+            <a:lvl2pPr marL="457200" indent="0">
+              <a:buFontTx/>
+              <a:buNone/>
+              <a:defRPr/>
+            </a:lvl2pPr>
+            <a:lvl3pPr marL="914400" indent="0">
+              <a:buFontTx/>
+              <a:buNone/>
+              <a:defRPr/>
+            </a:lvl3pPr>
+            <a:lvl4pPr marL="1371600" indent="0">
+              <a:buFontTx/>
+              <a:buNone/>
+              <a:defRPr/>
+            </a:lvl4pPr>
+            <a:lvl5pPr marL="1828800" indent="0">
+              <a:buFontTx/>
+              <a:buNone/>
+              <a:defRPr/>
+            </a:lvl5pPr>
+          </a:lstStyle>
+          <a:p>
+            <a:pPr lvl="0"/>
+            <a:r>
+              <a:rPr lang="en-US"/>
+              <a:t>Click to edit Master text styles</a:t>
+            </a:r>
+          </a:p>
+        </p:txBody>
+      </p:sp>
+      <p:sp>
+        <p:nvSpPr>
+          <p:cNvPr id="3" name="Text Placeholder 2"/>
+          <p:cNvSpPr>
+            <a:spLocks noGrp="1"/>
+          </p:cNvSpPr>
+          <p:nvPr>
+            <p:ph type="body" idx="1"/>
+          </p:nvPr>
+        </p:nvSpPr>
+        <p:spPr>
+          <a:xfrm>
+            <a:off x="609598" y="4527448"/>
+            <a:ext cx="6347715" cy="1513914"/>
+          </a:xfrm>
+        </p:spPr>
+        <p:txBody>
+          <a:bodyPr anchor="t">
+            <a:normAutofit/>
+          </a:bodyPr>
+          <a:lstStyle>
+            <a:lvl1pPr marL="0" indent="0" algn="l">
+              <a:buNone/>
+              <a:defRPr sz="1800">
+                <a:solidFill>
+                  <a:schemeClr val="tx1">
+                    <a:lumMod val="50000"/>
+                    <a:lumOff val="50000"/>
+                  </a:schemeClr>
+                </a:solidFill>
+              </a:defRPr>
+            </a:lvl1pPr>
+            <a:lvl2pPr marL="457200" indent="0">
+              <a:buNone/>
+              <a:defRPr sz="1800">
+                <a:solidFill>
+                  <a:schemeClr val="tx1">
+                    <a:tint val="75000"/>
+                  </a:schemeClr>
+                </a:solidFill>
+              </a:defRPr>
+            </a:lvl2pPr>
+            <a:lvl3pPr marL="914400" indent="0">
+              <a:buNone/>
+              <a:defRPr sz="1600">
+                <a:solidFill>
+                  <a:schemeClr val="tx1">
+                    <a:tint val="75000"/>
+                  </a:schemeClr>
+                </a:solidFill>
+              </a:defRPr>
+            </a:lvl3pPr>
+            <a:lvl4pPr marL="1371600" indent="0">
+              <a:buNone/>
+              <a:defRPr sz="1400">
+                <a:solidFill>
+                  <a:schemeClr val="tx1">
+                    <a:tint val="75000"/>
+                  </a:schemeClr>
+                </a:solidFill>
+              </a:defRPr>
+            </a:lvl4pPr>
+            <a:lvl5pPr marL="1828800" indent="0">
+              <a:buNone/>
+              <a:defRPr sz="1400">
+                <a:solidFill>
+                  <a:schemeClr val="tx1">
+                    <a:tint val="75000"/>
+                  </a:schemeClr>
+                </a:solidFill>
+              </a:defRPr>
+            </a:lvl5pPr>
+            <a:lvl6pPr marL="2286000" indent="0">
+              <a:buNone/>
+              <a:defRPr sz="1400">
+                <a:solidFill>
+                  <a:schemeClr val="tx1">
+                    <a:tint val="75000"/>
+                  </a:schemeClr>
+                </a:solidFill>
+              </a:defRPr>
+            </a:lvl6pPr>
+            <a:lvl7pPr marL="2743200" indent="0">
+              <a:buNone/>
+              <a:defRPr sz="1400">
+                <a:solidFill>
+                  <a:schemeClr val="tx1">
+                    <a:tint val="75000"/>
+                  </a:schemeClr>
+                </a:solidFill>
+              </a:defRPr>
+            </a:lvl7pPr>
+            <a:lvl8pPr marL="3200400" indent="0">
+              <a:buNone/>
+              <a:defRPr sz="1400">
+                <a:solidFill>
+                  <a:schemeClr val="tx1">
+                    <a:tint val="75000"/>
+                  </a:schemeClr>
+                </a:solidFill>
+              </a:defRPr>
+            </a:lvl8pPr>
+            <a:lvl9pPr marL="3657600" indent="0">
+              <a:buNone/>
+              <a:defRPr sz="1400">
+                <a:solidFill>
+                  <a:schemeClr val="tx1">
+                    <a:tint val="75000"/>
+                  </a:schemeClr>
+                </a:solidFill>
+              </a:defRPr>
+            </a:lvl9pPr>
+          </a:lstStyle>
+          <a:p>
+            <a:pPr lvl="0"/>
+            <a:r>
+              <a:rPr lang="en-US"/>
+              <a:t>Click to edit Master text styles</a:t>
+            </a:r>
+          </a:p>
+        </p:txBody>
+      </p:sp>
+      <p:sp>
+        <p:nvSpPr>
+          <p:cNvPr id="4" name="Date Placeholder 3"/>
+          <p:cNvSpPr>
+            <a:spLocks noGrp="1"/>
+          </p:cNvSpPr>
+          <p:nvPr>
+            <p:ph type="dt" sz="half" idx="10"/>
+          </p:nvPr>
+        </p:nvSpPr>
+        <p:spPr/>
+        <p:txBody>
+          <a:bodyPr/>
+          <a:lstStyle/>
+          <a:p>
+            <a:fld id="{22278AEF-C5F7-4B66-AA02-1B9777B8FF83}" type="datetimeFigureOut">
+              <a:rPr lang="en-US" smtClean="0"/>
+              <a:pPr/>
+              <a:t>10/22/2020</a:t>
+            </a:fld>
+            <a:endParaRPr lang="en-US"/>
+          </a:p>
+        </p:txBody>
+      </p:sp>
+      <p:sp>
+        <p:nvSpPr>
+          <p:cNvPr id="5" name="Footer Placeholder 4"/>
+          <p:cNvSpPr>
+            <a:spLocks noGrp="1"/>
+          </p:cNvSpPr>
+          <p:nvPr>
+            <p:ph type="ftr" sz="quarter" idx="11"/>
+          </p:nvPr>
+        </p:nvSpPr>
+        <p:spPr/>
+        <p:txBody>
+          <a:bodyPr/>
+          <a:lstStyle/>
+          <a:p>
+            <a:endParaRPr lang="en-US"/>
+          </a:p>
+        </p:txBody>
+      </p:sp>
+      <p:sp>
+        <p:nvSpPr>
+          <p:cNvPr id="6" name="Slide Number Placeholder 5"/>
+          <p:cNvSpPr>
+            <a:spLocks noGrp="1"/>
+          </p:cNvSpPr>
+          <p:nvPr>
+            <p:ph type="sldNum" sz="quarter" idx="12"/>
+          </p:nvPr>
+        </p:nvSpPr>
+        <p:spPr/>
+        <p:txBody>
+          <a:bodyPr/>
+          <a:lstStyle/>
+          <a:p>
+            <a:fld id="{FAF84F99-15C9-424C-8C40-4FD4E37FE306}" type="slidenum">
+              <a:rPr lang="en-US" smtClean="0"/>
+              <a:pPr/>
+              <a:t>‹#›</a:t>
+            </a:fld>
+            <a:endParaRPr lang="en-US"/>
+          </a:p>
+        </p:txBody>
+      </p:sp>
+    </p:spTree>
+    <p:extLst>
+      <p:ext uri="{BB962C8B-B14F-4D97-AF65-F5344CB8AC3E}">
+        <p14:creationId xmlns:p14="http://schemas.microsoft.com/office/powerpoint/2010/main" val="248741952"/>
+      </p:ext>
+    </p:extLst>
+  </p:cSld>
+  <p:clrMapOvr>
+    <a:masterClrMapping/>
+  </p:clrMapOvr>
+</p:sldLayout>
+</file>
+
+<file path=ppt/slideLayouts/slideLayout15.xml><?xml version="1.0" encoding="utf-8"?>
 <p:sldLayout xmlns:a="http://schemas.openxmlformats.org/drawingml/2006/main" xmlns:r="http://schemas.openxmlformats.org/officeDocument/2006/relationships" xmlns:p="http://schemas.openxmlformats.org/presentationml/2006/main" type="vertTx" preserve="1">
   <p:cSld name="Title and Vertical Text">
     <p:spTree>
@@ -435,6 +2665,7 @@
               <a:rPr lang="en-US"/>
               <a:t>Click to edit Master title style</a:t>
             </a:r>
+            <a:endParaRPr lang="en-US" dirty="0"/>
           </a:p>
         </p:txBody>
       </p:sp>
@@ -486,6 +2717,7 @@
               <a:rPr lang="en-US"/>
               <a:t>Fifth level</a:t>
             </a:r>
+            <a:endParaRPr lang="en-US" dirty="0"/>
           </a:p>
         </p:txBody>
       </p:sp>
@@ -507,7 +2739,7 @@
             <a:fld id="{22278AEF-C5F7-4B66-AA02-1B9777B8FF83}" type="datetimeFigureOut">
               <a:rPr lang="en-US" smtClean="0"/>
               <a:pPr/>
-              <a:t>19-Oct-20</a:t>
+              <a:t>10/22/2020</a:t>
             </a:fld>
             <a:endParaRPr lang="en-US"/>
           </a:p>
@@ -557,6 +2789,11 @@
         </p:txBody>
       </p:sp>
     </p:spTree>
+    <p:extLst>
+      <p:ext uri="{BB962C8B-B14F-4D97-AF65-F5344CB8AC3E}">
+        <p14:creationId xmlns:p14="http://schemas.microsoft.com/office/powerpoint/2010/main" val="1800411786"/>
+      </p:ext>
+    </p:extLst>
   </p:cSld>
   <p:clrMapOvr>
     <a:masterClrMapping/>
@@ -564,7 +2801,7 @@
 </p:sldLayout>
 </file>
 
-<file path=ppt/slideLayouts/slideLayout11.xml><?xml version="1.0" encoding="utf-8"?>
+<file path=ppt/slideLayouts/slideLayout16.xml><?xml version="1.0" encoding="utf-8"?>
 <p:sldLayout xmlns:a="http://schemas.openxmlformats.org/drawingml/2006/main" xmlns:r="http://schemas.openxmlformats.org/officeDocument/2006/relationships" xmlns:p="http://schemas.openxmlformats.org/presentationml/2006/main" type="vertTitleAndTx" preserve="1">
   <p:cSld name="Vertical Title and Text">
     <p:spTree>
@@ -593,41 +2830,42 @@
         </p:nvSpPr>
         <p:spPr>
           <a:xfrm>
-            <a:off x="6629400" y="274638"/>
-            <a:ext cx="2057400" cy="5851525"/>
+            <a:off x="5977312" y="609600"/>
+            <a:ext cx="978812" cy="5251451"/>
           </a:xfrm>
         </p:spPr>
         <p:txBody>
+          <a:bodyPr vert="eaVert" anchor="ctr"/>
+          <a:lstStyle/>
+          <a:p>
+            <a:r>
+              <a:rPr lang="en-US"/>
+              <a:t>Click to edit Master title style</a:t>
+            </a:r>
+            <a:endParaRPr lang="en-US" dirty="0"/>
+          </a:p>
+        </p:txBody>
+      </p:sp>
+      <p:sp>
+        <p:nvSpPr>
+          <p:cNvPr id="3" name="Vertical Text Placeholder 2"/>
+          <p:cNvSpPr>
+            <a:spLocks noGrp="1"/>
+          </p:cNvSpPr>
+          <p:nvPr>
+            <p:ph type="body" orient="vert" idx="1"/>
+          </p:nvPr>
+        </p:nvSpPr>
+        <p:spPr>
+          <a:xfrm>
+            <a:off x="609599" y="609600"/>
+            <a:ext cx="5195026" cy="5251451"/>
+          </a:xfrm>
+        </p:spPr>
+        <p:txBody>
           <a:bodyPr vert="eaVert"/>
           <a:lstStyle/>
           <a:p>
-            <a:r>
-              <a:rPr lang="en-US"/>
-              <a:t>Click to edit Master title style</a:t>
-            </a:r>
-          </a:p>
-        </p:txBody>
-      </p:sp>
-      <p:sp>
-        <p:nvSpPr>
-          <p:cNvPr id="3" name="Vertical Text Placeholder 2"/>
-          <p:cNvSpPr>
-            <a:spLocks noGrp="1"/>
-          </p:cNvSpPr>
-          <p:nvPr>
-            <p:ph type="body" orient="vert" idx="1"/>
-          </p:nvPr>
-        </p:nvSpPr>
-        <p:spPr>
-          <a:xfrm>
-            <a:off x="457200" y="274638"/>
-            <a:ext cx="6019800" cy="5851525"/>
-          </a:xfrm>
-        </p:spPr>
-        <p:txBody>
-          <a:bodyPr vert="eaVert"/>
-          <a:lstStyle/>
-          <a:p>
             <a:pPr lvl="0"/>
             <a:r>
               <a:rPr lang="en-US"/>
@@ -661,6 +2899,7 @@
               <a:rPr lang="en-US"/>
               <a:t>Fifth level</a:t>
             </a:r>
+            <a:endParaRPr lang="en-US" dirty="0"/>
           </a:p>
         </p:txBody>
       </p:sp>
@@ -682,7 +2921,7 @@
             <a:fld id="{22278AEF-C5F7-4B66-AA02-1B9777B8FF83}" type="datetimeFigureOut">
               <a:rPr lang="en-US" smtClean="0"/>
               <a:pPr/>
-              <a:t>19-Oct-20</a:t>
+              <a:t>10/22/2020</a:t>
             </a:fld>
             <a:endParaRPr lang="en-US"/>
           </a:p>
@@ -732,6 +2971,11 @@
         </p:txBody>
       </p:sp>
     </p:spTree>
+    <p:extLst>
+      <p:ext uri="{BB962C8B-B14F-4D97-AF65-F5344CB8AC3E}">
+        <p14:creationId xmlns:p14="http://schemas.microsoft.com/office/powerpoint/2010/main" val="3314917161"/>
+      </p:ext>
+    </p:extLst>
   </p:cSld>
   <p:clrMapOvr>
     <a:masterClrMapping/>
@@ -768,31 +3012,38 @@
         </p:nvSpPr>
         <p:spPr/>
         <p:txBody>
+          <a:bodyPr>
+            <a:normAutofit/>
+          </a:bodyPr>
+          <a:lstStyle>
+            <a:lvl1pPr>
+              <a:defRPr sz="3600"/>
+            </a:lvl1pPr>
+          </a:lstStyle>
+          <a:p>
+            <a:r>
+              <a:rPr lang="en-US"/>
+              <a:t>Click to edit Master title style</a:t>
+            </a:r>
+            <a:endParaRPr lang="en-US" dirty="0"/>
+          </a:p>
+        </p:txBody>
+      </p:sp>
+      <p:sp>
+        <p:nvSpPr>
+          <p:cNvPr id="3" name="Content Placeholder 2"/>
+          <p:cNvSpPr>
+            <a:spLocks noGrp="1"/>
+          </p:cNvSpPr>
+          <p:nvPr>
+            <p:ph idx="1"/>
+          </p:nvPr>
+        </p:nvSpPr>
+        <p:spPr/>
+        <p:txBody>
           <a:bodyPr/>
           <a:lstStyle/>
           <a:p>
-            <a:r>
-              <a:rPr lang="en-US"/>
-              <a:t>Click to edit Master title style</a:t>
-            </a:r>
-          </a:p>
-        </p:txBody>
-      </p:sp>
-      <p:sp>
-        <p:nvSpPr>
-          <p:cNvPr id="3" name="Content Placeholder 2"/>
-          <p:cNvSpPr>
-            <a:spLocks noGrp="1"/>
-          </p:cNvSpPr>
-          <p:nvPr>
-            <p:ph idx="1"/>
-          </p:nvPr>
-        </p:nvSpPr>
-        <p:spPr/>
-        <p:txBody>
-          <a:bodyPr/>
-          <a:lstStyle/>
-          <a:p>
             <a:pPr lvl="0"/>
             <a:r>
               <a:rPr lang="en-US"/>
@@ -826,6 +3077,7 @@
               <a:rPr lang="en-US"/>
               <a:t>Fifth level</a:t>
             </a:r>
+            <a:endParaRPr lang="en-US" dirty="0"/>
           </a:p>
         </p:txBody>
       </p:sp>
@@ -847,7 +3099,7 @@
             <a:fld id="{22278AEF-C5F7-4B66-AA02-1B9777B8FF83}" type="datetimeFigureOut">
               <a:rPr lang="en-US" smtClean="0"/>
               <a:pPr/>
-              <a:t>19-Oct-20</a:t>
+              <a:t>10/22/2020</a:t>
             </a:fld>
             <a:endParaRPr lang="en-US"/>
           </a:p>
@@ -897,6 +3149,11 @@
         </p:txBody>
       </p:sp>
     </p:spTree>
+    <p:extLst>
+      <p:ext uri="{BB962C8B-B14F-4D97-AF65-F5344CB8AC3E}">
+        <p14:creationId xmlns:p14="http://schemas.microsoft.com/office/powerpoint/2010/main" val="3589586728"/>
+      </p:ext>
+    </p:extLst>
   </p:cSld>
   <p:clrMapOvr>
     <a:masterClrMapping/>
@@ -933,50 +3190,52 @@
         </p:nvSpPr>
         <p:spPr>
           <a:xfrm>
-            <a:off x="722313" y="4406900"/>
-            <a:ext cx="7772400" cy="1362075"/>
+            <a:off x="609598" y="2700868"/>
+            <a:ext cx="6347715" cy="1826581"/>
           </a:xfrm>
         </p:spPr>
         <p:txBody>
+          <a:bodyPr anchor="b"/>
+          <a:lstStyle>
+            <a:lvl1pPr algn="l">
+              <a:defRPr sz="4000" b="0" cap="none"/>
+            </a:lvl1pPr>
+          </a:lstStyle>
+          <a:p>
+            <a:r>
+              <a:rPr lang="en-US"/>
+              <a:t>Click to edit Master title style</a:t>
+            </a:r>
+            <a:endParaRPr lang="en-US" dirty="0"/>
+          </a:p>
+        </p:txBody>
+      </p:sp>
+      <p:sp>
+        <p:nvSpPr>
+          <p:cNvPr id="3" name="Text Placeholder 2"/>
+          <p:cNvSpPr>
+            <a:spLocks noGrp="1"/>
+          </p:cNvSpPr>
+          <p:nvPr>
+            <p:ph type="body" idx="1"/>
+          </p:nvPr>
+        </p:nvSpPr>
+        <p:spPr>
+          <a:xfrm>
+            <a:off x="609598" y="4527448"/>
+            <a:ext cx="6347715" cy="860400"/>
+          </a:xfrm>
+        </p:spPr>
+        <p:txBody>
           <a:bodyPr anchor="t"/>
           <a:lstStyle>
-            <a:lvl1pPr algn="l">
-              <a:defRPr sz="4000" b="1" cap="all"/>
-            </a:lvl1pPr>
-          </a:lstStyle>
-          <a:p>
-            <a:r>
-              <a:rPr lang="en-US"/>
-              <a:t>Click to edit Master title style</a:t>
-            </a:r>
-          </a:p>
-        </p:txBody>
-      </p:sp>
-      <p:sp>
-        <p:nvSpPr>
-          <p:cNvPr id="3" name="Text Placeholder 2"/>
-          <p:cNvSpPr>
-            <a:spLocks noGrp="1"/>
-          </p:cNvSpPr>
-          <p:nvPr>
-            <p:ph type="body" idx="1"/>
-          </p:nvPr>
-        </p:nvSpPr>
-        <p:spPr>
-          <a:xfrm>
-            <a:off x="722313" y="2906713"/>
-            <a:ext cx="7772400" cy="1500187"/>
-          </a:xfrm>
-        </p:spPr>
-        <p:txBody>
-          <a:bodyPr anchor="b"/>
-          <a:lstStyle>
-            <a:lvl1pPr marL="0" indent="0">
+            <a:lvl1pPr marL="0" indent="0" algn="l">
               <a:buNone/>
               <a:defRPr sz="2000">
                 <a:solidFill>
                   <a:schemeClr val="tx1">
-                    <a:tint val="75000"/>
+                    <a:lumMod val="50000"/>
+                    <a:lumOff val="50000"/>
                   </a:schemeClr>
                 </a:solidFill>
               </a:defRPr>
@@ -1089,7 +3348,7 @@
             <a:fld id="{22278AEF-C5F7-4B66-AA02-1B9777B8FF83}" type="datetimeFigureOut">
               <a:rPr lang="en-US" smtClean="0"/>
               <a:pPr/>
-              <a:t>19-Oct-20</a:t>
+              <a:t>10/22/2020</a:t>
             </a:fld>
             <a:endParaRPr lang="en-US"/>
           </a:p>
@@ -1139,6 +3398,11 @@
         </p:txBody>
       </p:sp>
     </p:spTree>
+    <p:extLst>
+      <p:ext uri="{BB962C8B-B14F-4D97-AF65-F5344CB8AC3E}">
+        <p14:creationId xmlns:p14="http://schemas.microsoft.com/office/powerpoint/2010/main" val="127735777"/>
+      </p:ext>
+    </p:extLst>
   </p:cSld>
   <p:clrMapOvr>
     <a:masterClrMapping/>
@@ -1173,7 +3437,12 @@
             <p:ph type="title"/>
           </p:nvPr>
         </p:nvSpPr>
-        <p:spPr/>
+        <p:spPr>
+          <a:xfrm>
+            <a:off x="609600" y="609600"/>
+            <a:ext cx="6347714" cy="1320800"/>
+          </a:xfrm>
+        </p:spPr>
         <p:txBody>
           <a:bodyPr/>
           <a:lstStyle/>
@@ -1182,6 +3451,7 @@
               <a:rPr lang="en-US"/>
               <a:t>Click to edit Master title style</a:t>
             </a:r>
+            <a:endParaRPr lang="en-US" dirty="0"/>
           </a:p>
         </p:txBody>
       </p:sp>
@@ -1197,39 +3467,41 @@
         </p:nvSpPr>
         <p:spPr>
           <a:xfrm>
-            <a:off x="457200" y="1600200"/>
-            <a:ext cx="4038600" cy="4525963"/>
+            <a:off x="609600" y="2160589"/>
+            <a:ext cx="3088109" cy="3880772"/>
           </a:xfrm>
         </p:spPr>
         <p:txBody>
-          <a:bodyPr/>
+          <a:bodyPr>
+            <a:normAutofit/>
+          </a:bodyPr>
           <a:lstStyle>
             <a:lvl1pPr>
-              <a:defRPr sz="2800"/>
+              <a:defRPr sz="1800"/>
             </a:lvl1pPr>
             <a:lvl2pPr>
-              <a:defRPr sz="2400"/>
+              <a:defRPr sz="1600"/>
             </a:lvl2pPr>
             <a:lvl3pPr>
-              <a:defRPr sz="2000"/>
+              <a:defRPr sz="1400"/>
             </a:lvl3pPr>
             <a:lvl4pPr>
-              <a:defRPr sz="1800"/>
+              <a:defRPr sz="1200"/>
             </a:lvl4pPr>
             <a:lvl5pPr>
-              <a:defRPr sz="1800"/>
+              <a:defRPr sz="1200"/>
             </a:lvl5pPr>
             <a:lvl6pPr>
-              <a:defRPr sz="1800"/>
+              <a:defRPr sz="1200"/>
             </a:lvl6pPr>
             <a:lvl7pPr>
-              <a:defRPr sz="1800"/>
+              <a:defRPr sz="1200"/>
             </a:lvl7pPr>
             <a:lvl8pPr>
-              <a:defRPr sz="1800"/>
+              <a:defRPr sz="1200"/>
             </a:lvl8pPr>
             <a:lvl9pPr>
-              <a:defRPr sz="1800"/>
+              <a:defRPr sz="1200"/>
             </a:lvl9pPr>
           </a:lstStyle>
           <a:p>
@@ -1266,6 +3538,7 @@
               <a:rPr lang="en-US"/>
               <a:t>Fifth level</a:t>
             </a:r>
+            <a:endParaRPr lang="en-US" dirty="0"/>
           </a:p>
         </p:txBody>
       </p:sp>
@@ -1281,39 +3554,41 @@
         </p:nvSpPr>
         <p:spPr>
           <a:xfrm>
-            <a:off x="4648200" y="1600200"/>
-            <a:ext cx="4038600" cy="4525963"/>
+            <a:off x="3869204" y="2160590"/>
+            <a:ext cx="3088110" cy="3880773"/>
           </a:xfrm>
         </p:spPr>
         <p:txBody>
-          <a:bodyPr/>
+          <a:bodyPr>
+            <a:normAutofit/>
+          </a:bodyPr>
           <a:lstStyle>
             <a:lvl1pPr>
-              <a:defRPr sz="2800"/>
+              <a:defRPr sz="1800"/>
             </a:lvl1pPr>
             <a:lvl2pPr>
-              <a:defRPr sz="2400"/>
+              <a:defRPr sz="1600"/>
             </a:lvl2pPr>
             <a:lvl3pPr>
-              <a:defRPr sz="2000"/>
+              <a:defRPr sz="1400"/>
             </a:lvl3pPr>
             <a:lvl4pPr>
-              <a:defRPr sz="1800"/>
+              <a:defRPr sz="1200"/>
             </a:lvl4pPr>
             <a:lvl5pPr>
-              <a:defRPr sz="1800"/>
+              <a:defRPr sz="1200"/>
             </a:lvl5pPr>
             <a:lvl6pPr>
-              <a:defRPr sz="1800"/>
+              <a:defRPr sz="1200"/>
             </a:lvl6pPr>
             <a:lvl7pPr>
-              <a:defRPr sz="1800"/>
+              <a:defRPr sz="1200"/>
             </a:lvl7pPr>
             <a:lvl8pPr>
-              <a:defRPr sz="1800"/>
+              <a:defRPr sz="1200"/>
             </a:lvl8pPr>
             <a:lvl9pPr>
-              <a:defRPr sz="1800"/>
+              <a:defRPr sz="1200"/>
             </a:lvl9pPr>
           </a:lstStyle>
           <a:p>
@@ -1350,6 +3625,7 @@
               <a:rPr lang="en-US"/>
               <a:t>Fifth level</a:t>
             </a:r>
+            <a:endParaRPr lang="en-US" dirty="0"/>
           </a:p>
         </p:txBody>
       </p:sp>
@@ -1371,7 +3647,7 @@
             <a:fld id="{22278AEF-C5F7-4B66-AA02-1B9777B8FF83}" type="datetimeFigureOut">
               <a:rPr lang="en-US" smtClean="0"/>
               <a:pPr/>
-              <a:t>19-Oct-20</a:t>
+              <a:t>10/22/2020</a:t>
             </a:fld>
             <a:endParaRPr lang="en-US"/>
           </a:p>
@@ -1421,6 +3697,11 @@
         </p:txBody>
       </p:sp>
     </p:spTree>
+    <p:extLst>
+      <p:ext uri="{BB962C8B-B14F-4D97-AF65-F5344CB8AC3E}">
+        <p14:creationId xmlns:p14="http://schemas.microsoft.com/office/powerpoint/2010/main" val="334815554"/>
+      </p:ext>
+    </p:extLst>
   </p:cSld>
   <p:clrMapOvr>
     <a:masterClrMapping/>
@@ -1455,7 +3736,12 @@
             <p:ph type="title"/>
           </p:nvPr>
         </p:nvSpPr>
-        <p:spPr/>
+        <p:spPr>
+          <a:xfrm>
+            <a:off x="609599" y="609600"/>
+            <a:ext cx="6347713" cy="1320800"/>
+          </a:xfrm>
+        </p:spPr>
         <p:txBody>
           <a:bodyPr/>
           <a:lstStyle>
@@ -1468,6 +3754,7 @@
               <a:rPr lang="en-US"/>
               <a:t>Click to edit Master title style</a:t>
             </a:r>
+            <a:endParaRPr lang="en-US" dirty="0"/>
           </a:p>
         </p:txBody>
       </p:sp>
@@ -1483,16 +3770,18 @@
         </p:nvSpPr>
         <p:spPr>
           <a:xfrm>
-            <a:off x="457200" y="1535113"/>
-            <a:ext cx="4040188" cy="639762"/>
+            <a:off x="609599" y="2160983"/>
+            <a:ext cx="3090672" cy="576262"/>
           </a:xfrm>
         </p:spPr>
         <p:txBody>
-          <a:bodyPr anchor="b"/>
+          <a:bodyPr anchor="b">
+            <a:noAutofit/>
+          </a:bodyPr>
           <a:lstStyle>
             <a:lvl1pPr marL="0" indent="0">
               <a:buNone/>
-              <a:defRPr sz="2400" b="1"/>
+              <a:defRPr sz="2400" b="0"/>
             </a:lvl1pPr>
             <a:lvl2pPr marL="457200" indent="0">
               <a:buNone/>
@@ -1548,41 +3837,15 @@
         </p:nvSpPr>
         <p:spPr>
           <a:xfrm>
-            <a:off x="457200" y="2174875"/>
-            <a:ext cx="4040188" cy="3951288"/>
+            <a:off x="609599" y="2737246"/>
+            <a:ext cx="3090672" cy="3304117"/>
           </a:xfrm>
         </p:spPr>
         <p:txBody>
-          <a:bodyPr/>
-          <a:lstStyle>
-            <a:lvl1pPr>
-              <a:defRPr sz="2400"/>
-            </a:lvl1pPr>
-            <a:lvl2pPr>
-              <a:defRPr sz="2000"/>
-            </a:lvl2pPr>
-            <a:lvl3pPr>
-              <a:defRPr sz="1800"/>
-            </a:lvl3pPr>
-            <a:lvl4pPr>
-              <a:defRPr sz="1600"/>
-            </a:lvl4pPr>
-            <a:lvl5pPr>
-              <a:defRPr sz="1600"/>
-            </a:lvl5pPr>
-            <a:lvl6pPr>
-              <a:defRPr sz="1600"/>
-            </a:lvl6pPr>
-            <a:lvl7pPr>
-              <a:defRPr sz="1600"/>
-            </a:lvl7pPr>
-            <a:lvl8pPr>
-              <a:defRPr sz="1600"/>
-            </a:lvl8pPr>
-            <a:lvl9pPr>
-              <a:defRPr sz="1600"/>
-            </a:lvl9pPr>
-          </a:lstStyle>
+          <a:bodyPr>
+            <a:normAutofit/>
+          </a:bodyPr>
+          <a:lstStyle/>
           <a:p>
             <a:pPr lvl="0"/>
             <a:r>
@@ -1617,6 +3880,7 @@
               <a:rPr lang="en-US"/>
               <a:t>Fifth level</a:t>
             </a:r>
+            <a:endParaRPr lang="en-US" dirty="0"/>
           </a:p>
         </p:txBody>
       </p:sp>
@@ -1632,16 +3896,18 @@
         </p:nvSpPr>
         <p:spPr>
           <a:xfrm>
-            <a:off x="4645025" y="1535113"/>
-            <a:ext cx="4041775" cy="639762"/>
+            <a:off x="3866640" y="2160983"/>
+            <a:ext cx="3090672" cy="576262"/>
           </a:xfrm>
         </p:spPr>
         <p:txBody>
-          <a:bodyPr anchor="b"/>
+          <a:bodyPr anchor="b">
+            <a:noAutofit/>
+          </a:bodyPr>
           <a:lstStyle>
             <a:lvl1pPr marL="0" indent="0">
               <a:buNone/>
-              <a:defRPr sz="2400" b="1"/>
+              <a:defRPr sz="2400" b="0"/>
             </a:lvl1pPr>
             <a:lvl2pPr marL="457200" indent="0">
               <a:buNone/>
@@ -1697,41 +3963,15 @@
         </p:nvSpPr>
         <p:spPr>
           <a:xfrm>
-            <a:off x="4645025" y="2174875"/>
-            <a:ext cx="4041775" cy="3951288"/>
+            <a:off x="3866640" y="2737246"/>
+            <a:ext cx="3090672" cy="3304117"/>
           </a:xfrm>
         </p:spPr>
         <p:txBody>
-          <a:bodyPr/>
-          <a:lstStyle>
-            <a:lvl1pPr>
-              <a:defRPr sz="2400"/>
-            </a:lvl1pPr>
-            <a:lvl2pPr>
-              <a:defRPr sz="2000"/>
-            </a:lvl2pPr>
-            <a:lvl3pPr>
-              <a:defRPr sz="1800"/>
-            </a:lvl3pPr>
-            <a:lvl4pPr>
-              <a:defRPr sz="1600"/>
-            </a:lvl4pPr>
-            <a:lvl5pPr>
-              <a:defRPr sz="1600"/>
-            </a:lvl5pPr>
-            <a:lvl6pPr>
-              <a:defRPr sz="1600"/>
-            </a:lvl6pPr>
-            <a:lvl7pPr>
-              <a:defRPr sz="1600"/>
-            </a:lvl7pPr>
-            <a:lvl8pPr>
-              <a:defRPr sz="1600"/>
-            </a:lvl8pPr>
-            <a:lvl9pPr>
-              <a:defRPr sz="1600"/>
-            </a:lvl9pPr>
-          </a:lstStyle>
+          <a:bodyPr>
+            <a:normAutofit/>
+          </a:bodyPr>
+          <a:lstStyle/>
           <a:p>
             <a:pPr lvl="0"/>
             <a:r>
@@ -1766,6 +4006,7 @@
               <a:rPr lang="en-US"/>
               <a:t>Fifth level</a:t>
             </a:r>
+            <a:endParaRPr lang="en-US" dirty="0"/>
           </a:p>
         </p:txBody>
       </p:sp>
@@ -1787,7 +4028,7 @@
             <a:fld id="{22278AEF-C5F7-4B66-AA02-1B9777B8FF83}" type="datetimeFigureOut">
               <a:rPr lang="en-US" smtClean="0"/>
               <a:pPr/>
-              <a:t>19-Oct-20</a:t>
+              <a:t>10/22/2020</a:t>
             </a:fld>
             <a:endParaRPr lang="en-US"/>
           </a:p>
@@ -1837,6 +4078,11 @@
         </p:txBody>
       </p:sp>
     </p:spTree>
+    <p:extLst>
+      <p:ext uri="{BB962C8B-B14F-4D97-AF65-F5344CB8AC3E}">
+        <p14:creationId xmlns:p14="http://schemas.microsoft.com/office/powerpoint/2010/main" val="184766763"/>
+      </p:ext>
+    </p:extLst>
   </p:cSld>
   <p:clrMapOvr>
     <a:masterClrMapping/>
@@ -1871,7 +4117,12 @@
             <p:ph type="title"/>
           </p:nvPr>
         </p:nvSpPr>
-        <p:spPr/>
+        <p:spPr>
+          <a:xfrm>
+            <a:off x="609599" y="609600"/>
+            <a:ext cx="6347714" cy="1320800"/>
+          </a:xfrm>
+        </p:spPr>
         <p:txBody>
           <a:bodyPr/>
           <a:lstStyle/>
@@ -1880,6 +4131,7 @@
               <a:rPr lang="en-US"/>
               <a:t>Click to edit Master title style</a:t>
             </a:r>
+            <a:endParaRPr lang="en-US" dirty="0"/>
           </a:p>
         </p:txBody>
       </p:sp>
@@ -1901,7 +4153,7 @@
             <a:fld id="{22278AEF-C5F7-4B66-AA02-1B9777B8FF83}" type="datetimeFigureOut">
               <a:rPr lang="en-US" smtClean="0"/>
               <a:pPr/>
-              <a:t>19-Oct-20</a:t>
+              <a:t>10/22/2020</a:t>
             </a:fld>
             <a:endParaRPr lang="en-US"/>
           </a:p>
@@ -1951,6 +4203,11 @@
         </p:txBody>
       </p:sp>
     </p:spTree>
+    <p:extLst>
+      <p:ext uri="{BB962C8B-B14F-4D97-AF65-F5344CB8AC3E}">
+        <p14:creationId xmlns:p14="http://schemas.microsoft.com/office/powerpoint/2010/main" val="1784362090"/>
+      </p:ext>
+    </p:extLst>
   </p:cSld>
   <p:clrMapOvr>
     <a:masterClrMapping/>
@@ -1993,7 +4250,7 @@
             <a:fld id="{22278AEF-C5F7-4B66-AA02-1B9777B8FF83}" type="datetimeFigureOut">
               <a:rPr lang="en-US" smtClean="0"/>
               <a:pPr/>
-              <a:t>19-Oct-20</a:t>
+              <a:t>10/22/2020</a:t>
             </a:fld>
             <a:endParaRPr lang="en-US"/>
           </a:p>
@@ -2043,6 +4300,11 @@
         </p:txBody>
       </p:sp>
     </p:spTree>
+    <p:extLst>
+      <p:ext uri="{BB962C8B-B14F-4D97-AF65-F5344CB8AC3E}">
+        <p14:creationId xmlns:p14="http://schemas.microsoft.com/office/powerpoint/2010/main" val="2363582240"/>
+      </p:ext>
+    </p:extLst>
   </p:cSld>
   <p:clrMapOvr>
     <a:masterClrMapping/>
@@ -2079,15 +4341,17 @@
         </p:nvSpPr>
         <p:spPr>
           <a:xfrm>
-            <a:off x="457200" y="273050"/>
-            <a:ext cx="3008313" cy="1162050"/>
+            <a:off x="609599" y="1498604"/>
+            <a:ext cx="2790182" cy="1278466"/>
           </a:xfrm>
         </p:spPr>
         <p:txBody>
-          <a:bodyPr anchor="b"/>
+          <a:bodyPr anchor="b">
+            <a:normAutofit/>
+          </a:bodyPr>
           <a:lstStyle>
-            <a:lvl1pPr algn="l">
-              <a:defRPr sz="2000" b="1"/>
+            <a:lvl1pPr>
+              <a:defRPr sz="2000"/>
             </a:lvl1pPr>
           </a:lstStyle>
           <a:p>
@@ -2095,6 +4359,7 @@
               <a:rPr lang="en-US"/>
               <a:t>Click to edit Master title style</a:t>
             </a:r>
+            <a:endParaRPr lang="en-US" dirty="0"/>
           </a:p>
         </p:txBody>
       </p:sp>
@@ -2110,41 +4375,15 @@
         </p:nvSpPr>
         <p:spPr>
           <a:xfrm>
-            <a:off x="3575050" y="273050"/>
-            <a:ext cx="5111750" cy="5853113"/>
+            <a:off x="3571275" y="514925"/>
+            <a:ext cx="3386037" cy="5526437"/>
           </a:xfrm>
         </p:spPr>
         <p:txBody>
-          <a:bodyPr/>
-          <a:lstStyle>
-            <a:lvl1pPr>
-              <a:defRPr sz="3200"/>
-            </a:lvl1pPr>
-            <a:lvl2pPr>
-              <a:defRPr sz="2800"/>
-            </a:lvl2pPr>
-            <a:lvl3pPr>
-              <a:defRPr sz="2400"/>
-            </a:lvl3pPr>
-            <a:lvl4pPr>
-              <a:defRPr sz="2000"/>
-            </a:lvl4pPr>
-            <a:lvl5pPr>
-              <a:defRPr sz="2000"/>
-            </a:lvl5pPr>
-            <a:lvl6pPr>
-              <a:defRPr sz="2000"/>
-            </a:lvl6pPr>
-            <a:lvl7pPr>
-              <a:defRPr sz="2000"/>
-            </a:lvl7pPr>
-            <a:lvl8pPr>
-              <a:defRPr sz="2000"/>
-            </a:lvl8pPr>
-            <a:lvl9pPr>
-              <a:defRPr sz="2000"/>
-            </a:lvl9pPr>
-          </a:lstStyle>
+          <a:bodyPr>
+            <a:normAutofit/>
+          </a:bodyPr>
+          <a:lstStyle/>
           <a:p>
             <a:pPr lvl="0"/>
             <a:r>
@@ -2179,6 +4418,7 @@
               <a:rPr lang="en-US"/>
               <a:t>Fifth level</a:t>
             </a:r>
+            <a:endParaRPr lang="en-US" dirty="0"/>
           </a:p>
         </p:txBody>
       </p:sp>
@@ -2194,48 +4434,50 @@
         </p:nvSpPr>
         <p:spPr>
           <a:xfrm>
-            <a:off x="457200" y="1435100"/>
-            <a:ext cx="3008313" cy="4691063"/>
+            <a:off x="609599" y="2777069"/>
+            <a:ext cx="2790182" cy="2584449"/>
           </a:xfrm>
         </p:spPr>
         <p:txBody>
-          <a:bodyPr/>
+          <a:bodyPr>
+            <a:normAutofit/>
+          </a:bodyPr>
           <a:lstStyle>
             <a:lvl1pPr marL="0" indent="0">
               <a:buNone/>
               <a:defRPr sz="1400"/>
             </a:lvl1pPr>
-            <a:lvl2pPr marL="457200" indent="0">
-              <a:buNone/>
-              <a:defRPr sz="1200"/>
+            <a:lvl2pPr marL="342900" indent="0">
+              <a:buNone/>
+              <a:defRPr sz="1050"/>
             </a:lvl2pPr>
-            <a:lvl3pPr marL="914400" indent="0">
-              <a:buNone/>
-              <a:defRPr sz="1000"/>
+            <a:lvl3pPr marL="685800" indent="0">
+              <a:buNone/>
+              <a:defRPr sz="900"/>
             </a:lvl3pPr>
-            <a:lvl4pPr marL="1371600" indent="0">
-              <a:buNone/>
-              <a:defRPr sz="900"/>
+            <a:lvl4pPr marL="1028700" indent="0">
+              <a:buNone/>
+              <a:defRPr sz="750"/>
             </a:lvl4pPr>
-            <a:lvl5pPr marL="1828800" indent="0">
-              <a:buNone/>
-              <a:defRPr sz="900"/>
+            <a:lvl5pPr marL="1371600" indent="0">
+              <a:buNone/>
+              <a:defRPr sz="750"/>
             </a:lvl5pPr>
-            <a:lvl6pPr marL="2286000" indent="0">
-              <a:buNone/>
-              <a:defRPr sz="900"/>
+            <a:lvl6pPr marL="1714500" indent="0">
+              <a:buNone/>
+              <a:defRPr sz="750"/>
             </a:lvl6pPr>
-            <a:lvl7pPr marL="2743200" indent="0">
-              <a:buNone/>
-              <a:defRPr sz="900"/>
+            <a:lvl7pPr marL="2057400" indent="0">
+              <a:buNone/>
+              <a:defRPr sz="750"/>
             </a:lvl7pPr>
-            <a:lvl8pPr marL="3200400" indent="0">
-              <a:buNone/>
-              <a:defRPr sz="900"/>
+            <a:lvl8pPr marL="2400300" indent="0">
+              <a:buNone/>
+              <a:defRPr sz="750"/>
             </a:lvl8pPr>
-            <a:lvl9pPr marL="3657600" indent="0">
-              <a:buNone/>
-              <a:defRPr sz="900"/>
+            <a:lvl9pPr marL="2743200" indent="0">
+              <a:buNone/>
+              <a:defRPr sz="750"/>
             </a:lvl9pPr>
           </a:lstStyle>
           <a:p>
@@ -2265,7 +4507,7 @@
             <a:fld id="{22278AEF-C5F7-4B66-AA02-1B9777B8FF83}" type="datetimeFigureOut">
               <a:rPr lang="en-US" smtClean="0"/>
               <a:pPr/>
-              <a:t>19-Oct-20</a:t>
+              <a:t>10/22/2020</a:t>
             </a:fld>
             <a:endParaRPr lang="en-US"/>
           </a:p>
@@ -2315,6 +4557,11 @@
         </p:txBody>
       </p:sp>
     </p:spTree>
+    <p:extLst>
+      <p:ext uri="{BB962C8B-B14F-4D97-AF65-F5344CB8AC3E}">
+        <p14:creationId xmlns:p14="http://schemas.microsoft.com/office/powerpoint/2010/main" val="3104646404"/>
+      </p:ext>
+    </p:extLst>
   </p:cSld>
   <p:clrMapOvr>
     <a:masterClrMapping/>
@@ -2351,15 +4598,17 @@
         </p:nvSpPr>
         <p:spPr>
           <a:xfrm>
-            <a:off x="1792288" y="4800600"/>
-            <a:ext cx="5486400" cy="566738"/>
+            <a:off x="609599" y="4800600"/>
+            <a:ext cx="6347714" cy="566738"/>
           </a:xfrm>
         </p:spPr>
         <p:txBody>
-          <a:bodyPr anchor="b"/>
+          <a:bodyPr anchor="b">
+            <a:normAutofit/>
+          </a:bodyPr>
           <a:lstStyle>
             <a:lvl1pPr algn="l">
-              <a:defRPr sz="2000" b="1"/>
+              <a:defRPr sz="2400" b="0"/>
             </a:lvl1pPr>
           </a:lstStyle>
           <a:p>
@@ -2367,6 +4616,7 @@
               <a:rPr lang="en-US"/>
               <a:t>Click to edit Master title style</a:t>
             </a:r>
+            <a:endParaRPr lang="en-US" dirty="0"/>
           </a:p>
         </p:txBody>
       </p:sp>
@@ -2374,7 +4624,7 @@
         <p:nvSpPr>
           <p:cNvPr id="3" name="Picture Placeholder 2"/>
           <p:cNvSpPr>
-            <a:spLocks noGrp="1"/>
+            <a:spLocks noGrp="1" noChangeAspect="1"/>
           </p:cNvSpPr>
           <p:nvPr>
             <p:ph type="pic" idx="1"/>
@@ -2382,77 +4632,85 @@
         </p:nvSpPr>
         <p:spPr>
           <a:xfrm>
-            <a:off x="1792288" y="612775"/>
-            <a:ext cx="5486400" cy="4114800"/>
+            <a:off x="609599" y="609600"/>
+            <a:ext cx="6347714" cy="3845718"/>
           </a:xfrm>
         </p:spPr>
         <p:txBody>
-          <a:bodyPr/>
+          <a:bodyPr anchor="t">
+            <a:normAutofit/>
+          </a:bodyPr>
+          <a:lstStyle>
+            <a:lvl1pPr marL="0" indent="0" algn="ctr">
+              <a:buNone/>
+              <a:defRPr sz="1600"/>
+            </a:lvl1pPr>
+            <a:lvl2pPr marL="457200" indent="0">
+              <a:buNone/>
+              <a:defRPr sz="1600"/>
+            </a:lvl2pPr>
+            <a:lvl3pPr marL="914400" indent="0">
+              <a:buNone/>
+              <a:defRPr sz="1600"/>
+            </a:lvl3pPr>
+            <a:lvl4pPr marL="1371600" indent="0">
+              <a:buNone/>
+              <a:defRPr sz="1600"/>
+            </a:lvl4pPr>
+            <a:lvl5pPr marL="1828800" indent="0">
+              <a:buNone/>
+              <a:defRPr sz="1600"/>
+            </a:lvl5pPr>
+            <a:lvl6pPr marL="2286000" indent="0">
+              <a:buNone/>
+              <a:defRPr sz="1600"/>
+            </a:lvl6pPr>
+            <a:lvl7pPr marL="2743200" indent="0">
+              <a:buNone/>
+              <a:defRPr sz="1600"/>
+            </a:lvl7pPr>
+            <a:lvl8pPr marL="3200400" indent="0">
+              <a:buNone/>
+              <a:defRPr sz="1600"/>
+            </a:lvl8pPr>
+            <a:lvl9pPr marL="3657600" indent="0">
+              <a:buNone/>
+              <a:defRPr sz="1600"/>
+            </a:lvl9pPr>
+          </a:lstStyle>
+          <a:p>
+            <a:r>
+              <a:rPr lang="en-US"/>
+              <a:t>Click icon to add picture</a:t>
+            </a:r>
+            <a:endParaRPr lang="en-US" dirty="0"/>
+          </a:p>
+        </p:txBody>
+      </p:sp>
+      <p:sp>
+        <p:nvSpPr>
+          <p:cNvPr id="4" name="Text Placeholder 3"/>
+          <p:cNvSpPr>
+            <a:spLocks noGrp="1"/>
+          </p:cNvSpPr>
+          <p:nvPr>
+            <p:ph type="body" sz="half" idx="2"/>
+          </p:nvPr>
+        </p:nvSpPr>
+        <p:spPr>
+          <a:xfrm>
+            <a:off x="609599" y="5367338"/>
+            <a:ext cx="6347714" cy="674024"/>
+          </a:xfrm>
+        </p:spPr>
+        <p:txBody>
+          <a:bodyPr>
+            <a:normAutofit/>
+          </a:bodyPr>
           <a:lstStyle>
             <a:lvl1pPr marL="0" indent="0">
               <a:buNone/>
-              <a:defRPr sz="3200"/>
-            </a:lvl1pPr>
-            <a:lvl2pPr marL="457200" indent="0">
-              <a:buNone/>
-              <a:defRPr sz="2800"/>
-            </a:lvl2pPr>
-            <a:lvl3pPr marL="914400" indent="0">
-              <a:buNone/>
-              <a:defRPr sz="2400"/>
-            </a:lvl3pPr>
-            <a:lvl4pPr marL="1371600" indent="0">
-              <a:buNone/>
-              <a:defRPr sz="2000"/>
-            </a:lvl4pPr>
-            <a:lvl5pPr marL="1828800" indent="0">
-              <a:buNone/>
-              <a:defRPr sz="2000"/>
-            </a:lvl5pPr>
-            <a:lvl6pPr marL="2286000" indent="0">
-              <a:buNone/>
-              <a:defRPr sz="2000"/>
-            </a:lvl6pPr>
-            <a:lvl7pPr marL="2743200" indent="0">
-              <a:buNone/>
-              <a:defRPr sz="2000"/>
-            </a:lvl7pPr>
-            <a:lvl8pPr marL="3200400" indent="0">
-              <a:buNone/>
-              <a:defRPr sz="2000"/>
-            </a:lvl8pPr>
-            <a:lvl9pPr marL="3657600" indent="0">
-              <a:buNone/>
-              <a:defRPr sz="2000"/>
-            </a:lvl9pPr>
-          </a:lstStyle>
-          <a:p>
-            <a:endParaRPr lang="en-US"/>
-          </a:p>
-        </p:txBody>
-      </p:sp>
-      <p:sp>
-        <p:nvSpPr>
-          <p:cNvPr id="4" name="Text Placeholder 3"/>
-          <p:cNvSpPr>
-            <a:spLocks noGrp="1"/>
-          </p:cNvSpPr>
-          <p:nvPr>
-            <p:ph type="body" sz="half" idx="2"/>
-          </p:nvPr>
-        </p:nvSpPr>
-        <p:spPr>
-          <a:xfrm>
-            <a:off x="1792288" y="5367338"/>
-            <a:ext cx="5486400" cy="804862"/>
-          </a:xfrm>
-        </p:spPr>
-        <p:txBody>
-          <a:bodyPr/>
-          <a:lstStyle>
-            <a:lvl1pPr marL="0" indent="0">
-              <a:buNone/>
-              <a:defRPr sz="1400"/>
+              <a:defRPr sz="1200"/>
             </a:lvl1pPr>
             <a:lvl2pPr marL="457200" indent="0">
               <a:buNone/>
@@ -2514,7 +4772,7 @@
             <a:fld id="{22278AEF-C5F7-4B66-AA02-1B9777B8FF83}" type="datetimeFigureOut">
               <a:rPr lang="en-US" smtClean="0"/>
               <a:pPr/>
-              <a:t>19-Oct-20</a:t>
+              <a:t>10/22/2020</a:t>
             </a:fld>
             <a:endParaRPr lang="en-US"/>
           </a:p>
@@ -2564,6 +4822,11 @@
         </p:txBody>
       </p:sp>
     </p:spTree>
+    <p:extLst>
+      <p:ext uri="{BB962C8B-B14F-4D97-AF65-F5344CB8AC3E}">
+        <p14:creationId xmlns:p14="http://schemas.microsoft.com/office/powerpoint/2010/main" val="2878436273"/>
+      </p:ext>
+    </p:extLst>
   </p:cSld>
   <p:clrMapOvr>
     <a:masterClrMapping/>
@@ -2593,6 +4856,609 @@
           <a:chExt cx="0" cy="0"/>
         </a:xfrm>
       </p:grpSpPr>
+      <p:grpSp>
+        <p:nvGrpSpPr>
+          <p:cNvPr id="17" name="Group 16"/>
+          <p:cNvGrpSpPr/>
+          <p:nvPr/>
+        </p:nvGrpSpPr>
+        <p:grpSpPr>
+          <a:xfrm>
+            <a:off x="-8467" y="-8468"/>
+            <a:ext cx="9171317" cy="6874935"/>
+            <a:chOff x="-8467" y="-8468"/>
+            <a:chExt cx="9171317" cy="6874935"/>
+          </a:xfrm>
+        </p:grpSpPr>
+        <p:cxnSp>
+          <p:nvCxnSpPr>
+            <p:cNvPr id="7" name="Straight Connector 6"/>
+            <p:cNvCxnSpPr/>
+            <p:nvPr/>
+          </p:nvCxnSpPr>
+          <p:spPr>
+            <a:xfrm flipV="1">
+              <a:off x="5130830" y="4175605"/>
+              <a:ext cx="4022475" cy="2682396"/>
+            </a:xfrm>
+            <a:prstGeom prst="line">
+              <a:avLst/>
+            </a:prstGeom>
+            <a:ln w="9525">
+              <a:solidFill>
+                <a:schemeClr val="accent1">
+                  <a:alpha val="70000"/>
+                </a:schemeClr>
+              </a:solidFill>
+            </a:ln>
+          </p:spPr>
+          <p:style>
+            <a:lnRef idx="2">
+              <a:schemeClr val="accent1"/>
+            </a:lnRef>
+            <a:fillRef idx="0">
+              <a:schemeClr val="accent1"/>
+            </a:fillRef>
+            <a:effectRef idx="1">
+              <a:schemeClr val="accent1"/>
+            </a:effectRef>
+            <a:fontRef idx="minor">
+              <a:schemeClr val="tx1"/>
+            </a:fontRef>
+          </p:style>
+        </p:cxnSp>
+        <p:cxnSp>
+          <p:nvCxnSpPr>
+            <p:cNvPr id="8" name="Straight Connector 7"/>
+            <p:cNvCxnSpPr/>
+            <p:nvPr/>
+          </p:nvCxnSpPr>
+          <p:spPr>
+            <a:xfrm>
+              <a:off x="7042707" y="0"/>
+              <a:ext cx="1219200" cy="6858000"/>
+            </a:xfrm>
+            <a:prstGeom prst="line">
+              <a:avLst/>
+            </a:prstGeom>
+            <a:ln w="9525">
+              <a:solidFill>
+                <a:schemeClr val="accent1">
+                  <a:alpha val="70000"/>
+                </a:schemeClr>
+              </a:solidFill>
+            </a:ln>
+          </p:spPr>
+          <p:style>
+            <a:lnRef idx="2">
+              <a:schemeClr val="accent1"/>
+            </a:lnRef>
+            <a:fillRef idx="0">
+              <a:schemeClr val="accent1"/>
+            </a:fillRef>
+            <a:effectRef idx="1">
+              <a:schemeClr val="accent1"/>
+            </a:effectRef>
+            <a:fontRef idx="minor">
+              <a:schemeClr val="tx1"/>
+            </a:fontRef>
+          </p:style>
+        </p:cxnSp>
+        <p:sp>
+          <p:nvSpPr>
+            <p:cNvPr id="9" name="Freeform 8"/>
+            <p:cNvSpPr/>
+            <p:nvPr/>
+          </p:nvSpPr>
+          <p:spPr>
+            <a:xfrm>
+              <a:off x="6891896" y="1"/>
+              <a:ext cx="2269442" cy="6866466"/>
+            </a:xfrm>
+            <a:custGeom>
+              <a:avLst/>
+              <a:gdLst/>
+              <a:ahLst/>
+              <a:cxnLst/>
+              <a:rect l="l" t="t" r="r" b="b"/>
+              <a:pathLst>
+                <a:path w="2269442" h="6866466">
+                  <a:moveTo>
+                    <a:pt x="2023534" y="0"/>
+                  </a:moveTo>
+                  <a:lnTo>
+                    <a:pt x="0" y="6858000"/>
+                  </a:lnTo>
+                  <a:lnTo>
+                    <a:pt x="2269067" y="6866466"/>
+                  </a:lnTo>
+                  <a:cubicBezTo>
+                    <a:pt x="2271889" y="4580466"/>
+                    <a:pt x="2257778" y="2294466"/>
+                    <a:pt x="2260600" y="8466"/>
+                  </a:cubicBezTo>
+                  <a:lnTo>
+                    <a:pt x="2023534" y="0"/>
+                  </a:lnTo>
+                  <a:close/>
+                </a:path>
+              </a:pathLst>
+            </a:custGeom>
+            <a:solidFill>
+              <a:schemeClr val="accent1">
+                <a:alpha val="36000"/>
+              </a:schemeClr>
+            </a:solidFill>
+            <a:ln>
+              <a:noFill/>
+            </a:ln>
+            <a:effectLst/>
+          </p:spPr>
+          <p:style>
+            <a:lnRef idx="1">
+              <a:schemeClr val="accent1"/>
+            </a:lnRef>
+            <a:fillRef idx="3">
+              <a:schemeClr val="accent1"/>
+            </a:fillRef>
+            <a:effectRef idx="2">
+              <a:schemeClr val="accent1"/>
+            </a:effectRef>
+            <a:fontRef idx="minor">
+              <a:schemeClr val="lt1"/>
+            </a:fontRef>
+          </p:style>
+        </p:sp>
+        <p:sp>
+          <p:nvSpPr>
+            <p:cNvPr id="10" name="Freeform 9"/>
+            <p:cNvSpPr/>
+            <p:nvPr/>
+          </p:nvSpPr>
+          <p:spPr>
+            <a:xfrm>
+              <a:off x="7205158" y="-8467"/>
+              <a:ext cx="1948147" cy="6866467"/>
+            </a:xfrm>
+            <a:custGeom>
+              <a:avLst/>
+              <a:gdLst/>
+              <a:ahLst/>
+              <a:cxnLst/>
+              <a:rect l="l" t="t" r="r" b="b"/>
+              <a:pathLst>
+                <a:path w="1948147" h="6866467">
+                  <a:moveTo>
+                    <a:pt x="0" y="0"/>
+                  </a:moveTo>
+                  <a:lnTo>
+                    <a:pt x="1202267" y="6866467"/>
+                  </a:lnTo>
+                  <a:lnTo>
+                    <a:pt x="1947333" y="6866467"/>
+                  </a:lnTo>
+                  <a:cubicBezTo>
+                    <a:pt x="1944511" y="4577645"/>
+                    <a:pt x="1950155" y="2288822"/>
+                    <a:pt x="1947333" y="0"/>
+                  </a:cubicBezTo>
+                  <a:lnTo>
+                    <a:pt x="0" y="0"/>
+                  </a:lnTo>
+                  <a:close/>
+                </a:path>
+              </a:pathLst>
+            </a:custGeom>
+            <a:solidFill>
+              <a:schemeClr val="accent1">
+                <a:alpha val="20000"/>
+              </a:schemeClr>
+            </a:solidFill>
+            <a:ln>
+              <a:noFill/>
+            </a:ln>
+            <a:effectLst/>
+          </p:spPr>
+          <p:style>
+            <a:lnRef idx="1">
+              <a:schemeClr val="accent1"/>
+            </a:lnRef>
+            <a:fillRef idx="3">
+              <a:schemeClr val="accent1"/>
+            </a:fillRef>
+            <a:effectRef idx="2">
+              <a:schemeClr val="accent1"/>
+            </a:effectRef>
+            <a:fontRef idx="minor">
+              <a:schemeClr val="lt1"/>
+            </a:fontRef>
+          </p:style>
+        </p:sp>
+        <p:sp>
+          <p:nvSpPr>
+            <p:cNvPr id="11" name="Freeform 10"/>
+            <p:cNvSpPr/>
+            <p:nvPr/>
+          </p:nvSpPr>
+          <p:spPr>
+            <a:xfrm>
+              <a:off x="6637896" y="3920066"/>
+              <a:ext cx="2513565" cy="2937933"/>
+            </a:xfrm>
+            <a:custGeom>
+              <a:avLst/>
+              <a:gdLst/>
+              <a:ahLst/>
+              <a:cxnLst/>
+              <a:rect l="l" t="t" r="r" b="b"/>
+              <a:pathLst>
+                <a:path w="3259667" h="3810000">
+                  <a:moveTo>
+                    <a:pt x="0" y="3810000"/>
+                  </a:moveTo>
+                  <a:lnTo>
+                    <a:pt x="3251200" y="0"/>
+                  </a:lnTo>
+                  <a:cubicBezTo>
+                    <a:pt x="3254022" y="1270000"/>
+                    <a:pt x="3256845" y="2540000"/>
+                    <a:pt x="3259667" y="3810000"/>
+                  </a:cubicBezTo>
+                  <a:lnTo>
+                    <a:pt x="0" y="3810000"/>
+                  </a:lnTo>
+                  <a:close/>
+                </a:path>
+              </a:pathLst>
+            </a:custGeom>
+            <a:solidFill>
+              <a:schemeClr val="accent1">
+                <a:alpha val="72000"/>
+              </a:schemeClr>
+            </a:solidFill>
+            <a:ln>
+              <a:noFill/>
+            </a:ln>
+            <a:effectLst/>
+          </p:spPr>
+          <p:style>
+            <a:lnRef idx="1">
+              <a:schemeClr val="accent1"/>
+            </a:lnRef>
+            <a:fillRef idx="3">
+              <a:schemeClr val="accent1"/>
+            </a:fillRef>
+            <a:effectRef idx="2">
+              <a:schemeClr val="accent1"/>
+            </a:effectRef>
+            <a:fontRef idx="minor">
+              <a:schemeClr val="lt1"/>
+            </a:fontRef>
+          </p:style>
+        </p:sp>
+        <p:sp>
+          <p:nvSpPr>
+            <p:cNvPr id="12" name="Freeform 11"/>
+            <p:cNvSpPr/>
+            <p:nvPr/>
+          </p:nvSpPr>
+          <p:spPr>
+            <a:xfrm>
+              <a:off x="7010429" y="-8467"/>
+              <a:ext cx="2142876" cy="6866467"/>
+            </a:xfrm>
+            <a:custGeom>
+              <a:avLst/>
+              <a:gdLst/>
+              <a:ahLst/>
+              <a:cxnLst/>
+              <a:rect l="l" t="t" r="r" b="b"/>
+              <a:pathLst>
+                <a:path w="2853267" h="6866467">
+                  <a:moveTo>
+                    <a:pt x="0" y="0"/>
+                  </a:moveTo>
+                  <a:lnTo>
+                    <a:pt x="2472267" y="6866467"/>
+                  </a:lnTo>
+                  <a:lnTo>
+                    <a:pt x="2853267" y="6858000"/>
+                  </a:lnTo>
+                  <a:lnTo>
+                    <a:pt x="2853267" y="0"/>
+                  </a:lnTo>
+                  <a:lnTo>
+                    <a:pt x="0" y="0"/>
+                  </a:lnTo>
+                  <a:close/>
+                </a:path>
+              </a:pathLst>
+            </a:custGeom>
+            <a:solidFill>
+              <a:schemeClr val="accent1">
+                <a:lumMod val="75000"/>
+                <a:alpha val="50000"/>
+              </a:schemeClr>
+            </a:solidFill>
+            <a:ln>
+              <a:noFill/>
+            </a:ln>
+            <a:effectLst/>
+          </p:spPr>
+          <p:style>
+            <a:lnRef idx="1">
+              <a:schemeClr val="accent1"/>
+            </a:lnRef>
+            <a:fillRef idx="3">
+              <a:schemeClr val="accent1"/>
+            </a:fillRef>
+            <a:effectRef idx="2">
+              <a:schemeClr val="accent1"/>
+            </a:effectRef>
+            <a:fontRef idx="minor">
+              <a:schemeClr val="lt1"/>
+            </a:fontRef>
+          </p:style>
+        </p:sp>
+        <p:sp>
+          <p:nvSpPr>
+            <p:cNvPr id="13" name="Freeform 12"/>
+            <p:cNvSpPr/>
+            <p:nvPr/>
+          </p:nvSpPr>
+          <p:spPr>
+            <a:xfrm>
+              <a:off x="8295776" y="-8467"/>
+              <a:ext cx="857530" cy="6866467"/>
+            </a:xfrm>
+            <a:custGeom>
+              <a:avLst/>
+              <a:gdLst/>
+              <a:ahLst/>
+              <a:cxnLst/>
+              <a:rect l="l" t="t" r="r" b="b"/>
+              <a:pathLst>
+                <a:path w="1286933" h="6866467">
+                  <a:moveTo>
+                    <a:pt x="1016000" y="0"/>
+                  </a:moveTo>
+                  <a:lnTo>
+                    <a:pt x="0" y="6866467"/>
+                  </a:lnTo>
+                  <a:lnTo>
+                    <a:pt x="1286933" y="6866467"/>
+                  </a:lnTo>
+                  <a:cubicBezTo>
+                    <a:pt x="1284111" y="4577645"/>
+                    <a:pt x="1281288" y="2288822"/>
+                    <a:pt x="1278466" y="0"/>
+                  </a:cubicBezTo>
+                  <a:lnTo>
+                    <a:pt x="1016000" y="0"/>
+                  </a:lnTo>
+                  <a:close/>
+                </a:path>
+              </a:pathLst>
+            </a:custGeom>
+            <a:solidFill>
+              <a:schemeClr val="accent1">
+                <a:lumMod val="75000"/>
+                <a:alpha val="66000"/>
+              </a:schemeClr>
+            </a:solidFill>
+            <a:ln>
+              <a:noFill/>
+            </a:ln>
+            <a:effectLst/>
+          </p:spPr>
+          <p:style>
+            <a:lnRef idx="1">
+              <a:schemeClr val="accent1"/>
+            </a:lnRef>
+            <a:fillRef idx="3">
+              <a:schemeClr val="accent1"/>
+            </a:fillRef>
+            <a:effectRef idx="2">
+              <a:schemeClr val="accent1"/>
+            </a:effectRef>
+            <a:fontRef idx="minor">
+              <a:schemeClr val="lt1"/>
+            </a:fontRef>
+          </p:style>
+        </p:sp>
+        <p:sp>
+          <p:nvSpPr>
+            <p:cNvPr id="14" name="Freeform 13"/>
+            <p:cNvSpPr/>
+            <p:nvPr/>
+          </p:nvSpPr>
+          <p:spPr>
+            <a:xfrm>
+              <a:off x="8094165" y="-8468"/>
+              <a:ext cx="1066770" cy="6866467"/>
+            </a:xfrm>
+            <a:custGeom>
+              <a:avLst/>
+              <a:gdLst/>
+              <a:ahLst/>
+              <a:cxnLst/>
+              <a:rect l="l" t="t" r="r" b="b"/>
+              <a:pathLst>
+                <a:path w="1270244" h="6866467">
+                  <a:moveTo>
+                    <a:pt x="0" y="0"/>
+                  </a:moveTo>
+                  <a:lnTo>
+                    <a:pt x="1117600" y="6866467"/>
+                  </a:lnTo>
+                  <a:lnTo>
+                    <a:pt x="1270000" y="6866467"/>
+                  </a:lnTo>
+                  <a:cubicBezTo>
+                    <a:pt x="1272822" y="4574822"/>
+                    <a:pt x="1250245" y="2291645"/>
+                    <a:pt x="1253067" y="0"/>
+                  </a:cubicBezTo>
+                  <a:lnTo>
+                    <a:pt x="0" y="0"/>
+                  </a:lnTo>
+                  <a:close/>
+                </a:path>
+              </a:pathLst>
+            </a:custGeom>
+            <a:solidFill>
+              <a:schemeClr val="accent1">
+                <a:lumMod val="50000"/>
+                <a:alpha val="80000"/>
+              </a:schemeClr>
+            </a:solidFill>
+            <a:ln>
+              <a:noFill/>
+            </a:ln>
+            <a:effectLst/>
+          </p:spPr>
+          <p:style>
+            <a:lnRef idx="1">
+              <a:schemeClr val="accent1"/>
+            </a:lnRef>
+            <a:fillRef idx="3">
+              <a:schemeClr val="accent1"/>
+            </a:fillRef>
+            <a:effectRef idx="2">
+              <a:schemeClr val="accent1"/>
+            </a:effectRef>
+            <a:fontRef idx="minor">
+              <a:schemeClr val="lt1"/>
+            </a:fontRef>
+          </p:style>
+        </p:sp>
+        <p:sp>
+          <p:nvSpPr>
+            <p:cNvPr id="15" name="Freeform 14"/>
+            <p:cNvSpPr/>
+            <p:nvPr/>
+          </p:nvSpPr>
+          <p:spPr>
+            <a:xfrm>
+              <a:off x="8068764" y="4893733"/>
+              <a:ext cx="1094086" cy="1964267"/>
+            </a:xfrm>
+            <a:custGeom>
+              <a:avLst/>
+              <a:gdLst/>
+              <a:ahLst/>
+              <a:cxnLst/>
+              <a:rect l="l" t="t" r="r" b="b"/>
+              <a:pathLst>
+                <a:path w="1820333" h="3268133">
+                  <a:moveTo>
+                    <a:pt x="0" y="3268133"/>
+                  </a:moveTo>
+                  <a:lnTo>
+                    <a:pt x="1811866" y="0"/>
+                  </a:lnTo>
+                  <a:cubicBezTo>
+                    <a:pt x="1814688" y="1086555"/>
+                    <a:pt x="1817511" y="2173111"/>
+                    <a:pt x="1820333" y="3259666"/>
+                  </a:cubicBezTo>
+                  <a:lnTo>
+                    <a:pt x="0" y="3268133"/>
+                  </a:lnTo>
+                  <a:close/>
+                </a:path>
+              </a:pathLst>
+            </a:custGeom>
+            <a:solidFill>
+              <a:schemeClr val="accent1">
+                <a:lumMod val="50000"/>
+                <a:alpha val="76000"/>
+              </a:schemeClr>
+            </a:solidFill>
+            <a:ln>
+              <a:noFill/>
+            </a:ln>
+            <a:effectLst/>
+          </p:spPr>
+          <p:style>
+            <a:lnRef idx="1">
+              <a:schemeClr val="accent1"/>
+            </a:lnRef>
+            <a:fillRef idx="3">
+              <a:schemeClr val="accent1"/>
+            </a:fillRef>
+            <a:effectRef idx="2">
+              <a:schemeClr val="accent1"/>
+            </a:effectRef>
+            <a:fontRef idx="minor">
+              <a:schemeClr val="lt1"/>
+            </a:fontRef>
+          </p:style>
+        </p:sp>
+        <p:sp>
+          <p:nvSpPr>
+            <p:cNvPr id="16" name="Freeform 15"/>
+            <p:cNvSpPr/>
+            <p:nvPr/>
+          </p:nvSpPr>
+          <p:spPr>
+            <a:xfrm>
+              <a:off x="-8467" y="4013200"/>
+              <a:ext cx="457200" cy="2853267"/>
+            </a:xfrm>
+            <a:custGeom>
+              <a:avLst/>
+              <a:gdLst/>
+              <a:ahLst/>
+              <a:cxnLst/>
+              <a:rect l="l" t="t" r="r" b="b"/>
+              <a:pathLst>
+                <a:path w="457200" h="2853267">
+                  <a:moveTo>
+                    <a:pt x="0" y="0"/>
+                  </a:moveTo>
+                  <a:lnTo>
+                    <a:pt x="457200" y="2853267"/>
+                  </a:lnTo>
+                  <a:lnTo>
+                    <a:pt x="0" y="2844800"/>
+                  </a:lnTo>
+                  <a:cubicBezTo>
+                    <a:pt x="2822" y="1905000"/>
+                    <a:pt x="5645" y="965200"/>
+                    <a:pt x="0" y="0"/>
+                  </a:cubicBezTo>
+                  <a:close/>
+                </a:path>
+              </a:pathLst>
+            </a:custGeom>
+            <a:solidFill>
+              <a:schemeClr val="accent1">
+                <a:lumMod val="75000"/>
+                <a:alpha val="70000"/>
+              </a:schemeClr>
+            </a:solidFill>
+            <a:ln>
+              <a:noFill/>
+            </a:ln>
+            <a:effectLst/>
+          </p:spPr>
+          <p:style>
+            <a:lnRef idx="1">
+              <a:schemeClr val="accent1"/>
+            </a:lnRef>
+            <a:fillRef idx="3">
+              <a:schemeClr val="accent1"/>
+            </a:fillRef>
+            <a:effectRef idx="2">
+              <a:schemeClr val="accent1"/>
+            </a:effectRef>
+            <a:fontRef idx="minor">
+              <a:schemeClr val="lt1"/>
+            </a:fontRef>
+          </p:style>
+        </p:sp>
+      </p:grpSp>
       <p:sp>
         <p:nvSpPr>
           <p:cNvPr id="2" name="Title Placeholder 1"/>
@@ -2605,15 +5471,15 @@
         </p:nvSpPr>
         <p:spPr>
           <a:xfrm>
-            <a:off x="457200" y="274638"/>
-            <a:ext cx="8229600" cy="1143000"/>
+            <a:off x="609599" y="609600"/>
+            <a:ext cx="6347713" cy="1320800"/>
           </a:xfrm>
           <a:prstGeom prst="rect">
             <a:avLst/>
           </a:prstGeom>
         </p:spPr>
         <p:txBody>
-          <a:bodyPr vert="horz" lIns="91440" tIns="45720" rIns="91440" bIns="45720" rtlCol="0" anchor="ctr">
+          <a:bodyPr vert="horz" lIns="91440" tIns="45720" rIns="91440" bIns="45720" rtlCol="0" anchor="t">
             <a:normAutofit/>
           </a:bodyPr>
           <a:lstStyle/>
@@ -2622,6 +5488,7 @@
               <a:rPr lang="en-US"/>
               <a:t>Click to edit Master title style</a:t>
             </a:r>
+            <a:endParaRPr lang="en-US" dirty="0"/>
           </a:p>
         </p:txBody>
       </p:sp>
@@ -2637,8 +5504,8 @@
         </p:nvSpPr>
         <p:spPr>
           <a:xfrm>
-            <a:off x="457200" y="1600200"/>
-            <a:ext cx="8229600" cy="4525963"/>
+            <a:off x="609599" y="2160590"/>
+            <a:ext cx="6347714" cy="3880773"/>
           </a:xfrm>
           <a:prstGeom prst="rect">
             <a:avLst/>
@@ -2683,6 +5550,7 @@
               <a:rPr lang="en-US"/>
               <a:t>Fifth level</a:t>
             </a:r>
+            <a:endParaRPr lang="en-US" dirty="0"/>
           </a:p>
         </p:txBody>
       </p:sp>
@@ -2698,8 +5566,8 @@
         </p:nvSpPr>
         <p:spPr>
           <a:xfrm>
-            <a:off x="457200" y="6356350"/>
-            <a:ext cx="2133600" cy="365125"/>
+            <a:off x="5405258" y="6041363"/>
+            <a:ext cx="684132" cy="365125"/>
           </a:xfrm>
           <a:prstGeom prst="rect">
             <a:avLst/>
@@ -2708,8 +5576,8 @@
         <p:txBody>
           <a:bodyPr vert="horz" lIns="91440" tIns="45720" rIns="91440" bIns="45720" rtlCol="0" anchor="ctr"/>
           <a:lstStyle>
-            <a:lvl1pPr algn="l">
-              <a:defRPr sz="1200">
+            <a:lvl1pPr algn="r">
+              <a:defRPr sz="900">
                 <a:solidFill>
                   <a:schemeClr val="tx1">
                     <a:tint val="75000"/>
@@ -2722,7 +5590,7 @@
             <a:fld id="{22278AEF-C5F7-4B66-AA02-1B9777B8FF83}" type="datetimeFigureOut">
               <a:rPr lang="en-US" smtClean="0"/>
               <a:pPr/>
-              <a:t>19-Oct-20</a:t>
+              <a:t>10/22/2020</a:t>
             </a:fld>
             <a:endParaRPr lang="en-US"/>
           </a:p>
@@ -2740,8 +5608,8 @@
         </p:nvSpPr>
         <p:spPr>
           <a:xfrm>
-            <a:off x="3124200" y="6356350"/>
-            <a:ext cx="2895600" cy="365125"/>
+            <a:off x="609599" y="6041363"/>
+            <a:ext cx="4622973" cy="365125"/>
           </a:xfrm>
           <a:prstGeom prst="rect">
             <a:avLst/>
@@ -2750,8 +5618,8 @@
         <p:txBody>
           <a:bodyPr vert="horz" lIns="91440" tIns="45720" rIns="91440" bIns="45720" rtlCol="0" anchor="ctr"/>
           <a:lstStyle>
-            <a:lvl1pPr algn="ctr">
-              <a:defRPr sz="1200">
+            <a:lvl1pPr algn="l">
+              <a:defRPr sz="900">
                 <a:solidFill>
                   <a:schemeClr val="tx1">
                     <a:tint val="75000"/>
@@ -2777,8 +5645,8 @@
         </p:nvSpPr>
         <p:spPr>
           <a:xfrm>
-            <a:off x="6553200" y="6356350"/>
-            <a:ext cx="2133600" cy="365125"/>
+            <a:off x="6444676" y="6041363"/>
+            <a:ext cx="512638" cy="365125"/>
           </a:xfrm>
           <a:prstGeom prst="rect">
             <a:avLst/>
@@ -2788,10 +5656,10 @@
           <a:bodyPr vert="horz" lIns="91440" tIns="45720" rIns="91440" bIns="45720" rtlCol="0" anchor="ctr"/>
           <a:lstStyle>
             <a:lvl1pPr algn="r">
-              <a:defRPr sz="1200">
+              <a:defRPr sz="900">
                 <a:solidFill>
-                  <a:schemeClr val="tx1">
-                    <a:tint val="75000"/>
+                  <a:schemeClr val="accent1">
+                    <a:lumMod val="75000"/>
                   </a:schemeClr>
                 </a:solidFill>
               </a:defRPr>
@@ -2808,168 +5676,344 @@
         </p:txBody>
       </p:sp>
     </p:spTree>
+    <p:extLst>
+      <p:ext uri="{BB962C8B-B14F-4D97-AF65-F5344CB8AC3E}">
+        <p14:creationId xmlns:p14="http://schemas.microsoft.com/office/powerpoint/2010/main" val="1876444577"/>
+      </p:ext>
+    </p:extLst>
   </p:cSld>
   <p:clrMap bg1="lt1" tx1="dk1" bg2="lt2" tx2="dk2" accent1="accent1" accent2="accent2" accent3="accent3" accent4="accent4" accent5="accent5" accent6="accent6" hlink="hlink" folHlink="folHlink"/>
   <p:sldLayoutIdLst>
-    <p:sldLayoutId id="2147483649" r:id="rId1"/>
-    <p:sldLayoutId id="2147483650" r:id="rId2"/>
-    <p:sldLayoutId id="2147483651" r:id="rId3"/>
-    <p:sldLayoutId id="2147483652" r:id="rId4"/>
-    <p:sldLayoutId id="2147483653" r:id="rId5"/>
-    <p:sldLayoutId id="2147483654" r:id="rId6"/>
-    <p:sldLayoutId id="2147483655" r:id="rId7"/>
-    <p:sldLayoutId id="2147483656" r:id="rId8"/>
-    <p:sldLayoutId id="2147483657" r:id="rId9"/>
-    <p:sldLayoutId id="2147483658" r:id="rId10"/>
-    <p:sldLayoutId id="2147483659" r:id="rId11"/>
+    <p:sldLayoutId id="2147483678" r:id="rId1"/>
+    <p:sldLayoutId id="2147483679" r:id="rId2"/>
+    <p:sldLayoutId id="2147483680" r:id="rId3"/>
+    <p:sldLayoutId id="2147483681" r:id="rId4"/>
+    <p:sldLayoutId id="2147483682" r:id="rId5"/>
+    <p:sldLayoutId id="2147483683" r:id="rId6"/>
+    <p:sldLayoutId id="2147483684" r:id="rId7"/>
+    <p:sldLayoutId id="2147483685" r:id="rId8"/>
+    <p:sldLayoutId id="2147483686" r:id="rId9"/>
+    <p:sldLayoutId id="2147483687" r:id="rId10"/>
+    <p:sldLayoutId id="2147483688" r:id="rId11"/>
+    <p:sldLayoutId id="2147483689" r:id="rId12"/>
+    <p:sldLayoutId id="2147483690" r:id="rId13"/>
+    <p:sldLayoutId id="2147483691" r:id="rId14"/>
+    <p:sldLayoutId id="2147483692" r:id="rId15"/>
+    <p:sldLayoutId id="2147483693" r:id="rId16"/>
   </p:sldLayoutIdLst>
   <p:txStyles>
     <p:titleStyle>
-      <a:lvl1pPr algn="ctr" defTabSz="914400" rtl="0" eaLnBrk="1" latinLnBrk="0" hangingPunct="1">
+      <a:lvl1pPr algn="l" defTabSz="457200" rtl="0" eaLnBrk="1" latinLnBrk="0" hangingPunct="1">
         <a:spcBef>
           <a:spcPct val="0"/>
         </a:spcBef>
         <a:buNone/>
-        <a:defRPr sz="4400" kern="1200">
+        <a:defRPr sz="3600" kern="1200">
           <a:solidFill>
-            <a:schemeClr val="tx1"/>
+            <a:schemeClr val="accent1">
+              <a:lumMod val="75000"/>
+            </a:schemeClr>
           </a:solidFill>
           <a:latin typeface="+mj-lt"/>
           <a:ea typeface="+mj-ea"/>
           <a:cs typeface="+mj-cs"/>
         </a:defRPr>
       </a:lvl1pPr>
+      <a:lvl2pPr eaLnBrk="1" hangingPunct="1">
+        <a:defRPr>
+          <a:solidFill>
+            <a:schemeClr val="tx2"/>
+          </a:solidFill>
+        </a:defRPr>
+      </a:lvl2pPr>
+      <a:lvl3pPr eaLnBrk="1" hangingPunct="1">
+        <a:defRPr>
+          <a:solidFill>
+            <a:schemeClr val="tx2"/>
+          </a:solidFill>
+        </a:defRPr>
+      </a:lvl3pPr>
+      <a:lvl4pPr eaLnBrk="1" hangingPunct="1">
+        <a:defRPr>
+          <a:solidFill>
+            <a:schemeClr val="tx2"/>
+          </a:solidFill>
+        </a:defRPr>
+      </a:lvl4pPr>
+      <a:lvl5pPr eaLnBrk="1" hangingPunct="1">
+        <a:defRPr>
+          <a:solidFill>
+            <a:schemeClr val="tx2"/>
+          </a:solidFill>
+        </a:defRPr>
+      </a:lvl5pPr>
+      <a:lvl6pPr eaLnBrk="1" hangingPunct="1">
+        <a:defRPr>
+          <a:solidFill>
+            <a:schemeClr val="tx2"/>
+          </a:solidFill>
+        </a:defRPr>
+      </a:lvl6pPr>
+      <a:lvl7pPr eaLnBrk="1" hangingPunct="1">
+        <a:defRPr>
+          <a:solidFill>
+            <a:schemeClr val="tx2"/>
+          </a:solidFill>
+        </a:defRPr>
+      </a:lvl7pPr>
+      <a:lvl8pPr eaLnBrk="1" hangingPunct="1">
+        <a:defRPr>
+          <a:solidFill>
+            <a:schemeClr val="tx2"/>
+          </a:solidFill>
+        </a:defRPr>
+      </a:lvl8pPr>
+      <a:lvl9pPr eaLnBrk="1" hangingPunct="1">
+        <a:defRPr>
+          <a:solidFill>
+            <a:schemeClr val="tx2"/>
+          </a:solidFill>
+        </a:defRPr>
+      </a:lvl9pPr>
     </p:titleStyle>
     <p:bodyStyle>
-      <a:lvl1pPr marL="342900" indent="-342900" algn="l" defTabSz="914400" rtl="0" eaLnBrk="1" latinLnBrk="0" hangingPunct="1">
+      <a:lvl1pPr marL="342900" indent="-342900" algn="l" defTabSz="457200" rtl="0" eaLnBrk="1" latinLnBrk="0" hangingPunct="1">
         <a:spcBef>
-          <a:spcPct val="20000"/>
+          <a:spcPts val="1000"/>
         </a:spcBef>
-        <a:buFont typeface="Arial" pitchFamily="34" charset="0"/>
-        <a:buChar char="•"/>
-        <a:defRPr sz="3200" kern="1200">
+        <a:spcAft>
+          <a:spcPts val="0"/>
+        </a:spcAft>
+        <a:buClr>
+          <a:schemeClr val="accent1">
+            <a:lumMod val="75000"/>
+          </a:schemeClr>
+        </a:buClr>
+        <a:buSzPct val="80000"/>
+        <a:buFont typeface="Wingdings 3" charset="2"/>
+        <a:buChar char=""/>
+        <a:defRPr sz="1800" kern="1200">
           <a:solidFill>
-            <a:schemeClr val="tx1"/>
+            <a:schemeClr val="tx1">
+              <a:lumMod val="75000"/>
+              <a:lumOff val="25000"/>
+            </a:schemeClr>
           </a:solidFill>
           <a:latin typeface="+mn-lt"/>
           <a:ea typeface="+mn-ea"/>
           <a:cs typeface="+mn-cs"/>
         </a:defRPr>
       </a:lvl1pPr>
-      <a:lvl2pPr marL="742950" indent="-285750" algn="l" defTabSz="914400" rtl="0" eaLnBrk="1" latinLnBrk="0" hangingPunct="1">
+      <a:lvl2pPr marL="742950" indent="-285750" algn="l" defTabSz="457200" rtl="0" eaLnBrk="1" latinLnBrk="0" hangingPunct="1">
         <a:spcBef>
-          <a:spcPct val="20000"/>
+          <a:spcPts val="1000"/>
         </a:spcBef>
-        <a:buFont typeface="Arial" pitchFamily="34" charset="0"/>
-        <a:buChar char="–"/>
-        <a:defRPr sz="2800" kern="1200">
+        <a:spcAft>
+          <a:spcPts val="0"/>
+        </a:spcAft>
+        <a:buClr>
+          <a:schemeClr val="accent1">
+            <a:lumMod val="75000"/>
+          </a:schemeClr>
+        </a:buClr>
+        <a:buSzPct val="80000"/>
+        <a:buFont typeface="Wingdings 3" charset="2"/>
+        <a:buChar char=""/>
+        <a:defRPr sz="1600" kern="1200">
           <a:solidFill>
-            <a:schemeClr val="tx1"/>
+            <a:schemeClr val="tx1">
+              <a:lumMod val="75000"/>
+              <a:lumOff val="25000"/>
+            </a:schemeClr>
           </a:solidFill>
           <a:latin typeface="+mn-lt"/>
           <a:ea typeface="+mn-ea"/>
           <a:cs typeface="+mn-cs"/>
         </a:defRPr>
       </a:lvl2pPr>
-      <a:lvl3pPr marL="1143000" indent="-228600" algn="l" defTabSz="914400" rtl="0" eaLnBrk="1" latinLnBrk="0" hangingPunct="1">
+      <a:lvl3pPr marL="1143000" indent="-228600" algn="l" defTabSz="457200" rtl="0" eaLnBrk="1" latinLnBrk="0" hangingPunct="1">
         <a:spcBef>
-          <a:spcPct val="20000"/>
+          <a:spcPts val="1000"/>
         </a:spcBef>
-        <a:buFont typeface="Arial" pitchFamily="34" charset="0"/>
-        <a:buChar char="•"/>
-        <a:defRPr sz="2400" kern="1200">
+        <a:spcAft>
+          <a:spcPts val="0"/>
+        </a:spcAft>
+        <a:buClr>
+          <a:schemeClr val="accent1">
+            <a:lumMod val="75000"/>
+          </a:schemeClr>
+        </a:buClr>
+        <a:buSzPct val="80000"/>
+        <a:buFont typeface="Wingdings 3" charset="2"/>
+        <a:buChar char=""/>
+        <a:defRPr sz="1400" kern="1200">
           <a:solidFill>
-            <a:schemeClr val="tx1"/>
+            <a:schemeClr val="tx1">
+              <a:lumMod val="75000"/>
+              <a:lumOff val="25000"/>
+            </a:schemeClr>
           </a:solidFill>
           <a:latin typeface="+mn-lt"/>
           <a:ea typeface="+mn-ea"/>
           <a:cs typeface="+mn-cs"/>
         </a:defRPr>
       </a:lvl3pPr>
-      <a:lvl4pPr marL="1600200" indent="-228600" algn="l" defTabSz="914400" rtl="0" eaLnBrk="1" latinLnBrk="0" hangingPunct="1">
+      <a:lvl4pPr marL="1600200" indent="-228600" algn="l" defTabSz="457200" rtl="0" eaLnBrk="1" latinLnBrk="0" hangingPunct="1">
         <a:spcBef>
-          <a:spcPct val="20000"/>
+          <a:spcPts val="1000"/>
         </a:spcBef>
-        <a:buFont typeface="Arial" pitchFamily="34" charset="0"/>
-        <a:buChar char="–"/>
-        <a:defRPr sz="2000" kern="1200">
+        <a:spcAft>
+          <a:spcPts val="0"/>
+        </a:spcAft>
+        <a:buClr>
+          <a:schemeClr val="accent1">
+            <a:lumMod val="75000"/>
+          </a:schemeClr>
+        </a:buClr>
+        <a:buSzPct val="80000"/>
+        <a:buFont typeface="Wingdings 3" charset="2"/>
+        <a:buChar char=""/>
+        <a:defRPr sz="1200" kern="1200">
           <a:solidFill>
-            <a:schemeClr val="tx1"/>
+            <a:schemeClr val="tx1">
+              <a:lumMod val="75000"/>
+              <a:lumOff val="25000"/>
+            </a:schemeClr>
           </a:solidFill>
           <a:latin typeface="+mn-lt"/>
           <a:ea typeface="+mn-ea"/>
           <a:cs typeface="+mn-cs"/>
         </a:defRPr>
       </a:lvl4pPr>
-      <a:lvl5pPr marL="2057400" indent="-228600" algn="l" defTabSz="914400" rtl="0" eaLnBrk="1" latinLnBrk="0" hangingPunct="1">
+      <a:lvl5pPr marL="2057400" indent="-228600" algn="l" defTabSz="457200" rtl="0" eaLnBrk="1" latinLnBrk="0" hangingPunct="1">
         <a:spcBef>
-          <a:spcPct val="20000"/>
+          <a:spcPts val="1000"/>
         </a:spcBef>
-        <a:buFont typeface="Arial" pitchFamily="34" charset="0"/>
-        <a:buChar char="»"/>
-        <a:defRPr sz="2000" kern="1200">
+        <a:spcAft>
+          <a:spcPts val="0"/>
+        </a:spcAft>
+        <a:buClr>
+          <a:schemeClr val="accent1">
+            <a:lumMod val="75000"/>
+          </a:schemeClr>
+        </a:buClr>
+        <a:buSzPct val="80000"/>
+        <a:buFont typeface="Wingdings 3" charset="2"/>
+        <a:buChar char=""/>
+        <a:defRPr sz="1200" kern="1200">
           <a:solidFill>
-            <a:schemeClr val="tx1"/>
+            <a:schemeClr val="tx1">
+              <a:lumMod val="75000"/>
+              <a:lumOff val="25000"/>
+            </a:schemeClr>
           </a:solidFill>
           <a:latin typeface="+mn-lt"/>
           <a:ea typeface="+mn-ea"/>
           <a:cs typeface="+mn-cs"/>
         </a:defRPr>
       </a:lvl5pPr>
-      <a:lvl6pPr marL="2514600" indent="-228600" algn="l" defTabSz="914400" rtl="0" eaLnBrk="1" latinLnBrk="0" hangingPunct="1">
+      <a:lvl6pPr marL="2514600" indent="-228600" algn="l" defTabSz="457200" rtl="0" eaLnBrk="1" latinLnBrk="0" hangingPunct="1">
         <a:spcBef>
-          <a:spcPct val="20000"/>
+          <a:spcPts val="1000"/>
         </a:spcBef>
-        <a:buFont typeface="Arial" pitchFamily="34" charset="0"/>
-        <a:buChar char="•"/>
-        <a:defRPr sz="2000" kern="1200">
+        <a:spcAft>
+          <a:spcPts val="0"/>
+        </a:spcAft>
+        <a:buClr>
+          <a:schemeClr val="accent1">
+            <a:lumMod val="75000"/>
+          </a:schemeClr>
+        </a:buClr>
+        <a:buSzPct val="80000"/>
+        <a:buFont typeface="Wingdings 3" charset="2"/>
+        <a:buChar char=""/>
+        <a:defRPr sz="1200" kern="1200">
           <a:solidFill>
-            <a:schemeClr val="tx1"/>
+            <a:schemeClr val="tx1">
+              <a:lumMod val="75000"/>
+              <a:lumOff val="25000"/>
+            </a:schemeClr>
           </a:solidFill>
           <a:latin typeface="+mn-lt"/>
           <a:ea typeface="+mn-ea"/>
           <a:cs typeface="+mn-cs"/>
         </a:defRPr>
       </a:lvl6pPr>
-      <a:lvl7pPr marL="2971800" indent="-228600" algn="l" defTabSz="914400" rtl="0" eaLnBrk="1" latinLnBrk="0" hangingPunct="1">
+      <a:lvl7pPr marL="2971800" indent="-228600" algn="l" defTabSz="457200" rtl="0" eaLnBrk="1" latinLnBrk="0" hangingPunct="1">
         <a:spcBef>
-          <a:spcPct val="20000"/>
+          <a:spcPts val="1000"/>
         </a:spcBef>
-        <a:buFont typeface="Arial" pitchFamily="34" charset="0"/>
-        <a:buChar char="•"/>
-        <a:defRPr sz="2000" kern="1200">
+        <a:spcAft>
+          <a:spcPts val="0"/>
+        </a:spcAft>
+        <a:buClr>
+          <a:schemeClr val="accent1">
+            <a:lumMod val="75000"/>
+          </a:schemeClr>
+        </a:buClr>
+        <a:buSzPct val="80000"/>
+        <a:buFont typeface="Wingdings 3" charset="2"/>
+        <a:buChar char=""/>
+        <a:defRPr sz="1200" kern="1200">
           <a:solidFill>
-            <a:schemeClr val="tx1"/>
+            <a:schemeClr val="tx1">
+              <a:lumMod val="75000"/>
+              <a:lumOff val="25000"/>
+            </a:schemeClr>
           </a:solidFill>
           <a:latin typeface="+mn-lt"/>
           <a:ea typeface="+mn-ea"/>
           <a:cs typeface="+mn-cs"/>
         </a:defRPr>
       </a:lvl7pPr>
-      <a:lvl8pPr marL="3429000" indent="-228600" algn="l" defTabSz="914400" rtl="0" eaLnBrk="1" latinLnBrk="0" hangingPunct="1">
+      <a:lvl8pPr marL="3429000" indent="-228600" algn="l" defTabSz="457200" rtl="0" eaLnBrk="1" latinLnBrk="0" hangingPunct="1">
         <a:spcBef>
-          <a:spcPct val="20000"/>
+          <a:spcPts val="1000"/>
         </a:spcBef>
-        <a:buFont typeface="Arial" pitchFamily="34" charset="0"/>
-        <a:buChar char="•"/>
-        <a:defRPr sz="2000" kern="1200">
+        <a:spcAft>
+          <a:spcPts val="0"/>
+        </a:spcAft>
+        <a:buClr>
+          <a:schemeClr val="accent1">
+            <a:lumMod val="75000"/>
+          </a:schemeClr>
+        </a:buClr>
+        <a:buSzPct val="80000"/>
+        <a:buFont typeface="Wingdings 3" charset="2"/>
+        <a:buChar char=""/>
+        <a:defRPr sz="1200" kern="1200">
           <a:solidFill>
-            <a:schemeClr val="tx1"/>
+            <a:schemeClr val="tx1">
+              <a:lumMod val="75000"/>
+              <a:lumOff val="25000"/>
+            </a:schemeClr>
           </a:solidFill>
           <a:latin typeface="+mn-lt"/>
           <a:ea typeface="+mn-ea"/>
           <a:cs typeface="+mn-cs"/>
         </a:defRPr>
       </a:lvl8pPr>
-      <a:lvl9pPr marL="3886200" indent="-228600" algn="l" defTabSz="914400" rtl="0" eaLnBrk="1" latinLnBrk="0" hangingPunct="1">
+      <a:lvl9pPr marL="3886200" indent="-228600" algn="l" defTabSz="457200" rtl="0" eaLnBrk="1" latinLnBrk="0" hangingPunct="1">
         <a:spcBef>
-          <a:spcPct val="20000"/>
+          <a:spcPts val="1000"/>
         </a:spcBef>
-        <a:buFont typeface="Arial" pitchFamily="34" charset="0"/>
-        <a:buChar char="•"/>
-        <a:defRPr sz="2000" kern="1200">
+        <a:spcAft>
+          <a:spcPts val="0"/>
+        </a:spcAft>
+        <a:buClr>
+          <a:schemeClr val="accent1">
+            <a:lumMod val="75000"/>
+          </a:schemeClr>
+        </a:buClr>
+        <a:buSzPct val="80000"/>
+        <a:buFont typeface="Wingdings 3" charset="2"/>
+        <a:buChar char=""/>
+        <a:defRPr sz="1200" kern="1200">
           <a:solidFill>
-            <a:schemeClr val="tx1"/>
+            <a:schemeClr val="tx1">
+              <a:lumMod val="75000"/>
+              <a:lumOff val="25000"/>
+            </a:schemeClr>
           </a:solidFill>
           <a:latin typeface="+mn-lt"/>
           <a:ea typeface="+mn-ea"/>
@@ -2981,7 +6025,7 @@
       <a:defPPr>
         <a:defRPr lang="en-US"/>
       </a:defPPr>
-      <a:lvl1pPr marL="0" algn="l" defTabSz="914400" rtl="0" eaLnBrk="1" latinLnBrk="0" hangingPunct="1">
+      <a:lvl1pPr marL="0" algn="l" defTabSz="457200" rtl="0" eaLnBrk="1" latinLnBrk="0" hangingPunct="1">
         <a:defRPr sz="1800" kern="1200">
           <a:solidFill>
             <a:schemeClr val="tx1"/>
@@ -2991,7 +6035,7 @@
           <a:cs typeface="+mn-cs"/>
         </a:defRPr>
       </a:lvl1pPr>
-      <a:lvl2pPr marL="457200" algn="l" defTabSz="914400" rtl="0" eaLnBrk="1" latinLnBrk="0" hangingPunct="1">
+      <a:lvl2pPr marL="457200" algn="l" defTabSz="457200" rtl="0" eaLnBrk="1" latinLnBrk="0" hangingPunct="1">
         <a:defRPr sz="1800" kern="1200">
           <a:solidFill>
             <a:schemeClr val="tx1"/>
@@ -3001,7 +6045,7 @@
           <a:cs typeface="+mn-cs"/>
         </a:defRPr>
       </a:lvl2pPr>
-      <a:lvl3pPr marL="914400" algn="l" defTabSz="914400" rtl="0" eaLnBrk="1" latinLnBrk="0" hangingPunct="1">
+      <a:lvl3pPr marL="914400" algn="l" defTabSz="457200" rtl="0" eaLnBrk="1" latinLnBrk="0" hangingPunct="1">
         <a:defRPr sz="1800" kern="1200">
           <a:solidFill>
             <a:schemeClr val="tx1"/>
@@ -3011,7 +6055,7 @@
           <a:cs typeface="+mn-cs"/>
         </a:defRPr>
       </a:lvl3pPr>
-      <a:lvl4pPr marL="1371600" algn="l" defTabSz="914400" rtl="0" eaLnBrk="1" latinLnBrk="0" hangingPunct="1">
+      <a:lvl4pPr marL="1371600" algn="l" defTabSz="457200" rtl="0" eaLnBrk="1" latinLnBrk="0" hangingPunct="1">
         <a:defRPr sz="1800" kern="1200">
           <a:solidFill>
             <a:schemeClr val="tx1"/>
@@ -3021,7 +6065,7 @@
           <a:cs typeface="+mn-cs"/>
         </a:defRPr>
       </a:lvl4pPr>
-      <a:lvl5pPr marL="1828800" algn="l" defTabSz="914400" rtl="0" eaLnBrk="1" latinLnBrk="0" hangingPunct="1">
+      <a:lvl5pPr marL="1828800" algn="l" defTabSz="457200" rtl="0" eaLnBrk="1" latinLnBrk="0" hangingPunct="1">
         <a:defRPr sz="1800" kern="1200">
           <a:solidFill>
             <a:schemeClr val="tx1"/>
@@ -3031,7 +6075,7 @@
           <a:cs typeface="+mn-cs"/>
         </a:defRPr>
       </a:lvl5pPr>
-      <a:lvl6pPr marL="2286000" algn="l" defTabSz="914400" rtl="0" eaLnBrk="1" latinLnBrk="0" hangingPunct="1">
+      <a:lvl6pPr marL="2286000" algn="l" defTabSz="457200" rtl="0" eaLnBrk="1" latinLnBrk="0" hangingPunct="1">
         <a:defRPr sz="1800" kern="1200">
           <a:solidFill>
             <a:schemeClr val="tx1"/>
@@ -3041,7 +6085,7 @@
           <a:cs typeface="+mn-cs"/>
         </a:defRPr>
       </a:lvl6pPr>
-      <a:lvl7pPr marL="2743200" algn="l" defTabSz="914400" rtl="0" eaLnBrk="1" latinLnBrk="0" hangingPunct="1">
+      <a:lvl7pPr marL="2743200" algn="l" defTabSz="457200" rtl="0" eaLnBrk="1" latinLnBrk="0" hangingPunct="1">
         <a:defRPr sz="1800" kern="1200">
           <a:solidFill>
             <a:schemeClr val="tx1"/>
@@ -3051,7 +6095,7 @@
           <a:cs typeface="+mn-cs"/>
         </a:defRPr>
       </a:lvl7pPr>
-      <a:lvl8pPr marL="3200400" algn="l" defTabSz="914400" rtl="0" eaLnBrk="1" latinLnBrk="0" hangingPunct="1">
+      <a:lvl8pPr marL="3200400" algn="l" defTabSz="457200" rtl="0" eaLnBrk="1" latinLnBrk="0" hangingPunct="1">
         <a:defRPr sz="1800" kern="1200">
           <a:solidFill>
             <a:schemeClr val="tx1"/>
@@ -3061,7 +6105,7 @@
           <a:cs typeface="+mn-cs"/>
         </a:defRPr>
       </a:lvl8pPr>
-      <a:lvl9pPr marL="3657600" algn="l" defTabSz="914400" rtl="0" eaLnBrk="1" latinLnBrk="0" hangingPunct="1">
+      <a:lvl9pPr marL="3657600" algn="l" defTabSz="457200" rtl="0" eaLnBrk="1" latinLnBrk="0" hangingPunct="1">
         <a:defRPr sz="1800" kern="1200">
           <a:solidFill>
             <a:schemeClr val="tx1"/>
@@ -3095,12 +6139,12 @@
       </p:grpSpPr>
       <p:sp>
         <p:nvSpPr>
-          <p:cNvPr id="2" name="Title 1"/>
-          <p:cNvSpPr>
-            <a:spLocks noGrp="1"/>
-          </p:cNvSpPr>
-          <p:nvPr>
-            <p:ph type="ctrTitle"/>
+          <p:cNvPr id="3" name="Subtitle 2"/>
+          <p:cNvSpPr>
+            <a:spLocks noGrp="1"/>
+          </p:cNvSpPr>
+          <p:nvPr>
+            <p:ph type="subTitle" idx="1"/>
           </p:nvPr>
         </p:nvSpPr>
         <p:spPr/>
@@ -3112,25 +6156,53 @@
           </a:p>
         </p:txBody>
       </p:sp>
-      <p:sp>
-        <p:nvSpPr>
-          <p:cNvPr id="3" name="Subtitle 2"/>
-          <p:cNvSpPr>
-            <a:spLocks noGrp="1"/>
-          </p:cNvSpPr>
-          <p:nvPr>
-            <p:ph type="subTitle" idx="1"/>
-          </p:nvPr>
-        </p:nvSpPr>
-        <p:spPr/>
-        <p:txBody>
-          <a:bodyPr/>
-          <a:lstStyle/>
-          <a:p>
-            <a:endParaRPr lang="en-US"/>
-          </a:p>
-        </p:txBody>
-      </p:sp>
+      <p:pic>
+        <p:nvPicPr>
+          <p:cNvPr id="3074" name="Picture 2" descr="Image result for sVIT LOGO">
+            <a:extLst>
+              <a:ext uri="{FF2B5EF4-FFF2-40B4-BE49-F238E27FC236}">
+                <a16:creationId xmlns:a16="http://schemas.microsoft.com/office/drawing/2014/main" id="{0300D63E-15ED-4836-9BDD-251EFB29B321}"/>
+              </a:ext>
+            </a:extLst>
+          </p:cNvPr>
+          <p:cNvPicPr>
+            <a:picLocks noChangeAspect="1" noChangeArrowheads="1"/>
+          </p:cNvPicPr>
+          <p:nvPr/>
+        </p:nvPicPr>
+        <p:blipFill>
+          <a:blip r:embed="rId2">
+            <a:extLst>
+              <a:ext uri="{28A0092B-C50C-407E-A947-70E740481C1C}">
+                <a14:useLocalDpi xmlns:a14="http://schemas.microsoft.com/office/drawing/2010/main" val="0"/>
+              </a:ext>
+            </a:extLst>
+          </a:blip>
+          <a:srcRect/>
+          <a:stretch>
+            <a:fillRect/>
+          </a:stretch>
+        </p:blipFill>
+        <p:spPr bwMode="auto">
+          <a:xfrm>
+            <a:off x="457200" y="606425"/>
+            <a:ext cx="2962275" cy="3048000"/>
+          </a:xfrm>
+          <a:prstGeom prst="rect">
+            <a:avLst/>
+          </a:prstGeom>
+          <a:noFill/>
+          <a:extLst>
+            <a:ext uri="{909E8E84-426E-40DD-AFC4-6F175D3DCCD1}">
+              <a14:hiddenFill xmlns:a14="http://schemas.microsoft.com/office/drawing/2010/main">
+                <a:solidFill>
+                  <a:srgbClr val="FFFFFF"/>
+                </a:solidFill>
+              </a14:hiddenFill>
+            </a:ext>
+          </a:extLst>
+        </p:spPr>
+      </p:pic>
     </p:spTree>
   </p:cSld>
   <p:clrMapOvr>
@@ -3174,7 +6246,7 @@
         </p:spPr>
         <p:txBody>
           <a:bodyPr>
-            <a:normAutofit fontScale="92500" lnSpcReduction="10000"/>
+            <a:normAutofit/>
           </a:bodyPr>
           <a:lstStyle/>
           <a:p>
@@ -3270,7 +6342,7 @@
         </p:spPr>
         <p:txBody>
           <a:bodyPr>
-            <a:normAutofit fontScale="85000" lnSpcReduction="20000"/>
+            <a:normAutofit/>
           </a:bodyPr>
           <a:lstStyle/>
           <a:p>
@@ -3416,32 +6488,298 @@
       </p:grpSpPr>
       <p:sp>
         <p:nvSpPr>
-          <p:cNvPr id="4" name="Title 1"/>
-          <p:cNvSpPr>
-            <a:spLocks noGrp="1"/>
-          </p:cNvSpPr>
-          <p:nvPr>
-            <p:ph type="title"/>
-          </p:nvPr>
+          <p:cNvPr id="4" name="Title 1">
+            <a:extLst>
+              <a:ext uri="{FF2B5EF4-FFF2-40B4-BE49-F238E27FC236}">
+                <a16:creationId xmlns:a16="http://schemas.microsoft.com/office/drawing/2014/main" id="{0B51D2DF-360D-41BB-B1C4-EA3E985EC889}"/>
+              </a:ext>
+            </a:extLst>
+          </p:cNvPr>
+          <p:cNvSpPr txBox="1">
+            <a:spLocks/>
+          </p:cNvSpPr>
+          <p:nvPr/>
         </p:nvSpPr>
         <p:spPr>
           <a:xfrm>
-            <a:off x="457200" y="274638"/>
+            <a:off x="457200" y="457200"/>
             <a:ext cx="8229600" cy="1143000"/>
           </a:xfrm>
+          <a:prstGeom prst="rect">
+            <a:avLst/>
+          </a:prstGeom>
         </p:spPr>
         <p:txBody>
-          <a:bodyPr/>
+          <a:bodyPr vert="horz" lIns="91440" tIns="45720" rIns="91440" bIns="45720" rtlCol="0" anchor="ctr">
+            <a:normAutofit/>
+          </a:bodyPr>
+          <a:lstStyle>
+            <a:lvl1pPr algn="ctr" defTabSz="914400" rtl="0" eaLnBrk="1" latinLnBrk="0" hangingPunct="1">
+              <a:spcBef>
+                <a:spcPct val="0"/>
+              </a:spcBef>
+              <a:buNone/>
+              <a:defRPr sz="4400" kern="1200">
+                <a:solidFill>
+                  <a:schemeClr val="tx1"/>
+                </a:solidFill>
+                <a:latin typeface="+mj-lt"/>
+                <a:ea typeface="+mj-ea"/>
+                <a:cs typeface="+mj-cs"/>
+              </a:defRPr>
+            </a:lvl1pPr>
+          </a:lstStyle>
+          <a:p>
+            <a:r>
+              <a:rPr lang="en-US" dirty="0"/>
+              <a:t>Feasibility Study</a:t>
+            </a:r>
+          </a:p>
+        </p:txBody>
+      </p:sp>
+      <p:sp>
+        <p:nvSpPr>
+          <p:cNvPr id="5" name="Rectangle 4">
+            <a:extLst>
+              <a:ext uri="{FF2B5EF4-FFF2-40B4-BE49-F238E27FC236}">
+                <a16:creationId xmlns:a16="http://schemas.microsoft.com/office/drawing/2014/main" id="{04A0972F-4A12-4D82-BCBF-3DBCA76A5C1E}"/>
+              </a:ext>
+            </a:extLst>
+          </p:cNvPr>
+          <p:cNvSpPr/>
+          <p:nvPr/>
+        </p:nvSpPr>
+        <p:spPr>
+          <a:xfrm>
+            <a:off x="304800" y="2494508"/>
+            <a:ext cx="7467600" cy="1200329"/>
+          </a:xfrm>
+          <a:prstGeom prst="rect">
+            <a:avLst/>
+          </a:prstGeom>
+        </p:spPr>
+        <p:txBody>
+          <a:bodyPr wrap="square">
+            <a:spAutoFit/>
+          </a:bodyPr>
           <a:lstStyle/>
           <a:p>
-            <a:r>
-              <a:rPr lang="en-US" dirty="0" smtClean="0"/>
-              <a:t>Feasibility Study</a:t>
-            </a:r>
-            <a:endParaRPr lang="en-US" dirty="0"/>
-          </a:p>
-        </p:txBody>
-      </p:sp>
+            <a:pPr marL="742950" indent="-285750">
+              <a:buFont typeface="Arial" panose="020B0604020202020204" pitchFamily="34" charset="0"/>
+              <a:buChar char="•"/>
+            </a:pPr>
+            <a:r>
+              <a:rPr lang="en-US" dirty="0">
+                <a:solidFill>
+                  <a:srgbClr val="222222"/>
+                </a:solidFill>
+                <a:latin typeface="Times New Roman" panose="02020603050405020304" pitchFamily="18" charset="0"/>
+              </a:rPr>
+              <a:t>A feasibility study is an analysis that takes all of the projects relevant factors into account including economic, technical, legal, scheduling considerations – to ascertain the likelihood of completing the project successfully.</a:t>
+            </a:r>
+          </a:p>
+        </p:txBody>
+      </p:sp>
+    </p:spTree>
+    <p:extLst>
+      <p:ext uri="{BB962C8B-B14F-4D97-AF65-F5344CB8AC3E}">
+        <p14:creationId xmlns:p14="http://schemas.microsoft.com/office/powerpoint/2010/main" val="1298764548"/>
+      </p:ext>
+    </p:extLst>
+  </p:cSld>
+  <p:clrMapOvr>
+    <a:masterClrMapping/>
+  </p:clrMapOvr>
+</p:sld>
+</file>
+
+<file path=ppt/slides/slide13.xml><?xml version="1.0" encoding="utf-8"?>
+<p:sld xmlns:a="http://schemas.openxmlformats.org/drawingml/2006/main" xmlns:r="http://schemas.openxmlformats.org/officeDocument/2006/relationships" xmlns:p="http://schemas.openxmlformats.org/presentationml/2006/main">
+  <p:cSld>
+    <p:spTree>
+      <p:nvGrpSpPr>
+        <p:cNvPr id="1" name=""/>
+        <p:cNvGrpSpPr/>
+        <p:nvPr/>
+      </p:nvGrpSpPr>
+      <p:grpSpPr>
+        <a:xfrm>
+          <a:off x="0" y="0"/>
+          <a:ext cx="0" cy="0"/>
+          <a:chOff x="0" y="0"/>
+          <a:chExt cx="0" cy="0"/>
+        </a:xfrm>
+      </p:grpSpPr>
+      <p:sp>
+        <p:nvSpPr>
+          <p:cNvPr id="3" name="Content Placeholder 2"/>
+          <p:cNvSpPr>
+            <a:spLocks noGrp="1"/>
+          </p:cNvSpPr>
+          <p:nvPr>
+            <p:ph idx="1"/>
+          </p:nvPr>
+        </p:nvSpPr>
+        <p:spPr/>
+        <p:txBody>
+          <a:bodyPr>
+            <a:normAutofit/>
+          </a:bodyPr>
+          <a:lstStyle/>
+          <a:p>
+            <a:pPr marL="114300" marR="0" indent="0" algn="l">
+              <a:spcBef>
+                <a:spcPts val="0"/>
+              </a:spcBef>
+              <a:spcAft>
+                <a:spcPts val="0"/>
+              </a:spcAft>
+              <a:buNone/>
+            </a:pPr>
+            <a:endParaRPr lang="en-US" sz="1800" dirty="0">
+              <a:solidFill>
+                <a:srgbClr val="222222"/>
+              </a:solidFill>
+              <a:latin typeface="Times New Roman" panose="02020603050405020304" pitchFamily="18" charset="0"/>
+            </a:endParaRPr>
+          </a:p>
+          <a:p>
+            <a:pPr marL="114300" marR="0" indent="0" algn="l">
+              <a:spcBef>
+                <a:spcPts val="0"/>
+              </a:spcBef>
+              <a:spcAft>
+                <a:spcPts val="0"/>
+              </a:spcAft>
+              <a:buNone/>
+            </a:pPr>
+            <a:endParaRPr lang="en-US" sz="1800" b="0" i="0" dirty="0">
+              <a:solidFill>
+                <a:srgbClr val="222222"/>
+              </a:solidFill>
+              <a:effectLst/>
+              <a:latin typeface="Times New Roman" panose="02020603050405020304" pitchFamily="18" charset="0"/>
+            </a:endParaRPr>
+          </a:p>
+          <a:p>
+            <a:pPr marL="114300" marR="0" indent="0" algn="l">
+              <a:spcBef>
+                <a:spcPts val="0"/>
+              </a:spcBef>
+              <a:spcAft>
+                <a:spcPts val="0"/>
+              </a:spcAft>
+              <a:buNone/>
+            </a:pPr>
+            <a:r>
+              <a:rPr lang="en-US" b="0" i="0" dirty="0">
+                <a:solidFill>
+                  <a:srgbClr val="222222"/>
+                </a:solidFill>
+                <a:effectLst/>
+                <a:latin typeface="Calibri" panose="020F0502020204030204" pitchFamily="34" charset="0"/>
+              </a:rPr>
+              <a:t>1)Technical Feasibility:</a:t>
+            </a:r>
+          </a:p>
+          <a:p>
+            <a:pPr marL="114300" marR="0" indent="0" algn="l">
+              <a:spcBef>
+                <a:spcPts val="0"/>
+              </a:spcBef>
+              <a:spcAft>
+                <a:spcPts val="0"/>
+              </a:spcAft>
+              <a:buNone/>
+            </a:pPr>
+            <a:endParaRPr lang="en-US" b="0" i="0" dirty="0">
+              <a:solidFill>
+                <a:srgbClr val="222222"/>
+              </a:solidFill>
+              <a:effectLst/>
+              <a:latin typeface="Calibri" panose="020F0502020204030204" pitchFamily="34" charset="0"/>
+            </a:endParaRPr>
+          </a:p>
+          <a:p>
+            <a:pPr marL="114300" marR="0" indent="0" algn="just">
+              <a:spcBef>
+                <a:spcPts val="0"/>
+              </a:spcBef>
+              <a:spcAft>
+                <a:spcPts val="0"/>
+              </a:spcAft>
+              <a:buNone/>
+            </a:pPr>
+            <a:r>
+              <a:rPr lang="en-US" sz="1800" b="0" i="0" dirty="0">
+                <a:solidFill>
+                  <a:srgbClr val="222222"/>
+                </a:solidFill>
+                <a:effectLst/>
+                <a:latin typeface="Times New Roman" panose="02020603050405020304" pitchFamily="18" charset="0"/>
+              </a:rPr>
+              <a:t>The </a:t>
+            </a:r>
+            <a:r>
+              <a:rPr lang="en-US" sz="1800" b="1" i="0" dirty="0">
+                <a:solidFill>
+                  <a:srgbClr val="222222"/>
+                </a:solidFill>
+                <a:effectLst/>
+                <a:latin typeface="Times New Roman" panose="02020603050405020304" pitchFamily="18" charset="0"/>
+              </a:rPr>
+              <a:t>technical feasibility </a:t>
+            </a:r>
+            <a:r>
+              <a:rPr lang="en-US" sz="1800" b="0" i="0" dirty="0">
+                <a:solidFill>
+                  <a:srgbClr val="222222"/>
+                </a:solidFill>
+                <a:effectLst/>
+                <a:latin typeface="Times New Roman" panose="02020603050405020304" pitchFamily="18" charset="0"/>
+              </a:rPr>
+              <a:t>is worked for the project is done with the present equipment, manual procedures, existing   software technology and available technical hardware. This assessment focuses on the technical resources available to the organization. Technical feasibility also involves the evolution of the hardware, software, and other the technical requirements of the proposed system.</a:t>
+            </a:r>
+            <a:endParaRPr lang="en-US" sz="1800" b="0" i="0" dirty="0">
+              <a:solidFill>
+                <a:srgbClr val="222222"/>
+              </a:solidFill>
+              <a:effectLst/>
+              <a:latin typeface="Calibri" panose="020F0502020204030204" pitchFamily="34" charset="0"/>
+            </a:endParaRPr>
+          </a:p>
+        </p:txBody>
+      </p:sp>
+    </p:spTree>
+    <p:extLst>
+      <p:ext uri="{BB962C8B-B14F-4D97-AF65-F5344CB8AC3E}">
+        <p14:creationId xmlns:p14="http://schemas.microsoft.com/office/powerpoint/2010/main" val="2317455889"/>
+      </p:ext>
+    </p:extLst>
+  </p:cSld>
+  <p:clrMapOvr>
+    <a:masterClrMapping/>
+  </p:clrMapOvr>
+</p:sld>
+</file>
+
+<file path=ppt/slides/slide14.xml><?xml version="1.0" encoding="utf-8"?>
+<p:sld xmlns:a="http://schemas.openxmlformats.org/drawingml/2006/main" xmlns:r="http://schemas.openxmlformats.org/officeDocument/2006/relationships" xmlns:p="http://schemas.openxmlformats.org/presentationml/2006/main">
+  <p:cSld>
+    <p:spTree>
+      <p:nvGrpSpPr>
+        <p:cNvPr id="1" name=""/>
+        <p:cNvGrpSpPr/>
+        <p:nvPr/>
+      </p:nvGrpSpPr>
+      <p:grpSpPr>
+        <a:xfrm>
+          <a:off x="0" y="0"/>
+          <a:ext cx="0" cy="0"/>
+          <a:chOff x="0" y="0"/>
+          <a:chExt cx="0" cy="0"/>
+        </a:xfrm>
+      </p:grpSpPr>
       <p:sp>
         <p:nvSpPr>
           <p:cNvPr id="5" name="Content Placeholder 2"/>
@@ -3449,7 +6787,7 @@
             <a:spLocks noGrp="1"/>
           </p:cNvSpPr>
           <p:nvPr>
-            <p:ph sz="half" idx="1"/>
+            <p:ph idx="1"/>
           </p:nvPr>
         </p:nvSpPr>
         <p:spPr>
@@ -3462,31 +6800,22 @@
           <a:bodyPr/>
           <a:lstStyle/>
           <a:p>
-            <a:pPr marL="457200" indent="-457200">
-              <a:buAutoNum type="arabicParenR"/>
+            <a:pPr marL="514350" indent="-514350">
+              <a:buNone/>
             </a:pPr>
-            <a:r>
-              <a:rPr lang="en-US" sz="2400" b="1" u="sng" dirty="0" smtClean="0"/>
-              <a:t>TECHNICAL FEASIBILITY:</a:t>
-            </a:r>
-          </a:p>
-          <a:p>
-            <a:pPr marL="514350" indent="-514350">
-              <a:buNone/>
-            </a:pPr>
-            <a:endParaRPr lang="en-US" sz="2400" b="1" u="sng" dirty="0" smtClean="0"/>
+            <a:endParaRPr lang="en-US" sz="2400" b="1" u="sng" dirty="0"/>
           </a:p>
           <a:p>
             <a:pPr marL="514350" indent="-514350">
               <a:buAutoNum type="arabicParenR"/>
             </a:pPr>
-            <a:endParaRPr lang="en-US" b="1" u="sng" dirty="0" smtClean="0"/>
+            <a:endParaRPr lang="en-US" b="1" u="sng" dirty="0"/>
           </a:p>
           <a:p>
             <a:pPr>
               <a:buNone/>
             </a:pPr>
-            <a:endParaRPr lang="en-US" dirty="0" smtClean="0"/>
+            <a:endParaRPr lang="en-US" dirty="0"/>
           </a:p>
           <a:p>
             <a:pPr lvl="1">
@@ -3569,10 +6898,9 @@
           <a:lstStyle/>
           <a:p>
             <a:r>
-              <a:rPr lang="en-US" dirty="0" smtClean="0"/>
+              <a:rPr lang="en-US" dirty="0"/>
               <a:t>For  Loading and Caching Images</a:t>
             </a:r>
-            <a:endParaRPr lang="en-US" dirty="0"/>
           </a:p>
         </p:txBody>
       </p:sp>
@@ -3599,312 +6927,13 @@
           <a:lstStyle/>
           <a:p>
             <a:r>
-              <a:rPr lang="en-US" dirty="0" smtClean="0"/>
+              <a:rPr lang="en-US" dirty="0"/>
               <a:t>For Heavy Animation </a:t>
             </a:r>
-            <a:endParaRPr lang="en-US" dirty="0"/>
           </a:p>
         </p:txBody>
       </p:sp>
     </p:spTree>
-  </p:cSld>
-  <p:clrMapOvr>
-    <a:masterClrMapping/>
-  </p:clrMapOvr>
-</p:sld>
-</file>
-
-<file path=ppt/slides/slide13.xml><?xml version="1.0" encoding="utf-8"?>
-<p:sld xmlns:a="http://schemas.openxmlformats.org/drawingml/2006/main" xmlns:r="http://schemas.openxmlformats.org/officeDocument/2006/relationships" xmlns:p="http://schemas.openxmlformats.org/presentationml/2006/main">
-  <p:cSld>
-    <p:spTree>
-      <p:nvGrpSpPr>
-        <p:cNvPr id="1" name=""/>
-        <p:cNvGrpSpPr/>
-        <p:nvPr/>
-      </p:nvGrpSpPr>
-      <p:grpSpPr>
-        <a:xfrm>
-          <a:off x="0" y="0"/>
-          <a:ext cx="0" cy="0"/>
-          <a:chOff x="0" y="0"/>
-          <a:chExt cx="0" cy="0"/>
-        </a:xfrm>
-      </p:grpSpPr>
-      <p:sp>
-        <p:nvSpPr>
-          <p:cNvPr id="2" name="Title 1"/>
-          <p:cNvSpPr>
-            <a:spLocks noGrp="1"/>
-          </p:cNvSpPr>
-          <p:nvPr>
-            <p:ph type="title"/>
-          </p:nvPr>
-        </p:nvSpPr>
-        <p:spPr/>
-        <p:txBody>
-          <a:bodyPr/>
-          <a:lstStyle/>
-          <a:p>
-            <a:r>
-              <a:rPr lang="en-US" dirty="0"/>
-              <a:t>Feasibility Study</a:t>
-            </a:r>
-          </a:p>
-        </p:txBody>
-      </p:sp>
-      <p:sp>
-        <p:nvSpPr>
-          <p:cNvPr id="3" name="Content Placeholder 2"/>
-          <p:cNvSpPr>
-            <a:spLocks noGrp="1"/>
-          </p:cNvSpPr>
-          <p:nvPr>
-            <p:ph idx="1"/>
-          </p:nvPr>
-        </p:nvSpPr>
-        <p:spPr/>
-        <p:txBody>
-          <a:bodyPr>
-            <a:normAutofit/>
-          </a:bodyPr>
-          <a:lstStyle/>
-          <a:p>
-            <a:pPr marL="457200" marR="0" algn="l">
-              <a:spcBef>
-                <a:spcPts val="0"/>
-              </a:spcBef>
-              <a:spcAft>
-                <a:spcPts val="0"/>
-              </a:spcAft>
-            </a:pPr>
-            <a:r>
-              <a:rPr lang="en-US" sz="1800" b="0" i="0" dirty="0">
-                <a:solidFill>
-                  <a:srgbClr val="222222"/>
-                </a:solidFill>
-                <a:effectLst/>
-                <a:latin typeface="Times New Roman" panose="02020603050405020304" pitchFamily="18" charset="0"/>
-              </a:rPr>
-              <a:t>A feasibility study is an analysis that takes all of the projects relevant factors in to account including economic, technical, legal, scheduling considerations – to ascertain the likelihood of completing the project successfully.</a:t>
-            </a:r>
-          </a:p>
-          <a:p>
-            <a:pPr marL="114300" marR="0" indent="0" algn="l">
-              <a:spcBef>
-                <a:spcPts val="0"/>
-              </a:spcBef>
-              <a:spcAft>
-                <a:spcPts val="0"/>
-              </a:spcAft>
-              <a:buNone/>
-            </a:pPr>
-            <a:endParaRPr lang="en-US" sz="1800" dirty="0">
-              <a:solidFill>
-                <a:srgbClr val="222222"/>
-              </a:solidFill>
-              <a:latin typeface="Times New Roman" panose="02020603050405020304" pitchFamily="18" charset="0"/>
-            </a:endParaRPr>
-          </a:p>
-          <a:p>
-            <a:pPr marL="114300" marR="0" indent="0" algn="l">
-              <a:spcBef>
-                <a:spcPts val="0"/>
-              </a:spcBef>
-              <a:spcAft>
-                <a:spcPts val="0"/>
-              </a:spcAft>
-              <a:buNone/>
-            </a:pPr>
-            <a:endParaRPr lang="en-US" sz="1800" b="0" i="0" dirty="0">
-              <a:solidFill>
-                <a:srgbClr val="222222"/>
-              </a:solidFill>
-              <a:effectLst/>
-              <a:latin typeface="Times New Roman" panose="02020603050405020304" pitchFamily="18" charset="0"/>
-            </a:endParaRPr>
-          </a:p>
-          <a:p>
-            <a:pPr marL="114300" marR="0" indent="0" algn="l">
-              <a:spcBef>
-                <a:spcPts val="0"/>
-              </a:spcBef>
-              <a:spcAft>
-                <a:spcPts val="0"/>
-              </a:spcAft>
-              <a:buNone/>
-            </a:pPr>
-            <a:r>
-              <a:rPr lang="en-US" b="0" i="0" dirty="0">
-                <a:solidFill>
-                  <a:srgbClr val="222222"/>
-                </a:solidFill>
-                <a:effectLst/>
-                <a:latin typeface="Calibri" panose="020F0502020204030204" pitchFamily="34" charset="0"/>
-              </a:rPr>
-              <a:t>1)Technical Feasibility:</a:t>
-            </a:r>
-          </a:p>
-          <a:p>
-            <a:pPr marL="114300" marR="0" indent="0" algn="l">
-              <a:spcBef>
-                <a:spcPts val="0"/>
-              </a:spcBef>
-              <a:spcAft>
-                <a:spcPts val="0"/>
-              </a:spcAft>
-              <a:buNone/>
-            </a:pPr>
-            <a:endParaRPr lang="en-US" b="0" i="0" dirty="0">
-              <a:solidFill>
-                <a:srgbClr val="222222"/>
-              </a:solidFill>
-              <a:effectLst/>
-              <a:latin typeface="Calibri" panose="020F0502020204030204" pitchFamily="34" charset="0"/>
-            </a:endParaRPr>
-          </a:p>
-          <a:p>
-            <a:pPr marL="114300" marR="0" indent="0" algn="just">
-              <a:spcBef>
-                <a:spcPts val="0"/>
-              </a:spcBef>
-              <a:spcAft>
-                <a:spcPts val="0"/>
-              </a:spcAft>
-              <a:buNone/>
-            </a:pPr>
-            <a:r>
-              <a:rPr lang="en-US" sz="1800" b="0" i="0" dirty="0">
-                <a:solidFill>
-                  <a:srgbClr val="222222"/>
-                </a:solidFill>
-                <a:effectLst/>
-                <a:latin typeface="Times New Roman" panose="02020603050405020304" pitchFamily="18" charset="0"/>
-              </a:rPr>
-              <a:t>The </a:t>
-            </a:r>
-            <a:r>
-              <a:rPr lang="en-US" sz="1800" b="1" i="0" dirty="0">
-                <a:solidFill>
-                  <a:srgbClr val="222222"/>
-                </a:solidFill>
-                <a:effectLst/>
-                <a:latin typeface="Times New Roman" panose="02020603050405020304" pitchFamily="18" charset="0"/>
-              </a:rPr>
-              <a:t>technical feasibility </a:t>
-            </a:r>
-            <a:r>
-              <a:rPr lang="en-US" sz="1800" b="0" i="0" dirty="0">
-                <a:solidFill>
-                  <a:srgbClr val="222222"/>
-                </a:solidFill>
-                <a:effectLst/>
-                <a:latin typeface="Times New Roman" panose="02020603050405020304" pitchFamily="18" charset="0"/>
-              </a:rPr>
-              <a:t>is worked for the project is done with the present equipment, manual procedures, existing   software technology and available technical hardware. This assessment focuses on the technical resources available to the organization. Technical feasibility also involves the evolution of the hardware, software, and other the technical requirements of the proposed system.</a:t>
-            </a:r>
-            <a:endParaRPr lang="en-US" sz="1800" b="0" i="0" dirty="0">
-              <a:solidFill>
-                <a:srgbClr val="222222"/>
-              </a:solidFill>
-              <a:effectLst/>
-              <a:latin typeface="Calibri" panose="020F0502020204030204" pitchFamily="34" charset="0"/>
-            </a:endParaRPr>
-          </a:p>
-        </p:txBody>
-      </p:sp>
-    </p:spTree>
-    <p:extLst>
-      <p:ext uri="{BB962C8B-B14F-4D97-AF65-F5344CB8AC3E}">
-        <p14:creationId xmlns:p14="http://schemas.microsoft.com/office/powerpoint/2010/main" xmlns="" val="2317455889"/>
-      </p:ext>
-    </p:extLst>
-  </p:cSld>
-  <p:clrMapOvr>
-    <a:masterClrMapping/>
-  </p:clrMapOvr>
-</p:sld>
-</file>
-
-<file path=ppt/slides/slide14.xml><?xml version="1.0" encoding="utf-8"?>
-<p:sld xmlns:a="http://schemas.openxmlformats.org/drawingml/2006/main" xmlns:r="http://schemas.openxmlformats.org/officeDocument/2006/relationships" xmlns:p="http://schemas.openxmlformats.org/presentationml/2006/main">
-  <p:cSld>
-    <p:spTree>
-      <p:nvGrpSpPr>
-        <p:cNvPr id="1" name=""/>
-        <p:cNvGrpSpPr/>
-        <p:nvPr/>
-      </p:nvGrpSpPr>
-      <p:grpSpPr>
-        <a:xfrm>
-          <a:off x="0" y="0"/>
-          <a:ext cx="0" cy="0"/>
-          <a:chOff x="0" y="0"/>
-          <a:chExt cx="0" cy="0"/>
-        </a:xfrm>
-      </p:grpSpPr>
-      <p:sp>
-        <p:nvSpPr>
-          <p:cNvPr id="2" name="Title 1"/>
-          <p:cNvSpPr>
-            <a:spLocks noGrp="1"/>
-          </p:cNvSpPr>
-          <p:nvPr>
-            <p:ph type="title"/>
-          </p:nvPr>
-        </p:nvSpPr>
-        <p:spPr>
-          <a:xfrm>
-            <a:off x="457200" y="228600"/>
-            <a:ext cx="8229600" cy="808038"/>
-          </a:xfrm>
-        </p:spPr>
-        <p:txBody>
-          <a:bodyPr/>
-          <a:lstStyle/>
-          <a:p>
-            <a:r>
-              <a:rPr lang="en-US" dirty="0"/>
-              <a:t>Time Feasibility</a:t>
-            </a:r>
-          </a:p>
-        </p:txBody>
-      </p:sp>
-      <p:pic>
-        <p:nvPicPr>
-          <p:cNvPr id="4" name="Content Placeholder 3"/>
-          <p:cNvPicPr>
-            <a:picLocks noGrp="1" noChangeAspect="1"/>
-          </p:cNvPicPr>
-          <p:nvPr>
-            <p:ph idx="1"/>
-          </p:nvPr>
-        </p:nvPicPr>
-        <p:blipFill>
-          <a:blip r:embed="rId2">
-            <a:extLst>
-              <a:ext uri="{28A0092B-C50C-407E-A947-70E740481C1C}">
-                <a14:useLocalDpi xmlns:a14="http://schemas.microsoft.com/office/drawing/2010/main" xmlns="" val="0"/>
-              </a:ext>
-            </a:extLst>
-          </a:blip>
-          <a:stretch>
-            <a:fillRect/>
-          </a:stretch>
-        </p:blipFill>
-        <p:spPr>
-          <a:xfrm>
-            <a:off x="228600" y="990600"/>
-            <a:ext cx="8534400" cy="5638800"/>
-          </a:xfrm>
-        </p:spPr>
-      </p:pic>
-    </p:spTree>
-    <p:extLst>
-      <p:ext uri="{BB962C8B-B14F-4D97-AF65-F5344CB8AC3E}">
-        <p14:creationId xmlns:p14="http://schemas.microsoft.com/office/powerpoint/2010/main" xmlns="" val="2788546383"/>
-      </p:ext>
-    </p:extLst>
   </p:cSld>
   <p:clrMapOvr>
     <a:masterClrMapping/>
@@ -3929,6 +6958,33 @@
           <a:chExt cx="0" cy="0"/>
         </a:xfrm>
       </p:grpSpPr>
+      <p:sp>
+        <p:nvSpPr>
+          <p:cNvPr id="2" name="Title 1"/>
+          <p:cNvSpPr>
+            <a:spLocks noGrp="1"/>
+          </p:cNvSpPr>
+          <p:nvPr>
+            <p:ph type="title"/>
+          </p:nvPr>
+        </p:nvSpPr>
+        <p:spPr>
+          <a:xfrm>
+            <a:off x="457200" y="228600"/>
+            <a:ext cx="8229600" cy="808038"/>
+          </a:xfrm>
+        </p:spPr>
+        <p:txBody>
+          <a:bodyPr/>
+          <a:lstStyle/>
+          <a:p>
+            <a:r>
+              <a:rPr lang="en-US" dirty="0"/>
+              <a:t>Time Feasibility</a:t>
+            </a:r>
+          </a:p>
+        </p:txBody>
+      </p:sp>
       <p:pic>
         <p:nvPicPr>
           <p:cNvPr id="4" name="Content Placeholder 3"/>
@@ -3943,7 +6999,7 @@
           <a:blip r:embed="rId2">
             <a:extLst>
               <a:ext uri="{28A0092B-C50C-407E-A947-70E740481C1C}">
-                <a14:useLocalDpi xmlns:a14="http://schemas.microsoft.com/office/drawing/2010/main" xmlns="" val="0"/>
+                <a14:useLocalDpi xmlns:a14="http://schemas.microsoft.com/office/drawing/2010/main" val="0"/>
               </a:ext>
             </a:extLst>
           </a:blip>
@@ -3953,15 +7009,15 @@
         </p:blipFill>
         <p:spPr>
           <a:xfrm>
-            <a:off x="609600" y="304800"/>
-            <a:ext cx="7848600" cy="5821363"/>
+            <a:off x="228600" y="990600"/>
+            <a:ext cx="8534400" cy="5638800"/>
           </a:xfrm>
         </p:spPr>
       </p:pic>
     </p:spTree>
     <p:extLst>
       <p:ext uri="{BB962C8B-B14F-4D97-AF65-F5344CB8AC3E}">
-        <p14:creationId xmlns:p14="http://schemas.microsoft.com/office/powerpoint/2010/main" xmlns="" val="3229023877"/>
+        <p14:creationId xmlns:p14="http://schemas.microsoft.com/office/powerpoint/2010/main" val="2788546383"/>
       </p:ext>
     </p:extLst>
   </p:cSld>
@@ -3988,117 +7044,39 @@
           <a:chExt cx="0" cy="0"/>
         </a:xfrm>
       </p:grpSpPr>
-      <p:sp>
-        <p:nvSpPr>
-          <p:cNvPr id="3" name="Content Placeholder 2">
+      <p:pic>
+        <p:nvPicPr>
+          <p:cNvPr id="4" name="Content Placeholder 3"/>
+          <p:cNvPicPr>
+            <a:picLocks noGrp="1" noChangeAspect="1"/>
+          </p:cNvPicPr>
+          <p:nvPr>
+            <p:ph idx="1"/>
+          </p:nvPr>
+        </p:nvPicPr>
+        <p:blipFill>
+          <a:blip r:embed="rId2">
             <a:extLst>
-              <a:ext uri="{FF2B5EF4-FFF2-40B4-BE49-F238E27FC236}">
-                <a16:creationId xmlns:a16="http://schemas.microsoft.com/office/drawing/2014/main" xmlns="" id="{482BE55A-1B7E-4D2F-9C9D-170D9427A31C}"/>
+              <a:ext uri="{28A0092B-C50C-407E-A947-70E740481C1C}">
+                <a14:useLocalDpi xmlns:a14="http://schemas.microsoft.com/office/drawing/2010/main" val="0"/>
               </a:ext>
             </a:extLst>
-          </p:cNvPr>
-          <p:cNvSpPr>
-            <a:spLocks noGrp="1"/>
-          </p:cNvSpPr>
-          <p:nvPr>
-            <p:ph idx="1"/>
-          </p:nvPr>
-        </p:nvSpPr>
+          </a:blip>
+          <a:stretch>
+            <a:fillRect/>
+          </a:stretch>
+        </p:blipFill>
         <p:spPr>
           <a:xfrm>
-            <a:off x="76200" y="122237"/>
-            <a:ext cx="8610600" cy="6049963"/>
+            <a:off x="609600" y="304800"/>
+            <a:ext cx="7848600" cy="5821363"/>
           </a:xfrm>
         </p:spPr>
-        <p:txBody>
-          <a:bodyPr>
-            <a:normAutofit lnSpcReduction="10000"/>
-          </a:bodyPr>
-          <a:lstStyle/>
-          <a:p>
-            <a:pPr marL="114300" marR="0" indent="0" algn="l">
-              <a:spcBef>
-                <a:spcPts val="0"/>
-              </a:spcBef>
-              <a:spcAft>
-                <a:spcPts val="0"/>
-              </a:spcAft>
-              <a:buNone/>
-            </a:pPr>
-            <a:r>
-              <a:rPr lang="en-US" sz="3200" b="0" i="0" dirty="0">
-                <a:solidFill>
-                  <a:srgbClr val="222222"/>
-                </a:solidFill>
-                <a:effectLst/>
-                <a:latin typeface="Times New Roman" panose="02020603050405020304" pitchFamily="18" charset="0"/>
-              </a:rPr>
-              <a:t>  3) </a:t>
-            </a:r>
-            <a:r>
-              <a:rPr lang="en-US" sz="3200" b="1" i="0" dirty="0">
-                <a:solidFill>
-                  <a:srgbClr val="222222"/>
-                </a:solidFill>
-                <a:effectLst/>
-                <a:latin typeface="Times New Roman" panose="02020603050405020304" pitchFamily="18" charset="0"/>
-              </a:rPr>
-              <a:t>Economic feasibility</a:t>
-            </a:r>
-            <a:r>
-              <a:rPr lang="en-US" sz="3200" b="0" i="0" dirty="0">
-                <a:solidFill>
-                  <a:srgbClr val="222222"/>
-                </a:solidFill>
-                <a:effectLst/>
-                <a:latin typeface="Times New Roman" panose="02020603050405020304" pitchFamily="18" charset="0"/>
-              </a:rPr>
-              <a:t> </a:t>
-            </a:r>
-            <a:endParaRPr lang="en-US" sz="3200" b="0" i="0" dirty="0">
-              <a:solidFill>
-                <a:srgbClr val="222222"/>
-              </a:solidFill>
-              <a:effectLst/>
-              <a:latin typeface="Calibri" panose="020F0502020204030204" pitchFamily="34" charset="0"/>
-            </a:endParaRPr>
-          </a:p>
-          <a:p>
-            <a:pPr marL="457200" marR="0" algn="just">
-              <a:spcBef>
-                <a:spcPts val="0"/>
-              </a:spcBef>
-              <a:spcAft>
-                <a:spcPts val="1000"/>
-              </a:spcAft>
-            </a:pPr>
-            <a:r>
-              <a:rPr lang="en-US" sz="3200" b="0" i="0" dirty="0">
-                <a:solidFill>
-                  <a:srgbClr val="222222"/>
-                </a:solidFill>
-                <a:effectLst/>
-                <a:latin typeface="Times New Roman" panose="02020603050405020304" pitchFamily="18" charset="0"/>
-              </a:rPr>
-              <a:t>This assessment typically involves a cost/benefits analysis of the project, helping the organization determine the viability, cost, and benefits associated with a project before financial resources are allocated. The proposed system economically feasible as it removes manual work, reduces the manual mistake, decreases the number of people working. Economic feasibility is the system where the users have economic to this system the agency has to provide the required software.</a:t>
-            </a:r>
-            <a:endParaRPr lang="en-US" sz="3200" b="0" i="0" dirty="0">
-              <a:solidFill>
-                <a:srgbClr val="222222"/>
-              </a:solidFill>
-              <a:effectLst/>
-              <a:latin typeface="Calibri" panose="020F0502020204030204" pitchFamily="34" charset="0"/>
-            </a:endParaRPr>
-          </a:p>
-          <a:p>
-            <a:endParaRPr lang="en-IN" dirty="0"/>
-          </a:p>
-        </p:txBody>
-      </p:sp>
+      </p:pic>
     </p:spTree>
     <p:extLst>
       <p:ext uri="{BB962C8B-B14F-4D97-AF65-F5344CB8AC3E}">
-        <p14:creationId xmlns:p14="http://schemas.microsoft.com/office/powerpoint/2010/main" xmlns="" val="249619528"/>
+        <p14:creationId xmlns:p14="http://schemas.microsoft.com/office/powerpoint/2010/main" val="3229023877"/>
       </p:ext>
     </p:extLst>
   </p:cSld>
@@ -4127,35 +7105,115 @@
       </p:grpSpPr>
       <p:sp>
         <p:nvSpPr>
-          <p:cNvPr id="2" name="Title 1"/>
-          <p:cNvSpPr>
-            <a:spLocks noGrp="1"/>
-          </p:cNvSpPr>
-          <p:nvPr>
-            <p:ph type="title"/>
+          <p:cNvPr id="3" name="Content Placeholder 2">
+            <a:extLst>
+              <a:ext uri="{FF2B5EF4-FFF2-40B4-BE49-F238E27FC236}">
+                <a16:creationId xmlns:a16="http://schemas.microsoft.com/office/drawing/2014/main" id="{482BE55A-1B7E-4D2F-9C9D-170D9427A31C}"/>
+              </a:ext>
+            </a:extLst>
+          </p:cNvPr>
+          <p:cNvSpPr>
+            <a:spLocks noGrp="1"/>
+          </p:cNvSpPr>
+          <p:nvPr>
+            <p:ph idx="1"/>
           </p:nvPr>
         </p:nvSpPr>
         <p:spPr>
           <a:xfrm>
-            <a:off x="609600" y="2857500"/>
-            <a:ext cx="8229600" cy="1143000"/>
+            <a:off x="29852" y="228600"/>
+            <a:ext cx="8610600" cy="6049963"/>
           </a:xfrm>
         </p:spPr>
         <p:txBody>
-          <a:bodyPr/>
+          <a:bodyPr>
+            <a:normAutofit lnSpcReduction="10000"/>
+          </a:bodyPr>
           <a:lstStyle/>
           <a:p>
-            <a:r>
-              <a:rPr lang="en-US" dirty="0"/>
-              <a:t>System Design</a:t>
-            </a:r>
+            <a:pPr marL="114300" marR="0" indent="0" algn="l">
+              <a:spcBef>
+                <a:spcPts val="0"/>
+              </a:spcBef>
+              <a:spcAft>
+                <a:spcPts val="0"/>
+              </a:spcAft>
+              <a:buNone/>
+            </a:pPr>
+            <a:r>
+              <a:rPr lang="en-US" sz="3200" b="0" i="0" dirty="0">
+                <a:solidFill>
+                  <a:srgbClr val="222222"/>
+                </a:solidFill>
+                <a:effectLst/>
+                <a:latin typeface="Times New Roman" panose="02020603050405020304" pitchFamily="18" charset="0"/>
+              </a:rPr>
+              <a:t>  3) </a:t>
+            </a:r>
+            <a:r>
+              <a:rPr lang="en-US" sz="3200" b="1" i="0" dirty="0">
+                <a:solidFill>
+                  <a:srgbClr val="222222"/>
+                </a:solidFill>
+                <a:effectLst/>
+                <a:latin typeface="Times New Roman" panose="02020603050405020304" pitchFamily="18" charset="0"/>
+              </a:rPr>
+              <a:t>Economic feasibility</a:t>
+            </a:r>
+            <a:r>
+              <a:rPr lang="en-US" sz="3200" b="0" i="0" dirty="0">
+                <a:solidFill>
+                  <a:srgbClr val="222222"/>
+                </a:solidFill>
+                <a:effectLst/>
+                <a:latin typeface="Times New Roman" panose="02020603050405020304" pitchFamily="18" charset="0"/>
+              </a:rPr>
+              <a:t> </a:t>
+            </a:r>
+            <a:endParaRPr lang="en-US" sz="3200" b="0" i="0" dirty="0">
+              <a:solidFill>
+                <a:srgbClr val="222222"/>
+              </a:solidFill>
+              <a:effectLst/>
+              <a:latin typeface="Calibri" panose="020F0502020204030204" pitchFamily="34" charset="0"/>
+            </a:endParaRPr>
+          </a:p>
+          <a:p>
+            <a:pPr marL="457200" marR="0" algn="just">
+              <a:spcBef>
+                <a:spcPts val="0"/>
+              </a:spcBef>
+              <a:spcAft>
+                <a:spcPts val="1000"/>
+              </a:spcAft>
+            </a:pPr>
+            <a:r>
+              <a:rPr lang="en-US" sz="3200" b="0" i="0" dirty="0">
+                <a:solidFill>
+                  <a:srgbClr val="222222"/>
+                </a:solidFill>
+                <a:effectLst/>
+                <a:latin typeface="Times New Roman" panose="02020603050405020304" pitchFamily="18" charset="0"/>
+              </a:rPr>
+              <a:t>This assessment typically involves a cost/benefits analysis of the project, helping the organization determine the viability, cost, and benefits associated with a project before financial resources are allocated. The proposed system economically feasible as it removes manual work, reduces the manual mistake, decreases the number of people working. Economic feasibility is the system where the users have economic to this system the agency has to provide the required software.</a:t>
+            </a:r>
+            <a:endParaRPr lang="en-US" sz="3200" b="0" i="0" dirty="0">
+              <a:solidFill>
+                <a:srgbClr val="222222"/>
+              </a:solidFill>
+              <a:effectLst/>
+              <a:latin typeface="Calibri" panose="020F0502020204030204" pitchFamily="34" charset="0"/>
+            </a:endParaRPr>
+          </a:p>
+          <a:p>
+            <a:endParaRPr lang="en-IN" dirty="0"/>
           </a:p>
         </p:txBody>
       </p:sp>
     </p:spTree>
     <p:extLst>
       <p:ext uri="{BB962C8B-B14F-4D97-AF65-F5344CB8AC3E}">
-        <p14:creationId xmlns:p14="http://schemas.microsoft.com/office/powerpoint/2010/main" xmlns="" val="2096360137"/>
+        <p14:creationId xmlns:p14="http://schemas.microsoft.com/office/powerpoint/2010/main" val="249619528"/>
       </p:ext>
     </p:extLst>
   </p:cSld>
@@ -4192,249 +7250,27 @@
             <p:ph type="title"/>
           </p:nvPr>
         </p:nvSpPr>
-        <p:spPr/>
+        <p:spPr>
+          <a:xfrm>
+            <a:off x="609600" y="2857500"/>
+            <a:ext cx="8229600" cy="1143000"/>
+          </a:xfrm>
+        </p:spPr>
         <p:txBody>
           <a:bodyPr/>
           <a:lstStyle/>
           <a:p>
             <a:r>
               <a:rPr lang="en-US" dirty="0"/>
-              <a:t>System Model</a:t>
-            </a:r>
-          </a:p>
-        </p:txBody>
-      </p:sp>
-      <p:sp>
-        <p:nvSpPr>
-          <p:cNvPr id="3" name="Content Placeholder 2"/>
-          <p:cNvSpPr>
-            <a:spLocks noGrp="1"/>
-          </p:cNvSpPr>
-          <p:nvPr>
-            <p:ph idx="1"/>
-          </p:nvPr>
-        </p:nvSpPr>
-        <p:spPr/>
-        <p:txBody>
-          <a:bodyPr>
-            <a:normAutofit lnSpcReduction="10000"/>
-          </a:bodyPr>
-          <a:lstStyle/>
-          <a:p>
-            <a:pPr marL="0" indent="0" algn="l">
-              <a:buNone/>
-            </a:pPr>
-            <a:r>
-              <a:rPr lang="en-US" sz="2400" b="0" i="0" dirty="0">
-                <a:solidFill>
-                  <a:srgbClr val="222222"/>
-                </a:solidFill>
-                <a:effectLst/>
-                <a:latin typeface="Times New Roman" panose="02020603050405020304" pitchFamily="18" charset="0"/>
-              </a:rPr>
-              <a:t>Why we chose Spiral Model?</a:t>
-            </a:r>
-            <a:endParaRPr lang="en-US" sz="4000" b="0" i="0" dirty="0">
-              <a:solidFill>
-                <a:srgbClr val="222222"/>
-              </a:solidFill>
-              <a:effectLst/>
-              <a:latin typeface="Courier New" panose="02070309020205020404" pitchFamily="49" charset="0"/>
-            </a:endParaRPr>
-          </a:p>
-          <a:p>
-            <a:pPr marL="114300" marR="0" indent="0" algn="l">
-              <a:spcBef>
-                <a:spcPts val="0"/>
-              </a:spcBef>
-              <a:spcAft>
-                <a:spcPts val="0"/>
-              </a:spcAft>
-              <a:buNone/>
-            </a:pPr>
-            <a:r>
-              <a:rPr lang="en-US" sz="2400" b="0" i="0" dirty="0">
-                <a:solidFill>
-                  <a:srgbClr val="222222"/>
-                </a:solidFill>
-                <a:effectLst/>
-                <a:latin typeface="Wingdings" panose="05000000000000000000" pitchFamily="2" charset="2"/>
-              </a:rPr>
-              <a:t>Ø</a:t>
-            </a:r>
-            <a:r>
-              <a:rPr lang="en-US" sz="2400" b="0" i="0" dirty="0">
-                <a:solidFill>
-                  <a:srgbClr val="222222"/>
-                </a:solidFill>
-                <a:effectLst/>
-                <a:latin typeface="Times New Roman" panose="02020603050405020304" pitchFamily="18" charset="0"/>
-              </a:rPr>
-              <a:t>  This model strengthens risk management.</a:t>
-            </a:r>
-            <a:endParaRPr lang="en-US" sz="2400" b="0" i="0" dirty="0">
-              <a:solidFill>
-                <a:srgbClr val="222222"/>
-              </a:solidFill>
-              <a:effectLst/>
-              <a:latin typeface="Calibri" panose="020F0502020204030204" pitchFamily="34" charset="0"/>
-            </a:endParaRPr>
-          </a:p>
-          <a:p>
-            <a:pPr marL="114300" marR="0" indent="0" algn="l">
-              <a:spcBef>
-                <a:spcPts val="0"/>
-              </a:spcBef>
-              <a:spcAft>
-                <a:spcPts val="0"/>
-              </a:spcAft>
-              <a:buNone/>
-            </a:pPr>
-            <a:r>
-              <a:rPr lang="en-US" sz="2400" b="0" i="0" dirty="0">
-                <a:solidFill>
-                  <a:srgbClr val="222222"/>
-                </a:solidFill>
-                <a:effectLst/>
-                <a:latin typeface="Wingdings" panose="05000000000000000000" pitchFamily="2" charset="2"/>
-              </a:rPr>
-              <a:t>Ø</a:t>
-            </a:r>
-            <a:r>
-              <a:rPr lang="en-US" sz="2400" b="0" i="0" dirty="0">
-                <a:solidFill>
-                  <a:srgbClr val="222222"/>
-                </a:solidFill>
-                <a:effectLst/>
-                <a:latin typeface="Times New Roman" panose="02020603050405020304" pitchFamily="18" charset="0"/>
-              </a:rPr>
-              <a:t>  This model uses a software iteration an approach that is extremely useful in the software development stages.</a:t>
-            </a:r>
-            <a:endParaRPr lang="en-US" sz="2400" b="0" i="0" dirty="0">
-              <a:solidFill>
-                <a:srgbClr val="222222"/>
-              </a:solidFill>
-              <a:effectLst/>
-              <a:latin typeface="Calibri" panose="020F0502020204030204" pitchFamily="34" charset="0"/>
-            </a:endParaRPr>
-          </a:p>
-          <a:p>
-            <a:pPr marL="114300" marR="0" indent="0" algn="l">
-              <a:spcBef>
-                <a:spcPts val="0"/>
-              </a:spcBef>
-              <a:spcAft>
-                <a:spcPts val="0"/>
-              </a:spcAft>
-              <a:buNone/>
-            </a:pPr>
-            <a:r>
-              <a:rPr lang="en-US" sz="2400" b="0" i="0" dirty="0">
-                <a:solidFill>
-                  <a:srgbClr val="222222"/>
-                </a:solidFill>
-                <a:effectLst/>
-                <a:latin typeface="Wingdings" panose="05000000000000000000" pitchFamily="2" charset="2"/>
-              </a:rPr>
-              <a:t>Ø</a:t>
-            </a:r>
-            <a:r>
-              <a:rPr lang="en-US" sz="2400" b="0" i="0" dirty="0">
-                <a:solidFill>
-                  <a:srgbClr val="222222"/>
-                </a:solidFill>
-                <a:effectLst/>
-                <a:latin typeface="Times New Roman" panose="02020603050405020304" pitchFamily="18" charset="0"/>
-              </a:rPr>
-              <a:t>  This model can combine other methods such as waterfall and incremental methods.</a:t>
-            </a:r>
-            <a:endParaRPr lang="en-US" sz="2400" b="0" i="0" dirty="0">
-              <a:solidFill>
-                <a:srgbClr val="222222"/>
-              </a:solidFill>
-              <a:effectLst/>
-              <a:latin typeface="Calibri" panose="020F0502020204030204" pitchFamily="34" charset="0"/>
-            </a:endParaRPr>
-          </a:p>
-          <a:p>
-            <a:pPr marL="114300" marR="0" indent="0" algn="l">
-              <a:spcBef>
-                <a:spcPts val="0"/>
-              </a:spcBef>
-              <a:spcAft>
-                <a:spcPts val="0"/>
-              </a:spcAft>
-              <a:buNone/>
-            </a:pPr>
-            <a:r>
-              <a:rPr lang="en-US" sz="2400" b="0" i="0" dirty="0">
-                <a:solidFill>
-                  <a:srgbClr val="222222"/>
-                </a:solidFill>
-                <a:effectLst/>
-                <a:latin typeface="Wingdings" panose="05000000000000000000" pitchFamily="2" charset="2"/>
-              </a:rPr>
-              <a:t>Ø</a:t>
-            </a:r>
-            <a:r>
-              <a:rPr lang="en-US" sz="2400" b="0" i="0" dirty="0">
-                <a:solidFill>
-                  <a:srgbClr val="222222"/>
-                </a:solidFill>
-                <a:effectLst/>
-                <a:latin typeface="Times New Roman" panose="02020603050405020304" pitchFamily="18" charset="0"/>
-              </a:rPr>
-              <a:t>  Assume that a project with little risk does not fulfill the user needs and on the other hand, that there is a high the risk that the waterfall approach will be adopted so that this model will avoid risk, get a solution quickly, and associations like the whole model to correct the a mistake in the previous stage, if any.</a:t>
-            </a:r>
-            <a:endParaRPr lang="en-US" sz="2400" b="0" i="0" dirty="0">
-              <a:solidFill>
-                <a:srgbClr val="222222"/>
-              </a:solidFill>
-              <a:effectLst/>
-              <a:latin typeface="Calibri" panose="020F0502020204030204" pitchFamily="34" charset="0"/>
-            </a:endParaRPr>
-          </a:p>
-          <a:p>
-            <a:pPr marL="0" indent="0" algn="l">
-              <a:buNone/>
-            </a:pPr>
-            <a:r>
-              <a:rPr lang="en-US" sz="2400" b="0" i="0" dirty="0">
-                <a:solidFill>
-                  <a:srgbClr val="222222"/>
-                </a:solidFill>
-                <a:effectLst/>
-                <a:latin typeface="Wingdings" panose="05000000000000000000" pitchFamily="2" charset="2"/>
-              </a:rPr>
-              <a:t>Ø</a:t>
-            </a:r>
-            <a:r>
-              <a:rPr lang="en-US" sz="2400" b="0" i="0" dirty="0">
-                <a:solidFill>
-                  <a:srgbClr val="222222"/>
-                </a:solidFill>
-                <a:effectLst/>
-                <a:latin typeface="Times New Roman" panose="02020603050405020304" pitchFamily="18" charset="0"/>
-              </a:rPr>
-              <a:t>  Reviewing the previous phase can correct the errors and take care of the new requirement.</a:t>
-            </a:r>
-            <a:endParaRPr lang="en-US" sz="4000" b="0" i="0" dirty="0">
-              <a:solidFill>
-                <a:srgbClr val="222222"/>
-              </a:solidFill>
-              <a:effectLst/>
-              <a:latin typeface="Courier New" panose="02070309020205020404" pitchFamily="49" charset="0"/>
-            </a:endParaRPr>
-          </a:p>
-          <a:p>
-            <a:endParaRPr lang="en-US" sz="4000" dirty="0"/>
+              <a:t>System Design</a:t>
+            </a:r>
           </a:p>
         </p:txBody>
       </p:sp>
     </p:spTree>
     <p:extLst>
       <p:ext uri="{BB962C8B-B14F-4D97-AF65-F5344CB8AC3E}">
-        <p14:creationId xmlns:p14="http://schemas.microsoft.com/office/powerpoint/2010/main" xmlns="" val="4027632993"/>
+        <p14:creationId xmlns:p14="http://schemas.microsoft.com/office/powerpoint/2010/main" val="2096360137"/>
       </p:ext>
     </p:extLst>
   </p:cSld>
@@ -4463,7 +7299,7 @@
       </p:grpSpPr>
       <p:sp>
         <p:nvSpPr>
-          <p:cNvPr id="4" name="Title 1"/>
+          <p:cNvPr id="2" name="Title 1"/>
           <p:cNvSpPr>
             <a:spLocks noGrp="1"/>
           </p:cNvSpPr>
@@ -4471,27 +7307,21 @@
             <p:ph type="title"/>
           </p:nvPr>
         </p:nvSpPr>
-        <p:spPr>
-          <a:xfrm>
-            <a:off x="457200" y="274638"/>
-            <a:ext cx="8229600" cy="1143000"/>
-          </a:xfrm>
-        </p:spPr>
+        <p:spPr/>
         <p:txBody>
           <a:bodyPr/>
           <a:lstStyle/>
           <a:p>
             <a:r>
-              <a:rPr lang="en-US" b="1" dirty="0" smtClean="0"/>
+              <a:rPr lang="en-US" dirty="0"/>
               <a:t>System Model</a:t>
             </a:r>
-            <a:endParaRPr lang="en-US" b="1" dirty="0"/>
-          </a:p>
-        </p:txBody>
-      </p:sp>
-      <p:sp>
-        <p:nvSpPr>
-          <p:cNvPr id="5" name="Content Placeholder 2"/>
+          </a:p>
+        </p:txBody>
+      </p:sp>
+      <p:sp>
+        <p:nvSpPr>
+          <p:cNvPr id="3" name="Content Placeholder 2"/>
           <p:cNvSpPr>
             <a:spLocks noGrp="1"/>
           </p:cNvSpPr>
@@ -4499,111 +7329,229 @@
             <p:ph idx="1"/>
           </p:nvPr>
         </p:nvSpPr>
-        <p:spPr>
-          <a:xfrm>
-            <a:off x="457200" y="1371600"/>
-            <a:ext cx="8229600" cy="5181600"/>
-          </a:xfrm>
-        </p:spPr>
+        <p:spPr/>
         <p:txBody>
           <a:bodyPr>
-            <a:normAutofit fontScale="70000" lnSpcReduction="20000"/>
+            <a:normAutofit fontScale="85000" lnSpcReduction="20000"/>
           </a:bodyPr>
           <a:lstStyle/>
           <a:p>
-            <a:r>
-              <a:rPr lang="en-US" dirty="0" smtClean="0"/>
-              <a:t>We are going to use “SPIRAL MODEL”.</a:t>
-            </a:r>
-          </a:p>
-          <a:p>
-            <a:r>
-              <a:rPr lang="en-US" b="1" dirty="0" smtClean="0"/>
-              <a:t>Spiral model</a:t>
-            </a:r>
-            <a:r>
-              <a:rPr lang="en-US" dirty="0" smtClean="0"/>
-              <a:t> is one of the most important Software Development Life Cycle models, which provides support for </a:t>
-            </a:r>
-            <a:r>
-              <a:rPr lang="en-US" b="1" dirty="0" smtClean="0"/>
-              <a:t>Risk Handling</a:t>
-            </a:r>
-            <a:r>
-              <a:rPr lang="en-US" dirty="0" smtClean="0"/>
-              <a:t>.</a:t>
-            </a:r>
-          </a:p>
-          <a:p>
-            <a:r>
-              <a:rPr lang="en-US" b="1" dirty="0" smtClean="0"/>
-              <a:t>Advantages of the Spiral Model </a:t>
-            </a:r>
-          </a:p>
-          <a:p>
-            <a:pPr>
+            <a:pPr marL="0" indent="0" algn="l">
               <a:buNone/>
             </a:pPr>
             <a:r>
-              <a:rPr lang="en-US" b="1" dirty="0" smtClean="0"/>
-              <a:t>	</a:t>
-            </a:r>
-            <a:r>
-              <a:rPr lang="en-US" dirty="0" smtClean="0"/>
-              <a:t>Best for a high-risk project </a:t>
-            </a:r>
-          </a:p>
-          <a:p>
-            <a:pPr>
+              <a:rPr lang="en-US" sz="2400" b="0" i="0" dirty="0">
+                <a:solidFill>
+                  <a:srgbClr val="222222"/>
+                </a:solidFill>
+                <a:effectLst/>
+                <a:latin typeface="Times New Roman" panose="02020603050405020304" pitchFamily="18" charset="0"/>
+              </a:rPr>
+              <a:t>Why we chose Spiral Model?</a:t>
+            </a:r>
+            <a:endParaRPr lang="en-US" sz="4000" b="0" i="0" dirty="0">
+              <a:solidFill>
+                <a:srgbClr val="222222"/>
+              </a:solidFill>
+              <a:effectLst/>
+              <a:latin typeface="Courier New" panose="02070309020205020404" pitchFamily="49" charset="0"/>
+            </a:endParaRPr>
+          </a:p>
+          <a:p>
+            <a:pPr marL="114300" marR="0" indent="0" algn="l">
+              <a:spcBef>
+                <a:spcPts val="0"/>
+              </a:spcBef>
+              <a:spcAft>
+                <a:spcPts val="0"/>
+              </a:spcAft>
               <a:buNone/>
             </a:pPr>
             <a:r>
-              <a:rPr lang="en-US" dirty="0" smtClean="0"/>
-              <a:t>	Good for large and mission-critical projects </a:t>
-            </a:r>
-          </a:p>
-          <a:p>
-            <a:pPr>
+              <a:rPr lang="en-US" sz="2400" b="0" i="0" dirty="0">
+                <a:solidFill>
+                  <a:srgbClr val="222222"/>
+                </a:solidFill>
+                <a:effectLst/>
+                <a:latin typeface="Wingdings" panose="05000000000000000000" pitchFamily="2" charset="2"/>
+              </a:rPr>
+              <a:t>Ø</a:t>
+            </a:r>
+            <a:r>
+              <a:rPr lang="en-US" sz="2400" b="0" i="0" dirty="0">
+                <a:solidFill>
+                  <a:srgbClr val="222222"/>
+                </a:solidFill>
+                <a:effectLst/>
+                <a:latin typeface="Times New Roman" panose="02020603050405020304" pitchFamily="18" charset="0"/>
+              </a:rPr>
+              <a:t>  This model strengthens risk management.</a:t>
+            </a:r>
+            <a:endParaRPr lang="en-US" sz="2400" b="0" i="0" dirty="0">
+              <a:solidFill>
+                <a:srgbClr val="222222"/>
+              </a:solidFill>
+              <a:effectLst/>
+              <a:latin typeface="Calibri" panose="020F0502020204030204" pitchFamily="34" charset="0"/>
+            </a:endParaRPr>
+          </a:p>
+          <a:p>
+            <a:pPr marL="114300" marR="0" indent="0" algn="l">
+              <a:spcBef>
+                <a:spcPts val="0"/>
+              </a:spcBef>
+              <a:spcAft>
+                <a:spcPts val="0"/>
+              </a:spcAft>
               <a:buNone/>
             </a:pPr>
             <a:r>
-              <a:rPr lang="en-US" dirty="0" smtClean="0"/>
-              <a:t>	Strong approval and documentation control </a:t>
-            </a:r>
-          </a:p>
-          <a:p>
-            <a:pPr>
+              <a:rPr lang="en-US" sz="2400" b="0" i="0" dirty="0">
+                <a:solidFill>
+                  <a:srgbClr val="222222"/>
+                </a:solidFill>
+                <a:effectLst/>
+                <a:latin typeface="Wingdings" panose="05000000000000000000" pitchFamily="2" charset="2"/>
+              </a:rPr>
+              <a:t>Ø</a:t>
+            </a:r>
+            <a:r>
+              <a:rPr lang="en-US" sz="2400" b="0" i="0" dirty="0">
+                <a:solidFill>
+                  <a:srgbClr val="222222"/>
+                </a:solidFill>
+                <a:effectLst/>
+                <a:latin typeface="Times New Roman" panose="02020603050405020304" pitchFamily="18" charset="0"/>
+              </a:rPr>
+              <a:t>  This model uses a software iteration an approach that is extremely useful in the software development stages.</a:t>
+            </a:r>
+            <a:endParaRPr lang="en-US" sz="2400" b="0" i="0" dirty="0">
+              <a:solidFill>
+                <a:srgbClr val="222222"/>
+              </a:solidFill>
+              <a:effectLst/>
+              <a:latin typeface="Calibri" panose="020F0502020204030204" pitchFamily="34" charset="0"/>
+            </a:endParaRPr>
+          </a:p>
+          <a:p>
+            <a:pPr marL="114300" marR="0" indent="0" algn="l">
+              <a:spcBef>
+                <a:spcPts val="0"/>
+              </a:spcBef>
+              <a:spcAft>
+                <a:spcPts val="0"/>
+              </a:spcAft>
               <a:buNone/>
             </a:pPr>
             <a:r>
-              <a:rPr lang="en-US" dirty="0" smtClean="0"/>
-              <a:t>	Continuous or repeated development helps in risk management Development is fast and features are added in a systematic approach</a:t>
-            </a:r>
-          </a:p>
-          <a:p>
-            <a:pPr>
+              <a:rPr lang="en-US" sz="2400" b="0" i="0" dirty="0">
+                <a:solidFill>
+                  <a:srgbClr val="222222"/>
+                </a:solidFill>
+                <a:effectLst/>
+                <a:latin typeface="Wingdings" panose="05000000000000000000" pitchFamily="2" charset="2"/>
+              </a:rPr>
+              <a:t>Ø</a:t>
+            </a:r>
+            <a:r>
+              <a:rPr lang="en-US" sz="2400" b="0" i="0" dirty="0">
+                <a:solidFill>
+                  <a:srgbClr val="222222"/>
+                </a:solidFill>
+                <a:effectLst/>
+                <a:latin typeface="Times New Roman" panose="02020603050405020304" pitchFamily="18" charset="0"/>
+              </a:rPr>
+              <a:t>  This model can combine other methods such as waterfall and incremental methods.</a:t>
+            </a:r>
+            <a:endParaRPr lang="en-US" sz="2400" b="0" i="0" dirty="0">
+              <a:solidFill>
+                <a:srgbClr val="222222"/>
+              </a:solidFill>
+              <a:effectLst/>
+              <a:latin typeface="Calibri" panose="020F0502020204030204" pitchFamily="34" charset="0"/>
+            </a:endParaRPr>
+          </a:p>
+          <a:p>
+            <a:pPr marL="114300" marR="0" indent="0" algn="l">
+              <a:spcBef>
+                <a:spcPts val="0"/>
+              </a:spcBef>
+              <a:spcAft>
+                <a:spcPts val="0"/>
+              </a:spcAft>
               <a:buNone/>
             </a:pPr>
             <a:r>
-              <a:rPr lang="en-US" dirty="0" smtClean="0"/>
-              <a:t>	Additional functionality or change can be done at a later stage. </a:t>
-            </a:r>
-          </a:p>
-          <a:p>
-            <a:pPr>
+              <a:rPr lang="en-US" sz="2400" b="0" i="0" dirty="0">
+                <a:solidFill>
+                  <a:srgbClr val="222222"/>
+                </a:solidFill>
+                <a:effectLst/>
+                <a:latin typeface="Wingdings" panose="05000000000000000000" pitchFamily="2" charset="2"/>
+              </a:rPr>
+              <a:t>Ø</a:t>
+            </a:r>
+            <a:r>
+              <a:rPr lang="en-US" sz="2400" b="0" i="0" dirty="0">
+                <a:solidFill>
+                  <a:srgbClr val="222222"/>
+                </a:solidFill>
+                <a:effectLst/>
+                <a:latin typeface="Times New Roman" panose="02020603050405020304" pitchFamily="18" charset="0"/>
+              </a:rPr>
+              <a:t>  Assume that a project with little risk does not fulfill the user needs and on the other hand, that there is a high the risk that the waterfall approach will be adopted so that this model will avoid risk, get a solution quickly, and associations like the whole model to correct the a mistake in the previous stage, if any.</a:t>
+            </a:r>
+            <a:endParaRPr lang="en-US" sz="2400" b="0" i="0" dirty="0">
+              <a:solidFill>
+                <a:srgbClr val="222222"/>
+              </a:solidFill>
+              <a:effectLst/>
+              <a:latin typeface="Calibri" panose="020F0502020204030204" pitchFamily="34" charset="0"/>
+            </a:endParaRPr>
+          </a:p>
+          <a:p>
+            <a:pPr marL="0" indent="0" algn="l">
               <a:buNone/>
             </a:pPr>
             <a:r>
-              <a:rPr lang="en-US" dirty="0" smtClean="0"/>
-              <a:t>	Cost estimation becomes easy as the prototype building happens in small fragments. There is always space for Customer feedback.</a:t>
-            </a:r>
-          </a:p>
-          <a:p>
-            <a:endParaRPr lang="en-US" dirty="0" smtClean="0"/>
+              <a:rPr lang="en-US" sz="2400" b="0" i="0" dirty="0">
+                <a:solidFill>
+                  <a:srgbClr val="222222"/>
+                </a:solidFill>
+                <a:effectLst/>
+                <a:latin typeface="Wingdings" panose="05000000000000000000" pitchFamily="2" charset="2"/>
+              </a:rPr>
+              <a:t>Ø</a:t>
+            </a:r>
+            <a:r>
+              <a:rPr lang="en-US" sz="2400" b="0" i="0" dirty="0">
+                <a:solidFill>
+                  <a:srgbClr val="222222"/>
+                </a:solidFill>
+                <a:effectLst/>
+                <a:latin typeface="Times New Roman" panose="02020603050405020304" pitchFamily="18" charset="0"/>
+              </a:rPr>
+              <a:t>  Reviewing the previous phase can correct the errors and take care of the new requirement.</a:t>
+            </a:r>
+            <a:endParaRPr lang="en-US" sz="4000" b="0" i="0" dirty="0">
+              <a:solidFill>
+                <a:srgbClr val="222222"/>
+              </a:solidFill>
+              <a:effectLst/>
+              <a:latin typeface="Courier New" panose="02070309020205020404" pitchFamily="49" charset="0"/>
+            </a:endParaRPr>
+          </a:p>
+          <a:p>
+            <a:endParaRPr lang="en-US" sz="4000" dirty="0"/>
           </a:p>
         </p:txBody>
       </p:sp>
     </p:spTree>
+    <p:extLst>
+      <p:ext uri="{BB962C8B-B14F-4D97-AF65-F5344CB8AC3E}">
+        <p14:creationId xmlns:p14="http://schemas.microsoft.com/office/powerpoint/2010/main" val="4027632993"/>
+      </p:ext>
+    </p:extLst>
   </p:cSld>
   <p:clrMapOvr>
     <a:masterClrMapping/>
@@ -4718,29 +7666,142 @@
           <a:chExt cx="0" cy="0"/>
         </a:xfrm>
       </p:grpSpPr>
-      <p:pic>
-        <p:nvPicPr>
-          <p:cNvPr id="4" name="Content Placeholder 3" descr="SystemModel.jpg"/>
-          <p:cNvPicPr>
-            <a:picLocks noGrp="1" noChangeAspect="1"/>
-          </p:cNvPicPr>
+      <p:sp>
+        <p:nvSpPr>
+          <p:cNvPr id="4" name="Title 1"/>
+          <p:cNvSpPr>
+            <a:spLocks noGrp="1"/>
+          </p:cNvSpPr>
+          <p:nvPr>
+            <p:ph type="title"/>
+          </p:nvPr>
+        </p:nvSpPr>
+        <p:spPr/>
+        <p:txBody>
+          <a:bodyPr/>
+          <a:lstStyle/>
+          <a:p>
+            <a:r>
+              <a:rPr lang="en-US" b="1" dirty="0"/>
+              <a:t>System Model</a:t>
+            </a:r>
+          </a:p>
+        </p:txBody>
+      </p:sp>
+      <p:sp>
+        <p:nvSpPr>
+          <p:cNvPr id="5" name="Content Placeholder 2"/>
+          <p:cNvSpPr>
+            <a:spLocks noGrp="1"/>
+          </p:cNvSpPr>
           <p:nvPr>
             <p:ph idx="1"/>
           </p:nvPr>
-        </p:nvPicPr>
-        <p:blipFill>
-          <a:blip r:embed="rId2"/>
-          <a:stretch>
-            <a:fillRect/>
-          </a:stretch>
-        </p:blipFill>
+        </p:nvSpPr>
         <p:spPr>
           <a:xfrm>
-            <a:off x="0" y="381000"/>
-            <a:ext cx="9132561" cy="6332061"/>
+            <a:off x="457200" y="1371600"/>
+            <a:ext cx="8229600" cy="5181600"/>
           </a:xfrm>
         </p:spPr>
-      </p:pic>
+        <p:txBody>
+          <a:bodyPr>
+            <a:normAutofit/>
+          </a:bodyPr>
+          <a:lstStyle/>
+          <a:p>
+            <a:r>
+              <a:rPr lang="en-US" dirty="0"/>
+              <a:t>We are going to use “SPIRAL MODEL”.</a:t>
+            </a:r>
+          </a:p>
+          <a:p>
+            <a:r>
+              <a:rPr lang="en-US" b="1" dirty="0"/>
+              <a:t>Spiral model</a:t>
+            </a:r>
+            <a:r>
+              <a:rPr lang="en-US" dirty="0"/>
+              <a:t> is one of the most important Software Development Life Cycle models, which provides support for </a:t>
+            </a:r>
+            <a:r>
+              <a:rPr lang="en-US" b="1" dirty="0"/>
+              <a:t>Risk Handling</a:t>
+            </a:r>
+            <a:r>
+              <a:rPr lang="en-US" dirty="0"/>
+              <a:t>.</a:t>
+            </a:r>
+          </a:p>
+          <a:p>
+            <a:r>
+              <a:rPr lang="en-US" b="1" dirty="0"/>
+              <a:t>Advantages of the Spiral Model </a:t>
+            </a:r>
+          </a:p>
+          <a:p>
+            <a:pPr>
+              <a:buNone/>
+            </a:pPr>
+            <a:r>
+              <a:rPr lang="en-US" b="1" dirty="0"/>
+              <a:t>	</a:t>
+            </a:r>
+            <a:r>
+              <a:rPr lang="en-US" dirty="0"/>
+              <a:t>Best for a high-risk project </a:t>
+            </a:r>
+          </a:p>
+          <a:p>
+            <a:pPr>
+              <a:buNone/>
+            </a:pPr>
+            <a:r>
+              <a:rPr lang="en-US" dirty="0"/>
+              <a:t>	Good for large and mission-critical projects </a:t>
+            </a:r>
+          </a:p>
+          <a:p>
+            <a:pPr>
+              <a:buNone/>
+            </a:pPr>
+            <a:r>
+              <a:rPr lang="en-US" dirty="0"/>
+              <a:t>	Strong approval and documentation control </a:t>
+            </a:r>
+          </a:p>
+          <a:p>
+            <a:pPr>
+              <a:buNone/>
+            </a:pPr>
+            <a:r>
+              <a:rPr lang="en-US" dirty="0"/>
+              <a:t>	Continuous or repeated development helps in risk management Development is fast and features are added in a systematic approach</a:t>
+            </a:r>
+          </a:p>
+          <a:p>
+            <a:pPr>
+              <a:buNone/>
+            </a:pPr>
+            <a:r>
+              <a:rPr lang="en-US" dirty="0"/>
+              <a:t>	Additional functionality or change can be done at a later stage. </a:t>
+            </a:r>
+          </a:p>
+          <a:p>
+            <a:pPr>
+              <a:buNone/>
+            </a:pPr>
+            <a:r>
+              <a:rPr lang="en-US" dirty="0"/>
+              <a:t>	Cost estimation becomes easy as the prototype building happens in small fragments. There is always space for Customer feedback.</a:t>
+            </a:r>
+          </a:p>
+          <a:p>
+            <a:endParaRPr lang="en-US" dirty="0"/>
+          </a:p>
+        </p:txBody>
+      </p:sp>
     </p:spTree>
   </p:cSld>
   <p:clrMapOvr>
@@ -4766,42 +7827,9 @@
           <a:chExt cx="0" cy="0"/>
         </a:xfrm>
       </p:grpSpPr>
-      <p:sp>
-        <p:nvSpPr>
-          <p:cNvPr id="2" name="Title 1"/>
-          <p:cNvSpPr>
-            <a:spLocks noGrp="1"/>
-          </p:cNvSpPr>
-          <p:nvPr>
-            <p:ph type="title"/>
-          </p:nvPr>
-        </p:nvSpPr>
-        <p:spPr>
-          <a:xfrm>
-            <a:off x="457200" y="32042"/>
-            <a:ext cx="8229600" cy="1143000"/>
-          </a:xfrm>
-        </p:spPr>
-        <p:txBody>
-          <a:bodyPr/>
-          <a:lstStyle/>
-          <a:p>
-            <a:r>
-              <a:rPr lang="en-US" dirty="0"/>
-              <a:t>System Architecture</a:t>
-            </a:r>
-          </a:p>
-        </p:txBody>
-      </p:sp>
       <p:pic>
         <p:nvPicPr>
-          <p:cNvPr id="5" name="Content Placeholder 4">
-            <a:extLst>
-              <a:ext uri="{FF2B5EF4-FFF2-40B4-BE49-F238E27FC236}">
-                <a16:creationId xmlns:a16="http://schemas.microsoft.com/office/drawing/2014/main" xmlns="" id="{56ADB524-2A14-449A-94E5-C4D2FCFBE6E9}"/>
-              </a:ext>
-            </a:extLst>
-          </p:cNvPr>
+          <p:cNvPr id="4" name="Content Placeholder 3" descr="SystemModel.jpg"/>
           <p:cNvPicPr>
             <a:picLocks noGrp="1" noChangeAspect="1"/>
           </p:cNvPicPr>
@@ -4810,30 +7838,19 @@
           </p:nvPr>
         </p:nvPicPr>
         <p:blipFill>
-          <a:blip r:embed="rId2">
-            <a:extLst>
-              <a:ext uri="{28A0092B-C50C-407E-A947-70E740481C1C}">
-                <a14:useLocalDpi xmlns:a14="http://schemas.microsoft.com/office/drawing/2010/main" xmlns="" val="0"/>
-              </a:ext>
-            </a:extLst>
-          </a:blip>
+          <a:blip r:embed="rId2"/>
           <a:stretch>
             <a:fillRect/>
           </a:stretch>
         </p:blipFill>
         <p:spPr>
           <a:xfrm>
-            <a:off x="1524000" y="1143000"/>
-            <a:ext cx="6248400" cy="5440362"/>
+            <a:off x="0" y="381000"/>
+            <a:ext cx="9132561" cy="6332061"/>
           </a:xfrm>
         </p:spPr>
       </p:pic>
     </p:spTree>
-    <p:extLst>
-      <p:ext uri="{BB962C8B-B14F-4D97-AF65-F5344CB8AC3E}">
-        <p14:creationId xmlns:p14="http://schemas.microsoft.com/office/powerpoint/2010/main" xmlns="" val="250142504"/>
-      </p:ext>
-    </p:extLst>
   </p:cSld>
   <p:clrMapOvr>
     <a:masterClrMapping/>
@@ -4868,108 +7885,62 @@
             <p:ph type="title"/>
           </p:nvPr>
         </p:nvSpPr>
-        <p:spPr/>
+        <p:spPr>
+          <a:xfrm>
+            <a:off x="457200" y="32042"/>
+            <a:ext cx="8229600" cy="1143000"/>
+          </a:xfrm>
+        </p:spPr>
         <p:txBody>
           <a:bodyPr/>
           <a:lstStyle/>
           <a:p>
             <a:r>
               <a:rPr lang="en-US" dirty="0"/>
-              <a:t>System Diagrams</a:t>
-            </a:r>
-          </a:p>
-        </p:txBody>
-      </p:sp>
-      <p:sp>
-        <p:nvSpPr>
-          <p:cNvPr id="3" name="Content Placeholder 2"/>
-          <p:cNvSpPr>
-            <a:spLocks noGrp="1"/>
-          </p:cNvSpPr>
+              <a:t>System Architecture</a:t>
+            </a:r>
+          </a:p>
+        </p:txBody>
+      </p:sp>
+      <p:pic>
+        <p:nvPicPr>
+          <p:cNvPr id="5" name="Content Placeholder 4">
+            <a:extLst>
+              <a:ext uri="{FF2B5EF4-FFF2-40B4-BE49-F238E27FC236}">
+                <a16:creationId xmlns:a16="http://schemas.microsoft.com/office/drawing/2014/main" id="{56ADB524-2A14-449A-94E5-C4D2FCFBE6E9}"/>
+              </a:ext>
+            </a:extLst>
+          </p:cNvPr>
+          <p:cNvPicPr>
+            <a:picLocks noGrp="1" noChangeAspect="1"/>
+          </p:cNvPicPr>
           <p:nvPr>
             <p:ph idx="1"/>
           </p:nvPr>
-        </p:nvSpPr>
-        <p:spPr/>
-        <p:txBody>
-          <a:bodyPr>
-            <a:normAutofit lnSpcReduction="10000"/>
-          </a:bodyPr>
-          <a:lstStyle/>
-          <a:p>
-            <a:r>
-              <a:rPr lang="en-US" dirty="0"/>
-              <a:t>We have made variety of diagrams based on our project and they are :</a:t>
-            </a:r>
-          </a:p>
-          <a:p>
-            <a:pPr marL="514350" indent="-514350">
-              <a:buFont typeface="+mj-lt"/>
-              <a:buAutoNum type="arabicPeriod"/>
-            </a:pPr>
-            <a:r>
-              <a:rPr lang="en-US" dirty="0"/>
-              <a:t>Use Case diagrams</a:t>
-            </a:r>
-          </a:p>
-          <a:p>
-            <a:pPr marL="514350" indent="-514350">
-              <a:buFont typeface="+mj-lt"/>
-              <a:buAutoNum type="arabicPeriod"/>
-            </a:pPr>
-            <a:r>
-              <a:rPr lang="en-US" dirty="0"/>
-              <a:t>Activity Diagrams</a:t>
-            </a:r>
-          </a:p>
-          <a:p>
-            <a:pPr marL="514350" indent="-514350">
-              <a:buFont typeface="+mj-lt"/>
-              <a:buAutoNum type="arabicPeriod"/>
-            </a:pPr>
-            <a:r>
-              <a:rPr lang="en-US" dirty="0"/>
-              <a:t>E-R Diagram </a:t>
-            </a:r>
-          </a:p>
-          <a:p>
-            <a:pPr marL="514350" indent="-514350">
-              <a:buFont typeface="+mj-lt"/>
-              <a:buAutoNum type="arabicPeriod"/>
-            </a:pPr>
-            <a:r>
-              <a:rPr lang="en-US" dirty="0"/>
-              <a:t>Sequence Diagrams</a:t>
-            </a:r>
-          </a:p>
-          <a:p>
-            <a:pPr marL="514350" indent="-514350">
-              <a:buFont typeface="+mj-lt"/>
-              <a:buAutoNum type="arabicPeriod"/>
-            </a:pPr>
-            <a:r>
-              <a:rPr lang="en-US" dirty="0"/>
-              <a:t>Class Diagram</a:t>
-            </a:r>
-          </a:p>
-          <a:p>
-            <a:r>
-              <a:rPr lang="en-US" dirty="0"/>
-              <a:t>First of all, let’s see Use case diagrams.</a:t>
-            </a:r>
-          </a:p>
-          <a:p>
-            <a:pPr marL="0" indent="0">
-              <a:buNone/>
-            </a:pPr>
-            <a:endParaRPr lang="en-US" dirty="0"/>
-          </a:p>
-        </p:txBody>
-      </p:sp>
+        </p:nvPicPr>
+        <p:blipFill>
+          <a:blip r:embed="rId2" cstate="print">
+            <a:extLst>
+              <a:ext uri="{28A0092B-C50C-407E-A947-70E740481C1C}">
+                <a14:useLocalDpi xmlns:a14="http://schemas.microsoft.com/office/drawing/2010/main" val="0"/>
+              </a:ext>
+            </a:extLst>
+          </a:blip>
+          <a:stretch>
+            <a:fillRect/>
+          </a:stretch>
+        </p:blipFill>
+        <p:spPr>
+          <a:xfrm>
+            <a:off x="2295061" y="2160588"/>
+            <a:ext cx="2977490" cy="3881437"/>
+          </a:xfrm>
+        </p:spPr>
+      </p:pic>
     </p:spTree>
     <p:extLst>
       <p:ext uri="{BB962C8B-B14F-4D97-AF65-F5344CB8AC3E}">
-        <p14:creationId xmlns:p14="http://schemas.microsoft.com/office/powerpoint/2010/main" xmlns="" val="379717333"/>
+        <p14:creationId xmlns:p14="http://schemas.microsoft.com/office/powerpoint/2010/main" val="250142504"/>
       </p:ext>
     </p:extLst>
   </p:cSld>
@@ -4980,6 +7951,201 @@
 </file>
 
 <file path=ppt/slides/slide23.xml><?xml version="1.0" encoding="utf-8"?>
+<p:sld xmlns:a="http://schemas.openxmlformats.org/drawingml/2006/main" xmlns:r="http://schemas.openxmlformats.org/officeDocument/2006/relationships" xmlns:p="http://schemas.openxmlformats.org/presentationml/2006/main">
+  <p:cSld>
+    <p:spTree>
+      <p:nvGrpSpPr>
+        <p:cNvPr id="1" name=""/>
+        <p:cNvGrpSpPr/>
+        <p:nvPr/>
+      </p:nvGrpSpPr>
+      <p:grpSpPr>
+        <a:xfrm>
+          <a:off x="0" y="0"/>
+          <a:ext cx="0" cy="0"/>
+          <a:chOff x="0" y="0"/>
+          <a:chExt cx="0" cy="0"/>
+        </a:xfrm>
+      </p:grpSpPr>
+      <p:sp>
+        <p:nvSpPr>
+          <p:cNvPr id="2" name="Title 1"/>
+          <p:cNvSpPr>
+            <a:spLocks noGrp="1"/>
+          </p:cNvSpPr>
+          <p:nvPr>
+            <p:ph type="title"/>
+          </p:nvPr>
+        </p:nvSpPr>
+        <p:spPr/>
+        <p:txBody>
+          <a:bodyPr/>
+          <a:lstStyle/>
+          <a:p>
+            <a:r>
+              <a:rPr lang="en-US" dirty="0"/>
+              <a:t>System Diagrams</a:t>
+            </a:r>
+          </a:p>
+        </p:txBody>
+      </p:sp>
+      <p:sp>
+        <p:nvSpPr>
+          <p:cNvPr id="3" name="Content Placeholder 2"/>
+          <p:cNvSpPr>
+            <a:spLocks noGrp="1"/>
+          </p:cNvSpPr>
+          <p:nvPr>
+            <p:ph idx="1"/>
+          </p:nvPr>
+        </p:nvSpPr>
+        <p:spPr/>
+        <p:txBody>
+          <a:bodyPr>
+            <a:normAutofit/>
+          </a:bodyPr>
+          <a:lstStyle/>
+          <a:p>
+            <a:r>
+              <a:rPr lang="en-US" dirty="0"/>
+              <a:t>We have made variety of diagrams based on our project and they are :</a:t>
+            </a:r>
+          </a:p>
+          <a:p>
+            <a:pPr marL="514350" indent="-514350">
+              <a:buFont typeface="+mj-lt"/>
+              <a:buAutoNum type="arabicPeriod"/>
+            </a:pPr>
+            <a:r>
+              <a:rPr lang="en-US" dirty="0"/>
+              <a:t>Use Case diagrams</a:t>
+            </a:r>
+          </a:p>
+          <a:p>
+            <a:pPr marL="514350" indent="-514350">
+              <a:buFont typeface="+mj-lt"/>
+              <a:buAutoNum type="arabicPeriod"/>
+            </a:pPr>
+            <a:r>
+              <a:rPr lang="en-US" dirty="0"/>
+              <a:t>Activity Diagrams</a:t>
+            </a:r>
+          </a:p>
+          <a:p>
+            <a:pPr marL="514350" indent="-514350">
+              <a:buFont typeface="+mj-lt"/>
+              <a:buAutoNum type="arabicPeriod"/>
+            </a:pPr>
+            <a:r>
+              <a:rPr lang="en-US" dirty="0"/>
+              <a:t>E-R Diagram </a:t>
+            </a:r>
+          </a:p>
+          <a:p>
+            <a:pPr marL="514350" indent="-514350">
+              <a:buFont typeface="+mj-lt"/>
+              <a:buAutoNum type="arabicPeriod"/>
+            </a:pPr>
+            <a:r>
+              <a:rPr lang="en-US" dirty="0"/>
+              <a:t>Sequence Diagrams</a:t>
+            </a:r>
+          </a:p>
+          <a:p>
+            <a:pPr marL="514350" indent="-514350">
+              <a:buFont typeface="+mj-lt"/>
+              <a:buAutoNum type="arabicPeriod"/>
+            </a:pPr>
+            <a:r>
+              <a:rPr lang="en-US" dirty="0"/>
+              <a:t>Class Diagram</a:t>
+            </a:r>
+          </a:p>
+          <a:p>
+            <a:pPr marL="0" indent="0">
+              <a:buNone/>
+            </a:pPr>
+            <a:endParaRPr lang="en-US" dirty="0"/>
+          </a:p>
+        </p:txBody>
+      </p:sp>
+    </p:spTree>
+    <p:extLst>
+      <p:ext uri="{BB962C8B-B14F-4D97-AF65-F5344CB8AC3E}">
+        <p14:creationId xmlns:p14="http://schemas.microsoft.com/office/powerpoint/2010/main" val="379717333"/>
+      </p:ext>
+    </p:extLst>
+  </p:cSld>
+  <p:clrMapOvr>
+    <a:masterClrMapping/>
+  </p:clrMapOvr>
+</p:sld>
+</file>
+
+<file path=ppt/slides/slide24.xml><?xml version="1.0" encoding="utf-8"?>
+<p:sld xmlns:a="http://schemas.openxmlformats.org/drawingml/2006/main" xmlns:r="http://schemas.openxmlformats.org/officeDocument/2006/relationships" xmlns:p="http://schemas.openxmlformats.org/presentationml/2006/main">
+  <p:cSld>
+    <p:spTree>
+      <p:nvGrpSpPr>
+        <p:cNvPr id="1" name=""/>
+        <p:cNvGrpSpPr/>
+        <p:nvPr/>
+      </p:nvGrpSpPr>
+      <p:grpSpPr>
+        <a:xfrm>
+          <a:off x="0" y="0"/>
+          <a:ext cx="0" cy="0"/>
+          <a:chOff x="0" y="0"/>
+          <a:chExt cx="0" cy="0"/>
+        </a:xfrm>
+      </p:grpSpPr>
+      <p:sp>
+        <p:nvSpPr>
+          <p:cNvPr id="2" name="Title 1">
+            <a:extLst>
+              <a:ext uri="{FF2B5EF4-FFF2-40B4-BE49-F238E27FC236}">
+                <a16:creationId xmlns:a16="http://schemas.microsoft.com/office/drawing/2014/main" id="{1965469C-7555-4F99-B773-AF83797C1A7E}"/>
+              </a:ext>
+            </a:extLst>
+          </p:cNvPr>
+          <p:cNvSpPr>
+            <a:spLocks noGrp="1"/>
+          </p:cNvSpPr>
+          <p:nvPr>
+            <p:ph type="title"/>
+          </p:nvPr>
+        </p:nvSpPr>
+        <p:spPr>
+          <a:xfrm>
+            <a:off x="381000" y="2667000"/>
+            <a:ext cx="8229600" cy="1143000"/>
+          </a:xfrm>
+        </p:spPr>
+        <p:txBody>
+          <a:bodyPr/>
+          <a:lstStyle/>
+          <a:p>
+            <a:r>
+              <a:rPr lang="en-IN" dirty="0"/>
+              <a:t>USE CASES</a:t>
+            </a:r>
+          </a:p>
+        </p:txBody>
+      </p:sp>
+    </p:spTree>
+    <p:extLst>
+      <p:ext uri="{BB962C8B-B14F-4D97-AF65-F5344CB8AC3E}">
+        <p14:creationId xmlns:p14="http://schemas.microsoft.com/office/powerpoint/2010/main" val="2636907992"/>
+      </p:ext>
+    </p:extLst>
+  </p:cSld>
+  <p:clrMapOvr>
+    <a:masterClrMapping/>
+  </p:clrMapOvr>
+</p:sld>
+</file>
+
+<file path=ppt/slides/slide25.xml><?xml version="1.0" encoding="utf-8"?>
 <p:sld xmlns:a="http://schemas.openxmlformats.org/drawingml/2006/main" xmlns:r="http://schemas.openxmlformats.org/officeDocument/2006/relationships" xmlns:p="http://schemas.openxmlformats.org/presentationml/2006/main">
   <p:cSld>
     <p:spTree>
@@ -5039,7 +8205,7 @@
 </p:sld>
 </file>
 
-<file path=ppt/slides/slide24.xml><?xml version="1.0" encoding="utf-8"?>
+<file path=ppt/slides/slide26.xml><?xml version="1.0" encoding="utf-8"?>
 <p:sld xmlns:a="http://schemas.openxmlformats.org/drawingml/2006/main" xmlns:r="http://schemas.openxmlformats.org/officeDocument/2006/relationships" xmlns:p="http://schemas.openxmlformats.org/presentationml/2006/main">
   <p:cSld>
     <p:spTree>
@@ -5065,7 +8231,7 @@
           <p:nvPr>
             <p:extLst>
               <p:ext uri="{D42A27DB-BD31-4B8C-83A1-F6EECF244321}">
-                <p14:modId xmlns:p14="http://schemas.microsoft.com/office/powerpoint/2010/main" xmlns="" val="1796255159"/>
+                <p14:modId xmlns:p14="http://schemas.microsoft.com/office/powerpoint/2010/main" val="1796255159"/>
               </p:ext>
             </p:extLst>
           </p:nvPr>
@@ -5076,9 +8242,82 @@
         </p:xfrm>
         <a:graphic>
           <a:graphicData uri="http://schemas.openxmlformats.org/presentationml/2006/ole">
-            <p:oleObj spid="_x0000_s2077" name="Visio" r:id="rId3" imgW="6486663" imgH="7257885" progId="Visio.Drawing.15">
-              <p:embed/>
-            </p:oleObj>
+            <mc:AlternateContent xmlns:mc="http://schemas.openxmlformats.org/markup-compatibility/2006">
+              <mc:Choice xmlns:v="urn:schemas-microsoft-com:vml" Requires="v">
+                <p:oleObj spid="_x0000_s2080" name="Visio" r:id="rId3" imgW="6486663" imgH="7257885" progId="Visio.Drawing.15">
+                  <p:embed/>
+                </p:oleObj>
+              </mc:Choice>
+              <mc:Fallback>
+                <p:oleObj name="Visio" r:id="rId3" imgW="6486663" imgH="7257885" progId="Visio.Drawing.15">
+                  <p:embed/>
+                  <p:pic>
+                    <p:nvPicPr>
+                      <p:cNvPr id="0" name="Picture 29"/>
+                      <p:cNvPicPr>
+                        <a:picLocks noChangeAspect="1" noChangeArrowheads="1"/>
+                      </p:cNvPicPr>
+                      <p:nvPr/>
+                    </p:nvPicPr>
+                    <p:blipFill>
+                      <a:blip r:embed="rId4">
+                        <a:extLst>
+                          <a:ext uri="{28A0092B-C50C-407E-A947-70E740481C1C}">
+                            <a14:useLocalDpi xmlns:a14="http://schemas.microsoft.com/office/drawing/2010/main" val="0"/>
+                          </a:ext>
+                        </a:extLst>
+                      </a:blip>
+                      <a:srcRect/>
+                      <a:stretch>
+                        <a:fillRect/>
+                      </a:stretch>
+                    </p:blipFill>
+                    <p:spPr bwMode="auto">
+                      <a:xfrm>
+                        <a:off x="20782" y="228600"/>
+                        <a:ext cx="8752194" cy="6476999"/>
+                      </a:xfrm>
+                      <a:prstGeom prst="rect">
+                        <a:avLst/>
+                      </a:prstGeom>
+                      <a:noFill/>
+                      <a:ln>
+                        <a:noFill/>
+                      </a:ln>
+                      <a:effectLst/>
+                      <a:extLst>
+                        <a:ext uri="{909E8E84-426E-40DD-AFC4-6F175D3DCCD1}">
+                          <a14:hiddenFill xmlns:a14="http://schemas.microsoft.com/office/drawing/2010/main">
+                            <a:solidFill>
+                              <a:schemeClr val="accent1"/>
+                            </a:solidFill>
+                          </a14:hiddenFill>
+                        </a:ext>
+                        <a:ext uri="{91240B29-F687-4F45-9708-019B960494DF}">
+                          <a14:hiddenLine xmlns:a14="http://schemas.microsoft.com/office/drawing/2010/main" w="9525">
+                            <a:solidFill>
+                              <a:schemeClr val="tx1"/>
+                            </a:solidFill>
+                            <a:miter lim="800000"/>
+                            <a:headEnd/>
+                            <a:tailEnd/>
+                          </a14:hiddenLine>
+                        </a:ext>
+                        <a:ext uri="{AF507438-7753-43E0-B8FC-AC1667EBCBE1}">
+                          <a14:hiddenEffects xmlns:a14="http://schemas.microsoft.com/office/drawing/2010/main">
+                            <a:effectLst>
+                              <a:outerShdw dist="35921" dir="2700000" algn="ctr" rotWithShape="0">
+                                <a:schemeClr val="bg2"/>
+                              </a:outerShdw>
+                            </a:effectLst>
+                          </a14:hiddenEffects>
+                        </a:ext>
+                      </a:extLst>
+                    </p:spPr>
+                  </p:pic>
+                </p:oleObj>
+              </mc:Fallback>
+            </mc:AlternateContent>
           </a:graphicData>
         </a:graphic>
       </p:graphicFrame>
@@ -5090,7 +8329,7 @@
 </p:sld>
 </file>
 
-<file path=ppt/slides/slide25.xml><?xml version="1.0" encoding="utf-8"?>
+<file path=ppt/slides/slide27.xml><?xml version="1.0" encoding="utf-8"?>
 <p:sld xmlns:a="http://schemas.openxmlformats.org/drawingml/2006/main" xmlns:r="http://schemas.openxmlformats.org/officeDocument/2006/relationships" xmlns:p="http://schemas.openxmlformats.org/presentationml/2006/main">
   <p:cSld>
     <p:spTree>
@@ -5148,151 +8387,6 @@
 </p:sld>
 </file>
 
-<file path=ppt/slides/slide26.xml><?xml version="1.0" encoding="utf-8"?>
-<p:sld xmlns:a="http://schemas.openxmlformats.org/drawingml/2006/main" xmlns:r="http://schemas.openxmlformats.org/officeDocument/2006/relationships" xmlns:p="http://schemas.openxmlformats.org/presentationml/2006/main">
-  <p:cSld>
-    <p:spTree>
-      <p:nvGrpSpPr>
-        <p:cNvPr id="1" name=""/>
-        <p:cNvGrpSpPr/>
-        <p:nvPr/>
-      </p:nvGrpSpPr>
-      <p:grpSpPr>
-        <a:xfrm>
-          <a:off x="0" y="0"/>
-          <a:ext cx="0" cy="0"/>
-          <a:chOff x="0" y="0"/>
-          <a:chExt cx="0" cy="0"/>
-        </a:xfrm>
-      </p:grpSpPr>
-      <p:sp>
-        <p:nvSpPr>
-          <p:cNvPr id="2" name="Title 1"/>
-          <p:cNvSpPr>
-            <a:spLocks noGrp="1"/>
-          </p:cNvSpPr>
-          <p:nvPr>
-            <p:ph type="title"/>
-          </p:nvPr>
-        </p:nvSpPr>
-        <p:spPr>
-          <a:xfrm>
-            <a:off x="762000" y="152400"/>
-            <a:ext cx="8001000" cy="960438"/>
-          </a:xfrm>
-        </p:spPr>
-        <p:txBody>
-          <a:bodyPr/>
-          <a:lstStyle/>
-          <a:p>
-            <a:r>
-              <a:rPr lang="en-US" dirty="0"/>
-              <a:t>Activity Diagrams</a:t>
-            </a:r>
-          </a:p>
-        </p:txBody>
-      </p:sp>
-      <p:pic>
-        <p:nvPicPr>
-          <p:cNvPr id="4" name="Content Placeholder 3"/>
-          <p:cNvPicPr>
-            <a:picLocks noGrp="1" noChangeAspect="1"/>
-          </p:cNvPicPr>
-          <p:nvPr>
-            <p:ph idx="1"/>
-          </p:nvPr>
-        </p:nvPicPr>
-        <p:blipFill>
-          <a:blip r:embed="rId2">
-            <a:extLst>
-              <a:ext uri="{28A0092B-C50C-407E-A947-70E740481C1C}">
-                <a14:useLocalDpi xmlns:a14="http://schemas.microsoft.com/office/drawing/2010/main" xmlns="" val="0"/>
-              </a:ext>
-            </a:extLst>
-          </a:blip>
-          <a:stretch>
-            <a:fillRect/>
-          </a:stretch>
-        </p:blipFill>
-        <p:spPr>
-          <a:xfrm>
-            <a:off x="304800" y="1219200"/>
-            <a:ext cx="8610600" cy="5486400"/>
-          </a:xfrm>
-        </p:spPr>
-      </p:pic>
-    </p:spTree>
-    <p:extLst>
-      <p:ext uri="{BB962C8B-B14F-4D97-AF65-F5344CB8AC3E}">
-        <p14:creationId xmlns:p14="http://schemas.microsoft.com/office/powerpoint/2010/main" xmlns="" val="2167648878"/>
-      </p:ext>
-    </p:extLst>
-  </p:cSld>
-  <p:clrMapOvr>
-    <a:masterClrMapping/>
-  </p:clrMapOvr>
-</p:sld>
-</file>
-
-<file path=ppt/slides/slide27.xml><?xml version="1.0" encoding="utf-8"?>
-<p:sld xmlns:a="http://schemas.openxmlformats.org/drawingml/2006/main" xmlns:r="http://schemas.openxmlformats.org/officeDocument/2006/relationships" xmlns:p="http://schemas.openxmlformats.org/presentationml/2006/main">
-  <p:cSld>
-    <p:spTree>
-      <p:nvGrpSpPr>
-        <p:cNvPr id="1" name=""/>
-        <p:cNvGrpSpPr/>
-        <p:nvPr/>
-      </p:nvGrpSpPr>
-      <p:grpSpPr>
-        <a:xfrm>
-          <a:off x="0" y="0"/>
-          <a:ext cx="0" cy="0"/>
-          <a:chOff x="0" y="0"/>
-          <a:chExt cx="0" cy="0"/>
-        </a:xfrm>
-      </p:grpSpPr>
-      <p:pic>
-        <p:nvPicPr>
-          <p:cNvPr id="4" name="Content Placeholder 3"/>
-          <p:cNvPicPr>
-            <a:picLocks noGrp="1" noChangeAspect="1"/>
-          </p:cNvPicPr>
-          <p:nvPr>
-            <p:ph idx="1"/>
-          </p:nvPr>
-        </p:nvPicPr>
-        <p:blipFill>
-          <a:blip r:embed="rId2">
-            <a:extLst>
-              <a:ext uri="{28A0092B-C50C-407E-A947-70E740481C1C}">
-                <a14:useLocalDpi xmlns:a14="http://schemas.microsoft.com/office/drawing/2010/main" xmlns="" val="0"/>
-              </a:ext>
-            </a:extLst>
-          </a:blip>
-          <a:stretch>
-            <a:fillRect/>
-          </a:stretch>
-        </p:blipFill>
-        <p:spPr>
-          <a:xfrm>
-            <a:off x="1295400" y="0"/>
-            <a:ext cx="6324600" cy="6858000"/>
-          </a:xfrm>
-        </p:spPr>
-      </p:pic>
-    </p:spTree>
-    <p:extLst>
-      <p:ext uri="{BB962C8B-B14F-4D97-AF65-F5344CB8AC3E}">
-        <p14:creationId xmlns:p14="http://schemas.microsoft.com/office/powerpoint/2010/main" xmlns="" val="1148764044"/>
-      </p:ext>
-    </p:extLst>
-  </p:cSld>
-  <p:clrMapOvr>
-    <a:masterClrMapping/>
-  </p:clrMapOvr>
-</p:sld>
-</file>
-
 <file path=ppt/slides/slide28.xml><?xml version="1.0" encoding="utf-8"?>
 <p:sld xmlns:a="http://schemas.openxmlformats.org/drawingml/2006/main" xmlns:r="http://schemas.openxmlformats.org/officeDocument/2006/relationships" xmlns:p="http://schemas.openxmlformats.org/presentationml/2006/main">
   <p:cSld>
@@ -5310,6 +8404,33 @@
           <a:chExt cx="0" cy="0"/>
         </a:xfrm>
       </p:grpSpPr>
+      <p:sp>
+        <p:nvSpPr>
+          <p:cNvPr id="2" name="Title 1"/>
+          <p:cNvSpPr>
+            <a:spLocks noGrp="1"/>
+          </p:cNvSpPr>
+          <p:nvPr>
+            <p:ph type="title"/>
+          </p:nvPr>
+        </p:nvSpPr>
+        <p:spPr>
+          <a:xfrm>
+            <a:off x="762000" y="152400"/>
+            <a:ext cx="8001000" cy="960438"/>
+          </a:xfrm>
+        </p:spPr>
+        <p:txBody>
+          <a:bodyPr/>
+          <a:lstStyle/>
+          <a:p>
+            <a:r>
+              <a:rPr lang="en-US" dirty="0"/>
+              <a:t>Activity Diagrams</a:t>
+            </a:r>
+          </a:p>
+        </p:txBody>
+      </p:sp>
       <p:pic>
         <p:nvPicPr>
           <p:cNvPr id="4" name="Content Placeholder 3"/>
@@ -5321,10 +8442,10 @@
           </p:nvPr>
         </p:nvPicPr>
         <p:blipFill>
-          <a:blip r:embed="rId2">
+          <a:blip r:embed="rId2" cstate="print">
             <a:extLst>
               <a:ext uri="{28A0092B-C50C-407E-A947-70E740481C1C}">
-                <a14:useLocalDpi xmlns:a14="http://schemas.microsoft.com/office/drawing/2010/main" xmlns="" val="0"/>
+                <a14:useLocalDpi xmlns:a14="http://schemas.microsoft.com/office/drawing/2010/main" val="0"/>
               </a:ext>
             </a:extLst>
           </a:blip>
@@ -5334,15 +8455,15 @@
         </p:blipFill>
         <p:spPr>
           <a:xfrm>
-            <a:off x="990600" y="0"/>
-            <a:ext cx="6781799" cy="6781800"/>
+            <a:off x="2462583" y="2160588"/>
+            <a:ext cx="2642447" cy="3881437"/>
           </a:xfrm>
         </p:spPr>
       </p:pic>
     </p:spTree>
     <p:extLst>
       <p:ext uri="{BB962C8B-B14F-4D97-AF65-F5344CB8AC3E}">
-        <p14:creationId xmlns:p14="http://schemas.microsoft.com/office/powerpoint/2010/main" xmlns="" val="978103575"/>
+        <p14:creationId xmlns:p14="http://schemas.microsoft.com/office/powerpoint/2010/main" val="2167648878"/>
       </p:ext>
     </p:extLst>
   </p:cSld>
@@ -5380,10 +8501,10 @@
           </p:nvPr>
         </p:nvPicPr>
         <p:blipFill>
-          <a:blip r:embed="rId2" cstate="print">
+          <a:blip r:embed="rId2">
             <a:extLst>
               <a:ext uri="{28A0092B-C50C-407E-A947-70E740481C1C}">
-                <a14:useLocalDpi xmlns:a14="http://schemas.microsoft.com/office/drawing/2010/main" xmlns="" val="0"/>
+                <a14:useLocalDpi xmlns:a14="http://schemas.microsoft.com/office/drawing/2010/main" val="0"/>
               </a:ext>
             </a:extLst>
           </a:blip>
@@ -5393,15 +8514,15 @@
         </p:blipFill>
         <p:spPr>
           <a:xfrm>
-            <a:off x="1524000" y="76200"/>
-            <a:ext cx="6172199" cy="6629400"/>
+            <a:off x="1295400" y="0"/>
+            <a:ext cx="6324600" cy="6858000"/>
           </a:xfrm>
         </p:spPr>
       </p:pic>
     </p:spTree>
     <p:extLst>
       <p:ext uri="{BB962C8B-B14F-4D97-AF65-F5344CB8AC3E}">
-        <p14:creationId xmlns:p14="http://schemas.microsoft.com/office/powerpoint/2010/main" xmlns="" val="2912635289"/>
+        <p14:creationId xmlns:p14="http://schemas.microsoft.com/office/powerpoint/2010/main" val="1148764044"/>
       </p:ext>
     </p:extLst>
   </p:cSld>
@@ -5446,7 +8567,7 @@
         </p:spPr>
         <p:txBody>
           <a:bodyPr>
-            <a:normAutofit fontScale="92500"/>
+            <a:normAutofit/>
           </a:bodyPr>
           <a:lstStyle/>
           <a:p>
@@ -5567,7 +8688,7 @@
           <a:blip r:embed="rId2">
             <a:extLst>
               <a:ext uri="{28A0092B-C50C-407E-A947-70E740481C1C}">
-                <a14:useLocalDpi xmlns:a14="http://schemas.microsoft.com/office/drawing/2010/main" xmlns="" val="0"/>
+                <a14:useLocalDpi xmlns:a14="http://schemas.microsoft.com/office/drawing/2010/main" val="0"/>
               </a:ext>
             </a:extLst>
           </a:blip>
@@ -5577,15 +8698,15 @@
         </p:blipFill>
         <p:spPr>
           <a:xfrm>
-            <a:off x="1295400" y="76200"/>
-            <a:ext cx="6476999" cy="6477000"/>
+            <a:off x="990600" y="0"/>
+            <a:ext cx="6781799" cy="6781800"/>
           </a:xfrm>
         </p:spPr>
       </p:pic>
     </p:spTree>
     <p:extLst>
       <p:ext uri="{BB962C8B-B14F-4D97-AF65-F5344CB8AC3E}">
-        <p14:creationId xmlns:p14="http://schemas.microsoft.com/office/powerpoint/2010/main" xmlns="" val="3890424206"/>
+        <p14:creationId xmlns:p14="http://schemas.microsoft.com/office/powerpoint/2010/main" val="978103575"/>
       </p:ext>
     </p:extLst>
   </p:cSld>
@@ -5623,10 +8744,10 @@
           </p:nvPr>
         </p:nvPicPr>
         <p:blipFill>
-          <a:blip r:embed="rId2">
+          <a:blip r:embed="rId2" cstate="print">
             <a:extLst>
               <a:ext uri="{28A0092B-C50C-407E-A947-70E740481C1C}">
-                <a14:useLocalDpi xmlns:a14="http://schemas.microsoft.com/office/drawing/2010/main" xmlns="" val="0"/>
+                <a14:useLocalDpi xmlns:a14="http://schemas.microsoft.com/office/drawing/2010/main" val="0"/>
               </a:ext>
             </a:extLst>
           </a:blip>
@@ -5636,15 +8757,15 @@
         </p:blipFill>
         <p:spPr>
           <a:xfrm>
-            <a:off x="1219200" y="0"/>
-            <a:ext cx="6781799" cy="6858000"/>
+            <a:off x="1524000" y="76200"/>
+            <a:ext cx="6172199" cy="6629400"/>
           </a:xfrm>
         </p:spPr>
       </p:pic>
     </p:spTree>
     <p:extLst>
       <p:ext uri="{BB962C8B-B14F-4D97-AF65-F5344CB8AC3E}">
-        <p14:creationId xmlns:p14="http://schemas.microsoft.com/office/powerpoint/2010/main" xmlns="" val="3728015448"/>
+        <p14:creationId xmlns:p14="http://schemas.microsoft.com/office/powerpoint/2010/main" val="2912635289"/>
       </p:ext>
     </p:extLst>
   </p:cSld>
@@ -5685,7 +8806,7 @@
           <a:blip r:embed="rId2">
             <a:extLst>
               <a:ext uri="{28A0092B-C50C-407E-A947-70E740481C1C}">
-                <a14:useLocalDpi xmlns:a14="http://schemas.microsoft.com/office/drawing/2010/main" xmlns="" val="0"/>
+                <a14:useLocalDpi xmlns:a14="http://schemas.microsoft.com/office/drawing/2010/main" val="0"/>
               </a:ext>
             </a:extLst>
           </a:blip>
@@ -5695,15 +8816,15 @@
         </p:blipFill>
         <p:spPr>
           <a:xfrm>
-            <a:off x="1219200" y="76200"/>
-            <a:ext cx="6629399" cy="6629400"/>
+            <a:off x="1295400" y="76200"/>
+            <a:ext cx="6476999" cy="6477000"/>
           </a:xfrm>
         </p:spPr>
       </p:pic>
     </p:spTree>
     <p:extLst>
       <p:ext uri="{BB962C8B-B14F-4D97-AF65-F5344CB8AC3E}">
-        <p14:creationId xmlns:p14="http://schemas.microsoft.com/office/powerpoint/2010/main" xmlns="" val="2957337095"/>
+        <p14:creationId xmlns:p14="http://schemas.microsoft.com/office/powerpoint/2010/main" val="3890424206"/>
       </p:ext>
     </p:extLst>
   </p:cSld>
@@ -5744,7 +8865,7 @@
           <a:blip r:embed="rId2">
             <a:extLst>
               <a:ext uri="{28A0092B-C50C-407E-A947-70E740481C1C}">
-                <a14:useLocalDpi xmlns:a14="http://schemas.microsoft.com/office/drawing/2010/main" xmlns="" val="0"/>
+                <a14:useLocalDpi xmlns:a14="http://schemas.microsoft.com/office/drawing/2010/main" val="0"/>
               </a:ext>
             </a:extLst>
           </a:blip>
@@ -5754,15 +8875,15 @@
         </p:blipFill>
         <p:spPr>
           <a:xfrm>
-            <a:off x="1447800" y="228600"/>
-            <a:ext cx="5943599" cy="5897563"/>
+            <a:off x="1219200" y="0"/>
+            <a:ext cx="6781799" cy="6858000"/>
           </a:xfrm>
         </p:spPr>
       </p:pic>
     </p:spTree>
     <p:extLst>
       <p:ext uri="{BB962C8B-B14F-4D97-AF65-F5344CB8AC3E}">
-        <p14:creationId xmlns:p14="http://schemas.microsoft.com/office/powerpoint/2010/main" xmlns="" val="1386107120"/>
+        <p14:creationId xmlns:p14="http://schemas.microsoft.com/office/powerpoint/2010/main" val="3728015448"/>
       </p:ext>
     </p:extLst>
   </p:cSld>
@@ -5789,6 +8910,124 @@
           <a:chExt cx="0" cy="0"/>
         </a:xfrm>
       </p:grpSpPr>
+      <p:pic>
+        <p:nvPicPr>
+          <p:cNvPr id="4" name="Content Placeholder 3"/>
+          <p:cNvPicPr>
+            <a:picLocks noGrp="1" noChangeAspect="1"/>
+          </p:cNvPicPr>
+          <p:nvPr>
+            <p:ph idx="1"/>
+          </p:nvPr>
+        </p:nvPicPr>
+        <p:blipFill>
+          <a:blip r:embed="rId2">
+            <a:extLst>
+              <a:ext uri="{28A0092B-C50C-407E-A947-70E740481C1C}">
+                <a14:useLocalDpi xmlns:a14="http://schemas.microsoft.com/office/drawing/2010/main" val="0"/>
+              </a:ext>
+            </a:extLst>
+          </a:blip>
+          <a:stretch>
+            <a:fillRect/>
+          </a:stretch>
+        </p:blipFill>
+        <p:spPr>
+          <a:xfrm>
+            <a:off x="1219200" y="76200"/>
+            <a:ext cx="6629399" cy="6629400"/>
+          </a:xfrm>
+        </p:spPr>
+      </p:pic>
+    </p:spTree>
+    <p:extLst>
+      <p:ext uri="{BB962C8B-B14F-4D97-AF65-F5344CB8AC3E}">
+        <p14:creationId xmlns:p14="http://schemas.microsoft.com/office/powerpoint/2010/main" val="2957337095"/>
+      </p:ext>
+    </p:extLst>
+  </p:cSld>
+  <p:clrMapOvr>
+    <a:masterClrMapping/>
+  </p:clrMapOvr>
+</p:sld>
+</file>
+
+<file path=ppt/slides/slide35.xml><?xml version="1.0" encoding="utf-8"?>
+<p:sld xmlns:a="http://schemas.openxmlformats.org/drawingml/2006/main" xmlns:r="http://schemas.openxmlformats.org/officeDocument/2006/relationships" xmlns:p="http://schemas.openxmlformats.org/presentationml/2006/main">
+  <p:cSld>
+    <p:spTree>
+      <p:nvGrpSpPr>
+        <p:cNvPr id="1" name=""/>
+        <p:cNvGrpSpPr/>
+        <p:nvPr/>
+      </p:nvGrpSpPr>
+      <p:grpSpPr>
+        <a:xfrm>
+          <a:off x="0" y="0"/>
+          <a:ext cx="0" cy="0"/>
+          <a:chOff x="0" y="0"/>
+          <a:chExt cx="0" cy="0"/>
+        </a:xfrm>
+      </p:grpSpPr>
+      <p:pic>
+        <p:nvPicPr>
+          <p:cNvPr id="4" name="Content Placeholder 3"/>
+          <p:cNvPicPr>
+            <a:picLocks noGrp="1" noChangeAspect="1"/>
+          </p:cNvPicPr>
+          <p:nvPr>
+            <p:ph idx="1"/>
+          </p:nvPr>
+        </p:nvPicPr>
+        <p:blipFill>
+          <a:blip r:embed="rId2">
+            <a:extLst>
+              <a:ext uri="{28A0092B-C50C-407E-A947-70E740481C1C}">
+                <a14:useLocalDpi xmlns:a14="http://schemas.microsoft.com/office/drawing/2010/main" val="0"/>
+              </a:ext>
+            </a:extLst>
+          </a:blip>
+          <a:stretch>
+            <a:fillRect/>
+          </a:stretch>
+        </p:blipFill>
+        <p:spPr>
+          <a:xfrm>
+            <a:off x="1447800" y="228600"/>
+            <a:ext cx="5943599" cy="5897563"/>
+          </a:xfrm>
+        </p:spPr>
+      </p:pic>
+    </p:spTree>
+    <p:extLst>
+      <p:ext uri="{BB962C8B-B14F-4D97-AF65-F5344CB8AC3E}">
+        <p14:creationId xmlns:p14="http://schemas.microsoft.com/office/powerpoint/2010/main" val="1386107120"/>
+      </p:ext>
+    </p:extLst>
+  </p:cSld>
+  <p:clrMapOvr>
+    <a:masterClrMapping/>
+  </p:clrMapOvr>
+</p:sld>
+</file>
+
+<file path=ppt/slides/slide36.xml><?xml version="1.0" encoding="utf-8"?>
+<p:sld xmlns:a="http://schemas.openxmlformats.org/drawingml/2006/main" xmlns:r="http://schemas.openxmlformats.org/officeDocument/2006/relationships" xmlns:p="http://schemas.openxmlformats.org/presentationml/2006/main">
+  <p:cSld>
+    <p:spTree>
+      <p:nvGrpSpPr>
+        <p:cNvPr id="1" name=""/>
+        <p:cNvGrpSpPr/>
+        <p:nvPr/>
+      </p:nvGrpSpPr>
+      <p:grpSpPr>
+        <a:xfrm>
+          <a:off x="0" y="0"/>
+          <a:ext cx="0" cy="0"/>
+          <a:chOff x="0" y="0"/>
+          <a:chExt cx="0" cy="0"/>
+        </a:xfrm>
+      </p:grpSpPr>
       <p:sp>
         <p:nvSpPr>
           <p:cNvPr id="2" name="Title 1"/>
@@ -5830,7 +9069,7 @@
           <a:blip r:embed="rId2" cstate="print">
             <a:extLst>
               <a:ext uri="{28A0092B-C50C-407E-A947-70E740481C1C}">
-                <a14:useLocalDpi xmlns:a14="http://schemas.microsoft.com/office/drawing/2010/main" xmlns="" val="0"/>
+                <a14:useLocalDpi xmlns:a14="http://schemas.microsoft.com/office/drawing/2010/main" val="0"/>
               </a:ext>
             </a:extLst>
           </a:blip>
@@ -5848,7 +9087,7 @@
     </p:spTree>
     <p:extLst>
       <p:ext uri="{BB962C8B-B14F-4D97-AF65-F5344CB8AC3E}">
-        <p14:creationId xmlns:p14="http://schemas.microsoft.com/office/powerpoint/2010/main" xmlns="" val="539227829"/>
+        <p14:creationId xmlns:p14="http://schemas.microsoft.com/office/powerpoint/2010/main" val="539227829"/>
       </p:ext>
     </p:extLst>
   </p:cSld>
@@ -5858,7 +9097,7 @@
 </p:sld>
 </file>
 
-<file path=ppt/slides/slide35.xml><?xml version="1.0" encoding="utf-8"?>
+<file path=ppt/slides/slide37.xml><?xml version="1.0" encoding="utf-8"?>
 <p:sld xmlns:a="http://schemas.openxmlformats.org/drawingml/2006/main" xmlns:r="http://schemas.openxmlformats.org/officeDocument/2006/relationships" xmlns:p="http://schemas.openxmlformats.org/presentationml/2006/main">
   <p:cSld>
     <p:bg>
@@ -5892,154 +9131,7 @@
     </p:spTree>
     <p:extLst>
       <p:ext uri="{BB962C8B-B14F-4D97-AF65-F5344CB8AC3E}">
-        <p14:creationId xmlns:p14="http://schemas.microsoft.com/office/powerpoint/2010/main" xmlns="" val="227491703"/>
-      </p:ext>
-    </p:extLst>
-  </p:cSld>
-  <p:clrMapOvr>
-    <a:masterClrMapping/>
-  </p:clrMapOvr>
-</p:sld>
-</file>
-
-<file path=ppt/slides/slide36.xml><?xml version="1.0" encoding="utf-8"?>
-<p:sld xmlns:a="http://schemas.openxmlformats.org/drawingml/2006/main" xmlns:r="http://schemas.openxmlformats.org/officeDocument/2006/relationships" xmlns:p="http://schemas.openxmlformats.org/presentationml/2006/main">
-  <p:cSld>
-    <p:spTree>
-      <p:nvGrpSpPr>
-        <p:cNvPr id="1" name=""/>
-        <p:cNvGrpSpPr/>
-        <p:nvPr/>
-      </p:nvGrpSpPr>
-      <p:grpSpPr>
-        <a:xfrm>
-          <a:off x="0" y="0"/>
-          <a:ext cx="0" cy="0"/>
-          <a:chOff x="0" y="0"/>
-          <a:chExt cx="0" cy="0"/>
-        </a:xfrm>
-      </p:grpSpPr>
-      <p:sp>
-        <p:nvSpPr>
-          <p:cNvPr id="2" name="Title 1"/>
-          <p:cNvSpPr>
-            <a:spLocks noGrp="1"/>
-          </p:cNvSpPr>
-          <p:nvPr>
-            <p:ph type="title"/>
-          </p:nvPr>
-        </p:nvSpPr>
-        <p:spPr>
-          <a:xfrm>
-            <a:off x="457200" y="76200"/>
-            <a:ext cx="8229600" cy="731838"/>
-          </a:xfrm>
-        </p:spPr>
-        <p:txBody>
-          <a:bodyPr>
-            <a:normAutofit fontScale="90000"/>
-          </a:bodyPr>
-          <a:lstStyle/>
-          <a:p>
-            <a:r>
-              <a:rPr lang="en-US" dirty="0"/>
-              <a:t>Sequence Diagrams</a:t>
-            </a:r>
-          </a:p>
-        </p:txBody>
-      </p:sp>
-      <p:pic>
-        <p:nvPicPr>
-          <p:cNvPr id="4" name="Content Placeholder 3"/>
-          <p:cNvPicPr>
-            <a:picLocks noGrp="1" noChangeAspect="1"/>
-          </p:cNvPicPr>
-          <p:nvPr>
-            <p:ph idx="1"/>
-          </p:nvPr>
-        </p:nvPicPr>
-        <p:blipFill>
-          <a:blip r:embed="rId2" cstate="print">
-            <a:extLst>
-              <a:ext uri="{28A0092B-C50C-407E-A947-70E740481C1C}">
-                <a14:useLocalDpi xmlns:a14="http://schemas.microsoft.com/office/drawing/2010/main" xmlns="" val="0"/>
-              </a:ext>
-            </a:extLst>
-          </a:blip>
-          <a:stretch>
-            <a:fillRect/>
-          </a:stretch>
-        </p:blipFill>
-        <p:spPr>
-          <a:xfrm>
-            <a:off x="228600" y="838200"/>
-            <a:ext cx="8458200" cy="5867400"/>
-          </a:xfrm>
-        </p:spPr>
-      </p:pic>
-    </p:spTree>
-    <p:extLst>
-      <p:ext uri="{BB962C8B-B14F-4D97-AF65-F5344CB8AC3E}">
-        <p14:creationId xmlns:p14="http://schemas.microsoft.com/office/powerpoint/2010/main" xmlns="" val="136745214"/>
-      </p:ext>
-    </p:extLst>
-  </p:cSld>
-  <p:clrMapOvr>
-    <a:masterClrMapping/>
-  </p:clrMapOvr>
-</p:sld>
-</file>
-
-<file path=ppt/slides/slide37.xml><?xml version="1.0" encoding="utf-8"?>
-<p:sld xmlns:a="http://schemas.openxmlformats.org/drawingml/2006/main" xmlns:r="http://schemas.openxmlformats.org/officeDocument/2006/relationships" xmlns:p="http://schemas.openxmlformats.org/presentationml/2006/main">
-  <p:cSld>
-    <p:spTree>
-      <p:nvGrpSpPr>
-        <p:cNvPr id="1" name=""/>
-        <p:cNvGrpSpPr/>
-        <p:nvPr/>
-      </p:nvGrpSpPr>
-      <p:grpSpPr>
-        <a:xfrm>
-          <a:off x="0" y="0"/>
-          <a:ext cx="0" cy="0"/>
-          <a:chOff x="0" y="0"/>
-          <a:chExt cx="0" cy="0"/>
-        </a:xfrm>
-      </p:grpSpPr>
-      <p:pic>
-        <p:nvPicPr>
-          <p:cNvPr id="4" name="Content Placeholder 3"/>
-          <p:cNvPicPr>
-            <a:picLocks noGrp="1" noChangeAspect="1"/>
-          </p:cNvPicPr>
-          <p:nvPr>
-            <p:ph idx="1"/>
-          </p:nvPr>
-        </p:nvPicPr>
-        <p:blipFill>
-          <a:blip r:embed="rId2">
-            <a:extLst>
-              <a:ext uri="{28A0092B-C50C-407E-A947-70E740481C1C}">
-                <a14:useLocalDpi xmlns:a14="http://schemas.microsoft.com/office/drawing/2010/main" xmlns="" val="0"/>
-              </a:ext>
-            </a:extLst>
-          </a:blip>
-          <a:stretch>
-            <a:fillRect/>
-          </a:stretch>
-        </p:blipFill>
-        <p:spPr>
-          <a:xfrm>
-            <a:off x="304800" y="228600"/>
-            <a:ext cx="8458200" cy="6400800"/>
-          </a:xfrm>
-        </p:spPr>
-      </p:pic>
-    </p:spTree>
-    <p:extLst>
-      <p:ext uri="{BB962C8B-B14F-4D97-AF65-F5344CB8AC3E}">
-        <p14:creationId xmlns:p14="http://schemas.microsoft.com/office/powerpoint/2010/main" xmlns="" val="459305706"/>
+        <p14:creationId xmlns:p14="http://schemas.microsoft.com/office/powerpoint/2010/main" val="227491703"/>
       </p:ext>
     </p:extLst>
   </p:cSld>
@@ -6066,6 +9158,35 @@
           <a:chExt cx="0" cy="0"/>
         </a:xfrm>
       </p:grpSpPr>
+      <p:sp>
+        <p:nvSpPr>
+          <p:cNvPr id="2" name="Title 1"/>
+          <p:cNvSpPr>
+            <a:spLocks noGrp="1"/>
+          </p:cNvSpPr>
+          <p:nvPr>
+            <p:ph type="title"/>
+          </p:nvPr>
+        </p:nvSpPr>
+        <p:spPr>
+          <a:xfrm>
+            <a:off x="457200" y="76200"/>
+            <a:ext cx="8229600" cy="731838"/>
+          </a:xfrm>
+        </p:spPr>
+        <p:txBody>
+          <a:bodyPr>
+            <a:normAutofit/>
+          </a:bodyPr>
+          <a:lstStyle/>
+          <a:p>
+            <a:r>
+              <a:rPr lang="en-US" dirty="0"/>
+              <a:t>Sequence Diagrams</a:t>
+            </a:r>
+          </a:p>
+        </p:txBody>
+      </p:sp>
       <p:pic>
         <p:nvPicPr>
           <p:cNvPr id="4" name="Content Placeholder 3"/>
@@ -6077,10 +9198,10 @@
           </p:nvPr>
         </p:nvPicPr>
         <p:blipFill>
-          <a:blip r:embed="rId2">
+          <a:blip r:embed="rId2" cstate="print">
             <a:extLst>
               <a:ext uri="{28A0092B-C50C-407E-A947-70E740481C1C}">
-                <a14:useLocalDpi xmlns:a14="http://schemas.microsoft.com/office/drawing/2010/main" xmlns="" val="0"/>
+                <a14:useLocalDpi xmlns:a14="http://schemas.microsoft.com/office/drawing/2010/main" val="0"/>
               </a:ext>
             </a:extLst>
           </a:blip>
@@ -6090,15 +9211,15 @@
         </p:blipFill>
         <p:spPr>
           <a:xfrm>
-            <a:off x="228600" y="304800"/>
-            <a:ext cx="8686800" cy="6324600"/>
+            <a:off x="228600" y="838200"/>
+            <a:ext cx="8458200" cy="5867400"/>
           </a:xfrm>
         </p:spPr>
       </p:pic>
     </p:spTree>
     <p:extLst>
       <p:ext uri="{BB962C8B-B14F-4D97-AF65-F5344CB8AC3E}">
-        <p14:creationId xmlns:p14="http://schemas.microsoft.com/office/powerpoint/2010/main" xmlns="" val="3541366415"/>
+        <p14:creationId xmlns:p14="http://schemas.microsoft.com/office/powerpoint/2010/main" val="136745214"/>
       </p:ext>
     </p:extLst>
   </p:cSld>
@@ -6139,7 +9260,7 @@
           <a:blip r:embed="rId2">
             <a:extLst>
               <a:ext uri="{28A0092B-C50C-407E-A947-70E740481C1C}">
-                <a14:useLocalDpi xmlns:a14="http://schemas.microsoft.com/office/drawing/2010/main" xmlns="" val="0"/>
+                <a14:useLocalDpi xmlns:a14="http://schemas.microsoft.com/office/drawing/2010/main" val="0"/>
               </a:ext>
             </a:extLst>
           </a:blip>
@@ -6149,15 +9270,15 @@
         </p:blipFill>
         <p:spPr>
           <a:xfrm>
-            <a:off x="381000" y="381000"/>
-            <a:ext cx="8458200" cy="6172200"/>
+            <a:off x="304800" y="228600"/>
+            <a:ext cx="8458200" cy="6400800"/>
           </a:xfrm>
         </p:spPr>
       </p:pic>
     </p:spTree>
     <p:extLst>
       <p:ext uri="{BB962C8B-B14F-4D97-AF65-F5344CB8AC3E}">
-        <p14:creationId xmlns:p14="http://schemas.microsoft.com/office/powerpoint/2010/main" xmlns="" val="3608397868"/>
+        <p14:creationId xmlns:p14="http://schemas.microsoft.com/office/powerpoint/2010/main" val="459305706"/>
       </p:ext>
     </p:extLst>
   </p:cSld>
@@ -6202,7 +9323,7 @@
         </p:spPr>
         <p:txBody>
           <a:bodyPr>
-            <a:normAutofit fontScale="92500" lnSpcReduction="10000"/>
+            <a:normAutofit/>
           </a:bodyPr>
           <a:lstStyle/>
           <a:p>
@@ -6265,6 +9386,124 @@
           <a:chExt cx="0" cy="0"/>
         </a:xfrm>
       </p:grpSpPr>
+      <p:pic>
+        <p:nvPicPr>
+          <p:cNvPr id="4" name="Content Placeholder 3"/>
+          <p:cNvPicPr>
+            <a:picLocks noGrp="1" noChangeAspect="1"/>
+          </p:cNvPicPr>
+          <p:nvPr>
+            <p:ph idx="1"/>
+          </p:nvPr>
+        </p:nvPicPr>
+        <p:blipFill>
+          <a:blip r:embed="rId2">
+            <a:extLst>
+              <a:ext uri="{28A0092B-C50C-407E-A947-70E740481C1C}">
+                <a14:useLocalDpi xmlns:a14="http://schemas.microsoft.com/office/drawing/2010/main" val="0"/>
+              </a:ext>
+            </a:extLst>
+          </a:blip>
+          <a:stretch>
+            <a:fillRect/>
+          </a:stretch>
+        </p:blipFill>
+        <p:spPr>
+          <a:xfrm>
+            <a:off x="228600" y="304800"/>
+            <a:ext cx="8686800" cy="6324600"/>
+          </a:xfrm>
+        </p:spPr>
+      </p:pic>
+    </p:spTree>
+    <p:extLst>
+      <p:ext uri="{BB962C8B-B14F-4D97-AF65-F5344CB8AC3E}">
+        <p14:creationId xmlns:p14="http://schemas.microsoft.com/office/powerpoint/2010/main" val="3541366415"/>
+      </p:ext>
+    </p:extLst>
+  </p:cSld>
+  <p:clrMapOvr>
+    <a:masterClrMapping/>
+  </p:clrMapOvr>
+</p:sld>
+</file>
+
+<file path=ppt/slides/slide41.xml><?xml version="1.0" encoding="utf-8"?>
+<p:sld xmlns:a="http://schemas.openxmlformats.org/drawingml/2006/main" xmlns:r="http://schemas.openxmlformats.org/officeDocument/2006/relationships" xmlns:p="http://schemas.openxmlformats.org/presentationml/2006/main">
+  <p:cSld>
+    <p:spTree>
+      <p:nvGrpSpPr>
+        <p:cNvPr id="1" name=""/>
+        <p:cNvGrpSpPr/>
+        <p:nvPr/>
+      </p:nvGrpSpPr>
+      <p:grpSpPr>
+        <a:xfrm>
+          <a:off x="0" y="0"/>
+          <a:ext cx="0" cy="0"/>
+          <a:chOff x="0" y="0"/>
+          <a:chExt cx="0" cy="0"/>
+        </a:xfrm>
+      </p:grpSpPr>
+      <p:pic>
+        <p:nvPicPr>
+          <p:cNvPr id="4" name="Content Placeholder 3"/>
+          <p:cNvPicPr>
+            <a:picLocks noGrp="1" noChangeAspect="1"/>
+          </p:cNvPicPr>
+          <p:nvPr>
+            <p:ph idx="1"/>
+          </p:nvPr>
+        </p:nvPicPr>
+        <p:blipFill>
+          <a:blip r:embed="rId2">
+            <a:extLst>
+              <a:ext uri="{28A0092B-C50C-407E-A947-70E740481C1C}">
+                <a14:useLocalDpi xmlns:a14="http://schemas.microsoft.com/office/drawing/2010/main" val="0"/>
+              </a:ext>
+            </a:extLst>
+          </a:blip>
+          <a:stretch>
+            <a:fillRect/>
+          </a:stretch>
+        </p:blipFill>
+        <p:spPr>
+          <a:xfrm>
+            <a:off x="381000" y="381000"/>
+            <a:ext cx="8458200" cy="6172200"/>
+          </a:xfrm>
+        </p:spPr>
+      </p:pic>
+    </p:spTree>
+    <p:extLst>
+      <p:ext uri="{BB962C8B-B14F-4D97-AF65-F5344CB8AC3E}">
+        <p14:creationId xmlns:p14="http://schemas.microsoft.com/office/powerpoint/2010/main" val="3608397868"/>
+      </p:ext>
+    </p:extLst>
+  </p:cSld>
+  <p:clrMapOvr>
+    <a:masterClrMapping/>
+  </p:clrMapOvr>
+</p:sld>
+</file>
+
+<file path=ppt/slides/slide42.xml><?xml version="1.0" encoding="utf-8"?>
+<p:sld xmlns:a="http://schemas.openxmlformats.org/drawingml/2006/main" xmlns:r="http://schemas.openxmlformats.org/officeDocument/2006/relationships" xmlns:p="http://schemas.openxmlformats.org/presentationml/2006/main">
+  <p:cSld>
+    <p:spTree>
+      <p:nvGrpSpPr>
+        <p:cNvPr id="1" name=""/>
+        <p:cNvGrpSpPr/>
+        <p:nvPr/>
+      </p:nvGrpSpPr>
+      <p:grpSpPr>
+        <a:xfrm>
+          <a:off x="0" y="0"/>
+          <a:ext cx="0" cy="0"/>
+          <a:chOff x="0" y="0"/>
+          <a:chExt cx="0" cy="0"/>
+        </a:xfrm>
+      </p:grpSpPr>
       <p:sp>
         <p:nvSpPr>
           <p:cNvPr id="2" name="Title 1"/>
@@ -6283,7 +9522,7 @@
         </p:spPr>
         <p:txBody>
           <a:bodyPr>
-            <a:normAutofit fontScale="90000"/>
+            <a:normAutofit/>
           </a:bodyPr>
           <a:lstStyle/>
           <a:p>
@@ -6308,7 +9547,7 @@
           <a:blip r:embed="rId2" cstate="print">
             <a:extLst>
               <a:ext uri="{28A0092B-C50C-407E-A947-70E740481C1C}">
-                <a14:useLocalDpi xmlns:a14="http://schemas.microsoft.com/office/drawing/2010/main" xmlns="" val="0"/>
+                <a14:useLocalDpi xmlns:a14="http://schemas.microsoft.com/office/drawing/2010/main" val="0"/>
               </a:ext>
             </a:extLst>
           </a:blip>
@@ -6326,7 +9565,70 @@
     </p:spTree>
     <p:extLst>
       <p:ext uri="{BB962C8B-B14F-4D97-AF65-F5344CB8AC3E}">
-        <p14:creationId xmlns:p14="http://schemas.microsoft.com/office/powerpoint/2010/main" xmlns="" val="2635315847"/>
+        <p14:creationId xmlns:p14="http://schemas.microsoft.com/office/powerpoint/2010/main" val="2635315847"/>
+      </p:ext>
+    </p:extLst>
+  </p:cSld>
+  <p:clrMapOvr>
+    <a:masterClrMapping/>
+  </p:clrMapOvr>
+</p:sld>
+</file>
+
+<file path=ppt/slides/slide43.xml><?xml version="1.0" encoding="utf-8"?>
+<p:sld xmlns:a="http://schemas.openxmlformats.org/drawingml/2006/main" xmlns:r="http://schemas.openxmlformats.org/officeDocument/2006/relationships" xmlns:p="http://schemas.openxmlformats.org/presentationml/2006/main">
+  <p:cSld>
+    <p:spTree>
+      <p:nvGrpSpPr>
+        <p:cNvPr id="1" name=""/>
+        <p:cNvGrpSpPr/>
+        <p:nvPr/>
+      </p:nvGrpSpPr>
+      <p:grpSpPr>
+        <a:xfrm>
+          <a:off x="0" y="0"/>
+          <a:ext cx="0" cy="0"/>
+          <a:chOff x="0" y="0"/>
+          <a:chExt cx="0" cy="0"/>
+        </a:xfrm>
+      </p:grpSpPr>
+      <p:sp>
+        <p:nvSpPr>
+          <p:cNvPr id="2" name="Title 1">
+            <a:extLst>
+              <a:ext uri="{FF2B5EF4-FFF2-40B4-BE49-F238E27FC236}">
+                <a16:creationId xmlns:a16="http://schemas.microsoft.com/office/drawing/2014/main" id="{9CAF2976-4B61-49FD-8BEB-5AE803ABF041}"/>
+              </a:ext>
+            </a:extLst>
+          </p:cNvPr>
+          <p:cNvSpPr>
+            <a:spLocks noGrp="1"/>
+          </p:cNvSpPr>
+          <p:nvPr>
+            <p:ph type="title"/>
+          </p:nvPr>
+        </p:nvSpPr>
+        <p:spPr>
+          <a:xfrm>
+            <a:off x="381000" y="2857500"/>
+            <a:ext cx="8229600" cy="1143000"/>
+          </a:xfrm>
+        </p:spPr>
+        <p:txBody>
+          <a:bodyPr/>
+          <a:lstStyle/>
+          <a:p>
+            <a:r>
+              <a:rPr lang="en-IN" dirty="0"/>
+              <a:t>Thank You</a:t>
+            </a:r>
+          </a:p>
+        </p:txBody>
+      </p:sp>
+    </p:spTree>
+    <p:extLst>
+      <p:ext uri="{BB962C8B-B14F-4D97-AF65-F5344CB8AC3E}">
+        <p14:creationId xmlns:p14="http://schemas.microsoft.com/office/powerpoint/2010/main" val="1068408047"/>
       </p:ext>
     </p:extLst>
   </p:cSld>
@@ -6476,7 +9778,7 @@
         <p:spPr/>
         <p:txBody>
           <a:bodyPr>
-            <a:normAutofit fontScale="92500" lnSpcReduction="10000"/>
+            <a:normAutofit/>
           </a:bodyPr>
           <a:lstStyle/>
           <a:p>
@@ -6556,7 +9858,7 @@
         <p:spPr/>
         <p:txBody>
           <a:bodyPr>
-            <a:normAutofit fontScale="62500" lnSpcReduction="20000"/>
+            <a:normAutofit fontScale="85000" lnSpcReduction="20000"/>
           </a:bodyPr>
           <a:lstStyle/>
           <a:p>
@@ -6648,7 +9950,7 @@
         <p:spPr/>
         <p:txBody>
           <a:bodyPr>
-            <a:normAutofit fontScale="92500" lnSpcReduction="20000"/>
+            <a:normAutofit fontScale="62500" lnSpcReduction="20000"/>
           </a:bodyPr>
           <a:lstStyle/>
           <a:p>
@@ -6744,7 +10046,7 @@
         </p:spPr>
         <p:txBody>
           <a:bodyPr>
-            <a:normAutofit fontScale="92500" lnSpcReduction="20000"/>
+            <a:normAutofit fontScale="85000" lnSpcReduction="20000"/>
           </a:bodyPr>
           <a:lstStyle/>
           <a:p>
@@ -6847,9 +10149,9 @@
 </file>
 
 <file path=ppt/theme/theme1.xml><?xml version="1.0" encoding="utf-8"?>
-<a:theme xmlns:a="http://schemas.openxmlformats.org/drawingml/2006/main" name="Office Theme">
+<a:theme xmlns:a="http://schemas.openxmlformats.org/drawingml/2006/main" name="Facet">
   <a:themeElements>
-    <a:clrScheme name="Office">
+    <a:clrScheme name="Facet">
       <a:dk1>
         <a:sysClr val="windowText" lastClr="000000"/>
       </a:dk1>
@@ -6857,80 +10159,46 @@
         <a:sysClr val="window" lastClr="FFFFFF"/>
       </a:lt1>
       <a:dk2>
-        <a:srgbClr val="1F497D"/>
+        <a:srgbClr val="2C3C43"/>
       </a:dk2>
       <a:lt2>
-        <a:srgbClr val="EEECE1"/>
+        <a:srgbClr val="EBEBEB"/>
       </a:lt2>
       <a:accent1>
-        <a:srgbClr val="4F81BD"/>
+        <a:srgbClr val="F496CB"/>
       </a:accent1>
       <a:accent2>
-        <a:srgbClr val="C0504D"/>
+        <a:srgbClr val="BC356F"/>
       </a:accent2>
       <a:accent3>
-        <a:srgbClr val="9BBB59"/>
+        <a:srgbClr val="E65331"/>
       </a:accent3>
       <a:accent4>
-        <a:srgbClr val="8064A2"/>
+        <a:srgbClr val="F27E19"/>
       </a:accent4>
       <a:accent5>
-        <a:srgbClr val="4BACC6"/>
+        <a:srgbClr val="F2AC19"/>
       </a:accent5>
       <a:accent6>
-        <a:srgbClr val="F79646"/>
+        <a:srgbClr val="BC80E0"/>
       </a:accent6>
       <a:hlink>
-        <a:srgbClr val="0000FF"/>
+        <a:srgbClr val="EF5285"/>
       </a:hlink>
       <a:folHlink>
-        <a:srgbClr val="800080"/>
+        <a:srgbClr val="F77F90"/>
       </a:folHlink>
     </a:clrScheme>
-    <a:fontScheme name="Office">
+    <a:fontScheme name="Facet">
       <a:majorFont>
-        <a:latin typeface="Calibri"/>
+        <a:latin typeface="Trebuchet MS" panose="020B0603020202020204"/>
         <a:ea typeface=""/>
         <a:cs typeface=""/>
-        <a:font script="Jpan" typeface="ＭＳ Ｐゴシック"/>
+        <a:font script="Jpan" typeface="メイリオ"/>
         <a:font script="Hang" typeface="맑은 고딕"/>
-        <a:font script="Hans" typeface="宋体"/>
-        <a:font script="Hant" typeface="新細明體"/>
-        <a:font script="Arab" typeface="Times New Roman"/>
-        <a:font script="Hebr" typeface="Times New Roman"/>
-        <a:font script="Thai" typeface="Angsana New"/>
-        <a:font script="Ethi" typeface="Nyala"/>
-        <a:font script="Beng" typeface="Vrinda"/>
-        <a:font script="Gujr" typeface="Shruti"/>
-        <a:font script="Khmr" typeface="MoolBoran"/>
-        <a:font script="Knda" typeface="Tunga"/>
-        <a:font script="Guru" typeface="Raavi"/>
-        <a:font script="Cans" typeface="Euphemia"/>
-        <a:font script="Cher" typeface="Plantagenet Cherokee"/>
-        <a:font script="Yiii" typeface="Microsoft Yi Baiti"/>
-        <a:font script="Tibt" typeface="Microsoft Himalaya"/>
-        <a:font script="Thaa" typeface="MV Boli"/>
-        <a:font script="Deva" typeface="Mangal"/>
-        <a:font script="Telu" typeface="Gautami"/>
-        <a:font script="Taml" typeface="Latha"/>
-        <a:font script="Syrc" typeface="Estrangelo Edessa"/>
-        <a:font script="Orya" typeface="Kalinga"/>
-        <a:font script="Mlym" typeface="Kartika"/>
-        <a:font script="Laoo" typeface="DokChampa"/>
-        <a:font script="Sinh" typeface="Iskoola Pota"/>
-        <a:font script="Mong" typeface="Mongolian Baiti"/>
-        <a:font script="Viet" typeface="Times New Roman"/>
-        <a:font script="Uigh" typeface="Microsoft Uighur"/>
-      </a:majorFont>
-      <a:minorFont>
-        <a:latin typeface="Calibri"/>
-        <a:ea typeface=""/>
-        <a:cs typeface=""/>
-        <a:font script="Jpan" typeface="ＭＳ Ｐゴシック"/>
-        <a:font script="Hang" typeface="맑은 고딕"/>
-        <a:font script="Hans" typeface="宋体"/>
-        <a:font script="Hant" typeface="新細明體"/>
-        <a:font script="Arab" typeface="Arial"/>
+        <a:font script="Hans" typeface="方正姚体"/>
+        <a:font script="Hant" typeface="微軟正黑體"/>
+        <a:font script="Arab" typeface="Tahoma"/>
         <a:font script="Hebr" typeface="Arial"/>
         <a:font script="Thai" typeface="Cordia New"/>
         <a:font script="Ethi" typeface="Nyala"/>
@@ -6953,11 +10221,47 @@
         <a:font script="Laoo" typeface="DokChampa"/>
         <a:font script="Sinh" typeface="Iskoola Pota"/>
         <a:font script="Mong" typeface="Mongolian Baiti"/>
+        <a:font script="Viet" typeface="Tahoma"/>
+        <a:font script="Uigh" typeface="Microsoft Uighur"/>
+        <a:font script="Geor" typeface="Sylfaen"/>
+      </a:majorFont>
+      <a:minorFont>
+        <a:latin typeface="Trebuchet MS" panose="020B0603020202020204"/>
+        <a:ea typeface=""/>
+        <a:cs typeface=""/>
+        <a:font script="Jpan" typeface="メイリオ"/>
+        <a:font script="Hang" typeface="HY그래픽M"/>
+        <a:font script="Hans" typeface="华文新魏"/>
+        <a:font script="Hant" typeface="微軟正黑體"/>
+        <a:font script="Arab" typeface="Tahoma"/>
+        <a:font script="Hebr" typeface="Gisha"/>
+        <a:font script="Thai" typeface="IrisUPC"/>
+        <a:font script="Ethi" typeface="Nyala"/>
+        <a:font script="Beng" typeface="Vrinda"/>
+        <a:font script="Gujr" typeface="Shruti"/>
+        <a:font script="Khmr" typeface="DaunPenh"/>
+        <a:font script="Knda" typeface="Tunga"/>
+        <a:font script="Guru" typeface="Raavi"/>
+        <a:font script="Cans" typeface="Euphemia"/>
+        <a:font script="Cher" typeface="Plantagenet Cherokee"/>
+        <a:font script="Yiii" typeface="Microsoft Yi Baiti"/>
+        <a:font script="Tibt" typeface="Microsoft Himalaya"/>
+        <a:font script="Thaa" typeface="MV Boli"/>
+        <a:font script="Deva" typeface="Mangal"/>
+        <a:font script="Telu" typeface="Gautami"/>
+        <a:font script="Taml" typeface="Latha"/>
+        <a:font script="Syrc" typeface="Estrangelo Edessa"/>
+        <a:font script="Orya" typeface="Kalinga"/>
+        <a:font script="Mlym" typeface="Kartika"/>
+        <a:font script="Laoo" typeface="DokChampa"/>
+        <a:font script="Sinh" typeface="Iskoola Pota"/>
+        <a:font script="Mong" typeface="Mongolian Baiti"/>
         <a:font script="Viet" typeface="Arial"/>
         <a:font script="Uigh" typeface="Microsoft Uighur"/>
+        <a:font script="Geor" typeface="Sylfaen"/>
       </a:minorFont>
     </a:fontScheme>
-    <a:fmtScheme name="Office">
+    <a:fmtScheme name="Facet">
       <a:fillStyleLst>
         <a:solidFill>
           <a:schemeClr val="phClr"/>
@@ -6966,66 +10270,50 @@
           <a:gsLst>
             <a:gs pos="0">
               <a:schemeClr val="phClr">
-                <a:tint val="50000"/>
-                <a:satMod val="300000"/>
+                <a:tint val="65000"/>
+                <a:lumMod val="110000"/>
               </a:schemeClr>
             </a:gs>
-            <a:gs pos="35000">
+            <a:gs pos="88000">
               <a:schemeClr val="phClr">
-                <a:tint val="37000"/>
-                <a:satMod val="300000"/>
-              </a:schemeClr>
-            </a:gs>
-            <a:gs pos="100000">
-              <a:schemeClr val="phClr">
-                <a:tint val="15000"/>
-                <a:satMod val="350000"/>
+                <a:tint val="90000"/>
               </a:schemeClr>
             </a:gs>
           </a:gsLst>
-          <a:lin ang="16200000" scaled="1"/>
+          <a:lin ang="5400000" scaled="0"/>
         </a:gradFill>
         <a:gradFill rotWithShape="1">
           <a:gsLst>
             <a:gs pos="0">
               <a:schemeClr val="phClr">
-                <a:shade val="51000"/>
-                <a:satMod val="130000"/>
+                <a:tint val="96000"/>
+                <a:lumMod val="100000"/>
               </a:schemeClr>
             </a:gs>
-            <a:gs pos="80000">
-              <a:schemeClr val="phClr">
-                <a:shade val="93000"/>
-                <a:satMod val="130000"/>
-              </a:schemeClr>
-            </a:gs>
-            <a:gs pos="100000">
+            <a:gs pos="78000">
               <a:schemeClr val="phClr">
                 <a:shade val="94000"/>
-                <a:satMod val="135000"/>
+                <a:lumMod val="94000"/>
               </a:schemeClr>
             </a:gs>
           </a:gsLst>
-          <a:lin ang="16200000" scaled="0"/>
+          <a:lin ang="5400000" scaled="0"/>
         </a:gradFill>
       </a:fillStyleLst>
       <a:lnStyleLst>
-        <a:ln w="9525" cap="flat" cmpd="sng" algn="ctr">
-          <a:solidFill>
-            <a:schemeClr val="phClr">
-              <a:shade val="95000"/>
-              <a:satMod val="105000"/>
-            </a:schemeClr>
-          </a:solidFill>
-          <a:prstDash val="solid"/>
-        </a:ln>
-        <a:ln w="25400" cap="flat" cmpd="sng" algn="ctr">
+        <a:ln w="12700" cap="rnd" cmpd="sng" algn="ctr">
           <a:solidFill>
             <a:schemeClr val="phClr"/>
           </a:solidFill>
           <a:prstDash val="solid"/>
         </a:ln>
-        <a:ln w="38100" cap="flat" cmpd="sng" algn="ctr">
+        <a:ln w="19050" cap="rnd" cmpd="sng" algn="ctr">
+          <a:solidFill>
+            <a:schemeClr val="phClr"/>
+          </a:solidFill>
+          <a:prstDash val="solid"/>
+        </a:ln>
+        <a:ln w="25400" cap="rnd" cmpd="sng" algn="ctr">
           <a:solidFill>
             <a:schemeClr val="phClr"/>
           </a:solidFill>
@@ -7034,17 +10322,11 @@
       </a:lnStyleLst>
       <a:effectStyleLst>
         <a:effectStyle>
-          <a:effectLst>
-            <a:outerShdw blurRad="40000" dist="20000" dir="5400000" rotWithShape="0">
-              <a:srgbClr val="000000">
-                <a:alpha val="38000"/>
-              </a:srgbClr>
-            </a:outerShdw>
-          </a:effectLst>
+          <a:effectLst/>
         </a:effectStyle>
         <a:effectStyle>
           <a:effectLst>
-            <a:outerShdw blurRad="40000" dist="23000" dir="5400000" rotWithShape="0">
+            <a:outerShdw blurRad="38100" dist="25400" dir="5400000" rotWithShape="0">
               <a:srgbClr val="000000">
                 <a:alpha val="35000"/>
               </a:srgbClr>
@@ -7053,7 +10335,7 @@
         </a:effectStyle>
         <a:effectStyle>
           <a:effectLst>
-            <a:outerShdw blurRad="40000" dist="23000" dir="5400000" rotWithShape="0">
+            <a:outerShdw blurRad="50800" dist="38100" dir="5400000" rotWithShape="0">
               <a:srgbClr val="000000">
                 <a:alpha val="35000"/>
               </a:srgbClr>
@@ -7063,12 +10345,10 @@
             <a:camera prst="orthographicFront">
               <a:rot lat="0" lon="0" rev="0"/>
             </a:camera>
-            <a:lightRig rig="threePt" dir="t">
-              <a:rot lat="0" lon="0" rev="1200000"/>
-            </a:lightRig>
+            <a:lightRig rig="threePt" dir="tl"/>
           </a:scene3d>
-          <a:sp3d>
-            <a:bevelT w="63500" h="25400"/>
+          <a:sp3d prstMaterial="plastic">
+            <a:bevelT w="0" h="0"/>
           </a:sp3d>
         </a:effectStyle>
       </a:effectStyleLst>
@@ -7080,45 +10360,36 @@
           <a:gsLst>
             <a:gs pos="0">
               <a:schemeClr val="phClr">
-                <a:tint val="40000"/>
-                <a:satMod val="350000"/>
+                <a:tint val="90000"/>
+                <a:lumMod val="104000"/>
               </a:schemeClr>
             </a:gs>
-            <a:gs pos="40000">
+            <a:gs pos="94000">
               <a:schemeClr val="phClr">
-                <a:tint val="45000"/>
-                <a:shade val="99000"/>
-                <a:satMod val="350000"/>
-              </a:schemeClr>
-            </a:gs>
-            <a:gs pos="100000">
-              <a:schemeClr val="phClr">
-                <a:shade val="20000"/>
-                <a:satMod val="255000"/>
+                <a:shade val="96000"/>
+                <a:lumMod val="82000"/>
               </a:schemeClr>
             </a:gs>
           </a:gsLst>
-          <a:path path="circle">
-            <a:fillToRect l="50000" t="-80000" r="50000" b="180000"/>
-          </a:path>
+          <a:lin ang="5400000" scaled="0"/>
         </a:gradFill>
         <a:gradFill rotWithShape="1">
           <a:gsLst>
             <a:gs pos="0">
               <a:schemeClr val="phClr">
-                <a:tint val="80000"/>
-                <a:satMod val="300000"/>
+                <a:tint val="90000"/>
+                <a:lumMod val="110000"/>
               </a:schemeClr>
             </a:gs>
             <a:gs pos="100000">
               <a:schemeClr val="phClr">
-                <a:shade val="30000"/>
-                <a:satMod val="200000"/>
+                <a:shade val="94000"/>
+                <a:lumMod val="96000"/>
               </a:schemeClr>
             </a:gs>
           </a:gsLst>
           <a:path path="circle">
-            <a:fillToRect l="50000" t="50000" r="50000" b="50000"/>
+            <a:fillToRect l="50000" t="50000" r="100000" b="100000"/>
           </a:path>
         </a:gradFill>
       </a:bgFillStyleLst>
@@ -7126,5 +10397,10 @@
   </a:themeElements>
   <a:objectDefaults/>
   <a:extraClrSchemeLst/>
+  <a:extLst>
+    <a:ext uri="{05A4C25C-085E-4340-85A3-A5531E510DB2}">
+      <thm15:themeFamily xmlns:thm15="http://schemas.microsoft.com/office/thememl/2012/main" name="Facet" id="{C0C680CD-088A-49FC-A102-D699147F32B2}" vid="{23659B44-6E34-4CE8-8F0D-387DA7996826}"/>
+    </a:ext>
+  </a:extLst>
 </a:theme>
 </file>
--- a/Presentation/Project_Presentation.pptx
+++ b/Presentation/Project_Presentation.pptx
@@ -148,7 +148,7 @@
   </p:defaultTextStyle>
   <p:extLst>
     <p:ext uri="{EFAFB233-063F-42B5-8137-9DF3F51BA10A}">
-      <p15:sldGuideLst xmlns:p15="http://schemas.microsoft.com/office/powerpoint/2012/main">
+      <p15:sldGuideLst xmlns:p15="http://schemas.microsoft.com/office/powerpoint/2012/main" xmlns="">
         <p15:guide id="1" orient="horz" pos="2160">
           <p15:clr>
             <a:srgbClr val="A4A3A4"/>
@@ -6147,12 +6147,66 @@
             <p:ph type="subTitle" idx="1"/>
           </p:nvPr>
         </p:nvSpPr>
-        <p:spPr/>
-        <p:txBody>
-          <a:bodyPr/>
+        <p:spPr>
+          <a:xfrm>
+            <a:off x="1848699" y="3962400"/>
+            <a:ext cx="5826719" cy="2045166"/>
+          </a:xfrm>
+        </p:spPr>
+        <p:txBody>
+          <a:bodyPr>
+            <a:normAutofit/>
+          </a:bodyPr>
           <a:lstStyle/>
           <a:p>
-            <a:endParaRPr lang="en-US"/>
+            <a:pPr algn="l"/>
+            <a:r>
+              <a:rPr lang="en-US" dirty="0" smtClean="0"/>
+              <a:t>		Team Members :</a:t>
+            </a:r>
+          </a:p>
+          <a:p>
+            <a:pPr marL="342900" indent="-342900" algn="l">
+              <a:buFont typeface="+mj-lt"/>
+              <a:buAutoNum type="arabicPeriod"/>
+            </a:pPr>
+            <a:r>
+              <a:rPr lang="en-US" dirty="0" err="1" smtClean="0"/>
+              <a:t>Avani</a:t>
+            </a:r>
+            <a:r>
+              <a:rPr lang="en-US" dirty="0" smtClean="0"/>
+              <a:t> Sanghvi-170410107099</a:t>
+            </a:r>
+          </a:p>
+          <a:p>
+            <a:pPr marL="342900" indent="-342900" algn="l">
+              <a:buFont typeface="+mj-lt"/>
+              <a:buAutoNum type="arabicPeriod"/>
+            </a:pPr>
+            <a:r>
+              <a:rPr lang="en-US" dirty="0" err="1" smtClean="0"/>
+              <a:t>Sarvesh</a:t>
+            </a:r>
+            <a:r>
+              <a:rPr lang="en-US" dirty="0" smtClean="0"/>
+              <a:t> Purohit-170410107091</a:t>
+            </a:r>
+          </a:p>
+          <a:p>
+            <a:pPr marL="342900" indent="-342900" algn="l">
+              <a:buFont typeface="+mj-lt"/>
+              <a:buAutoNum type="arabicPeriod"/>
+            </a:pPr>
+            <a:r>
+              <a:rPr lang="en-US" dirty="0" err="1" smtClean="0"/>
+              <a:t>Dhruv</a:t>
+            </a:r>
+            <a:r>
+              <a:rPr lang="en-US" dirty="0" smtClean="0"/>
+              <a:t> Bhavsar-170410107006 </a:t>
+            </a:r>
+            <a:endParaRPr lang="en-US" dirty="0"/>
           </a:p>
         </p:txBody>
       </p:sp>
@@ -6161,7 +6215,7 @@
           <p:cNvPr id="3074" name="Picture 2" descr="Image result for sVIT LOGO">
             <a:extLst>
               <a:ext uri="{FF2B5EF4-FFF2-40B4-BE49-F238E27FC236}">
-                <a16:creationId xmlns:a16="http://schemas.microsoft.com/office/drawing/2014/main" id="{0300D63E-15ED-4836-9BDD-251EFB29B321}"/>
+                <a16:creationId xmlns:a16="http://schemas.microsoft.com/office/drawing/2014/main" xmlns="" id="{0300D63E-15ED-4836-9BDD-251EFB29B321}"/>
               </a:ext>
             </a:extLst>
           </p:cNvPr>
@@ -6203,6 +6257,88 @@
           </a:extLst>
         </p:spPr>
       </p:pic>
+      <p:sp>
+        <p:nvSpPr>
+          <p:cNvPr id="2" name="TextBox 1"/>
+          <p:cNvSpPr txBox="1"/>
+          <p:nvPr/>
+        </p:nvSpPr>
+        <p:spPr>
+          <a:xfrm>
+            <a:off x="3657600" y="2130425"/>
+            <a:ext cx="3983182" cy="769441"/>
+          </a:xfrm>
+          <a:prstGeom prst="rect">
+            <a:avLst/>
+          </a:prstGeom>
+          <a:noFill/>
+        </p:spPr>
+        <p:txBody>
+          <a:bodyPr wrap="square" rtlCol="0">
+            <a:spAutoFit/>
+          </a:bodyPr>
+          <a:lstStyle/>
+          <a:p>
+            <a:r>
+              <a:rPr lang="en-US" sz="4400" dirty="0" err="1" smtClean="0">
+                <a:solidFill>
+                  <a:schemeClr val="accent1">
+                    <a:lumMod val="75000"/>
+                  </a:schemeClr>
+                </a:solidFill>
+              </a:rPr>
+              <a:t>Dine@myTime</a:t>
+            </a:r>
+            <a:endParaRPr lang="en-US" sz="4400" dirty="0">
+              <a:solidFill>
+                <a:schemeClr val="accent1">
+                  <a:lumMod val="75000"/>
+                </a:schemeClr>
+              </a:solidFill>
+            </a:endParaRPr>
+          </a:p>
+        </p:txBody>
+      </p:sp>
+      <p:sp>
+        <p:nvSpPr>
+          <p:cNvPr id="4" name="TextBox 3"/>
+          <p:cNvSpPr txBox="1"/>
+          <p:nvPr/>
+        </p:nvSpPr>
+        <p:spPr>
+          <a:xfrm>
+            <a:off x="3525982" y="5791200"/>
+            <a:ext cx="4114800" cy="369332"/>
+          </a:xfrm>
+          <a:prstGeom prst="rect">
+            <a:avLst/>
+          </a:prstGeom>
+          <a:noFill/>
+        </p:spPr>
+        <p:txBody>
+          <a:bodyPr wrap="square" rtlCol="0">
+            <a:spAutoFit/>
+          </a:bodyPr>
+          <a:lstStyle/>
+          <a:p>
+            <a:r>
+              <a:rPr lang="en-US" dirty="0" smtClean="0">
+                <a:solidFill>
+                  <a:schemeClr val="accent1">
+                    <a:lumMod val="75000"/>
+                  </a:schemeClr>
+                </a:solidFill>
+              </a:rPr>
+              <a:t>Internal Guide :</a:t>
+            </a:r>
+            <a:r>
+              <a:rPr lang="en-US" dirty="0" smtClean="0"/>
+              <a:t> Prof. Nitin R. Patel</a:t>
+            </a:r>
+            <a:endParaRPr lang="en-US" dirty="0"/>
+          </a:p>
+        </p:txBody>
+      </p:sp>
     </p:spTree>
   </p:cSld>
   <p:clrMapOvr>
@@ -6251,40 +6387,68 @@
           <a:lstStyle/>
           <a:p>
             <a:r>
-              <a:rPr lang="en-US" b="1" dirty="0"/>
+              <a:rPr lang="en-US" sz="2400" b="1" dirty="0" smtClean="0"/>
               <a:t>Supportability</a:t>
             </a:r>
+            <a:endParaRPr lang="en-US" dirty="0" smtClean="0"/>
+          </a:p>
+          <a:p>
+            <a:r>
+              <a:rPr lang="en-US" sz="2000" dirty="0" smtClean="0"/>
+              <a:t>Our </a:t>
+            </a:r>
+            <a:r>
+              <a:rPr lang="en-US" sz="2000" dirty="0"/>
+              <a:t>app will be supportable in every android mobiles</a:t>
+            </a:r>
+            <a:r>
+              <a:rPr lang="en-US" sz="2000" dirty="0" smtClean="0"/>
+              <a:t>.</a:t>
+            </a:r>
+          </a:p>
+          <a:p>
+            <a:pPr marL="0" indent="0">
+              <a:buNone/>
+            </a:pPr>
+            <a:endParaRPr lang="en-US" b="1" dirty="0" smtClean="0"/>
+          </a:p>
+          <a:p>
+            <a:r>
+              <a:rPr lang="en-US" sz="2400" b="1" dirty="0" smtClean="0"/>
+              <a:t>Safety Requirement</a:t>
+            </a:r>
+            <a:endParaRPr lang="en-US" sz="2400" dirty="0" smtClean="0"/>
+          </a:p>
+          <a:p>
+            <a:r>
+              <a:rPr lang="en-US" sz="2000" dirty="0" smtClean="0"/>
+              <a:t>The </a:t>
+            </a:r>
+            <a:r>
+              <a:rPr lang="en-US" sz="2000" dirty="0"/>
+              <a:t>database may get crashed at any certain time due to viruses or operating system failures. Therefore, it is required to take the database backup</a:t>
+            </a:r>
+            <a:r>
+              <a:rPr lang="en-US" sz="2000" dirty="0" smtClean="0"/>
+              <a:t>.</a:t>
+            </a:r>
+          </a:p>
+          <a:p>
+            <a:pPr marL="0" indent="0">
+              <a:buNone/>
+            </a:pPr>
             <a:endParaRPr lang="en-US" dirty="0"/>
           </a:p>
           <a:p>
             <a:r>
-              <a:rPr lang="en-US" dirty="0"/>
-              <a:t>Our app will be supportable in every android mobiles.</a:t>
-            </a:r>
-          </a:p>
-          <a:p>
-            <a:r>
-              <a:rPr lang="en-US" b="1" dirty="0"/>
-              <a:t>Safety Requirement</a:t>
+              <a:rPr lang="en-US" sz="2400" b="1" dirty="0"/>
+              <a:t>Interface</a:t>
             </a:r>
             <a:endParaRPr lang="en-US" dirty="0"/>
           </a:p>
           <a:p>
             <a:r>
-              <a:rPr lang="en-US" dirty="0"/>
-              <a:t>The database may get crashed at any certain time due to viruses or operating system failures. Therefore, it is required to take the database backup.</a:t>
-            </a:r>
-          </a:p>
-          <a:p>
-            <a:r>
-              <a:rPr lang="en-US" b="1" dirty="0"/>
-              <a:t>Interface</a:t>
-            </a:r>
-            <a:endParaRPr lang="en-US" dirty="0"/>
-          </a:p>
-          <a:p>
-            <a:r>
-              <a:rPr lang="en-US" dirty="0"/>
+              <a:rPr lang="en-US" sz="2000" dirty="0"/>
               <a:t>Our application will accessible through any android mobile.</a:t>
             </a:r>
           </a:p>
@@ -6342,24 +6506,33 @@
         </p:spPr>
         <p:txBody>
           <a:bodyPr>
-            <a:normAutofit/>
+            <a:normAutofit lnSpcReduction="10000"/>
           </a:bodyPr>
           <a:lstStyle/>
           <a:p>
             <a:pPr>
-              <a:buNone/>
+              <a:buFont typeface="+mj-lt"/>
+              <a:buAutoNum type="arabicParenR" startAt="3"/>
             </a:pPr>
             <a:r>
+              <a:rPr lang="en-US" sz="2400" b="1" dirty="0" smtClean="0"/>
+              <a:t>HARDWARE </a:t>
+            </a:r>
+            <a:r>
+              <a:rPr lang="en-US" sz="2400" b="1" dirty="0"/>
+              <a:t>REQUIREMENTS</a:t>
+            </a:r>
+            <a:r>
               <a:rPr lang="en-US" b="1" dirty="0"/>
-              <a:t>3)HARDWARE REQUIREMENTS:</a:t>
-            </a:r>
-          </a:p>
-          <a:p>
-            <a:r>
-              <a:rPr lang="en-US" b="1" dirty="0"/>
+              <a:t>:</a:t>
+            </a:r>
+          </a:p>
+          <a:p>
+            <a:r>
+              <a:rPr lang="en-US" sz="2000" b="1" dirty="0"/>
               <a:t>Smart phone/tablet</a:t>
             </a:r>
-            <a:endParaRPr lang="en-US" dirty="0"/>
+            <a:endParaRPr lang="en-US" sz="2000" dirty="0"/>
           </a:p>
           <a:p>
             <a:pPr>
@@ -6381,7 +6554,7 @@
           </a:p>
           <a:p>
             <a:r>
-              <a:rPr lang="en-US" b="1" dirty="0"/>
+              <a:rPr lang="en-US" sz="2000" b="1" dirty="0"/>
               <a:t>Computer/laptop</a:t>
             </a:r>
           </a:p>
@@ -6404,46 +6577,55 @@
             </a:r>
           </a:p>
           <a:p>
-            <a:pPr>
-              <a:buNone/>
+            <a:pPr marL="514350" indent="-514350">
+              <a:buFont typeface="+mj-lt"/>
+              <a:buAutoNum type="arabicParenR" startAt="4"/>
             </a:pPr>
             <a:r>
+              <a:rPr lang="en-US" sz="2400" b="1" dirty="0" smtClean="0"/>
+              <a:t>SOFTWARE </a:t>
+            </a:r>
+            <a:r>
+              <a:rPr lang="en-US" sz="2400" b="1" dirty="0"/>
+              <a:t>REQUIREMENTS</a:t>
+            </a:r>
+            <a:r>
               <a:rPr lang="en-US" sz="3300" b="1" dirty="0"/>
-              <a:t>4) SOFTWARE REQUIREMENTS:</a:t>
+              <a:t>:</a:t>
             </a:r>
             <a:endParaRPr lang="en-US" sz="3800" b="1" dirty="0"/>
           </a:p>
           <a:p>
             <a:r>
-              <a:rPr lang="en-US" dirty="0"/>
+              <a:rPr lang="en-US" sz="2000" dirty="0"/>
               <a:t>Android Studio 3.0.1</a:t>
             </a:r>
           </a:p>
           <a:p>
             <a:r>
-              <a:rPr lang="en-US" dirty="0" err="1"/>
+              <a:rPr lang="en-US" sz="2000" dirty="0" err="1"/>
               <a:t>MySQL</a:t>
             </a:r>
             <a:r>
-              <a:rPr lang="en-US" dirty="0"/>
+              <a:rPr lang="en-US" sz="2000" dirty="0"/>
               <a:t> 5.6.12</a:t>
             </a:r>
           </a:p>
           <a:p>
             <a:r>
-              <a:rPr lang="en-US" dirty="0"/>
+              <a:rPr lang="en-US" sz="2000" dirty="0"/>
               <a:t>PHP 5.4.16</a:t>
             </a:r>
           </a:p>
           <a:p>
             <a:r>
-              <a:rPr lang="en-US" dirty="0"/>
+              <a:rPr lang="en-US" sz="2000" dirty="0"/>
               <a:t>Sublime Text</a:t>
             </a:r>
           </a:p>
           <a:p>
             <a:r>
-              <a:rPr lang="en-US" dirty="0"/>
+              <a:rPr lang="en-US" sz="2000" dirty="0"/>
               <a:t>XAMPP Server</a:t>
             </a:r>
           </a:p>
@@ -6491,7 +6673,7 @@
           <p:cNvPr id="4" name="Title 1">
             <a:extLst>
               <a:ext uri="{FF2B5EF4-FFF2-40B4-BE49-F238E27FC236}">
-                <a16:creationId xmlns:a16="http://schemas.microsoft.com/office/drawing/2014/main" id="{0B51D2DF-360D-41BB-B1C4-EA3E985EC889}"/>
+                <a16:creationId xmlns:a16="http://schemas.microsoft.com/office/drawing/2014/main" xmlns="" id="{0B51D2DF-360D-41BB-B1C4-EA3E985EC889}"/>
               </a:ext>
             </a:extLst>
           </p:cNvPr>
@@ -6542,7 +6724,7 @@
           <p:cNvPr id="5" name="Rectangle 4">
             <a:extLst>
               <a:ext uri="{FF2B5EF4-FFF2-40B4-BE49-F238E27FC236}">
-                <a16:creationId xmlns:a16="http://schemas.microsoft.com/office/drawing/2014/main" id="{04A0972F-4A12-4D82-BCBF-3DBCA76A5C1E}"/>
+                <a16:creationId xmlns:a16="http://schemas.microsoft.com/office/drawing/2014/main" xmlns="" id="{04A0972F-4A12-4D82-BCBF-3DBCA76A5C1E}"/>
               </a:ext>
             </a:extLst>
           </p:cNvPr>
@@ -6552,7 +6734,7 @@
         <p:spPr>
           <a:xfrm>
             <a:off x="304800" y="2494508"/>
-            <a:ext cx="7467600" cy="1200329"/>
+            <a:ext cx="7467600" cy="1323439"/>
           </a:xfrm>
           <a:prstGeom prst="rect">
             <a:avLst/>
@@ -6569,7 +6751,7 @@
               <a:buChar char="•"/>
             </a:pPr>
             <a:r>
-              <a:rPr lang="en-US" dirty="0">
+              <a:rPr lang="en-US" sz="2000" dirty="0">
                 <a:solidFill>
                   <a:srgbClr val="222222"/>
                 </a:solidFill>
@@ -6620,66 +6802,47 @@
             <p:ph idx="1"/>
           </p:nvPr>
         </p:nvSpPr>
-        <p:spPr/>
+        <p:spPr>
+          <a:xfrm>
+            <a:off x="609600" y="762000"/>
+            <a:ext cx="6347714" cy="3880773"/>
+          </a:xfrm>
+        </p:spPr>
         <p:txBody>
           <a:bodyPr>
             <a:normAutofit/>
           </a:bodyPr>
           <a:lstStyle/>
           <a:p>
-            <a:pPr marL="114300" marR="0" indent="0" algn="l">
+            <a:pPr marL="457200" marR="0" algn="l">
               <a:spcBef>
                 <a:spcPts val="0"/>
               </a:spcBef>
               <a:spcAft>
                 <a:spcPts val="0"/>
               </a:spcAft>
-              <a:buNone/>
+              <a:buFont typeface="+mj-lt"/>
+              <a:buAutoNum type="arabicParenR"/>
             </a:pPr>
-            <a:endParaRPr lang="en-US" sz="1800" dirty="0">
-              <a:solidFill>
-                <a:srgbClr val="222222"/>
-              </a:solidFill>
-              <a:latin typeface="Times New Roman" panose="02020603050405020304" pitchFamily="18" charset="0"/>
-            </a:endParaRPr>
-          </a:p>
-          <a:p>
-            <a:pPr marL="114300" marR="0" indent="0" algn="l">
-              <a:spcBef>
-                <a:spcPts val="0"/>
-              </a:spcBef>
-              <a:spcAft>
-                <a:spcPts val="0"/>
-              </a:spcAft>
-              <a:buNone/>
-            </a:pPr>
-            <a:endParaRPr lang="en-US" sz="1800" b="0" i="0" dirty="0">
-              <a:solidFill>
-                <a:srgbClr val="222222"/>
-              </a:solidFill>
-              <a:effectLst/>
-              <a:latin typeface="Times New Roman" panose="02020603050405020304" pitchFamily="18" charset="0"/>
-            </a:endParaRPr>
-          </a:p>
-          <a:p>
-            <a:pPr marL="114300" marR="0" indent="0" algn="l">
-              <a:spcBef>
-                <a:spcPts val="0"/>
-              </a:spcBef>
-              <a:spcAft>
-                <a:spcPts val="0"/>
-              </a:spcAft>
-              <a:buNone/>
-            </a:pPr>
-            <a:r>
-              <a:rPr lang="en-US" b="0" i="0" dirty="0">
+            <a:r>
+              <a:rPr lang="en-US" sz="2400" b="1" i="0" dirty="0" smtClean="0">
                 <a:solidFill>
                   <a:srgbClr val="222222"/>
                 </a:solidFill>
                 <a:effectLst/>
                 <a:latin typeface="Calibri" panose="020F0502020204030204" pitchFamily="34" charset="0"/>
               </a:rPr>
-              <a:t>1)Technical Feasibility:</a:t>
+              <a:t>Technical </a:t>
+            </a:r>
+            <a:r>
+              <a:rPr lang="en-US" sz="2400" b="1" i="0" dirty="0">
+                <a:solidFill>
+                  <a:srgbClr val="222222"/>
+                </a:solidFill>
+                <a:effectLst/>
+                <a:latin typeface="Calibri" panose="020F0502020204030204" pitchFamily="34" charset="0"/>
+              </a:rPr>
+              <a:t>Feasibility:</a:t>
             </a:r>
           </a:p>
           <a:p>
@@ -6711,7 +6874,7 @@
               <a:buNone/>
             </a:pPr>
             <a:r>
-              <a:rPr lang="en-US" sz="1800" b="0" i="0" dirty="0">
+              <a:rPr lang="en-US" sz="2000" b="0" i="0" dirty="0">
                 <a:solidFill>
                   <a:srgbClr val="222222"/>
                 </a:solidFill>
@@ -6721,7 +6884,7 @@
               <a:t>The </a:t>
             </a:r>
             <a:r>
-              <a:rPr lang="en-US" sz="1800" b="1" i="0" dirty="0">
+              <a:rPr lang="en-US" sz="2000" b="1" i="0" dirty="0">
                 <a:solidFill>
                   <a:srgbClr val="222222"/>
                 </a:solidFill>
@@ -6731,7 +6894,7 @@
               <a:t>technical feasibility </a:t>
             </a:r>
             <a:r>
-              <a:rPr lang="en-US" sz="1800" b="0" i="0" dirty="0">
+              <a:rPr lang="en-US" sz="2000" b="0" i="0" dirty="0">
                 <a:solidFill>
                   <a:srgbClr val="222222"/>
                 </a:solidFill>
@@ -6740,7 +6903,7 @@
               </a:rPr>
               <a:t>is worked for the project is done with the present equipment, manual procedures, existing   software technology and available technical hardware. This assessment focuses on the technical resources available to the organization. Technical feasibility also involves the evolution of the hardware, software, and other the technical requirements of the proposed system.</a:t>
             </a:r>
-            <a:endParaRPr lang="en-US" sz="1800" b="0" i="0" dirty="0">
+            <a:endParaRPr lang="en-US" sz="2000" b="0" i="0" dirty="0">
               <a:solidFill>
                 <a:srgbClr val="222222"/>
               </a:solidFill>
@@ -7108,7 +7271,7 @@
           <p:cNvPr id="3" name="Content Placeholder 2">
             <a:extLst>
               <a:ext uri="{FF2B5EF4-FFF2-40B4-BE49-F238E27FC236}">
-                <a16:creationId xmlns:a16="http://schemas.microsoft.com/office/drawing/2014/main" id="{482BE55A-1B7E-4D2F-9C9D-170D9427A31C}"/>
+                <a16:creationId xmlns:a16="http://schemas.microsoft.com/office/drawing/2014/main" xmlns="" id="{482BE55A-1B7E-4D2F-9C9D-170D9427A31C}"/>
               </a:ext>
             </a:extLst>
           </p:cNvPr>
@@ -7121,15 +7284,64 @@
         </p:nvSpPr>
         <p:spPr>
           <a:xfrm>
-            <a:off x="29852" y="228600"/>
-            <a:ext cx="8610600" cy="6049963"/>
+            <a:off x="0" y="1219200"/>
+            <a:ext cx="8047348" cy="3733800"/>
           </a:xfrm>
         </p:spPr>
         <p:txBody>
           <a:bodyPr>
-            <a:normAutofit lnSpcReduction="10000"/>
+            <a:normAutofit/>
           </a:bodyPr>
           <a:lstStyle/>
+          <a:p>
+            <a:pPr marL="628650" marR="0" indent="-514350" algn="l">
+              <a:spcBef>
+                <a:spcPts val="0"/>
+              </a:spcBef>
+              <a:spcAft>
+                <a:spcPts val="0"/>
+              </a:spcAft>
+              <a:buFont typeface="+mj-lt"/>
+              <a:buAutoNum type="arabicParenR" startAt="3"/>
+            </a:pPr>
+            <a:r>
+              <a:rPr lang="en-US" sz="2400" b="1" i="0" dirty="0" smtClean="0">
+                <a:solidFill>
+                  <a:srgbClr val="222222"/>
+                </a:solidFill>
+                <a:effectLst/>
+                <a:latin typeface="Times New Roman" panose="02020603050405020304" pitchFamily="18" charset="0"/>
+              </a:rPr>
+              <a:t>Economic </a:t>
+            </a:r>
+            <a:r>
+              <a:rPr lang="en-US" sz="2400" b="1" i="0" dirty="0">
+                <a:solidFill>
+                  <a:srgbClr val="222222"/>
+                </a:solidFill>
+                <a:effectLst/>
+                <a:latin typeface="Times New Roman" panose="02020603050405020304" pitchFamily="18" charset="0"/>
+              </a:rPr>
+              <a:t>feasibility</a:t>
+            </a:r>
+            <a:r>
+              <a:rPr lang="en-US" sz="2400" b="0" i="0" dirty="0">
+                <a:solidFill>
+                  <a:srgbClr val="222222"/>
+                </a:solidFill>
+                <a:effectLst/>
+                <a:latin typeface="Times New Roman" panose="02020603050405020304" pitchFamily="18" charset="0"/>
+              </a:rPr>
+              <a:t> </a:t>
+            </a:r>
+            <a:endParaRPr lang="en-US" sz="2400" b="0" i="0" dirty="0" smtClean="0">
+              <a:solidFill>
+                <a:srgbClr val="222222"/>
+              </a:solidFill>
+              <a:effectLst/>
+              <a:latin typeface="Times New Roman" panose="02020603050405020304" pitchFamily="18" charset="0"/>
+            </a:endParaRPr>
+          </a:p>
           <a:p>
             <a:pPr marL="114300" marR="0" indent="0" algn="l">
               <a:spcBef>
@@ -7140,37 +7352,7 @@
               </a:spcAft>
               <a:buNone/>
             </a:pPr>
-            <a:r>
-              <a:rPr lang="en-US" sz="3200" b="0" i="0" dirty="0">
-                <a:solidFill>
-                  <a:srgbClr val="222222"/>
-                </a:solidFill>
-                <a:effectLst/>
-                <a:latin typeface="Times New Roman" panose="02020603050405020304" pitchFamily="18" charset="0"/>
-              </a:rPr>
-              <a:t>  3) </a:t>
-            </a:r>
-            <a:r>
-              <a:rPr lang="en-US" sz="3200" b="1" i="0" dirty="0">
-                <a:solidFill>
-                  <a:srgbClr val="222222"/>
-                </a:solidFill>
-                <a:effectLst/>
-                <a:latin typeface="Times New Roman" panose="02020603050405020304" pitchFamily="18" charset="0"/>
-              </a:rPr>
-              <a:t>Economic feasibility</a:t>
-            </a:r>
-            <a:r>
-              <a:rPr lang="en-US" sz="3200" b="0" i="0" dirty="0">
-                <a:solidFill>
-                  <a:srgbClr val="222222"/>
-                </a:solidFill>
-                <a:effectLst/>
-                <a:latin typeface="Times New Roman" panose="02020603050405020304" pitchFamily="18" charset="0"/>
-              </a:rPr>
-              <a:t> </a:t>
-            </a:r>
-            <a:endParaRPr lang="en-US" sz="3200" b="0" i="0" dirty="0">
+            <a:endParaRPr lang="en-US" sz="2000" b="0" i="0" dirty="0">
               <a:solidFill>
                 <a:srgbClr val="222222"/>
               </a:solidFill>
@@ -7188,7 +7370,7 @@
               </a:spcAft>
             </a:pPr>
             <a:r>
-              <a:rPr lang="en-US" sz="3200" b="0" i="0" dirty="0">
+              <a:rPr lang="en-US" sz="2000" b="0" i="0" dirty="0">
                 <a:solidFill>
                   <a:srgbClr val="222222"/>
                 </a:solidFill>
@@ -7197,7 +7379,7 @@
               </a:rPr>
               <a:t>This assessment typically involves a cost/benefits analysis of the project, helping the organization determine the viability, cost, and benefits associated with a project before financial resources are allocated. The proposed system economically feasible as it removes manual work, reduces the manual mistake, decreases the number of people working. Economic feasibility is the system where the users have economic to this system the agency has to provide the required software.</a:t>
             </a:r>
-            <a:endParaRPr lang="en-US" sz="3200" b="0" i="0" dirty="0">
+            <a:endParaRPr lang="en-US" sz="2000" b="0" i="0" dirty="0">
               <a:solidFill>
                 <a:srgbClr val="222222"/>
               </a:solidFill>
@@ -7329,10 +7511,15 @@
             <p:ph idx="1"/>
           </p:nvPr>
         </p:nvSpPr>
-        <p:spPr/>
+        <p:spPr>
+          <a:xfrm>
+            <a:off x="609599" y="1676400"/>
+            <a:ext cx="6347714" cy="4364963"/>
+          </a:xfrm>
+        </p:spPr>
         <p:txBody>
           <a:bodyPr>
-            <a:normAutofit fontScale="85000" lnSpcReduction="20000"/>
+            <a:normAutofit fontScale="85000" lnSpcReduction="10000"/>
           </a:bodyPr>
           <a:lstStyle/>
           <a:p>
@@ -7349,7 +7536,7 @@
               </a:rPr>
               <a:t>Why we chose Spiral Model?</a:t>
             </a:r>
-            <a:endParaRPr lang="en-US" sz="4000" b="0" i="0" dirty="0">
+            <a:endParaRPr lang="en-US" sz="2400" b="0" i="0" dirty="0">
               <a:solidFill>
                 <a:srgbClr val="222222"/>
               </a:solidFill>
@@ -7533,7 +7720,7 @@
               </a:rPr>
               <a:t>  Reviewing the previous phase can correct the errors and take care of the new requirement.</a:t>
             </a:r>
-            <a:endParaRPr lang="en-US" sz="4000" b="0" i="0" dirty="0">
+            <a:endParaRPr lang="en-US" sz="2400" b="0" i="0" dirty="0">
               <a:solidFill>
                 <a:srgbClr val="222222"/>
               </a:solidFill>
@@ -7617,21 +7804,21 @@
               <a:buNone/>
             </a:pPr>
             <a:r>
-              <a:rPr lang="en-US" dirty="0"/>
+              <a:rPr lang="en-US" sz="2400" dirty="0"/>
               <a:t>1) How do we find our definition on project?</a:t>
             </a:r>
           </a:p>
           <a:p>
             <a:pPr lvl="1"/>
             <a:r>
-              <a:rPr lang="en-US" dirty="0"/>
+              <a:rPr lang="en-US" sz="2000" dirty="0"/>
               <a:t>By discussing amongst ourselves and with friends and relatives , we get to know the real time problem faced by people regarding the restaurant long waiting especially on occasions and functions. </a:t>
             </a:r>
           </a:p>
           <a:p>
             <a:pPr lvl="1"/>
             <a:r>
-              <a:rPr lang="en-US" dirty="0">
+              <a:rPr lang="en-US" sz="2000" dirty="0">
                 <a:solidFill>
                   <a:srgbClr val="FF0000"/>
                 </a:solidFill>
@@ -7711,31 +7898,31 @@
           <a:lstStyle/>
           <a:p>
             <a:r>
-              <a:rPr lang="en-US" dirty="0"/>
+              <a:rPr lang="en-US" sz="2000" dirty="0"/>
               <a:t>We are going to use “SPIRAL MODEL”.</a:t>
             </a:r>
           </a:p>
           <a:p>
             <a:r>
-              <a:rPr lang="en-US" b="1" dirty="0"/>
+              <a:rPr lang="en-US" sz="2000" b="1" dirty="0"/>
               <a:t>Spiral model</a:t>
             </a:r>
             <a:r>
-              <a:rPr lang="en-US" dirty="0"/>
+              <a:rPr lang="en-US" sz="2000" dirty="0"/>
               <a:t> is one of the most important Software Development Life Cycle models, which provides support for </a:t>
             </a:r>
             <a:r>
-              <a:rPr lang="en-US" b="1" dirty="0"/>
+              <a:rPr lang="en-US" sz="2000" b="1" dirty="0"/>
               <a:t>Risk Handling</a:t>
             </a:r>
             <a:r>
-              <a:rPr lang="en-US" dirty="0"/>
+              <a:rPr lang="en-US" sz="2000" dirty="0"/>
               <a:t>.</a:t>
             </a:r>
           </a:p>
           <a:p>
             <a:r>
-              <a:rPr lang="en-US" b="1" dirty="0"/>
+              <a:rPr lang="en-US" sz="2000" b="1" dirty="0"/>
               <a:t>Advantages of the Spiral Model </a:t>
             </a:r>
           </a:p>
@@ -7744,11 +7931,11 @@
               <a:buNone/>
             </a:pPr>
             <a:r>
-              <a:rPr lang="en-US" b="1" dirty="0"/>
+              <a:rPr lang="en-US" sz="2000" b="1" dirty="0"/>
               <a:t>	</a:t>
             </a:r>
             <a:r>
-              <a:rPr lang="en-US" dirty="0"/>
+              <a:rPr lang="en-US" sz="2000" dirty="0"/>
               <a:t>Best for a high-risk project </a:t>
             </a:r>
           </a:p>
@@ -7757,7 +7944,7 @@
               <a:buNone/>
             </a:pPr>
             <a:r>
-              <a:rPr lang="en-US" dirty="0"/>
+              <a:rPr lang="en-US" sz="2000" dirty="0"/>
               <a:t>	Good for large and mission-critical projects </a:t>
             </a:r>
           </a:p>
@@ -7766,7 +7953,7 @@
               <a:buNone/>
             </a:pPr>
             <a:r>
-              <a:rPr lang="en-US" dirty="0"/>
+              <a:rPr lang="en-US" sz="2000" dirty="0"/>
               <a:t>	Strong approval and documentation control </a:t>
             </a:r>
           </a:p>
@@ -7775,7 +7962,7 @@
               <a:buNone/>
             </a:pPr>
             <a:r>
-              <a:rPr lang="en-US" dirty="0"/>
+              <a:rPr lang="en-US" sz="2000" dirty="0"/>
               <a:t>	Continuous or repeated development helps in risk management Development is fast and features are added in a systematic approach</a:t>
             </a:r>
           </a:p>
@@ -7784,7 +7971,7 @@
               <a:buNone/>
             </a:pPr>
             <a:r>
-              <a:rPr lang="en-US" dirty="0"/>
+              <a:rPr lang="en-US" sz="2000" dirty="0"/>
               <a:t>	Additional functionality or change can be done at a later stage. </a:t>
             </a:r>
           </a:p>
@@ -7793,7 +7980,7 @@
               <a:buNone/>
             </a:pPr>
             <a:r>
-              <a:rPr lang="en-US" dirty="0"/>
+              <a:rPr lang="en-US" sz="2000" dirty="0"/>
               <a:t>	Cost estimation becomes easy as the prototype building happens in small fragments. There is always space for Customer feedback.</a:t>
             </a:r>
           </a:p>
@@ -7907,7 +8094,7 @@
           <p:cNvPr id="5" name="Content Placeholder 4">
             <a:extLst>
               <a:ext uri="{FF2B5EF4-FFF2-40B4-BE49-F238E27FC236}">
-                <a16:creationId xmlns:a16="http://schemas.microsoft.com/office/drawing/2014/main" id="{56ADB524-2A14-449A-94E5-C4D2FCFBE6E9}"/>
+                <a16:creationId xmlns:a16="http://schemas.microsoft.com/office/drawing/2014/main" xmlns="" id="{56ADB524-2A14-449A-94E5-C4D2FCFBE6E9}"/>
               </a:ext>
             </a:extLst>
           </p:cNvPr>
@@ -7932,8 +8119,8 @@
         </p:blipFill>
         <p:spPr>
           <a:xfrm>
-            <a:off x="2295061" y="2160588"/>
-            <a:ext cx="2977490" cy="3881437"/>
+            <a:off x="1143000" y="635941"/>
+            <a:ext cx="6324600" cy="5841059"/>
           </a:xfrm>
         </p:spPr>
       </p:pic>
@@ -8007,7 +8194,7 @@
           <a:lstStyle/>
           <a:p>
             <a:r>
-              <a:rPr lang="en-US" dirty="0"/>
+              <a:rPr lang="en-US" sz="2400" dirty="0"/>
               <a:t>We have made variety of diagrams based on our project and they are :</a:t>
             </a:r>
           </a:p>
@@ -8017,7 +8204,7 @@
               <a:buAutoNum type="arabicPeriod"/>
             </a:pPr>
             <a:r>
-              <a:rPr lang="en-US" dirty="0"/>
+              <a:rPr lang="en-US" sz="2000" dirty="0"/>
               <a:t>Use Case diagrams</a:t>
             </a:r>
           </a:p>
@@ -8027,7 +8214,7 @@
               <a:buAutoNum type="arabicPeriod"/>
             </a:pPr>
             <a:r>
-              <a:rPr lang="en-US" dirty="0"/>
+              <a:rPr lang="en-US" sz="2000" dirty="0"/>
               <a:t>Activity Diagrams</a:t>
             </a:r>
           </a:p>
@@ -8037,7 +8224,7 @@
               <a:buAutoNum type="arabicPeriod"/>
             </a:pPr>
             <a:r>
-              <a:rPr lang="en-US" dirty="0"/>
+              <a:rPr lang="en-US" sz="2000" dirty="0"/>
               <a:t>E-R Diagram </a:t>
             </a:r>
           </a:p>
@@ -8047,7 +8234,7 @@
               <a:buAutoNum type="arabicPeriod"/>
             </a:pPr>
             <a:r>
-              <a:rPr lang="en-US" dirty="0"/>
+              <a:rPr lang="en-US" sz="2000" dirty="0"/>
               <a:t>Sequence Diagrams</a:t>
             </a:r>
           </a:p>
@@ -8057,7 +8244,7 @@
               <a:buAutoNum type="arabicPeriod"/>
             </a:pPr>
             <a:r>
-              <a:rPr lang="en-US" dirty="0"/>
+              <a:rPr lang="en-US" sz="2000" dirty="0"/>
               <a:t>Class Diagram</a:t>
             </a:r>
           </a:p>
@@ -8104,7 +8291,7 @@
           <p:cNvPr id="2" name="Title 1">
             <a:extLst>
               <a:ext uri="{FF2B5EF4-FFF2-40B4-BE49-F238E27FC236}">
-                <a16:creationId xmlns:a16="http://schemas.microsoft.com/office/drawing/2014/main" id="{1965469C-7555-4F99-B773-AF83797C1A7E}"/>
+                <a16:creationId xmlns:a16="http://schemas.microsoft.com/office/drawing/2014/main" xmlns="" id="{1965469C-7555-4F99-B773-AF83797C1A7E}"/>
               </a:ext>
             </a:extLst>
           </p:cNvPr>
@@ -8244,7 +8431,7 @@
           <a:graphicData uri="http://schemas.openxmlformats.org/presentationml/2006/ole">
             <mc:AlternateContent xmlns:mc="http://schemas.openxmlformats.org/markup-compatibility/2006">
               <mc:Choice xmlns:v="urn:schemas-microsoft-com:vml" Requires="v">
-                <p:oleObj spid="_x0000_s2080" name="Visio" r:id="rId3" imgW="6486663" imgH="7257885" progId="Visio.Drawing.15">
+                <p:oleObj spid="_x0000_s2101" name="Visio" r:id="rId3" imgW="6486663" imgH="7257885" progId="Visio.Drawing.15">
                   <p:embed/>
                 </p:oleObj>
               </mc:Choice>
@@ -8561,8 +8748,8 @@
         </p:nvSpPr>
         <p:spPr>
           <a:xfrm>
-            <a:off x="457200" y="457200"/>
-            <a:ext cx="8229600" cy="7315200"/>
+            <a:off x="381000" y="990600"/>
+            <a:ext cx="8229600" cy="6172200"/>
           </a:xfrm>
         </p:spPr>
         <p:txBody>
@@ -8575,50 +8762,59 @@
               <a:buNone/>
             </a:pPr>
             <a:r>
+              <a:rPr lang="en-US" sz="2400" dirty="0"/>
+              <a:t>2) To whom we contacted for project definition?</a:t>
+            </a:r>
+          </a:p>
+          <a:p>
+            <a:pPr lvl="1">
+              <a:buNone/>
+            </a:pPr>
+            <a:r>
+              <a:rPr lang="en-US" sz="2000" dirty="0"/>
+              <a:t>-&gt;We talked with few Restaurant Managers of different restaurants and we opted the project by knowing the problems faced by their customers and their staff as well and we will try to resolve them all</a:t>
+            </a:r>
+            <a:r>
+              <a:rPr lang="en-US" sz="2000" dirty="0" smtClean="0"/>
+              <a:t>.</a:t>
+            </a:r>
+          </a:p>
+          <a:p>
+            <a:pPr lvl="1">
+              <a:buNone/>
+            </a:pPr>
+            <a:endParaRPr lang="en-US" sz="2400" dirty="0"/>
+          </a:p>
+          <a:p>
+            <a:pPr>
+              <a:buNone/>
+            </a:pPr>
+            <a:r>
+              <a:rPr lang="en-US" sz="2400" dirty="0"/>
+              <a:t>3) What are the data or information we collected ?</a:t>
+            </a:r>
+          </a:p>
+          <a:p>
+            <a:pPr>
+              <a:buNone/>
+            </a:pPr>
+            <a:r>
               <a:rPr lang="en-US" dirty="0"/>
-              <a:t>2) To whom we contacted for project definition?</a:t>
-            </a:r>
-          </a:p>
-          <a:p>
-            <a:pPr lvl="1">
+              <a:t>	</a:t>
+            </a:r>
+            <a:r>
+              <a:rPr lang="en-US" sz="2000" dirty="0"/>
+              <a:t>-&gt; Both the customers and restaurants told us about the issues of waiting queue for table reservation and managing the queue respectively. </a:t>
+            </a:r>
+          </a:p>
+          <a:p>
+            <a:pPr>
               <a:buNone/>
             </a:pPr>
             <a:r>
-              <a:rPr lang="en-US" dirty="0"/>
-              <a:t>-&gt;We talked with few Restaurant Managers of different restaurants and we opted the project by knowing the problems faced by their customers and their staff as well and we will try to resolve them all.</a:t>
-            </a:r>
-          </a:p>
-          <a:p>
-            <a:pPr>
-              <a:buNone/>
-            </a:pPr>
-            <a:r>
-              <a:rPr lang="en-US" dirty="0"/>
-              <a:t>3) What are the data or information we collected ?</a:t>
-            </a:r>
-          </a:p>
-          <a:p>
-            <a:pPr>
-              <a:buNone/>
-            </a:pPr>
-            <a:r>
-              <a:rPr lang="en-US" dirty="0"/>
-              <a:t>	-&gt; </a:t>
-            </a:r>
-            <a:r>
-              <a:rPr lang="en-US" sz="2800" dirty="0"/>
-              <a:t>Both the customers and restaurants told us about the issues of waiting queue for table reservation and managing the queue respectively. </a:t>
-            </a:r>
-          </a:p>
-          <a:p>
-            <a:pPr>
-              <a:buNone/>
-            </a:pPr>
-            <a:r>
-              <a:rPr lang="en-US" sz="2800" dirty="0"/>
+              <a:rPr lang="en-US" sz="2000" dirty="0"/>
               <a:t>	-&gt; Due  to long waiting, social distancing is not being followed so customers avoid going much in restaurants and so the restaurants are also at loss.</a:t>
             </a:r>
-            <a:endParaRPr lang="en-US" dirty="0"/>
           </a:p>
           <a:p>
             <a:pPr>
@@ -9317,8 +9513,8 @@
         </p:nvSpPr>
         <p:spPr>
           <a:xfrm>
-            <a:off x="457200" y="381000"/>
-            <a:ext cx="8229600" cy="6096000"/>
+            <a:off x="381000" y="990600"/>
+            <a:ext cx="8229600" cy="3505200"/>
           </a:xfrm>
         </p:spPr>
         <p:txBody>
@@ -9331,8 +9527,21 @@
               <a:buNone/>
             </a:pPr>
             <a:r>
+              <a:rPr lang="en-US" sz="2400" dirty="0"/>
+              <a:t>4) What are the problems people(customers) are facing?</a:t>
+            </a:r>
+          </a:p>
+          <a:p>
+            <a:pPr>
+              <a:buNone/>
+            </a:pPr>
+            <a:r>
               <a:rPr lang="en-US" dirty="0"/>
-              <a:t>4) What are the problems people(customers) are facing?</a:t>
+              <a:t>	</a:t>
+            </a:r>
+            <a:r>
+              <a:rPr lang="en-US" sz="2000" dirty="0"/>
+              <a:t>-&gt;As there is increasing demand for restaurant food but there is a big queue and customers have to wait for table to be vacant and even after acquiring the table they have to wait for the  food to be served at their table so this results into their time waste.</a:t>
             </a:r>
           </a:p>
           <a:p>
@@ -9340,16 +9549,7 @@
               <a:buNone/>
             </a:pPr>
             <a:r>
-              <a:rPr lang="en-US" dirty="0"/>
-              <a:t>	-&gt;As there is increasing demand for restaurant food but there is a big queue and customers have to wait for table to be vacant and even after acquiring the table they have to wait for the  food to be served at their table so this results into their time waste.</a:t>
-            </a:r>
-          </a:p>
-          <a:p>
-            <a:pPr>
-              <a:buNone/>
-            </a:pPr>
-            <a:r>
-              <a:rPr lang="en-US" dirty="0"/>
+              <a:rPr lang="en-US" sz="2000" dirty="0"/>
               <a:t>	-&gt;As far as the current situation of COVID-19 is concerned , people are not able to follow “social distancing” due to rush at restaurants. So it is also a big problem nowadays for both customers and restaurants.</a:t>
             </a:r>
           </a:p>
@@ -9597,7 +9797,7 @@
           <p:cNvPr id="2" name="Title 1">
             <a:extLst>
               <a:ext uri="{FF2B5EF4-FFF2-40B4-BE49-F238E27FC236}">
-                <a16:creationId xmlns:a16="http://schemas.microsoft.com/office/drawing/2014/main" id="{9CAF2976-4B61-49FD-8BEB-5AE803ABF041}"/>
+                <a16:creationId xmlns:a16="http://schemas.microsoft.com/office/drawing/2014/main" xmlns="" id="{9CAF2976-4B61-49FD-8BEB-5AE803ABF041}"/>
               </a:ext>
             </a:extLst>
           </p:cNvPr>
@@ -9618,6 +9818,7 @@
           <a:bodyPr/>
           <a:lstStyle/>
           <a:p>
+            <a:pPr algn="ctr"/>
             <a:r>
               <a:rPr lang="en-IN" dirty="0"/>
               <a:t>Thank You</a:t>
@@ -9667,8 +9868,8 @@
         </p:nvSpPr>
         <p:spPr>
           <a:xfrm>
-            <a:off x="457200" y="762000"/>
-            <a:ext cx="8229600" cy="5364163"/>
+            <a:off x="457200" y="1371600"/>
+            <a:ext cx="8229600" cy="2819400"/>
           </a:xfrm>
         </p:spPr>
         <p:txBody>
@@ -9681,7 +9882,7 @@
               <a:buNone/>
             </a:pPr>
             <a:r>
-              <a:rPr lang="en-US" dirty="0"/>
+              <a:rPr lang="en-US" sz="2400" dirty="0"/>
               <a:t>5) What are the solutions be provided by our project to overcome the problems faced by people?</a:t>
             </a:r>
           </a:p>
@@ -9690,12 +9891,25 @@
               <a:buNone/>
             </a:pPr>
             <a:r>
-              <a:rPr lang="en-US" dirty="0"/>
+              <a:rPr lang="en-US" b="1" dirty="0"/>
               <a:t>	</a:t>
             </a:r>
             <a:r>
+              <a:rPr lang="en-US" sz="2800" b="1" dirty="0"/>
+              <a:t>(Main motto: TIME SAVING)</a:t>
+            </a:r>
+          </a:p>
+          <a:p>
+            <a:pPr>
+              <a:buNone/>
+            </a:pPr>
+            <a:r>
               <a:rPr lang="en-US" sz="2800" dirty="0"/>
-              <a:t>(Main motto: TIME SAVING)</a:t>
+              <a:t>	</a:t>
+            </a:r>
+            <a:r>
+              <a:rPr lang="en-US" sz="2000" dirty="0"/>
+              <a:t>-&gt;Advance Restaurant and Table Booking</a:t>
             </a:r>
           </a:p>
           <a:p>
@@ -9703,16 +9917,7 @@
               <a:buNone/>
             </a:pPr>
             <a:r>
-              <a:rPr lang="en-US" sz="2800" dirty="0"/>
-              <a:t>	-&gt;Advance Restaurant and Table Booking</a:t>
-            </a:r>
-          </a:p>
-          <a:p>
-            <a:pPr>
-              <a:buNone/>
-            </a:pPr>
-            <a:r>
-              <a:rPr lang="en-US" sz="2800" dirty="0"/>
+              <a:rPr lang="en-US" sz="2000" dirty="0"/>
               <a:t>	-&gt;Prior Menu Ordering</a:t>
             </a:r>
           </a:p>
@@ -9783,13 +9988,13 @@
           <a:lstStyle/>
           <a:p>
             <a:r>
-              <a:rPr lang="en-US" dirty="0"/>
+              <a:rPr lang="en-US" sz="2000" dirty="0"/>
               <a:t>Our app will give the users the easiness of booking table according to their convenience, viewing menu ,order their food in advance from anywhere at any time and a Take Away facility too.</a:t>
             </a:r>
           </a:p>
           <a:p>
             <a:r>
-              <a:rPr lang="en-US" dirty="0"/>
+              <a:rPr lang="en-US" sz="2000" dirty="0"/>
               <a:t>Our goal is to save our customers’ time and also to maintain social distancing by not having rush of people at restaurant . We will also display the top most pick items in the restaurant being selected by the user.</a:t>
             </a:r>
           </a:p>
@@ -9855,33 +10060,38 @@
             <p:ph idx="1"/>
           </p:nvPr>
         </p:nvSpPr>
-        <p:spPr/>
+        <p:spPr>
+          <a:xfrm>
+            <a:off x="609598" y="1295400"/>
+            <a:ext cx="7543801" cy="5257800"/>
+          </a:xfrm>
+        </p:spPr>
         <p:txBody>
           <a:bodyPr>
-            <a:normAutofit fontScale="85000" lnSpcReduction="20000"/>
+            <a:normAutofit fontScale="92500" lnSpcReduction="10000"/>
           </a:bodyPr>
           <a:lstStyle/>
           <a:p>
             <a:r>
-              <a:rPr lang="en-US" dirty="0"/>
+              <a:rPr lang="en-US" sz="2200" dirty="0"/>
               <a:t>As nowadays demand for restaurant food is increasing. The youngsters and elders love to go to restaurants and enjoy the food .But as we know that there is a long waiting (especially during special occasions) to acquire a table in restaurant and having the food at our table. </a:t>
             </a:r>
           </a:p>
           <a:p>
             <a:r>
-              <a:rPr lang="en-US" dirty="0"/>
+              <a:rPr lang="en-US" sz="2200" dirty="0"/>
               <a:t>So, here our aim is to resolve these problems through our system or application by booking a table in any restaurant from anywhere and can also order their meal in advance. (Main motto: TIME SAVING). Also an alert message facility is provided if vacant table available before booked timings. </a:t>
             </a:r>
           </a:p>
           <a:p>
             <a:r>
-              <a:rPr lang="en-US" dirty="0"/>
+              <a:rPr lang="en-US" sz="2200" dirty="0"/>
               <a:t>We will use ML concepts for recommendation of top picks through the analysis of customer’s liking history. We will also provide the view of tables so people can book tables according to their likings and privacy.</a:t>
             </a:r>
           </a:p>
           <a:p>
             <a:r>
-              <a:rPr lang="en-US" dirty="0"/>
+              <a:rPr lang="en-US" sz="2200" dirty="0"/>
               <a:t> Our product is very beneficial in this COVID-19 pandemic as there won’t be waiting and rush to acquire a table in restaurant and so social distancing is followed. </a:t>
             </a:r>
           </a:p>
@@ -9947,10 +10157,15 @@
             <p:ph idx="1"/>
           </p:nvPr>
         </p:nvSpPr>
-        <p:spPr/>
+        <p:spPr>
+          <a:xfrm>
+            <a:off x="609600" y="1676400"/>
+            <a:ext cx="7315201" cy="4593563"/>
+          </a:xfrm>
+        </p:spPr>
         <p:txBody>
           <a:bodyPr>
-            <a:normAutofit fontScale="62500" lnSpcReduction="20000"/>
+            <a:normAutofit fontScale="92500" lnSpcReduction="20000"/>
           </a:bodyPr>
           <a:lstStyle/>
           <a:p>
@@ -9958,43 +10173,43 @@
               <a:buAutoNum type="arabicParenR"/>
             </a:pPr>
             <a:r>
-              <a:rPr lang="en-US" b="1" dirty="0"/>
+              <a:rPr lang="en-US" sz="3800" b="1" dirty="0"/>
               <a:t>FUNCTIONAL REQUIREMENTS:</a:t>
             </a:r>
           </a:p>
           <a:p>
             <a:r>
-              <a:rPr lang="en-US" sz="2800" dirty="0"/>
+              <a:rPr lang="en-US" sz="2400" dirty="0"/>
               <a:t>Registration/Login and Profile: View Profile, Edit Profile , View Order History</a:t>
             </a:r>
           </a:p>
           <a:p>
             <a:r>
-              <a:rPr lang="en-US" sz="2800" dirty="0"/>
+              <a:rPr lang="en-US" sz="2400" dirty="0"/>
               <a:t>Table Booking and Menu Ordering: View Table Layout and book table according to their convenience . View menu and place order in advance </a:t>
             </a:r>
           </a:p>
           <a:p>
             <a:r>
-              <a:rPr lang="en-US" sz="2800" dirty="0"/>
+              <a:rPr lang="en-US" sz="2400" dirty="0"/>
               <a:t>Take away: Order status</a:t>
             </a:r>
           </a:p>
           <a:p>
             <a:r>
-              <a:rPr lang="en-US" sz="2800" dirty="0"/>
+              <a:rPr lang="en-US" sz="2400" dirty="0"/>
               <a:t>Payment</a:t>
             </a:r>
           </a:p>
           <a:p>
             <a:r>
-              <a:rPr lang="en-US" sz="2800" dirty="0"/>
+              <a:rPr lang="en-US" sz="2400" dirty="0"/>
               <a:t>Management System:  Admin will manage customers and restaurant account. Also provide help regarding our app working issues if needed.</a:t>
             </a:r>
           </a:p>
           <a:p>
             <a:r>
-              <a:rPr lang="en-US" sz="2800" dirty="0"/>
+              <a:rPr lang="en-US" sz="2400" dirty="0"/>
               <a:t>Reviews and Ratings</a:t>
             </a:r>
           </a:p>
@@ -10046,97 +10261,102 @@
         </p:spPr>
         <p:txBody>
           <a:bodyPr>
-            <a:normAutofit fontScale="85000" lnSpcReduction="20000"/>
+            <a:normAutofit fontScale="70000" lnSpcReduction="20000"/>
           </a:bodyPr>
           <a:lstStyle/>
           <a:p>
             <a:pPr>
-              <a:buNone/>
+              <a:buFont typeface="+mj-lt"/>
+              <a:buAutoNum type="arabicParenR" startAt="2"/>
             </a:pPr>
             <a:r>
-              <a:rPr lang="en-US" b="1" dirty="0"/>
-              <a:t>2) NON-FUNCTIONAL REQUIREMENTS:</a:t>
-            </a:r>
-          </a:p>
-          <a:p>
-            <a:r>
-              <a:rPr lang="en-US" sz="2400" b="1" dirty="0"/>
+              <a:rPr lang="en-US" sz="3100" b="1" dirty="0" smtClean="0"/>
+              <a:t>NON-FUNCTIONAL </a:t>
+            </a:r>
+            <a:r>
+              <a:rPr lang="en-US" sz="3100" b="1" dirty="0"/>
+              <a:t>REQUIREMENTS:</a:t>
+            </a:r>
+          </a:p>
+          <a:p>
+            <a:r>
+              <a:rPr lang="en-US" sz="2700" b="1" dirty="0"/>
               <a:t>Security</a:t>
             </a:r>
           </a:p>
           <a:p>
             <a:r>
-              <a:rPr lang="en-US" sz="2400" dirty="0"/>
+              <a:rPr lang="en-US" sz="2700" dirty="0"/>
               <a:t>Admin has highest authority to manage customers and restaurants.</a:t>
             </a:r>
           </a:p>
           <a:p>
             <a:r>
-              <a:rPr lang="en-US" sz="2400" dirty="0"/>
+              <a:rPr lang="en-US" sz="2700" dirty="0"/>
               <a:t>Restaurant  has the  authority for managing the orders.</a:t>
             </a:r>
           </a:p>
           <a:p>
             <a:r>
-              <a:rPr lang="en-US" sz="2400" dirty="0"/>
+              <a:rPr lang="en-US" sz="2700" dirty="0"/>
               <a:t>Users can view booked order detail and take a report of that.</a:t>
             </a:r>
           </a:p>
           <a:p>
             <a:r>
-              <a:rPr lang="en-US" sz="2400" dirty="0"/>
+              <a:rPr lang="en-US" sz="2700" dirty="0"/>
               <a:t>Passwords should be stored in encrypted form.</a:t>
             </a:r>
           </a:p>
           <a:p>
             <a:r>
-              <a:rPr lang="en-US" sz="2400" b="1" dirty="0"/>
+              <a:rPr lang="en-US" sz="2700" b="1" dirty="0"/>
               <a:t>Usability</a:t>
             </a:r>
-            <a:endParaRPr lang="en-US" sz="2400" dirty="0"/>
-          </a:p>
-          <a:p>
-            <a:r>
-              <a:rPr lang="en-US" sz="2400" dirty="0"/>
+            <a:endParaRPr lang="en-US" sz="2700" dirty="0"/>
+          </a:p>
+          <a:p>
+            <a:r>
+              <a:rPr lang="en-US" sz="2700" dirty="0"/>
               <a:t>The navigation in the app will be user-friendly  i.e. table layout , menus and each and every detail will be presented in a simple way.</a:t>
             </a:r>
           </a:p>
           <a:p>
             <a:r>
-              <a:rPr lang="en-US" sz="2400" b="1" dirty="0"/>
+              <a:rPr lang="en-US" sz="2700" b="1" dirty="0"/>
               <a:t>Reliability</a:t>
             </a:r>
-            <a:endParaRPr lang="en-US" sz="2400" dirty="0"/>
-          </a:p>
-          <a:p>
-            <a:r>
-              <a:rPr lang="en-US" sz="2400" dirty="0"/>
+            <a:endParaRPr lang="en-US" sz="2700" dirty="0"/>
+          </a:p>
+          <a:p>
+            <a:r>
+              <a:rPr lang="en-US" sz="2700" dirty="0"/>
               <a:t>Our app will be available for users but in some maintenance days, it will not be available. Data validation and verification need to be done whenever required at any stage of activity.</a:t>
             </a:r>
           </a:p>
           <a:p>
             <a:r>
-              <a:rPr lang="en-US" sz="2400" dirty="0"/>
+              <a:rPr lang="en-US" sz="2700" dirty="0"/>
               <a:t>Validating user input.</a:t>
             </a:r>
           </a:p>
           <a:p>
             <a:r>
-              <a:rPr lang="en-US" sz="2400" b="1" dirty="0"/>
+              <a:rPr lang="en-US" sz="2700" b="1" dirty="0"/>
               <a:t>Performance</a:t>
             </a:r>
-            <a:endParaRPr lang="en-US" sz="2400" dirty="0"/>
-          </a:p>
-          <a:p>
-            <a:r>
-              <a:rPr lang="en-US" sz="2400" dirty="0"/>
+            <a:endParaRPr lang="en-US" sz="2700" dirty="0"/>
+          </a:p>
+          <a:p>
+            <a:r>
+              <a:rPr lang="en-US" sz="2700" dirty="0"/>
               <a:t>Our app will not take longer than 10 seconds to respond to a request, when using 3G or 4G Internet connection.</a:t>
             </a:r>
             <a:r>
-              <a:rPr lang="en-US" sz="2400" b="1" dirty="0"/>
+              <a:rPr lang="en-US" sz="2700" b="1" dirty="0"/>
               <a:t> </a:t>
             </a:r>
-            <a:endParaRPr lang="en-US" sz="2400" dirty="0"/>
+            <a:endParaRPr lang="en-US" sz="2700" dirty="0"/>
           </a:p>
         </p:txBody>
       </p:sp>
@@ -10399,7 +10619,7 @@
   <a:extraClrSchemeLst/>
   <a:extLst>
     <a:ext uri="{05A4C25C-085E-4340-85A3-A5531E510DB2}">
-      <thm15:themeFamily xmlns:thm15="http://schemas.microsoft.com/office/thememl/2012/main" name="Facet" id="{C0C680CD-088A-49FC-A102-D699147F32B2}" vid="{23659B44-6E34-4CE8-8F0D-387DA7996826}"/>
+      <thm15:themeFamily xmlns:thm15="http://schemas.microsoft.com/office/thememl/2012/main" xmlns="" name="Facet" id="{C0C680CD-088A-49FC-A102-D699147F32B2}" vid="{23659B44-6E34-4CE8-8F0D-387DA7996826}"/>
     </a:ext>
   </a:extLst>
 </a:theme>

--- a/Presentation/Project_Presentation.pptx
+++ b/Presentation/Project_Presentation.pptx
@@ -23,8 +23,8 @@
     <p:sldId id="295" r:id="rId17"/>
     <p:sldId id="296" r:id="rId18"/>
     <p:sldId id="270" r:id="rId19"/>
-    <p:sldId id="271" r:id="rId20"/>
-    <p:sldId id="298" r:id="rId21"/>
+    <p:sldId id="298" r:id="rId20"/>
+    <p:sldId id="271" r:id="rId21"/>
     <p:sldId id="299" r:id="rId22"/>
     <p:sldId id="272" r:id="rId23"/>
     <p:sldId id="273" r:id="rId24"/>
@@ -148,7 +148,7 @@
   </p:defaultTextStyle>
   <p:extLst>
     <p:ext uri="{EFAFB233-063F-42B5-8137-9DF3F51BA10A}">
-      <p15:sldGuideLst xmlns:p15="http://schemas.microsoft.com/office/powerpoint/2012/main" xmlns="">
+      <p15:sldGuideLst xmlns="" xmlns:p15="http://schemas.microsoft.com/office/powerpoint/2012/main">
         <p15:guide id="1" orient="horz" pos="2160">
           <p15:clr>
             <a:srgbClr val="A4A3A4"/>
@@ -964,7 +964,7 @@
             <a:fld id="{22278AEF-C5F7-4B66-AA02-1B9777B8FF83}" type="datetimeFigureOut">
               <a:rPr lang="en-US" smtClean="0"/>
               <a:pPr/>
-              <a:t>10/22/2020</a:t>
+              <a:t>23-Oct-20</a:t>
             </a:fld>
             <a:endParaRPr lang="en-US"/>
           </a:p>
@@ -1016,7 +1016,7 @@
     </p:spTree>
     <p:extLst>
       <p:ext uri="{BB962C8B-B14F-4D97-AF65-F5344CB8AC3E}">
-        <p14:creationId xmlns:p14="http://schemas.microsoft.com/office/powerpoint/2010/main" val="2544218043"/>
+        <p14:creationId xmlns:p14="http://schemas.microsoft.com/office/powerpoint/2010/main" xmlns="" val="2544218043"/>
       </p:ext>
     </p:extLst>
   </p:cSld>
@@ -1217,7 +1217,7 @@
             <a:fld id="{22278AEF-C5F7-4B66-AA02-1B9777B8FF83}" type="datetimeFigureOut">
               <a:rPr lang="en-US" smtClean="0"/>
               <a:pPr/>
-              <a:t>10/22/2020</a:t>
+              <a:t>23-Oct-20</a:t>
             </a:fld>
             <a:endParaRPr lang="en-US"/>
           </a:p>
@@ -1269,7 +1269,7 @@
     </p:spTree>
     <p:extLst>
       <p:ext uri="{BB962C8B-B14F-4D97-AF65-F5344CB8AC3E}">
-        <p14:creationId xmlns:p14="http://schemas.microsoft.com/office/powerpoint/2010/main" val="1901655208"/>
+        <p14:creationId xmlns:p14="http://schemas.microsoft.com/office/powerpoint/2010/main" xmlns="" val="1901655208"/>
       </p:ext>
     </p:extLst>
   </p:cSld>
@@ -1533,7 +1533,7 @@
             <a:fld id="{22278AEF-C5F7-4B66-AA02-1B9777B8FF83}" type="datetimeFigureOut">
               <a:rPr lang="en-US" smtClean="0"/>
               <a:pPr/>
-              <a:t>10/22/2020</a:t>
+              <a:t>23-Oct-20</a:t>
             </a:fld>
             <a:endParaRPr lang="en-US"/>
           </a:p>
@@ -1661,7 +1661,7 @@
     </p:spTree>
     <p:extLst>
       <p:ext uri="{BB962C8B-B14F-4D97-AF65-F5344CB8AC3E}">
-        <p14:creationId xmlns:p14="http://schemas.microsoft.com/office/powerpoint/2010/main" val="495521515"/>
+        <p14:creationId xmlns:p14="http://schemas.microsoft.com/office/powerpoint/2010/main" xmlns="" val="495521515"/>
       </p:ext>
     </p:extLst>
   </p:cSld>
@@ -1862,7 +1862,7 @@
             <a:fld id="{22278AEF-C5F7-4B66-AA02-1B9777B8FF83}" type="datetimeFigureOut">
               <a:rPr lang="en-US" smtClean="0"/>
               <a:pPr/>
-              <a:t>10/22/2020</a:t>
+              <a:t>23-Oct-20</a:t>
             </a:fld>
             <a:endParaRPr lang="en-US"/>
           </a:p>
@@ -1914,7 +1914,7 @@
     </p:spTree>
     <p:extLst>
       <p:ext uri="{BB962C8B-B14F-4D97-AF65-F5344CB8AC3E}">
-        <p14:creationId xmlns:p14="http://schemas.microsoft.com/office/powerpoint/2010/main" val="1641760256"/>
+        <p14:creationId xmlns:p14="http://schemas.microsoft.com/office/powerpoint/2010/main" xmlns="" val="1641760256"/>
       </p:ext>
     </p:extLst>
   </p:cSld>
@@ -2178,7 +2178,7 @@
             <a:fld id="{22278AEF-C5F7-4B66-AA02-1B9777B8FF83}" type="datetimeFigureOut">
               <a:rPr lang="en-US" smtClean="0"/>
               <a:pPr/>
-              <a:t>10/22/2020</a:t>
+              <a:t>23-Oct-20</a:t>
             </a:fld>
             <a:endParaRPr lang="en-US"/>
           </a:p>
@@ -2306,7 +2306,7 @@
     </p:spTree>
     <p:extLst>
       <p:ext uri="{BB962C8B-B14F-4D97-AF65-F5344CB8AC3E}">
-        <p14:creationId xmlns:p14="http://schemas.microsoft.com/office/powerpoint/2010/main" val="448045157"/>
+        <p14:creationId xmlns:p14="http://schemas.microsoft.com/office/powerpoint/2010/main" xmlns="" val="448045157"/>
       </p:ext>
     </p:extLst>
   </p:cSld>
@@ -2567,7 +2567,7 @@
             <a:fld id="{22278AEF-C5F7-4B66-AA02-1B9777B8FF83}" type="datetimeFigureOut">
               <a:rPr lang="en-US" smtClean="0"/>
               <a:pPr/>
-              <a:t>10/22/2020</a:t>
+              <a:t>23-Oct-20</a:t>
             </a:fld>
             <a:endParaRPr lang="en-US"/>
           </a:p>
@@ -2619,7 +2619,7 @@
     </p:spTree>
     <p:extLst>
       <p:ext uri="{BB962C8B-B14F-4D97-AF65-F5344CB8AC3E}">
-        <p14:creationId xmlns:p14="http://schemas.microsoft.com/office/powerpoint/2010/main" val="248741952"/>
+        <p14:creationId xmlns:p14="http://schemas.microsoft.com/office/powerpoint/2010/main" xmlns="" val="248741952"/>
       </p:ext>
     </p:extLst>
   </p:cSld>
@@ -2739,7 +2739,7 @@
             <a:fld id="{22278AEF-C5F7-4B66-AA02-1B9777B8FF83}" type="datetimeFigureOut">
               <a:rPr lang="en-US" smtClean="0"/>
               <a:pPr/>
-              <a:t>10/22/2020</a:t>
+              <a:t>23-Oct-20</a:t>
             </a:fld>
             <a:endParaRPr lang="en-US"/>
           </a:p>
@@ -2791,7 +2791,7 @@
     </p:spTree>
     <p:extLst>
       <p:ext uri="{BB962C8B-B14F-4D97-AF65-F5344CB8AC3E}">
-        <p14:creationId xmlns:p14="http://schemas.microsoft.com/office/powerpoint/2010/main" val="1800411786"/>
+        <p14:creationId xmlns:p14="http://schemas.microsoft.com/office/powerpoint/2010/main" xmlns="" val="1800411786"/>
       </p:ext>
     </p:extLst>
   </p:cSld>
@@ -2921,7 +2921,7 @@
             <a:fld id="{22278AEF-C5F7-4B66-AA02-1B9777B8FF83}" type="datetimeFigureOut">
               <a:rPr lang="en-US" smtClean="0"/>
               <a:pPr/>
-              <a:t>10/22/2020</a:t>
+              <a:t>23-Oct-20</a:t>
             </a:fld>
             <a:endParaRPr lang="en-US"/>
           </a:p>
@@ -2973,7 +2973,7 @@
     </p:spTree>
     <p:extLst>
       <p:ext uri="{BB962C8B-B14F-4D97-AF65-F5344CB8AC3E}">
-        <p14:creationId xmlns:p14="http://schemas.microsoft.com/office/powerpoint/2010/main" val="3314917161"/>
+        <p14:creationId xmlns:p14="http://schemas.microsoft.com/office/powerpoint/2010/main" xmlns="" val="3314917161"/>
       </p:ext>
     </p:extLst>
   </p:cSld>
@@ -3099,7 +3099,7 @@
             <a:fld id="{22278AEF-C5F7-4B66-AA02-1B9777B8FF83}" type="datetimeFigureOut">
               <a:rPr lang="en-US" smtClean="0"/>
               <a:pPr/>
-              <a:t>10/22/2020</a:t>
+              <a:t>23-Oct-20</a:t>
             </a:fld>
             <a:endParaRPr lang="en-US"/>
           </a:p>
@@ -3151,7 +3151,7 @@
     </p:spTree>
     <p:extLst>
       <p:ext uri="{BB962C8B-B14F-4D97-AF65-F5344CB8AC3E}">
-        <p14:creationId xmlns:p14="http://schemas.microsoft.com/office/powerpoint/2010/main" val="3589586728"/>
+        <p14:creationId xmlns:p14="http://schemas.microsoft.com/office/powerpoint/2010/main" xmlns="" val="3589586728"/>
       </p:ext>
     </p:extLst>
   </p:cSld>
@@ -3348,7 +3348,7 @@
             <a:fld id="{22278AEF-C5F7-4B66-AA02-1B9777B8FF83}" type="datetimeFigureOut">
               <a:rPr lang="en-US" smtClean="0"/>
               <a:pPr/>
-              <a:t>10/22/2020</a:t>
+              <a:t>23-Oct-20</a:t>
             </a:fld>
             <a:endParaRPr lang="en-US"/>
           </a:p>
@@ -3400,7 +3400,7 @@
     </p:spTree>
     <p:extLst>
       <p:ext uri="{BB962C8B-B14F-4D97-AF65-F5344CB8AC3E}">
-        <p14:creationId xmlns:p14="http://schemas.microsoft.com/office/powerpoint/2010/main" val="127735777"/>
+        <p14:creationId xmlns:p14="http://schemas.microsoft.com/office/powerpoint/2010/main" xmlns="" val="127735777"/>
       </p:ext>
     </p:extLst>
   </p:cSld>
@@ -3647,7 +3647,7 @@
             <a:fld id="{22278AEF-C5F7-4B66-AA02-1B9777B8FF83}" type="datetimeFigureOut">
               <a:rPr lang="en-US" smtClean="0"/>
               <a:pPr/>
-              <a:t>10/22/2020</a:t>
+              <a:t>23-Oct-20</a:t>
             </a:fld>
             <a:endParaRPr lang="en-US"/>
           </a:p>
@@ -3699,7 +3699,7 @@
     </p:spTree>
     <p:extLst>
       <p:ext uri="{BB962C8B-B14F-4D97-AF65-F5344CB8AC3E}">
-        <p14:creationId xmlns:p14="http://schemas.microsoft.com/office/powerpoint/2010/main" val="334815554"/>
+        <p14:creationId xmlns:p14="http://schemas.microsoft.com/office/powerpoint/2010/main" xmlns="" val="334815554"/>
       </p:ext>
     </p:extLst>
   </p:cSld>
@@ -4028,7 +4028,7 @@
             <a:fld id="{22278AEF-C5F7-4B66-AA02-1B9777B8FF83}" type="datetimeFigureOut">
               <a:rPr lang="en-US" smtClean="0"/>
               <a:pPr/>
-              <a:t>10/22/2020</a:t>
+              <a:t>23-Oct-20</a:t>
             </a:fld>
             <a:endParaRPr lang="en-US"/>
           </a:p>
@@ -4080,7 +4080,7 @@
     </p:spTree>
     <p:extLst>
       <p:ext uri="{BB962C8B-B14F-4D97-AF65-F5344CB8AC3E}">
-        <p14:creationId xmlns:p14="http://schemas.microsoft.com/office/powerpoint/2010/main" val="184766763"/>
+        <p14:creationId xmlns:p14="http://schemas.microsoft.com/office/powerpoint/2010/main" xmlns="" val="184766763"/>
       </p:ext>
     </p:extLst>
   </p:cSld>
@@ -4153,7 +4153,7 @@
             <a:fld id="{22278AEF-C5F7-4B66-AA02-1B9777B8FF83}" type="datetimeFigureOut">
               <a:rPr lang="en-US" smtClean="0"/>
               <a:pPr/>
-              <a:t>10/22/2020</a:t>
+              <a:t>23-Oct-20</a:t>
             </a:fld>
             <a:endParaRPr lang="en-US"/>
           </a:p>
@@ -4205,7 +4205,7 @@
     </p:spTree>
     <p:extLst>
       <p:ext uri="{BB962C8B-B14F-4D97-AF65-F5344CB8AC3E}">
-        <p14:creationId xmlns:p14="http://schemas.microsoft.com/office/powerpoint/2010/main" val="1784362090"/>
+        <p14:creationId xmlns:p14="http://schemas.microsoft.com/office/powerpoint/2010/main" xmlns="" val="1784362090"/>
       </p:ext>
     </p:extLst>
   </p:cSld>
@@ -4250,7 +4250,7 @@
             <a:fld id="{22278AEF-C5F7-4B66-AA02-1B9777B8FF83}" type="datetimeFigureOut">
               <a:rPr lang="en-US" smtClean="0"/>
               <a:pPr/>
-              <a:t>10/22/2020</a:t>
+              <a:t>23-Oct-20</a:t>
             </a:fld>
             <a:endParaRPr lang="en-US"/>
           </a:p>
@@ -4302,7 +4302,7 @@
     </p:spTree>
     <p:extLst>
       <p:ext uri="{BB962C8B-B14F-4D97-AF65-F5344CB8AC3E}">
-        <p14:creationId xmlns:p14="http://schemas.microsoft.com/office/powerpoint/2010/main" val="2363582240"/>
+        <p14:creationId xmlns:p14="http://schemas.microsoft.com/office/powerpoint/2010/main" xmlns="" val="2363582240"/>
       </p:ext>
     </p:extLst>
   </p:cSld>
@@ -4507,7 +4507,7 @@
             <a:fld id="{22278AEF-C5F7-4B66-AA02-1B9777B8FF83}" type="datetimeFigureOut">
               <a:rPr lang="en-US" smtClean="0"/>
               <a:pPr/>
-              <a:t>10/22/2020</a:t>
+              <a:t>23-Oct-20</a:t>
             </a:fld>
             <a:endParaRPr lang="en-US"/>
           </a:p>
@@ -4559,7 +4559,7 @@
     </p:spTree>
     <p:extLst>
       <p:ext uri="{BB962C8B-B14F-4D97-AF65-F5344CB8AC3E}">
-        <p14:creationId xmlns:p14="http://schemas.microsoft.com/office/powerpoint/2010/main" val="3104646404"/>
+        <p14:creationId xmlns:p14="http://schemas.microsoft.com/office/powerpoint/2010/main" xmlns="" val="3104646404"/>
       </p:ext>
     </p:extLst>
   </p:cSld>
@@ -4772,7 +4772,7 @@
             <a:fld id="{22278AEF-C5F7-4B66-AA02-1B9777B8FF83}" type="datetimeFigureOut">
               <a:rPr lang="en-US" smtClean="0"/>
               <a:pPr/>
-              <a:t>10/22/2020</a:t>
+              <a:t>23-Oct-20</a:t>
             </a:fld>
             <a:endParaRPr lang="en-US"/>
           </a:p>
@@ -4824,7 +4824,7 @@
     </p:spTree>
     <p:extLst>
       <p:ext uri="{BB962C8B-B14F-4D97-AF65-F5344CB8AC3E}">
-        <p14:creationId xmlns:p14="http://schemas.microsoft.com/office/powerpoint/2010/main" val="2878436273"/>
+        <p14:creationId xmlns:p14="http://schemas.microsoft.com/office/powerpoint/2010/main" xmlns="" val="2878436273"/>
       </p:ext>
     </p:extLst>
   </p:cSld>
@@ -5590,7 +5590,7 @@
             <a:fld id="{22278AEF-C5F7-4B66-AA02-1B9777B8FF83}" type="datetimeFigureOut">
               <a:rPr lang="en-US" smtClean="0"/>
               <a:pPr/>
-              <a:t>10/22/2020</a:t>
+              <a:t>23-Oct-20</a:t>
             </a:fld>
             <a:endParaRPr lang="en-US"/>
           </a:p>
@@ -5678,7 +5678,7 @@
     </p:spTree>
     <p:extLst>
       <p:ext uri="{BB962C8B-B14F-4D97-AF65-F5344CB8AC3E}">
-        <p14:creationId xmlns:p14="http://schemas.microsoft.com/office/powerpoint/2010/main" val="1876444577"/>
+        <p14:creationId xmlns:p14="http://schemas.microsoft.com/office/powerpoint/2010/main" xmlns="" val="1876444577"/>
       </p:ext>
     </p:extLst>
   </p:cSld>
@@ -6215,7 +6215,7 @@
           <p:cNvPr id="3074" name="Picture 2" descr="Image result for sVIT LOGO">
             <a:extLst>
               <a:ext uri="{FF2B5EF4-FFF2-40B4-BE49-F238E27FC236}">
-                <a16:creationId xmlns:a16="http://schemas.microsoft.com/office/drawing/2014/main" xmlns="" id="{0300D63E-15ED-4836-9BDD-251EFB29B321}"/>
+                <a16:creationId xmlns="" xmlns:a16="http://schemas.microsoft.com/office/drawing/2014/main" id="{0300D63E-15ED-4836-9BDD-251EFB29B321}"/>
               </a:ext>
             </a:extLst>
           </p:cNvPr>
@@ -6228,7 +6228,7 @@
           <a:blip r:embed="rId2">
             <a:extLst>
               <a:ext uri="{28A0092B-C50C-407E-A947-70E740481C1C}">
-                <a14:useLocalDpi xmlns:a14="http://schemas.microsoft.com/office/drawing/2010/main" val="0"/>
+                <a14:useLocalDpi xmlns:a14="http://schemas.microsoft.com/office/drawing/2010/main" xmlns="" val="0"/>
               </a:ext>
             </a:extLst>
           </a:blip>
@@ -6248,7 +6248,7 @@
           <a:noFill/>
           <a:extLst>
             <a:ext uri="{909E8E84-426E-40DD-AFC4-6F175D3DCCD1}">
-              <a14:hiddenFill xmlns:a14="http://schemas.microsoft.com/office/drawing/2010/main">
+              <a14:hiddenFill xmlns:a14="http://schemas.microsoft.com/office/drawing/2010/main" xmlns="">
                 <a:solidFill>
                   <a:srgbClr val="FFFFFF"/>
                 </a:solidFill>
@@ -6344,6 +6344,13 @@
   <p:clrMapOvr>
     <a:masterClrMapping/>
   </p:clrMapOvr>
+  <p:timing>
+    <p:tnLst>
+      <p:par>
+        <p:cTn id="1" dur="indefinite" restart="never" nodeType="tmRoot"/>
+      </p:par>
+    </p:tnLst>
+  </p:timing>
 </p:sld>
 </file>
 
@@ -6673,7 +6680,7 @@
           <p:cNvPr id="4" name="Title 1">
             <a:extLst>
               <a:ext uri="{FF2B5EF4-FFF2-40B4-BE49-F238E27FC236}">
-                <a16:creationId xmlns:a16="http://schemas.microsoft.com/office/drawing/2014/main" xmlns="" id="{0B51D2DF-360D-41BB-B1C4-EA3E985EC889}"/>
+                <a16:creationId xmlns="" xmlns:a16="http://schemas.microsoft.com/office/drawing/2014/main" id="{0B51D2DF-360D-41BB-B1C4-EA3E985EC889}"/>
               </a:ext>
             </a:extLst>
           </p:cNvPr>
@@ -6724,7 +6731,7 @@
           <p:cNvPr id="5" name="Rectangle 4">
             <a:extLst>
               <a:ext uri="{FF2B5EF4-FFF2-40B4-BE49-F238E27FC236}">
-                <a16:creationId xmlns:a16="http://schemas.microsoft.com/office/drawing/2014/main" xmlns="" id="{04A0972F-4A12-4D82-BCBF-3DBCA76A5C1E}"/>
+                <a16:creationId xmlns="" xmlns:a16="http://schemas.microsoft.com/office/drawing/2014/main" id="{04A0972F-4A12-4D82-BCBF-3DBCA76A5C1E}"/>
               </a:ext>
             </a:extLst>
           </p:cNvPr>
@@ -6765,7 +6772,7 @@
     </p:spTree>
     <p:extLst>
       <p:ext uri="{BB962C8B-B14F-4D97-AF65-F5344CB8AC3E}">
-        <p14:creationId xmlns:p14="http://schemas.microsoft.com/office/powerpoint/2010/main" val="1298764548"/>
+        <p14:creationId xmlns:p14="http://schemas.microsoft.com/office/powerpoint/2010/main" xmlns="" val="1298764548"/>
       </p:ext>
     </p:extLst>
   </p:cSld>
@@ -6916,7 +6923,7 @@
     </p:spTree>
     <p:extLst>
       <p:ext uri="{BB962C8B-B14F-4D97-AF65-F5344CB8AC3E}">
-        <p14:creationId xmlns:p14="http://schemas.microsoft.com/office/powerpoint/2010/main" val="2317455889"/>
+        <p14:creationId xmlns:p14="http://schemas.microsoft.com/office/powerpoint/2010/main" xmlns="" val="2317455889"/>
       </p:ext>
     </p:extLst>
   </p:cSld>
@@ -7162,7 +7169,7 @@
           <a:blip r:embed="rId2">
             <a:extLst>
               <a:ext uri="{28A0092B-C50C-407E-A947-70E740481C1C}">
-                <a14:useLocalDpi xmlns:a14="http://schemas.microsoft.com/office/drawing/2010/main" val="0"/>
+                <a14:useLocalDpi xmlns:a14="http://schemas.microsoft.com/office/drawing/2010/main" xmlns="" val="0"/>
               </a:ext>
             </a:extLst>
           </a:blip>
@@ -7180,7 +7187,7 @@
     </p:spTree>
     <p:extLst>
       <p:ext uri="{BB962C8B-B14F-4D97-AF65-F5344CB8AC3E}">
-        <p14:creationId xmlns:p14="http://schemas.microsoft.com/office/powerpoint/2010/main" val="2788546383"/>
+        <p14:creationId xmlns:p14="http://schemas.microsoft.com/office/powerpoint/2010/main" xmlns="" val="2788546383"/>
       </p:ext>
     </p:extLst>
   </p:cSld>
@@ -7221,7 +7228,7 @@
           <a:blip r:embed="rId2">
             <a:extLst>
               <a:ext uri="{28A0092B-C50C-407E-A947-70E740481C1C}">
-                <a14:useLocalDpi xmlns:a14="http://schemas.microsoft.com/office/drawing/2010/main" val="0"/>
+                <a14:useLocalDpi xmlns:a14="http://schemas.microsoft.com/office/drawing/2010/main" xmlns="" val="0"/>
               </a:ext>
             </a:extLst>
           </a:blip>
@@ -7239,7 +7246,7 @@
     </p:spTree>
     <p:extLst>
       <p:ext uri="{BB962C8B-B14F-4D97-AF65-F5344CB8AC3E}">
-        <p14:creationId xmlns:p14="http://schemas.microsoft.com/office/powerpoint/2010/main" val="3229023877"/>
+        <p14:creationId xmlns:p14="http://schemas.microsoft.com/office/powerpoint/2010/main" xmlns="" val="3229023877"/>
       </p:ext>
     </p:extLst>
   </p:cSld>
@@ -7271,7 +7278,7 @@
           <p:cNvPr id="3" name="Content Placeholder 2">
             <a:extLst>
               <a:ext uri="{FF2B5EF4-FFF2-40B4-BE49-F238E27FC236}">
-                <a16:creationId xmlns:a16="http://schemas.microsoft.com/office/drawing/2014/main" xmlns="" id="{482BE55A-1B7E-4D2F-9C9D-170D9427A31C}"/>
+                <a16:creationId xmlns="" xmlns:a16="http://schemas.microsoft.com/office/drawing/2014/main" id="{482BE55A-1B7E-4D2F-9C9D-170D9427A31C}"/>
               </a:ext>
             </a:extLst>
           </p:cNvPr>
@@ -7395,7 +7402,7 @@
     </p:spTree>
     <p:extLst>
       <p:ext uri="{BB962C8B-B14F-4D97-AF65-F5344CB8AC3E}">
-        <p14:creationId xmlns:p14="http://schemas.microsoft.com/office/powerpoint/2010/main" val="249619528"/>
+        <p14:creationId xmlns:p14="http://schemas.microsoft.com/office/powerpoint/2010/main" xmlns="" val="249619528"/>
       </p:ext>
     </p:extLst>
   </p:cSld>
@@ -7434,8 +7441,8 @@
         </p:nvSpPr>
         <p:spPr>
           <a:xfrm>
-            <a:off x="609600" y="2857500"/>
-            <a:ext cx="8229600" cy="1143000"/>
+            <a:off x="2819400" y="2743200"/>
+            <a:ext cx="4648200" cy="1143000"/>
           </a:xfrm>
         </p:spPr>
         <p:txBody>
@@ -7452,7 +7459,7 @@
     </p:spTree>
     <p:extLst>
       <p:ext uri="{BB962C8B-B14F-4D97-AF65-F5344CB8AC3E}">
-        <p14:creationId xmlns:p14="http://schemas.microsoft.com/office/powerpoint/2010/main" val="2096360137"/>
+        <p14:creationId xmlns:p14="http://schemas.microsoft.com/office/powerpoint/2010/main" xmlns="" val="2096360137"/>
       </p:ext>
     </p:extLst>
   </p:cSld>
@@ -7481,7 +7488,7 @@
       </p:grpSpPr>
       <p:sp>
         <p:nvSpPr>
-          <p:cNvPr id="2" name="Title 1"/>
+          <p:cNvPr id="4" name="Title 1"/>
           <p:cNvSpPr>
             <a:spLocks noGrp="1"/>
           </p:cNvSpPr>
@@ -7495,7 +7502,7 @@
           <a:lstStyle/>
           <a:p>
             <a:r>
-              <a:rPr lang="en-US" dirty="0"/>
+              <a:rPr lang="en-US" b="1" dirty="0"/>
               <a:t>System Model</a:t>
             </a:r>
           </a:p>
@@ -7503,7 +7510,7 @@
       </p:sp>
       <p:sp>
         <p:nvSpPr>
-          <p:cNvPr id="3" name="Content Placeholder 2"/>
+          <p:cNvPr id="5" name="Content Placeholder 2"/>
           <p:cNvSpPr>
             <a:spLocks noGrp="1"/>
           </p:cNvSpPr>
@@ -7513,232 +7520,109 @@
         </p:nvSpPr>
         <p:spPr>
           <a:xfrm>
-            <a:off x="609599" y="1676400"/>
-            <a:ext cx="6347714" cy="4364963"/>
+            <a:off x="457200" y="1371600"/>
+            <a:ext cx="8229600" cy="5181600"/>
           </a:xfrm>
         </p:spPr>
         <p:txBody>
           <a:bodyPr>
-            <a:normAutofit fontScale="85000" lnSpcReduction="10000"/>
+            <a:normAutofit/>
           </a:bodyPr>
           <a:lstStyle/>
           <a:p>
-            <a:pPr marL="0" indent="0" algn="l">
+            <a:r>
+              <a:rPr lang="en-US" sz="2000" dirty="0"/>
+              <a:t>We are going to use “SPIRAL MODEL”.</a:t>
+            </a:r>
+          </a:p>
+          <a:p>
+            <a:r>
+              <a:rPr lang="en-US" sz="2000" b="1" dirty="0"/>
+              <a:t>Spiral model</a:t>
+            </a:r>
+            <a:r>
+              <a:rPr lang="en-US" sz="2000" dirty="0"/>
+              <a:t> is one of the most important Software Development Life Cycle models, which provides support for </a:t>
+            </a:r>
+            <a:r>
+              <a:rPr lang="en-US" sz="2000" b="1" dirty="0"/>
+              <a:t>Risk Handling</a:t>
+            </a:r>
+            <a:r>
+              <a:rPr lang="en-US" sz="2000" dirty="0"/>
+              <a:t>.</a:t>
+            </a:r>
+          </a:p>
+          <a:p>
+            <a:r>
+              <a:rPr lang="en-US" sz="2000" b="1" dirty="0"/>
+              <a:t>Advantages of the Spiral Model </a:t>
+            </a:r>
+          </a:p>
+          <a:p>
+            <a:pPr>
               <a:buNone/>
             </a:pPr>
             <a:r>
-              <a:rPr lang="en-US" sz="2400" b="0" i="0" dirty="0">
-                <a:solidFill>
-                  <a:srgbClr val="222222"/>
-                </a:solidFill>
-                <a:effectLst/>
-                <a:latin typeface="Times New Roman" panose="02020603050405020304" pitchFamily="18" charset="0"/>
-              </a:rPr>
-              <a:t>Why we chose Spiral Model?</a:t>
-            </a:r>
-            <a:endParaRPr lang="en-US" sz="2400" b="0" i="0" dirty="0">
-              <a:solidFill>
-                <a:srgbClr val="222222"/>
-              </a:solidFill>
-              <a:effectLst/>
-              <a:latin typeface="Courier New" panose="02070309020205020404" pitchFamily="49" charset="0"/>
-            </a:endParaRPr>
-          </a:p>
-          <a:p>
-            <a:pPr marL="114300" marR="0" indent="0" algn="l">
-              <a:spcBef>
-                <a:spcPts val="0"/>
-              </a:spcBef>
-              <a:spcAft>
-                <a:spcPts val="0"/>
-              </a:spcAft>
+              <a:rPr lang="en-US" sz="2000" b="1" dirty="0"/>
+              <a:t>	</a:t>
+            </a:r>
+            <a:r>
+              <a:rPr lang="en-US" sz="2000" dirty="0"/>
+              <a:t>Best for a high-risk project </a:t>
+            </a:r>
+          </a:p>
+          <a:p>
+            <a:pPr>
               <a:buNone/>
             </a:pPr>
             <a:r>
-              <a:rPr lang="en-US" sz="2400" b="0" i="0" dirty="0">
-                <a:solidFill>
-                  <a:srgbClr val="222222"/>
-                </a:solidFill>
-                <a:effectLst/>
-                <a:latin typeface="Wingdings" panose="05000000000000000000" pitchFamily="2" charset="2"/>
-              </a:rPr>
-              <a:t>Ø</a:t>
-            </a:r>
-            <a:r>
-              <a:rPr lang="en-US" sz="2400" b="0" i="0" dirty="0">
-                <a:solidFill>
-                  <a:srgbClr val="222222"/>
-                </a:solidFill>
-                <a:effectLst/>
-                <a:latin typeface="Times New Roman" panose="02020603050405020304" pitchFamily="18" charset="0"/>
-              </a:rPr>
-              <a:t>  This model strengthens risk management.</a:t>
-            </a:r>
-            <a:endParaRPr lang="en-US" sz="2400" b="0" i="0" dirty="0">
-              <a:solidFill>
-                <a:srgbClr val="222222"/>
-              </a:solidFill>
-              <a:effectLst/>
-              <a:latin typeface="Calibri" panose="020F0502020204030204" pitchFamily="34" charset="0"/>
-            </a:endParaRPr>
-          </a:p>
-          <a:p>
-            <a:pPr marL="114300" marR="0" indent="0" algn="l">
-              <a:spcBef>
-                <a:spcPts val="0"/>
-              </a:spcBef>
-              <a:spcAft>
-                <a:spcPts val="0"/>
-              </a:spcAft>
+              <a:rPr lang="en-US" sz="2000" dirty="0"/>
+              <a:t>	Good for large and mission-critical projects </a:t>
+            </a:r>
+          </a:p>
+          <a:p>
+            <a:pPr>
               <a:buNone/>
             </a:pPr>
             <a:r>
-              <a:rPr lang="en-US" sz="2400" b="0" i="0" dirty="0">
-                <a:solidFill>
-                  <a:srgbClr val="222222"/>
-                </a:solidFill>
-                <a:effectLst/>
-                <a:latin typeface="Wingdings" panose="05000000000000000000" pitchFamily="2" charset="2"/>
-              </a:rPr>
-              <a:t>Ø</a:t>
-            </a:r>
-            <a:r>
-              <a:rPr lang="en-US" sz="2400" b="0" i="0" dirty="0">
-                <a:solidFill>
-                  <a:srgbClr val="222222"/>
-                </a:solidFill>
-                <a:effectLst/>
-                <a:latin typeface="Times New Roman" panose="02020603050405020304" pitchFamily="18" charset="0"/>
-              </a:rPr>
-              <a:t>  This model uses a software iteration an approach that is extremely useful in the software development stages.</a:t>
-            </a:r>
-            <a:endParaRPr lang="en-US" sz="2400" b="0" i="0" dirty="0">
-              <a:solidFill>
-                <a:srgbClr val="222222"/>
-              </a:solidFill>
-              <a:effectLst/>
-              <a:latin typeface="Calibri" panose="020F0502020204030204" pitchFamily="34" charset="0"/>
-            </a:endParaRPr>
-          </a:p>
-          <a:p>
-            <a:pPr marL="114300" marR="0" indent="0" algn="l">
-              <a:spcBef>
-                <a:spcPts val="0"/>
-              </a:spcBef>
-              <a:spcAft>
-                <a:spcPts val="0"/>
-              </a:spcAft>
+              <a:rPr lang="en-US" sz="2000" dirty="0"/>
+              <a:t>	Strong approval and documentation control </a:t>
+            </a:r>
+          </a:p>
+          <a:p>
+            <a:pPr>
               <a:buNone/>
             </a:pPr>
             <a:r>
-              <a:rPr lang="en-US" sz="2400" b="0" i="0" dirty="0">
-                <a:solidFill>
-                  <a:srgbClr val="222222"/>
-                </a:solidFill>
-                <a:effectLst/>
-                <a:latin typeface="Wingdings" panose="05000000000000000000" pitchFamily="2" charset="2"/>
-              </a:rPr>
-              <a:t>Ø</a:t>
-            </a:r>
-            <a:r>
-              <a:rPr lang="en-US" sz="2400" b="0" i="0" dirty="0">
-                <a:solidFill>
-                  <a:srgbClr val="222222"/>
-                </a:solidFill>
-                <a:effectLst/>
-                <a:latin typeface="Times New Roman" panose="02020603050405020304" pitchFamily="18" charset="0"/>
-              </a:rPr>
-              <a:t>  This model can combine other methods such as waterfall and incremental methods.</a:t>
-            </a:r>
-            <a:endParaRPr lang="en-US" sz="2400" b="0" i="0" dirty="0">
-              <a:solidFill>
-                <a:srgbClr val="222222"/>
-              </a:solidFill>
-              <a:effectLst/>
-              <a:latin typeface="Calibri" panose="020F0502020204030204" pitchFamily="34" charset="0"/>
-            </a:endParaRPr>
-          </a:p>
-          <a:p>
-            <a:pPr marL="114300" marR="0" indent="0" algn="l">
-              <a:spcBef>
-                <a:spcPts val="0"/>
-              </a:spcBef>
-              <a:spcAft>
-                <a:spcPts val="0"/>
-              </a:spcAft>
+              <a:rPr lang="en-US" sz="2000" dirty="0"/>
+              <a:t>	Continuous or repeated development helps in risk management Development is fast and features are added in a systematic approach</a:t>
+            </a:r>
+          </a:p>
+          <a:p>
+            <a:pPr>
               <a:buNone/>
             </a:pPr>
             <a:r>
-              <a:rPr lang="en-US" sz="2400" b="0" i="0" dirty="0">
-                <a:solidFill>
-                  <a:srgbClr val="222222"/>
-                </a:solidFill>
-                <a:effectLst/>
-                <a:latin typeface="Wingdings" panose="05000000000000000000" pitchFamily="2" charset="2"/>
-              </a:rPr>
-              <a:t>Ø</a:t>
-            </a:r>
-            <a:r>
-              <a:rPr lang="en-US" sz="2400" b="0" i="0" dirty="0">
-                <a:solidFill>
-                  <a:srgbClr val="222222"/>
-                </a:solidFill>
-                <a:effectLst/>
-                <a:latin typeface="Times New Roman" panose="02020603050405020304" pitchFamily="18" charset="0"/>
-              </a:rPr>
-              <a:t>  Assume that a project with little risk does not fulfill the user needs and on the other hand, that there is a high the risk that the waterfall approach will be adopted so that this model will avoid risk, get a solution quickly, and associations like the whole model to correct the a mistake in the previous stage, if any.</a:t>
-            </a:r>
-            <a:endParaRPr lang="en-US" sz="2400" b="0" i="0" dirty="0">
-              <a:solidFill>
-                <a:srgbClr val="222222"/>
-              </a:solidFill>
-              <a:effectLst/>
-              <a:latin typeface="Calibri" panose="020F0502020204030204" pitchFamily="34" charset="0"/>
-            </a:endParaRPr>
-          </a:p>
-          <a:p>
-            <a:pPr marL="0" indent="0" algn="l">
+              <a:rPr lang="en-US" sz="2000" dirty="0"/>
+              <a:t>	Additional functionality or change can be done at a later stage. </a:t>
+            </a:r>
+          </a:p>
+          <a:p>
+            <a:pPr>
               <a:buNone/>
             </a:pPr>
             <a:r>
-              <a:rPr lang="en-US" sz="2400" b="0" i="0" dirty="0">
-                <a:solidFill>
-                  <a:srgbClr val="222222"/>
-                </a:solidFill>
-                <a:effectLst/>
-                <a:latin typeface="Wingdings" panose="05000000000000000000" pitchFamily="2" charset="2"/>
-              </a:rPr>
-              <a:t>Ø</a:t>
-            </a:r>
-            <a:r>
-              <a:rPr lang="en-US" sz="2400" b="0" i="0" dirty="0">
-                <a:solidFill>
-                  <a:srgbClr val="222222"/>
-                </a:solidFill>
-                <a:effectLst/>
-                <a:latin typeface="Times New Roman" panose="02020603050405020304" pitchFamily="18" charset="0"/>
-              </a:rPr>
-              <a:t>  Reviewing the previous phase can correct the errors and take care of the new requirement.</a:t>
-            </a:r>
-            <a:endParaRPr lang="en-US" sz="2400" b="0" i="0" dirty="0">
-              <a:solidFill>
-                <a:srgbClr val="222222"/>
-              </a:solidFill>
-              <a:effectLst/>
-              <a:latin typeface="Courier New" panose="02070309020205020404" pitchFamily="49" charset="0"/>
-            </a:endParaRPr>
-          </a:p>
-          <a:p>
-            <a:endParaRPr lang="en-US" sz="4000" dirty="0"/>
+              <a:rPr lang="en-US" sz="2000" dirty="0"/>
+              <a:t>	Cost estimation becomes easy as the prototype building happens in small fragments. There is always space for Customer feedback.</a:t>
+            </a:r>
+          </a:p>
+          <a:p>
+            <a:endParaRPr lang="en-US" dirty="0"/>
           </a:p>
         </p:txBody>
       </p:sp>
     </p:spTree>
-    <p:extLst>
-      <p:ext uri="{BB962C8B-B14F-4D97-AF65-F5344CB8AC3E}">
-        <p14:creationId xmlns:p14="http://schemas.microsoft.com/office/powerpoint/2010/main" val="4027632993"/>
-      </p:ext>
-    </p:extLst>
   </p:cSld>
   <p:clrMapOvr>
     <a:masterClrMapping/>
@@ -7833,6 +7717,13 @@
   <p:clrMapOvr>
     <a:masterClrMapping/>
   </p:clrMapOvr>
+  <p:timing>
+    <p:tnLst>
+      <p:par>
+        <p:cTn id="1" dur="indefinite" restart="never" nodeType="tmRoot"/>
+      </p:par>
+    </p:tnLst>
+  </p:timing>
 </p:sld>
 </file>
 
@@ -7855,7 +7746,7 @@
       </p:grpSpPr>
       <p:sp>
         <p:nvSpPr>
-          <p:cNvPr id="4" name="Title 1"/>
+          <p:cNvPr id="2" name="Title 1"/>
           <p:cNvSpPr>
             <a:spLocks noGrp="1"/>
           </p:cNvSpPr>
@@ -7869,7 +7760,7 @@
           <a:lstStyle/>
           <a:p>
             <a:r>
-              <a:rPr lang="en-US" b="1" dirty="0"/>
+              <a:rPr lang="en-US" dirty="0"/>
               <a:t>System Model</a:t>
             </a:r>
           </a:p>
@@ -7877,7 +7768,7 @@
       </p:sp>
       <p:sp>
         <p:nvSpPr>
-          <p:cNvPr id="5" name="Content Placeholder 2"/>
+          <p:cNvPr id="3" name="Content Placeholder 2"/>
           <p:cNvSpPr>
             <a:spLocks noGrp="1"/>
           </p:cNvSpPr>
@@ -7887,109 +7778,232 @@
         </p:nvSpPr>
         <p:spPr>
           <a:xfrm>
-            <a:off x="457200" y="1371600"/>
-            <a:ext cx="8229600" cy="5181600"/>
+            <a:off x="609599" y="1676400"/>
+            <a:ext cx="6347714" cy="4364963"/>
           </a:xfrm>
         </p:spPr>
         <p:txBody>
           <a:bodyPr>
-            <a:normAutofit/>
+            <a:normAutofit fontScale="85000" lnSpcReduction="10000"/>
           </a:bodyPr>
           <a:lstStyle/>
           <a:p>
-            <a:r>
-              <a:rPr lang="en-US" sz="2000" dirty="0"/>
-              <a:t>We are going to use “SPIRAL MODEL”.</a:t>
-            </a:r>
-          </a:p>
-          <a:p>
-            <a:r>
-              <a:rPr lang="en-US" sz="2000" b="1" dirty="0"/>
-              <a:t>Spiral model</a:t>
-            </a:r>
-            <a:r>
-              <a:rPr lang="en-US" sz="2000" dirty="0"/>
-              <a:t> is one of the most important Software Development Life Cycle models, which provides support for </a:t>
-            </a:r>
-            <a:r>
-              <a:rPr lang="en-US" sz="2000" b="1" dirty="0"/>
-              <a:t>Risk Handling</a:t>
-            </a:r>
-            <a:r>
-              <a:rPr lang="en-US" sz="2000" dirty="0"/>
-              <a:t>.</a:t>
-            </a:r>
-          </a:p>
-          <a:p>
-            <a:r>
-              <a:rPr lang="en-US" sz="2000" b="1" dirty="0"/>
-              <a:t>Advantages of the Spiral Model </a:t>
-            </a:r>
-          </a:p>
-          <a:p>
-            <a:pPr>
+            <a:pPr marL="0" indent="0" algn="l">
               <a:buNone/>
             </a:pPr>
             <a:r>
-              <a:rPr lang="en-US" sz="2000" b="1" dirty="0"/>
-              <a:t>	</a:t>
-            </a:r>
-            <a:r>
-              <a:rPr lang="en-US" sz="2000" dirty="0"/>
-              <a:t>Best for a high-risk project </a:t>
-            </a:r>
-          </a:p>
-          <a:p>
-            <a:pPr>
+              <a:rPr lang="en-US" sz="2400" b="0" i="0" dirty="0">
+                <a:solidFill>
+                  <a:srgbClr val="222222"/>
+                </a:solidFill>
+                <a:effectLst/>
+                <a:latin typeface="Times New Roman" panose="02020603050405020304" pitchFamily="18" charset="0"/>
+              </a:rPr>
+              <a:t>Why we chose Spiral Model?</a:t>
+            </a:r>
+            <a:endParaRPr lang="en-US" sz="2400" b="0" i="0" dirty="0">
+              <a:solidFill>
+                <a:srgbClr val="222222"/>
+              </a:solidFill>
+              <a:effectLst/>
+              <a:latin typeface="Courier New" panose="02070309020205020404" pitchFamily="49" charset="0"/>
+            </a:endParaRPr>
+          </a:p>
+          <a:p>
+            <a:pPr marL="114300" marR="0" indent="0" algn="l">
+              <a:spcBef>
+                <a:spcPts val="0"/>
+              </a:spcBef>
+              <a:spcAft>
+                <a:spcPts val="0"/>
+              </a:spcAft>
               <a:buNone/>
             </a:pPr>
             <a:r>
-              <a:rPr lang="en-US" sz="2000" dirty="0"/>
-              <a:t>	Good for large and mission-critical projects </a:t>
-            </a:r>
-          </a:p>
-          <a:p>
-            <a:pPr>
+              <a:rPr lang="en-US" sz="2400" b="0" i="0" dirty="0">
+                <a:solidFill>
+                  <a:srgbClr val="222222"/>
+                </a:solidFill>
+                <a:effectLst/>
+                <a:latin typeface="Wingdings" panose="05000000000000000000" pitchFamily="2" charset="2"/>
+              </a:rPr>
+              <a:t>Ø</a:t>
+            </a:r>
+            <a:r>
+              <a:rPr lang="en-US" sz="2400" b="0" i="0" dirty="0">
+                <a:solidFill>
+                  <a:srgbClr val="222222"/>
+                </a:solidFill>
+                <a:effectLst/>
+                <a:latin typeface="Times New Roman" panose="02020603050405020304" pitchFamily="18" charset="0"/>
+              </a:rPr>
+              <a:t>  This model strengthens risk management.</a:t>
+            </a:r>
+            <a:endParaRPr lang="en-US" sz="2400" b="0" i="0" dirty="0">
+              <a:solidFill>
+                <a:srgbClr val="222222"/>
+              </a:solidFill>
+              <a:effectLst/>
+              <a:latin typeface="Calibri" panose="020F0502020204030204" pitchFamily="34" charset="0"/>
+            </a:endParaRPr>
+          </a:p>
+          <a:p>
+            <a:pPr marL="114300" marR="0" indent="0" algn="l">
+              <a:spcBef>
+                <a:spcPts val="0"/>
+              </a:spcBef>
+              <a:spcAft>
+                <a:spcPts val="0"/>
+              </a:spcAft>
               <a:buNone/>
             </a:pPr>
             <a:r>
-              <a:rPr lang="en-US" sz="2000" dirty="0"/>
-              <a:t>	Strong approval and documentation control </a:t>
-            </a:r>
-          </a:p>
-          <a:p>
-            <a:pPr>
+              <a:rPr lang="en-US" sz="2400" b="0" i="0" dirty="0">
+                <a:solidFill>
+                  <a:srgbClr val="222222"/>
+                </a:solidFill>
+                <a:effectLst/>
+                <a:latin typeface="Wingdings" panose="05000000000000000000" pitchFamily="2" charset="2"/>
+              </a:rPr>
+              <a:t>Ø</a:t>
+            </a:r>
+            <a:r>
+              <a:rPr lang="en-US" sz="2400" b="0" i="0" dirty="0">
+                <a:solidFill>
+                  <a:srgbClr val="222222"/>
+                </a:solidFill>
+                <a:effectLst/>
+                <a:latin typeface="Times New Roman" panose="02020603050405020304" pitchFamily="18" charset="0"/>
+              </a:rPr>
+              <a:t>  This model uses a software iteration an approach that is extremely useful in the software development stages.</a:t>
+            </a:r>
+            <a:endParaRPr lang="en-US" sz="2400" b="0" i="0" dirty="0">
+              <a:solidFill>
+                <a:srgbClr val="222222"/>
+              </a:solidFill>
+              <a:effectLst/>
+              <a:latin typeface="Calibri" panose="020F0502020204030204" pitchFamily="34" charset="0"/>
+            </a:endParaRPr>
+          </a:p>
+          <a:p>
+            <a:pPr marL="114300" marR="0" indent="0" algn="l">
+              <a:spcBef>
+                <a:spcPts val="0"/>
+              </a:spcBef>
+              <a:spcAft>
+                <a:spcPts val="0"/>
+              </a:spcAft>
               <a:buNone/>
             </a:pPr>
             <a:r>
-              <a:rPr lang="en-US" sz="2000" dirty="0"/>
-              <a:t>	Continuous or repeated development helps in risk management Development is fast and features are added in a systematic approach</a:t>
-            </a:r>
-          </a:p>
-          <a:p>
-            <a:pPr>
+              <a:rPr lang="en-US" sz="2400" b="0" i="0" dirty="0">
+                <a:solidFill>
+                  <a:srgbClr val="222222"/>
+                </a:solidFill>
+                <a:effectLst/>
+                <a:latin typeface="Wingdings" panose="05000000000000000000" pitchFamily="2" charset="2"/>
+              </a:rPr>
+              <a:t>Ø</a:t>
+            </a:r>
+            <a:r>
+              <a:rPr lang="en-US" sz="2400" b="0" i="0" dirty="0">
+                <a:solidFill>
+                  <a:srgbClr val="222222"/>
+                </a:solidFill>
+                <a:effectLst/>
+                <a:latin typeface="Times New Roman" panose="02020603050405020304" pitchFamily="18" charset="0"/>
+              </a:rPr>
+              <a:t>  This model can combine other methods such as waterfall and incremental methods.</a:t>
+            </a:r>
+            <a:endParaRPr lang="en-US" sz="2400" b="0" i="0" dirty="0">
+              <a:solidFill>
+                <a:srgbClr val="222222"/>
+              </a:solidFill>
+              <a:effectLst/>
+              <a:latin typeface="Calibri" panose="020F0502020204030204" pitchFamily="34" charset="0"/>
+            </a:endParaRPr>
+          </a:p>
+          <a:p>
+            <a:pPr marL="114300" marR="0" indent="0" algn="l">
+              <a:spcBef>
+                <a:spcPts val="0"/>
+              </a:spcBef>
+              <a:spcAft>
+                <a:spcPts val="0"/>
+              </a:spcAft>
               <a:buNone/>
             </a:pPr>
             <a:r>
-              <a:rPr lang="en-US" sz="2000" dirty="0"/>
-              <a:t>	Additional functionality or change can be done at a later stage. </a:t>
-            </a:r>
-          </a:p>
-          <a:p>
-            <a:pPr>
+              <a:rPr lang="en-US" sz="2400" b="0" i="0" dirty="0">
+                <a:solidFill>
+                  <a:srgbClr val="222222"/>
+                </a:solidFill>
+                <a:effectLst/>
+                <a:latin typeface="Wingdings" panose="05000000000000000000" pitchFamily="2" charset="2"/>
+              </a:rPr>
+              <a:t>Ø</a:t>
+            </a:r>
+            <a:r>
+              <a:rPr lang="en-US" sz="2400" b="0" i="0" dirty="0">
+                <a:solidFill>
+                  <a:srgbClr val="222222"/>
+                </a:solidFill>
+                <a:effectLst/>
+                <a:latin typeface="Times New Roman" panose="02020603050405020304" pitchFamily="18" charset="0"/>
+              </a:rPr>
+              <a:t>  Assume that a project with little risk does not fulfill the user needs and on the other hand, that there is a high the risk that the waterfall approach will be adopted so that this model will avoid risk, get a solution quickly, and associations like the whole model to correct the a mistake in the previous stage, if any.</a:t>
+            </a:r>
+            <a:endParaRPr lang="en-US" sz="2400" b="0" i="0" dirty="0">
+              <a:solidFill>
+                <a:srgbClr val="222222"/>
+              </a:solidFill>
+              <a:effectLst/>
+              <a:latin typeface="Calibri" panose="020F0502020204030204" pitchFamily="34" charset="0"/>
+            </a:endParaRPr>
+          </a:p>
+          <a:p>
+            <a:pPr marL="0" indent="0" algn="l">
               <a:buNone/>
             </a:pPr>
             <a:r>
-              <a:rPr lang="en-US" sz="2000" dirty="0"/>
-              <a:t>	Cost estimation becomes easy as the prototype building happens in small fragments. There is always space for Customer feedback.</a:t>
-            </a:r>
-          </a:p>
-          <a:p>
-            <a:endParaRPr lang="en-US" dirty="0"/>
+              <a:rPr lang="en-US" sz="2400" b="0" i="0" dirty="0">
+                <a:solidFill>
+                  <a:srgbClr val="222222"/>
+                </a:solidFill>
+                <a:effectLst/>
+                <a:latin typeface="Wingdings" panose="05000000000000000000" pitchFamily="2" charset="2"/>
+              </a:rPr>
+              <a:t>Ø</a:t>
+            </a:r>
+            <a:r>
+              <a:rPr lang="en-US" sz="2400" b="0" i="0" dirty="0">
+                <a:solidFill>
+                  <a:srgbClr val="222222"/>
+                </a:solidFill>
+                <a:effectLst/>
+                <a:latin typeface="Times New Roman" panose="02020603050405020304" pitchFamily="18" charset="0"/>
+              </a:rPr>
+              <a:t>  Reviewing the previous phase can correct the errors and take care of the new requirement.</a:t>
+            </a:r>
+            <a:endParaRPr lang="en-US" sz="2400" b="0" i="0" dirty="0">
+              <a:solidFill>
+                <a:srgbClr val="222222"/>
+              </a:solidFill>
+              <a:effectLst/>
+              <a:latin typeface="Courier New" panose="02070309020205020404" pitchFamily="49" charset="0"/>
+            </a:endParaRPr>
+          </a:p>
+          <a:p>
+            <a:endParaRPr lang="en-US" sz="4000" dirty="0"/>
           </a:p>
         </p:txBody>
       </p:sp>
     </p:spTree>
+    <p:extLst>
+      <p:ext uri="{BB962C8B-B14F-4D97-AF65-F5344CB8AC3E}">
+        <p14:creationId xmlns:p14="http://schemas.microsoft.com/office/powerpoint/2010/main" xmlns="" val="4027632993"/>
+      </p:ext>
+    </p:extLst>
   </p:cSld>
   <p:clrMapOvr>
     <a:masterClrMapping/>
@@ -8032,8 +8046,8 @@
         </p:blipFill>
         <p:spPr>
           <a:xfrm>
-            <a:off x="0" y="381000"/>
-            <a:ext cx="9132561" cy="6332061"/>
+            <a:off x="533400" y="381000"/>
+            <a:ext cx="8001000" cy="6332061"/>
           </a:xfrm>
         </p:spPr>
       </p:pic>
@@ -8094,7 +8108,7 @@
           <p:cNvPr id="5" name="Content Placeholder 4">
             <a:extLst>
               <a:ext uri="{FF2B5EF4-FFF2-40B4-BE49-F238E27FC236}">
-                <a16:creationId xmlns:a16="http://schemas.microsoft.com/office/drawing/2014/main" xmlns="" id="{56ADB524-2A14-449A-94E5-C4D2FCFBE6E9}"/>
+                <a16:creationId xmlns="" xmlns:a16="http://schemas.microsoft.com/office/drawing/2014/main" id="{56ADB524-2A14-449A-94E5-C4D2FCFBE6E9}"/>
               </a:ext>
             </a:extLst>
           </p:cNvPr>
@@ -8109,7 +8123,7 @@
           <a:blip r:embed="rId2" cstate="print">
             <a:extLst>
               <a:ext uri="{28A0092B-C50C-407E-A947-70E740481C1C}">
-                <a14:useLocalDpi xmlns:a14="http://schemas.microsoft.com/office/drawing/2010/main" val="0"/>
+                <a14:useLocalDpi xmlns:a14="http://schemas.microsoft.com/office/drawing/2010/main" xmlns="" val="0"/>
               </a:ext>
             </a:extLst>
           </a:blip>
@@ -8127,7 +8141,7 @@
     </p:spTree>
     <p:extLst>
       <p:ext uri="{BB962C8B-B14F-4D97-AF65-F5344CB8AC3E}">
-        <p14:creationId xmlns:p14="http://schemas.microsoft.com/office/powerpoint/2010/main" val="250142504"/>
+        <p14:creationId xmlns:p14="http://schemas.microsoft.com/office/powerpoint/2010/main" xmlns="" val="250142504"/>
       </p:ext>
     </p:extLst>
   </p:cSld>
@@ -8259,7 +8273,7 @@
     </p:spTree>
     <p:extLst>
       <p:ext uri="{BB962C8B-B14F-4D97-AF65-F5344CB8AC3E}">
-        <p14:creationId xmlns:p14="http://schemas.microsoft.com/office/powerpoint/2010/main" val="379717333"/>
+        <p14:creationId xmlns:p14="http://schemas.microsoft.com/office/powerpoint/2010/main" xmlns="" val="379717333"/>
       </p:ext>
     </p:extLst>
   </p:cSld>
@@ -8291,7 +8305,7 @@
           <p:cNvPr id="2" name="Title 1">
             <a:extLst>
               <a:ext uri="{FF2B5EF4-FFF2-40B4-BE49-F238E27FC236}">
-                <a16:creationId xmlns:a16="http://schemas.microsoft.com/office/drawing/2014/main" xmlns="" id="{1965469C-7555-4F99-B773-AF83797C1A7E}"/>
+                <a16:creationId xmlns="" xmlns:a16="http://schemas.microsoft.com/office/drawing/2014/main" id="{1965469C-7555-4F99-B773-AF83797C1A7E}"/>
               </a:ext>
             </a:extLst>
           </p:cNvPr>
@@ -8304,8 +8318,8 @@
         </p:nvSpPr>
         <p:spPr>
           <a:xfrm>
-            <a:off x="381000" y="2667000"/>
-            <a:ext cx="8229600" cy="1143000"/>
+            <a:off x="2743200" y="2667000"/>
+            <a:ext cx="3886200" cy="1143000"/>
           </a:xfrm>
         </p:spPr>
         <p:txBody>
@@ -8322,7 +8336,7 @@
     </p:spTree>
     <p:extLst>
       <p:ext uri="{BB962C8B-B14F-4D97-AF65-F5344CB8AC3E}">
-        <p14:creationId xmlns:p14="http://schemas.microsoft.com/office/powerpoint/2010/main" val="2636907992"/>
+        <p14:creationId xmlns:p14="http://schemas.microsoft.com/office/powerpoint/2010/main" xmlns="" val="2636907992"/>
       </p:ext>
     </p:extLst>
   </p:cSld>
@@ -8418,7 +8432,7 @@
           <p:nvPr>
             <p:extLst>
               <p:ext uri="{D42A27DB-BD31-4B8C-83A1-F6EECF244321}">
-                <p14:modId xmlns:p14="http://schemas.microsoft.com/office/powerpoint/2010/main" val="1796255159"/>
+                <p14:modId xmlns:p14="http://schemas.microsoft.com/office/powerpoint/2010/main" xmlns="" val="1796255159"/>
               </p:ext>
             </p:extLst>
           </p:nvPr>
@@ -8429,82 +8443,9 @@
         </p:xfrm>
         <a:graphic>
           <a:graphicData uri="http://schemas.openxmlformats.org/presentationml/2006/ole">
-            <mc:AlternateContent xmlns:mc="http://schemas.openxmlformats.org/markup-compatibility/2006">
-              <mc:Choice xmlns:v="urn:schemas-microsoft-com:vml" Requires="v">
-                <p:oleObj spid="_x0000_s2101" name="Visio" r:id="rId3" imgW="6486663" imgH="7257885" progId="Visio.Drawing.15">
-                  <p:embed/>
-                </p:oleObj>
-              </mc:Choice>
-              <mc:Fallback>
-                <p:oleObj name="Visio" r:id="rId3" imgW="6486663" imgH="7257885" progId="Visio.Drawing.15">
-                  <p:embed/>
-                  <p:pic>
-                    <p:nvPicPr>
-                      <p:cNvPr id="0" name="Picture 29"/>
-                      <p:cNvPicPr>
-                        <a:picLocks noChangeAspect="1" noChangeArrowheads="1"/>
-                      </p:cNvPicPr>
-                      <p:nvPr/>
-                    </p:nvPicPr>
-                    <p:blipFill>
-                      <a:blip r:embed="rId4">
-                        <a:extLst>
-                          <a:ext uri="{28A0092B-C50C-407E-A947-70E740481C1C}">
-                            <a14:useLocalDpi xmlns:a14="http://schemas.microsoft.com/office/drawing/2010/main" val="0"/>
-                          </a:ext>
-                        </a:extLst>
-                      </a:blip>
-                      <a:srcRect/>
-                      <a:stretch>
-                        <a:fillRect/>
-                      </a:stretch>
-                    </p:blipFill>
-                    <p:spPr bwMode="auto">
-                      <a:xfrm>
-                        <a:off x="20782" y="228600"/>
-                        <a:ext cx="8752194" cy="6476999"/>
-                      </a:xfrm>
-                      <a:prstGeom prst="rect">
-                        <a:avLst/>
-                      </a:prstGeom>
-                      <a:noFill/>
-                      <a:ln>
-                        <a:noFill/>
-                      </a:ln>
-                      <a:effectLst/>
-                      <a:extLst>
-                        <a:ext uri="{909E8E84-426E-40DD-AFC4-6F175D3DCCD1}">
-                          <a14:hiddenFill xmlns:a14="http://schemas.microsoft.com/office/drawing/2010/main">
-                            <a:solidFill>
-                              <a:schemeClr val="accent1"/>
-                            </a:solidFill>
-                          </a14:hiddenFill>
-                        </a:ext>
-                        <a:ext uri="{91240B29-F687-4F45-9708-019B960494DF}">
-                          <a14:hiddenLine xmlns:a14="http://schemas.microsoft.com/office/drawing/2010/main" w="9525">
-                            <a:solidFill>
-                              <a:schemeClr val="tx1"/>
-                            </a:solidFill>
-                            <a:miter lim="800000"/>
-                            <a:headEnd/>
-                            <a:tailEnd/>
-                          </a14:hiddenLine>
-                        </a:ext>
-                        <a:ext uri="{AF507438-7753-43E0-B8FC-AC1667EBCBE1}">
-                          <a14:hiddenEffects xmlns:a14="http://schemas.microsoft.com/office/drawing/2010/main">
-                            <a:effectLst>
-                              <a:outerShdw dist="35921" dir="2700000" algn="ctr" rotWithShape="0">
-                                <a:schemeClr val="bg2"/>
-                              </a:outerShdw>
-                            </a:effectLst>
-                          </a14:hiddenEffects>
-                        </a:ext>
-                      </a:extLst>
-                    </p:spPr>
-                  </p:pic>
-                </p:oleObj>
-              </mc:Fallback>
-            </mc:AlternateContent>
+            <p:oleObj spid="_x0000_s2101" name="Visio" r:id="rId3" imgW="6486663" imgH="7257885" progId="Visio.Drawing.15">
+              <p:embed/>
+            </p:oleObj>
           </a:graphicData>
         </a:graphic>
       </p:graphicFrame>
@@ -8603,7 +8544,7 @@
         </p:nvSpPr>
         <p:spPr>
           <a:xfrm>
-            <a:off x="762000" y="152400"/>
+            <a:off x="1981200" y="457200"/>
             <a:ext cx="8001000" cy="960438"/>
           </a:xfrm>
         </p:spPr>
@@ -8632,7 +8573,7 @@
           <a:blip r:embed="rId2" cstate="print">
             <a:extLst>
               <a:ext uri="{28A0092B-C50C-407E-A947-70E740481C1C}">
-                <a14:useLocalDpi xmlns:a14="http://schemas.microsoft.com/office/drawing/2010/main" val="0"/>
+                <a14:useLocalDpi xmlns:a14="http://schemas.microsoft.com/office/drawing/2010/main" xmlns="" val="0"/>
               </a:ext>
             </a:extLst>
           </a:blip>
@@ -8650,7 +8591,7 @@
     </p:spTree>
     <p:extLst>
       <p:ext uri="{BB962C8B-B14F-4D97-AF65-F5344CB8AC3E}">
-        <p14:creationId xmlns:p14="http://schemas.microsoft.com/office/powerpoint/2010/main" val="2167648878"/>
+        <p14:creationId xmlns:p14="http://schemas.microsoft.com/office/powerpoint/2010/main" xmlns="" val="2167648878"/>
       </p:ext>
     </p:extLst>
   </p:cSld>
@@ -8691,7 +8632,7 @@
           <a:blip r:embed="rId2">
             <a:extLst>
               <a:ext uri="{28A0092B-C50C-407E-A947-70E740481C1C}">
-                <a14:useLocalDpi xmlns:a14="http://schemas.microsoft.com/office/drawing/2010/main" val="0"/>
+                <a14:useLocalDpi xmlns:a14="http://schemas.microsoft.com/office/drawing/2010/main" xmlns="" val="0"/>
               </a:ext>
             </a:extLst>
           </a:blip>
@@ -8709,7 +8650,7 @@
     </p:spTree>
     <p:extLst>
       <p:ext uri="{BB962C8B-B14F-4D97-AF65-F5344CB8AC3E}">
-        <p14:creationId xmlns:p14="http://schemas.microsoft.com/office/powerpoint/2010/main" val="1148764044"/>
+        <p14:creationId xmlns:p14="http://schemas.microsoft.com/office/powerpoint/2010/main" xmlns="" val="1148764044"/>
       </p:ext>
     </p:extLst>
   </p:cSld>
@@ -8850,6 +8791,13 @@
   <p:clrMapOvr>
     <a:masterClrMapping/>
   </p:clrMapOvr>
+  <p:timing>
+    <p:tnLst>
+      <p:par>
+        <p:cTn id="1" dur="indefinite" restart="never" nodeType="tmRoot"/>
+      </p:par>
+    </p:tnLst>
+  </p:timing>
 </p:sld>
 </file>
 
@@ -8884,7 +8832,7 @@
           <a:blip r:embed="rId2">
             <a:extLst>
               <a:ext uri="{28A0092B-C50C-407E-A947-70E740481C1C}">
-                <a14:useLocalDpi xmlns:a14="http://schemas.microsoft.com/office/drawing/2010/main" val="0"/>
+                <a14:useLocalDpi xmlns:a14="http://schemas.microsoft.com/office/drawing/2010/main" xmlns="" val="0"/>
               </a:ext>
             </a:extLst>
           </a:blip>
@@ -8902,7 +8850,7 @@
     </p:spTree>
     <p:extLst>
       <p:ext uri="{BB962C8B-B14F-4D97-AF65-F5344CB8AC3E}">
-        <p14:creationId xmlns:p14="http://schemas.microsoft.com/office/powerpoint/2010/main" val="978103575"/>
+        <p14:creationId xmlns:p14="http://schemas.microsoft.com/office/powerpoint/2010/main" xmlns="" val="978103575"/>
       </p:ext>
     </p:extLst>
   </p:cSld>
@@ -8943,7 +8891,7 @@
           <a:blip r:embed="rId2" cstate="print">
             <a:extLst>
               <a:ext uri="{28A0092B-C50C-407E-A947-70E740481C1C}">
-                <a14:useLocalDpi xmlns:a14="http://schemas.microsoft.com/office/drawing/2010/main" val="0"/>
+                <a14:useLocalDpi xmlns:a14="http://schemas.microsoft.com/office/drawing/2010/main" xmlns="" val="0"/>
               </a:ext>
             </a:extLst>
           </a:blip>
@@ -8961,7 +8909,7 @@
     </p:spTree>
     <p:extLst>
       <p:ext uri="{BB962C8B-B14F-4D97-AF65-F5344CB8AC3E}">
-        <p14:creationId xmlns:p14="http://schemas.microsoft.com/office/powerpoint/2010/main" val="2912635289"/>
+        <p14:creationId xmlns:p14="http://schemas.microsoft.com/office/powerpoint/2010/main" xmlns="" val="2912635289"/>
       </p:ext>
     </p:extLst>
   </p:cSld>
@@ -9002,7 +8950,7 @@
           <a:blip r:embed="rId2">
             <a:extLst>
               <a:ext uri="{28A0092B-C50C-407E-A947-70E740481C1C}">
-                <a14:useLocalDpi xmlns:a14="http://schemas.microsoft.com/office/drawing/2010/main" val="0"/>
+                <a14:useLocalDpi xmlns:a14="http://schemas.microsoft.com/office/drawing/2010/main" xmlns="" val="0"/>
               </a:ext>
             </a:extLst>
           </a:blip>
@@ -9020,7 +8968,7 @@
     </p:spTree>
     <p:extLst>
       <p:ext uri="{BB962C8B-B14F-4D97-AF65-F5344CB8AC3E}">
-        <p14:creationId xmlns:p14="http://schemas.microsoft.com/office/powerpoint/2010/main" val="3890424206"/>
+        <p14:creationId xmlns:p14="http://schemas.microsoft.com/office/powerpoint/2010/main" xmlns="" val="3890424206"/>
       </p:ext>
     </p:extLst>
   </p:cSld>
@@ -9061,7 +9009,7 @@
           <a:blip r:embed="rId2">
             <a:extLst>
               <a:ext uri="{28A0092B-C50C-407E-A947-70E740481C1C}">
-                <a14:useLocalDpi xmlns:a14="http://schemas.microsoft.com/office/drawing/2010/main" val="0"/>
+                <a14:useLocalDpi xmlns:a14="http://schemas.microsoft.com/office/drawing/2010/main" xmlns="" val="0"/>
               </a:ext>
             </a:extLst>
           </a:blip>
@@ -9079,7 +9027,7 @@
     </p:spTree>
     <p:extLst>
       <p:ext uri="{BB962C8B-B14F-4D97-AF65-F5344CB8AC3E}">
-        <p14:creationId xmlns:p14="http://schemas.microsoft.com/office/powerpoint/2010/main" val="3728015448"/>
+        <p14:creationId xmlns:p14="http://schemas.microsoft.com/office/powerpoint/2010/main" xmlns="" val="3728015448"/>
       </p:ext>
     </p:extLst>
   </p:cSld>
@@ -9120,7 +9068,7 @@
           <a:blip r:embed="rId2">
             <a:extLst>
               <a:ext uri="{28A0092B-C50C-407E-A947-70E740481C1C}">
-                <a14:useLocalDpi xmlns:a14="http://schemas.microsoft.com/office/drawing/2010/main" val="0"/>
+                <a14:useLocalDpi xmlns:a14="http://schemas.microsoft.com/office/drawing/2010/main" xmlns="" val="0"/>
               </a:ext>
             </a:extLst>
           </a:blip>
@@ -9138,7 +9086,7 @@
     </p:spTree>
     <p:extLst>
       <p:ext uri="{BB962C8B-B14F-4D97-AF65-F5344CB8AC3E}">
-        <p14:creationId xmlns:p14="http://schemas.microsoft.com/office/powerpoint/2010/main" val="2957337095"/>
+        <p14:creationId xmlns:p14="http://schemas.microsoft.com/office/powerpoint/2010/main" xmlns="" val="2957337095"/>
       </p:ext>
     </p:extLst>
   </p:cSld>
@@ -9179,7 +9127,7 @@
           <a:blip r:embed="rId2">
             <a:extLst>
               <a:ext uri="{28A0092B-C50C-407E-A947-70E740481C1C}">
-                <a14:useLocalDpi xmlns:a14="http://schemas.microsoft.com/office/drawing/2010/main" val="0"/>
+                <a14:useLocalDpi xmlns:a14="http://schemas.microsoft.com/office/drawing/2010/main" xmlns="" val="0"/>
               </a:ext>
             </a:extLst>
           </a:blip>
@@ -9197,7 +9145,7 @@
     </p:spTree>
     <p:extLst>
       <p:ext uri="{BB962C8B-B14F-4D97-AF65-F5344CB8AC3E}">
-        <p14:creationId xmlns:p14="http://schemas.microsoft.com/office/powerpoint/2010/main" val="1386107120"/>
+        <p14:creationId xmlns:p14="http://schemas.microsoft.com/office/powerpoint/2010/main" xmlns="" val="1386107120"/>
       </p:ext>
     </p:extLst>
   </p:cSld>
@@ -9236,7 +9184,7 @@
         </p:nvSpPr>
         <p:spPr>
           <a:xfrm>
-            <a:off x="457200" y="0"/>
+            <a:off x="2362200" y="228600"/>
             <a:ext cx="8229600" cy="884238"/>
           </a:xfrm>
         </p:spPr>
@@ -9265,7 +9213,7 @@
           <a:blip r:embed="rId2" cstate="print">
             <a:extLst>
               <a:ext uri="{28A0092B-C50C-407E-A947-70E740481C1C}">
-                <a14:useLocalDpi xmlns:a14="http://schemas.microsoft.com/office/drawing/2010/main" val="0"/>
+                <a14:useLocalDpi xmlns:a14="http://schemas.microsoft.com/office/drawing/2010/main" xmlns="" val="0"/>
               </a:ext>
             </a:extLst>
           </a:blip>
@@ -9283,7 +9231,7 @@
     </p:spTree>
     <p:extLst>
       <p:ext uri="{BB962C8B-B14F-4D97-AF65-F5344CB8AC3E}">
-        <p14:creationId xmlns:p14="http://schemas.microsoft.com/office/powerpoint/2010/main" val="539227829"/>
+        <p14:creationId xmlns:p14="http://schemas.microsoft.com/office/powerpoint/2010/main" xmlns="" val="539227829"/>
       </p:ext>
     </p:extLst>
   </p:cSld>
@@ -9327,7 +9275,7 @@
     </p:spTree>
     <p:extLst>
       <p:ext uri="{BB962C8B-B14F-4D97-AF65-F5344CB8AC3E}">
-        <p14:creationId xmlns:p14="http://schemas.microsoft.com/office/powerpoint/2010/main" val="227491703"/>
+        <p14:creationId xmlns:p14="http://schemas.microsoft.com/office/powerpoint/2010/main" xmlns="" val="227491703"/>
       </p:ext>
     </p:extLst>
   </p:cSld>
@@ -9366,7 +9314,7 @@
         </p:nvSpPr>
         <p:spPr>
           <a:xfrm>
-            <a:off x="457200" y="76200"/>
+            <a:off x="1981200" y="0"/>
             <a:ext cx="8229600" cy="731838"/>
           </a:xfrm>
         </p:spPr>
@@ -9397,7 +9345,7 @@
           <a:blip r:embed="rId2" cstate="print">
             <a:extLst>
               <a:ext uri="{28A0092B-C50C-407E-A947-70E740481C1C}">
-                <a14:useLocalDpi xmlns:a14="http://schemas.microsoft.com/office/drawing/2010/main" val="0"/>
+                <a14:useLocalDpi xmlns:a14="http://schemas.microsoft.com/office/drawing/2010/main" xmlns="" val="0"/>
               </a:ext>
             </a:extLst>
           </a:blip>
@@ -9415,7 +9363,7 @@
     </p:spTree>
     <p:extLst>
       <p:ext uri="{BB962C8B-B14F-4D97-AF65-F5344CB8AC3E}">
-        <p14:creationId xmlns:p14="http://schemas.microsoft.com/office/powerpoint/2010/main" val="136745214"/>
+        <p14:creationId xmlns:p14="http://schemas.microsoft.com/office/powerpoint/2010/main" xmlns="" val="136745214"/>
       </p:ext>
     </p:extLst>
   </p:cSld>
@@ -9456,7 +9404,7 @@
           <a:blip r:embed="rId2">
             <a:extLst>
               <a:ext uri="{28A0092B-C50C-407E-A947-70E740481C1C}">
-                <a14:useLocalDpi xmlns:a14="http://schemas.microsoft.com/office/drawing/2010/main" val="0"/>
+                <a14:useLocalDpi xmlns:a14="http://schemas.microsoft.com/office/drawing/2010/main" xmlns="" val="0"/>
               </a:ext>
             </a:extLst>
           </a:blip>
@@ -9474,7 +9422,7 @@
     </p:spTree>
     <p:extLst>
       <p:ext uri="{BB962C8B-B14F-4D97-AF65-F5344CB8AC3E}">
-        <p14:creationId xmlns:p14="http://schemas.microsoft.com/office/powerpoint/2010/main" val="459305706"/>
+        <p14:creationId xmlns:p14="http://schemas.microsoft.com/office/powerpoint/2010/main" xmlns="" val="459305706"/>
       </p:ext>
     </p:extLst>
   </p:cSld>
@@ -9566,6 +9514,13 @@
   <p:clrMapOvr>
     <a:masterClrMapping/>
   </p:clrMapOvr>
+  <p:timing>
+    <p:tnLst>
+      <p:par>
+        <p:cTn id="1" dur="indefinite" restart="never" nodeType="tmRoot"/>
+      </p:par>
+    </p:tnLst>
+  </p:timing>
 </p:sld>
 </file>
 
@@ -9600,7 +9555,7 @@
           <a:blip r:embed="rId2">
             <a:extLst>
               <a:ext uri="{28A0092B-C50C-407E-A947-70E740481C1C}">
-                <a14:useLocalDpi xmlns:a14="http://schemas.microsoft.com/office/drawing/2010/main" val="0"/>
+                <a14:useLocalDpi xmlns:a14="http://schemas.microsoft.com/office/drawing/2010/main" xmlns="" val="0"/>
               </a:ext>
             </a:extLst>
           </a:blip>
@@ -9618,7 +9573,7 @@
     </p:spTree>
     <p:extLst>
       <p:ext uri="{BB962C8B-B14F-4D97-AF65-F5344CB8AC3E}">
-        <p14:creationId xmlns:p14="http://schemas.microsoft.com/office/powerpoint/2010/main" val="3541366415"/>
+        <p14:creationId xmlns:p14="http://schemas.microsoft.com/office/powerpoint/2010/main" xmlns="" val="3541366415"/>
       </p:ext>
     </p:extLst>
   </p:cSld>
@@ -9659,7 +9614,7 @@
           <a:blip r:embed="rId2">
             <a:extLst>
               <a:ext uri="{28A0092B-C50C-407E-A947-70E740481C1C}">
-                <a14:useLocalDpi xmlns:a14="http://schemas.microsoft.com/office/drawing/2010/main" val="0"/>
+                <a14:useLocalDpi xmlns:a14="http://schemas.microsoft.com/office/drawing/2010/main" xmlns="" val="0"/>
               </a:ext>
             </a:extLst>
           </a:blip>
@@ -9677,7 +9632,7 @@
     </p:spTree>
     <p:extLst>
       <p:ext uri="{BB962C8B-B14F-4D97-AF65-F5344CB8AC3E}">
-        <p14:creationId xmlns:p14="http://schemas.microsoft.com/office/powerpoint/2010/main" val="3608397868"/>
+        <p14:creationId xmlns:p14="http://schemas.microsoft.com/office/powerpoint/2010/main" xmlns="" val="3608397868"/>
       </p:ext>
     </p:extLst>
   </p:cSld>
@@ -9716,7 +9671,7 @@
         </p:nvSpPr>
         <p:spPr>
           <a:xfrm>
-            <a:off x="533400" y="20782"/>
+            <a:off x="2819400" y="0"/>
             <a:ext cx="8229600" cy="731838"/>
           </a:xfrm>
         </p:spPr>
@@ -9747,7 +9702,7 @@
           <a:blip r:embed="rId2" cstate="print">
             <a:extLst>
               <a:ext uri="{28A0092B-C50C-407E-A947-70E740481C1C}">
-                <a14:useLocalDpi xmlns:a14="http://schemas.microsoft.com/office/drawing/2010/main" val="0"/>
+                <a14:useLocalDpi xmlns:a14="http://schemas.microsoft.com/office/drawing/2010/main" xmlns="" val="0"/>
               </a:ext>
             </a:extLst>
           </a:blip>
@@ -9765,7 +9720,7 @@
     </p:spTree>
     <p:extLst>
       <p:ext uri="{BB962C8B-B14F-4D97-AF65-F5344CB8AC3E}">
-        <p14:creationId xmlns:p14="http://schemas.microsoft.com/office/powerpoint/2010/main" val="2635315847"/>
+        <p14:creationId xmlns:p14="http://schemas.microsoft.com/office/powerpoint/2010/main" xmlns="" val="2635315847"/>
       </p:ext>
     </p:extLst>
   </p:cSld>
@@ -9797,7 +9752,7 @@
           <p:cNvPr id="2" name="Title 1">
             <a:extLst>
               <a:ext uri="{FF2B5EF4-FFF2-40B4-BE49-F238E27FC236}">
-                <a16:creationId xmlns:a16="http://schemas.microsoft.com/office/drawing/2014/main" xmlns="" id="{9CAF2976-4B61-49FD-8BEB-5AE803ABF041}"/>
+                <a16:creationId xmlns="" xmlns:a16="http://schemas.microsoft.com/office/drawing/2014/main" id="{9CAF2976-4B61-49FD-8BEB-5AE803ABF041}"/>
               </a:ext>
             </a:extLst>
           </p:cNvPr>
@@ -9815,12 +9770,14 @@
           </a:xfrm>
         </p:spPr>
         <p:txBody>
-          <a:bodyPr/>
+          <a:bodyPr>
+            <a:normAutofit/>
+          </a:bodyPr>
           <a:lstStyle/>
           <a:p>
             <a:pPr algn="ctr"/>
             <a:r>
-              <a:rPr lang="en-IN" dirty="0"/>
+              <a:rPr lang="en-IN" sz="6600" b="1" i="1" dirty="0"/>
               <a:t>Thank You</a:t>
             </a:r>
           </a:p>
@@ -9829,7 +9786,7 @@
     </p:spTree>
     <p:extLst>
       <p:ext uri="{BB962C8B-B14F-4D97-AF65-F5344CB8AC3E}">
-        <p14:creationId xmlns:p14="http://schemas.microsoft.com/office/powerpoint/2010/main" val="1068408047"/>
+        <p14:creationId xmlns:p14="http://schemas.microsoft.com/office/powerpoint/2010/main" xmlns="" val="1068408047"/>
       </p:ext>
     </p:extLst>
   </p:cSld>
@@ -9928,6 +9885,13 @@
   <p:clrMapOvr>
     <a:masterClrMapping/>
   </p:clrMapOvr>
+  <p:timing>
+    <p:tnLst>
+      <p:par>
+        <p:cTn id="1" dur="indefinite" restart="never" nodeType="tmRoot"/>
+      </p:par>
+    </p:tnLst>
+  </p:timing>
 </p:sld>
 </file>
 
@@ -10371,7 +10335,7 @@
 <file path=ppt/theme/theme1.xml><?xml version="1.0" encoding="utf-8"?>
 <a:theme xmlns:a="http://schemas.openxmlformats.org/drawingml/2006/main" name="Facet">
   <a:themeElements>
-    <a:clrScheme name="Facet">
+    <a:clrScheme name="Flow">
       <a:dk1>
         <a:sysClr val="windowText" lastClr="000000"/>
       </a:dk1>
@@ -10379,39 +10343,39 @@
         <a:sysClr val="window" lastClr="FFFFFF"/>
       </a:lt1>
       <a:dk2>
-        <a:srgbClr val="2C3C43"/>
+        <a:srgbClr val="04617B"/>
       </a:dk2>
       <a:lt2>
-        <a:srgbClr val="EBEBEB"/>
+        <a:srgbClr val="DBF5F9"/>
       </a:lt2>
       <a:accent1>
-        <a:srgbClr val="F496CB"/>
+        <a:srgbClr val="0F6FC6"/>
       </a:accent1>
       <a:accent2>
-        <a:srgbClr val="BC356F"/>
+        <a:srgbClr val="009DD9"/>
       </a:accent2>
       <a:accent3>
-        <a:srgbClr val="E65331"/>
+        <a:srgbClr val="0BD0D9"/>
       </a:accent3>
       <a:accent4>
-        <a:srgbClr val="F27E19"/>
+        <a:srgbClr val="10CF9B"/>
       </a:accent4>
       <a:accent5>
-        <a:srgbClr val="F2AC19"/>
+        <a:srgbClr val="7CCA62"/>
       </a:accent5>
       <a:accent6>
-        <a:srgbClr val="BC80E0"/>
+        <a:srgbClr val="A5C249"/>
       </a:accent6>
       <a:hlink>
-        <a:srgbClr val="EF5285"/>
+        <a:srgbClr val="E2D700"/>
       </a:hlink>
       <a:folHlink>
-        <a:srgbClr val="F77F90"/>
+        <a:srgbClr val="85DFD0"/>
       </a:folHlink>
     </a:clrScheme>
     <a:fontScheme name="Facet">
       <a:majorFont>
-        <a:latin typeface="Trebuchet MS" panose="020B0603020202020204"/>
+        <a:latin typeface="Trebuchet MS"/>
         <a:ea typeface=""/>
         <a:cs typeface=""/>
         <a:font script="Jpan" typeface="メイリオ"/>
@@ -10446,7 +10410,7 @@
         <a:font script="Geor" typeface="Sylfaen"/>
       </a:majorFont>
       <a:minorFont>
-        <a:latin typeface="Trebuchet MS" panose="020B0603020202020204"/>
+        <a:latin typeface="Trebuchet MS"/>
         <a:ea typeface=""/>
         <a:cs typeface=""/>
         <a:font script="Jpan" typeface="メイリオ"/>
@@ -10619,7 +10583,7 @@
   <a:extraClrSchemeLst/>
   <a:extLst>
     <a:ext uri="{05A4C25C-085E-4340-85A3-A5531E510DB2}">
-      <thm15:themeFamily xmlns:thm15="http://schemas.microsoft.com/office/thememl/2012/main" xmlns="" name="Facet" id="{C0C680CD-088A-49FC-A102-D699147F32B2}" vid="{23659B44-6E34-4CE8-8F0D-387DA7996826}"/>
+      <thm15:themeFamily xmlns="" xmlns:thm15="http://schemas.microsoft.com/office/thememl/2012/main" name="Facet" id="{C0C680CD-088A-49FC-A102-D699147F32B2}" vid="{23659B44-6E34-4CE8-8F0D-387DA7996826}"/>
     </a:ext>
   </a:extLst>
 </a:theme>
